--- a/Complimentary Course Content/Module7/Lessons/Module7_Lesson3 Introduction to Chef.pptx
+++ b/Complimentary Course Content/Module7/Lessons/Module7_Lesson3 Introduction to Chef.pptx
@@ -145,7 +145,7 @@
   </p:defaultTextStyle>
   <p:extLst>
     <p:ext uri="{EFAFB233-063F-42B5-8137-9DF3F51BA10A}">
-      <p15:sldGuideLst xmlns:p15="http://schemas.microsoft.com/office/powerpoint/2012/main" xmlns="">
+      <p15:sldGuideLst xmlns="" xmlns:p15="http://schemas.microsoft.com/office/powerpoint/2012/main">
         <p15:guide id="1" orient="horz" pos="2184" userDrawn="1">
           <p15:clr>
             <a:srgbClr val="A4A3A4"/>
@@ -181,160 +181,6 @@
   </p:cmAuthor>
   <p:cmAuthor id="6" name="Mary Kate Reid" initials="" lastIdx="1" clrIdx="5"/>
 </p:cmAuthorLst>
-</file>
-
-<file path=ppt/comments/comment1.xml><?xml version="1.0" encoding="utf-8"?>
-<p:cmLst xmlns:a="http://schemas.openxmlformats.org/drawingml/2006/main" xmlns:r="http://schemas.openxmlformats.org/officeDocument/2006/relationships" xmlns:p="http://schemas.openxmlformats.org/presentationml/2006/main">
-  <p:cm authorId="3" dt="2016-05-10T21:59:14.619" idx="28">
-    <p:pos x="10" y="10"/>
-    <p:text>Instructor notes need to be modified</p:text>
-    <p:extLst>
-      <p:ext uri="{C676402C-5697-4E1C-873F-D02D1690AC5C}">
-        <p15:threadingInfo xmlns:p15="http://schemas.microsoft.com/office/powerpoint/2012/main" timeZoneBias="360"/>
-      </p:ext>
-    </p:extLst>
-  </p:cm>
-</p:cmLst>
-</file>
-
-<file path=ppt/comments/comment10.xml><?xml version="1.0" encoding="utf-8"?>
-<p:cmLst xmlns:a="http://schemas.openxmlformats.org/drawingml/2006/main" xmlns:r="http://schemas.openxmlformats.org/officeDocument/2006/relationships" xmlns:p="http://schemas.openxmlformats.org/presentationml/2006/main">
-  <p:cm authorId="3" dt="2016-05-10T21:59:14.619" idx="40">
-    <p:pos x="10" y="10"/>
-    <p:text>Instructor notes need to be modified</p:text>
-    <p:extLst>
-      <p:ext uri="{C676402C-5697-4E1C-873F-D02D1690AC5C}">
-        <p15:threadingInfo xmlns:p15="http://schemas.microsoft.com/office/powerpoint/2012/main" timeZoneBias="360"/>
-      </p:ext>
-    </p:extLst>
-  </p:cm>
-</p:cmLst>
-</file>
-
-<file path=ppt/comments/comment11.xml><?xml version="1.0" encoding="utf-8"?>
-<p:cmLst xmlns:a="http://schemas.openxmlformats.org/drawingml/2006/main" xmlns:r="http://schemas.openxmlformats.org/officeDocument/2006/relationships" xmlns:p="http://schemas.openxmlformats.org/presentationml/2006/main">
-  <p:cm authorId="3" dt="2016-05-10T21:59:14.619" idx="41">
-    <p:pos x="10" y="10"/>
-    <p:text>Instructor notes need to be modified</p:text>
-    <p:extLst>
-      <p:ext uri="{C676402C-5697-4E1C-873F-D02D1690AC5C}">
-        <p15:threadingInfo xmlns:p15="http://schemas.microsoft.com/office/powerpoint/2012/main" timeZoneBias="360"/>
-      </p:ext>
-    </p:extLst>
-  </p:cm>
-</p:cmLst>
-</file>
-
-<file path=ppt/comments/comment2.xml><?xml version="1.0" encoding="utf-8"?>
-<p:cmLst xmlns:a="http://schemas.openxmlformats.org/drawingml/2006/main" xmlns:r="http://schemas.openxmlformats.org/officeDocument/2006/relationships" xmlns:p="http://schemas.openxmlformats.org/presentationml/2006/main">
-  <p:cm authorId="3" dt="2016-05-10T21:59:14.619" idx="29">
-    <p:pos x="10" y="10"/>
-    <p:text>Instructor notes need to be modified</p:text>
-    <p:extLst>
-      <p:ext uri="{C676402C-5697-4E1C-873F-D02D1690AC5C}">
-        <p15:threadingInfo xmlns:p15="http://schemas.microsoft.com/office/powerpoint/2012/main" timeZoneBias="360"/>
-      </p:ext>
-    </p:extLst>
-  </p:cm>
-</p:cmLst>
-</file>
-
-<file path=ppt/comments/comment3.xml><?xml version="1.0" encoding="utf-8"?>
-<p:cmLst xmlns:a="http://schemas.openxmlformats.org/drawingml/2006/main" xmlns:r="http://schemas.openxmlformats.org/officeDocument/2006/relationships" xmlns:p="http://schemas.openxmlformats.org/presentationml/2006/main">
-  <p:cm authorId="3" dt="2016-05-10T21:59:14.619" idx="30">
-    <p:pos x="10" y="10"/>
-    <p:text>Instructor notes need to be modified</p:text>
-    <p:extLst>
-      <p:ext uri="{C676402C-5697-4E1C-873F-D02D1690AC5C}">
-        <p15:threadingInfo xmlns:p15="http://schemas.microsoft.com/office/powerpoint/2012/main" timeZoneBias="360"/>
-      </p:ext>
-    </p:extLst>
-  </p:cm>
-</p:cmLst>
-</file>
-
-<file path=ppt/comments/comment4.xml><?xml version="1.0" encoding="utf-8"?>
-<p:cmLst xmlns:a="http://schemas.openxmlformats.org/drawingml/2006/main" xmlns:r="http://schemas.openxmlformats.org/officeDocument/2006/relationships" xmlns:p="http://schemas.openxmlformats.org/presentationml/2006/main">
-  <p:cm authorId="3" dt="2016-05-10T21:59:14.619" idx="31">
-    <p:pos x="10" y="10"/>
-    <p:text>Instructor notes need to be modified</p:text>
-    <p:extLst>
-      <p:ext uri="{C676402C-5697-4E1C-873F-D02D1690AC5C}">
-        <p15:threadingInfo xmlns:p15="http://schemas.microsoft.com/office/powerpoint/2012/main" timeZoneBias="360"/>
-      </p:ext>
-    </p:extLst>
-  </p:cm>
-</p:cmLst>
-</file>
-
-<file path=ppt/comments/comment5.xml><?xml version="1.0" encoding="utf-8"?>
-<p:cmLst xmlns:a="http://schemas.openxmlformats.org/drawingml/2006/main" xmlns:r="http://schemas.openxmlformats.org/officeDocument/2006/relationships" xmlns:p="http://schemas.openxmlformats.org/presentationml/2006/main">
-  <p:cm authorId="3" dt="2016-05-10T21:59:14.619" idx="35">
-    <p:pos x="10" y="10"/>
-    <p:text>Instructor notes need to be modified</p:text>
-    <p:extLst>
-      <p:ext uri="{C676402C-5697-4E1C-873F-D02D1690AC5C}">
-        <p15:threadingInfo xmlns:p15="http://schemas.microsoft.com/office/powerpoint/2012/main" timeZoneBias="360"/>
-      </p:ext>
-    </p:extLst>
-  </p:cm>
-</p:cmLst>
-</file>
-
-<file path=ppt/comments/comment6.xml><?xml version="1.0" encoding="utf-8"?>
-<p:cmLst xmlns:a="http://schemas.openxmlformats.org/drawingml/2006/main" xmlns:r="http://schemas.openxmlformats.org/officeDocument/2006/relationships" xmlns:p="http://schemas.openxmlformats.org/presentationml/2006/main">
-  <p:cm authorId="3" dt="2016-05-10T21:59:14.619" idx="36">
-    <p:pos x="10" y="10"/>
-    <p:text>Instructor notes need to be modified</p:text>
-    <p:extLst>
-      <p:ext uri="{C676402C-5697-4E1C-873F-D02D1690AC5C}">
-        <p15:threadingInfo xmlns:p15="http://schemas.microsoft.com/office/powerpoint/2012/main" timeZoneBias="360"/>
-      </p:ext>
-    </p:extLst>
-  </p:cm>
-</p:cmLst>
-</file>
-
-<file path=ppt/comments/comment7.xml><?xml version="1.0" encoding="utf-8"?>
-<p:cmLst xmlns:a="http://schemas.openxmlformats.org/drawingml/2006/main" xmlns:r="http://schemas.openxmlformats.org/officeDocument/2006/relationships" xmlns:p="http://schemas.openxmlformats.org/presentationml/2006/main">
-  <p:cm authorId="3" dt="2016-05-10T21:59:14.619" idx="37">
-    <p:pos x="10" y="10"/>
-    <p:text>Instructor notes need to be modified</p:text>
-    <p:extLst>
-      <p:ext uri="{C676402C-5697-4E1C-873F-D02D1690AC5C}">
-        <p15:threadingInfo xmlns:p15="http://schemas.microsoft.com/office/powerpoint/2012/main" timeZoneBias="360"/>
-      </p:ext>
-    </p:extLst>
-  </p:cm>
-</p:cmLst>
-</file>
-
-<file path=ppt/comments/comment8.xml><?xml version="1.0" encoding="utf-8"?>
-<p:cmLst xmlns:a="http://schemas.openxmlformats.org/drawingml/2006/main" xmlns:r="http://schemas.openxmlformats.org/officeDocument/2006/relationships" xmlns:p="http://schemas.openxmlformats.org/presentationml/2006/main">
-  <p:cm authorId="3" dt="2016-05-10T21:59:14.619" idx="38">
-    <p:pos x="10" y="10"/>
-    <p:text>Instructor notes need to be modified</p:text>
-    <p:extLst>
-      <p:ext uri="{C676402C-5697-4E1C-873F-D02D1690AC5C}">
-        <p15:threadingInfo xmlns:p15="http://schemas.microsoft.com/office/powerpoint/2012/main" timeZoneBias="360"/>
-      </p:ext>
-    </p:extLst>
-  </p:cm>
-</p:cmLst>
-</file>
-
-<file path=ppt/comments/comment9.xml><?xml version="1.0" encoding="utf-8"?>
-<p:cmLst xmlns:a="http://schemas.openxmlformats.org/drawingml/2006/main" xmlns:r="http://schemas.openxmlformats.org/officeDocument/2006/relationships" xmlns:p="http://schemas.openxmlformats.org/presentationml/2006/main">
-  <p:cm authorId="3" dt="2016-05-10T21:59:14.619" idx="39">
-    <p:pos x="10" y="10"/>
-    <p:text>Instructor notes need to be modified</p:text>
-    <p:extLst>
-      <p:ext uri="{C676402C-5697-4E1C-873F-D02D1690AC5C}">
-        <p15:threadingInfo xmlns:p15="http://schemas.microsoft.com/office/powerpoint/2012/main" timeZoneBias="360"/>
-      </p:ext>
-    </p:extLst>
-  </p:cm>
-</p:cmLst>
 </file>
 
 <file path=ppt/notesMasters/notesMaster1.xml><?xml version="1.0" encoding="utf-8"?>
@@ -420,7 +266,7 @@
             <a:fld id="{49B60EF2-7028-489F-85D8-FE86CD7CF2A0}" type="datetimeFigureOut">
               <a:rPr lang="en-US" smtClean="0"/>
               <a:pPr/>
-              <a:t>6/21/16</a:t>
+              <a:t>6/30/16</a:t>
             </a:fld>
             <a:endParaRPr lang="en-US"/>
           </a:p>
@@ -1930,11 +1776,7 @@
             </a:r>
             <a:r>
               <a:rPr lang="en-US" b="0" baseline="0" dirty="0" smtClean="0"/>
-              <a:t> </a:t>
-            </a:r>
-            <a:r>
-              <a:rPr lang="en-US" b="0" baseline="0" dirty="0" smtClean="0"/>
-              <a:t>the documentation above to learn about the different installation options. There are a robust amount of solutions here to provide as much flexibility as possible when integrating a Chef Server, whether your infrastructure runs in a cloud or on bare-metal. </a:t>
+              <a:t> the documentation above to learn about the different installation options. There are a robust amount of solutions here to provide as much flexibility as possible when integrating a Chef Server, whether your infrastructure runs in a cloud or on bare-metal. </a:t>
             </a:r>
           </a:p>
           <a:p>
@@ -1957,11 +1799,7 @@
             </a:pPr>
             <a:r>
               <a:rPr lang="en-US" b="0" baseline="0" dirty="0" smtClean="0"/>
-              <a:t>To get started with learning about the interface of a Chef Server, one should sign up for an account with Hosted Chef to see how the GUI can be utilized. To practice installing and setting up a Chef Server, one should be familiar with launching a pre-configured Chef Server on a cloud like Azure or AWS, as well as the standalone installation that can be set up on a vanilla RHEL or Centos machine</a:t>
-            </a:r>
-            <a:r>
-              <a:rPr lang="en-US" b="0" baseline="0" dirty="0" smtClean="0"/>
-              <a:t>.</a:t>
+              <a:t>To get started with learning about the interface of a Chef Server, one should sign up for an account with Hosted Chef to see how the GUI can be utilized. To practice installing and setting up a Chef Server, one should be familiar with launching a pre-configured Chef Server on a cloud like Azure or AWS, as well as the standalone installation that can be set up on a vanilla RHEL or Centos machine.</a:t>
             </a:r>
           </a:p>
           <a:p>
@@ -2448,11 +2286,7 @@
             </a:pPr>
             <a:r>
               <a:rPr lang="en-US" b="0" dirty="0" smtClean="0"/>
-              <a:t>A </a:t>
-            </a:r>
-            <a:r>
-              <a:rPr lang="en-US" b="0" dirty="0" smtClean="0"/>
-              <a:t>“chef-client run” is the term used to describe a series of steps that are taken by the chef-client when it is configuring a node. The </a:t>
+              <a:t>A “chef-client run” is the term used to describe a series of steps that are taken by the chef-client when it is configuring a node. The </a:t>
             </a:r>
             <a:r>
               <a:rPr lang="en-US" b="0" dirty="0" err="1" smtClean="0"/>
@@ -2460,17 +2294,8 @@
             </a:r>
             <a:r>
               <a:rPr lang="en-US" b="0" dirty="0" smtClean="0"/>
-              <a:t> </a:t>
-            </a:r>
-            <a:r>
-              <a:rPr lang="en-US" b="0" dirty="0" smtClean="0"/>
-              <a:t>shows the various stages that occur during the chef-client </a:t>
-            </a:r>
-            <a:r>
-              <a:rPr lang="en-US" b="0" dirty="0" smtClean="0"/>
-              <a:t>run</a:t>
-            </a:r>
-            <a:endParaRPr lang="en-US" b="0" dirty="0" smtClean="0"/>
+              <a:t> shows the various stages that occur during the chef-client run</a:t>
+            </a:r>
           </a:p>
           <a:p>
             <a:pPr marL="0" marR="0" lvl="0" indent="0" algn="l" defTabSz="914400" rtl="0" eaLnBrk="1" fontAlgn="auto" latinLnBrk="0" hangingPunct="1">
@@ -2745,11 +2570,7 @@
             </a:pPr>
             <a:r>
               <a:rPr lang="en-US" b="0" baseline="0" dirty="0" smtClean="0"/>
-              <a:t>Stop and Wait for Next Run (not shown): When everything is configured and the chef-client run is complete, the chef-client stops and waits until the next time it is asked to run</a:t>
-            </a:r>
-            <a:r>
-              <a:rPr lang="en-US" b="0" baseline="0" dirty="0" smtClean="0"/>
-              <a:t>.</a:t>
+              <a:t>Stop and Wait for Next Run (not shown): When everything is configured and the chef-client run is complete, the chef-client stops and waits until the next time it is asked to run.</a:t>
             </a:r>
           </a:p>
           <a:p>
@@ -3417,11 +3238,7 @@
             </a:pPr>
             <a:r>
               <a:rPr lang="en-US" b="0" dirty="0" smtClean="0"/>
-              <a:t>The </a:t>
-            </a:r>
-            <a:r>
-              <a:rPr lang="en-US" b="0" dirty="0" smtClean="0"/>
-              <a:t>contents of this block contains attributes (and other things) that help describe the state of the resource. In this instance, the content attribute here specifies the contents of the file.</a:t>
+              <a:t>The contents of this block contains attributes (and other things) that help describe the state of the resource. In this instance, the content attribute here specifies the contents of the file.</a:t>
             </a:r>
           </a:p>
           <a:p>
@@ -3796,11 +3613,7 @@
             </a:pPr>
             <a:r>
               <a:rPr lang="en-US" b="0" dirty="0" smtClean="0"/>
-              <a:t>Ask </a:t>
-            </a:r>
-            <a:r>
-              <a:rPr lang="en-US" b="0" dirty="0" smtClean="0"/>
-              <a:t>students to explain</a:t>
+              <a:t>Ask students to explain</a:t>
             </a:r>
             <a:r>
               <a:rPr lang="en-US" b="0" baseline="0" dirty="0" smtClean="0"/>
@@ -4140,19 +3953,7 @@
             </a:pPr>
             <a:r>
               <a:rPr lang="en-US" b="0" baseline="0" dirty="0" smtClean="0"/>
-              <a:t>In the </a:t>
-            </a:r>
-            <a:r>
-              <a:rPr lang="en-US" b="0" baseline="0" dirty="0" smtClean="0"/>
-              <a:t>second example, </a:t>
-            </a:r>
-            <a:r>
-              <a:rPr lang="en-US" b="0" baseline="0" dirty="0" smtClean="0"/>
-              <a:t>we configure the windows service ‘BITS’ to have a manual startup type, requiring the user to start the service manually</a:t>
-            </a:r>
-            <a:r>
-              <a:rPr lang="en-US" b="0" baseline="0" dirty="0" smtClean="0"/>
-              <a:t>.</a:t>
+              <a:t>In the second example, we configure the windows service ‘BITS’ to have a manual startup type, requiring the user to start the service manually.</a:t>
             </a:r>
           </a:p>
           <a:p>
@@ -4573,11 +4374,7 @@
             </a:r>
             <a:r>
               <a:rPr lang="en-US" sz="1200" b="0" baseline="0" dirty="0" smtClean="0"/>
-              <a:t> cookbooks</a:t>
-            </a:r>
-            <a:r>
-              <a:rPr lang="en-US" sz="1200" b="0" baseline="0" dirty="0" smtClean="0"/>
-              <a:t>.</a:t>
+              <a:t> cookbooks.</a:t>
             </a:r>
             <a:endParaRPr lang="en-US" b="0" dirty="0" smtClean="0"/>
           </a:p>
@@ -4588,11 +4385,7 @@
             </a:pPr>
             <a:r>
               <a:rPr lang="en-US" b="0" baseline="0" dirty="0" smtClean="0"/>
-              <a:t>Ruby files are read top-to-bottom, left-to-right. The resources in a recipe will be compiled and executed in the order in which they appear</a:t>
-            </a:r>
-            <a:r>
-              <a:rPr lang="en-US" b="0" baseline="0" dirty="0" smtClean="0"/>
-              <a:t>.</a:t>
+              <a:t>Ruby files are read top-to-bottom, left-to-right. The resources in a recipe will be compiled and executed in the order in which they appear.</a:t>
             </a:r>
             <a:endParaRPr lang="en-US" b="0" dirty="0" smtClean="0"/>
           </a:p>
@@ -4620,15 +4413,7 @@
             </a:r>
             <a:r>
               <a:rPr lang="en-US" b="0" baseline="0" dirty="0" smtClean="0"/>
-              <a:t> for the Admin user. It also restarts some unspecified windows service using the “service” </a:t>
-            </a:r>
-            <a:r>
-              <a:rPr lang="en-US" b="0" baseline="0" dirty="0" smtClean="0"/>
-              <a:t>resource</a:t>
-            </a:r>
-            <a:r>
-              <a:rPr lang="en-US" b="0" baseline="0" dirty="0" smtClean="0"/>
-              <a:t>. Finally we call the ”batch” resource, which will run the command ‘</a:t>
+              <a:t> for the Admin user. It also restarts some unspecified windows service using the “service” resource. Finally we call the ”batch” resource, which will run the command ‘</a:t>
             </a:r>
             <a:r>
               <a:rPr lang="en-US" b="0" baseline="0" dirty="0" err="1" smtClean="0"/>
@@ -5231,11 +5016,7 @@
             </a:pPr>
             <a:r>
               <a:rPr lang="en-US" b="0" dirty="0" smtClean="0"/>
-              <a:t>It’s </a:t>
-            </a:r>
-            <a:r>
-              <a:rPr lang="en-US" b="0" dirty="0" smtClean="0"/>
-              <a:t>important to understand that the supermarket is managed by individuals, not by Chef. Chef neither verifies or approves cookbooks. These instructions solve known infrastructure challenges, like building a proxy server or a database. However it’s important that your organization vet community code for security concerns, just like other freely available code available through places like </a:t>
+              <a:t>It’s important to understand that the supermarket is managed by individuals, not by Chef. Chef neither verifies or approves cookbooks. These instructions solve known infrastructure challenges, like building a proxy server or a database. However it’s important that your organization vet community code for security concerns, just like other freely available code available through places like </a:t>
             </a:r>
             <a:r>
               <a:rPr lang="en-US" b="0" dirty="0" err="1" smtClean="0"/>
@@ -5331,7 +5112,6 @@
               <a:rPr lang="en-US" b="1" dirty="0" smtClean="0"/>
               <a:t>References:</a:t>
             </a:r>
-            <a:endParaRPr lang="en-US" b="1" dirty="0" smtClean="0"/>
           </a:p>
           <a:p>
             <a:pPr marL="171450" marR="0" lvl="0" indent="-171450" algn="l" defTabSz="914400" rtl="0" eaLnBrk="1" fontAlgn="auto" latinLnBrk="0" hangingPunct="1">
@@ -5492,11 +5272,7 @@
             </a:pPr>
             <a:r>
               <a:rPr lang="en-US" b="0" dirty="0" smtClean="0"/>
-              <a:t>https</a:t>
-            </a:r>
-            <a:r>
-              <a:rPr lang="en-US" b="0" dirty="0" smtClean="0"/>
-              <a:t>://</a:t>
+              <a:t>https://</a:t>
             </a:r>
             <a:r>
               <a:rPr lang="en-US" b="0" dirty="0" err="1" smtClean="0"/>
@@ -5885,7 +5661,6 @@
               <a:rPr lang="en-US" b="1" baseline="0" dirty="0" smtClean="0"/>
               <a:t>Notes:</a:t>
             </a:r>
-            <a:endParaRPr lang="en-US" b="1" baseline="0" dirty="0" smtClean="0"/>
           </a:p>
           <a:p>
             <a:pPr marL="171450" marR="0" lvl="0" indent="-171450" algn="l" defTabSz="914400" rtl="0" eaLnBrk="1" fontAlgn="auto" latinLnBrk="0" hangingPunct="1">
@@ -5927,13 +5702,8 @@
             </a:r>
             <a:r>
               <a:rPr lang="en-US" b="0" baseline="0" dirty="0" smtClean="0"/>
-              <a:t> is installed on a node as part of the chef-client install process.</a:t>
-            </a:r>
-            <a:r>
-              <a:rPr lang="en-US" b="0" baseline="0" dirty="0" smtClean="0"/>
-              <a:t>)</a:t>
-            </a:r>
-            <a:endParaRPr lang="en-US" b="0" baseline="0" dirty="0" smtClean="0"/>
+              <a:t> is installed on a node as part of the chef-client install process.)</a:t>
+            </a:r>
           </a:p>
           <a:p>
             <a:pPr marL="171450" marR="0" lvl="0" indent="-171450" algn="l" defTabSz="914400" rtl="0" eaLnBrk="1" fontAlgn="auto" latinLnBrk="0" hangingPunct="1">
@@ -5963,13 +5733,8 @@
             </a:r>
             <a:r>
               <a:rPr lang="en-US" b="0" baseline="0" dirty="0" smtClean="0"/>
-              <a:t> collects include (but are not limited to)</a:t>
-            </a:r>
-            <a:r>
-              <a:rPr lang="en-US" b="0" baseline="0" dirty="0" smtClean="0"/>
-              <a:t>:</a:t>
-            </a:r>
-            <a:endParaRPr lang="en-US" b="0" baseline="0" dirty="0" smtClean="0"/>
+              <a:t> collects include (but are not limited to):</a:t>
+            </a:r>
           </a:p>
           <a:p>
             <a:pPr marL="628650" marR="0" lvl="1" indent="-171450" algn="l" defTabSz="914400" rtl="0" eaLnBrk="1" fontAlgn="auto" latinLnBrk="0" hangingPunct="1">
@@ -6152,13 +5917,8 @@
             </a:pPr>
             <a:r>
               <a:rPr lang="en-US" b="0" baseline="0" dirty="0" smtClean="0"/>
-              <a:t>Other configuration </a:t>
-            </a:r>
-            <a:r>
-              <a:rPr lang="en-US" b="0" baseline="0" dirty="0" smtClean="0"/>
-              <a:t>details</a:t>
-            </a:r>
-            <a:endParaRPr lang="en-US" b="0" baseline="0" dirty="0" smtClean="0"/>
+              <a:t>Other configuration details</a:t>
+            </a:r>
           </a:p>
           <a:p>
             <a:pPr marL="171450" marR="0" lvl="0" indent="-171450" algn="l" defTabSz="914400" rtl="0" eaLnBrk="1" fontAlgn="auto" latinLnBrk="0" hangingPunct="1">
@@ -6188,11 +5948,7 @@
             </a:r>
             <a:r>
               <a:rPr lang="en-US" b="0" baseline="0" dirty="0" smtClean="0"/>
-              <a:t> are automatic attributes, in that these attributes are used by the chef-client to ensure that these attributes remain unchanged after the chef-client is done configuring the node</a:t>
-            </a:r>
-            <a:r>
-              <a:rPr lang="en-US" b="0" baseline="0" dirty="0" smtClean="0"/>
-              <a:t>.</a:t>
+              <a:t> are automatic attributes, in that these attributes are used by the chef-client to ensure that these attributes remain unchanged after the chef-client is done configuring the node.</a:t>
             </a:r>
           </a:p>
           <a:p>
@@ -6402,17 +6158,8 @@
             </a:pPr>
             <a:r>
               <a:rPr lang="en-US" b="0" dirty="0" smtClean="0"/>
-              <a:t>For </a:t>
-            </a:r>
-            <a:r>
-              <a:rPr lang="en-US" b="0" dirty="0" smtClean="0"/>
-              <a:t>the chef-client, two important aspects of nodes are groups of attributes and run-lists. An attribute is a specific piece of data about the node, such as a network interface, a file system, the number of clients a service running on a node is capable of accepting, and so on. A run-list is an ordered list of recipes and/or roles that are run in an exact order. The node object consists of the run-list and node attributes, which is a JSON file that is stored on the Chef server. The chef-client gets a copy of the node object from the Chef server during each chef-client run and places an updated copy on the Chef server at the end of each chef-client run</a:t>
-            </a:r>
-            <a:r>
-              <a:rPr lang="en-US" b="0" dirty="0" smtClean="0"/>
-              <a:t>.</a:t>
-            </a:r>
-            <a:endParaRPr lang="en-US" b="0" dirty="0" smtClean="0"/>
+              <a:t>For the chef-client, two important aspects of nodes are groups of attributes and run-lists. An attribute is a specific piece of data about the node, such as a network interface, a file system, the number of clients a service running on a node is capable of accepting, and so on. A run-list is an ordered list of recipes and/or roles that are run in an exact order. The node object consists of the run-list and node attributes, which is a JSON file that is stored on the Chef server. The chef-client gets a copy of the node object from the Chef server during each chef-client run and places an updated copy on the Chef server at the end of each chef-client run.</a:t>
+            </a:r>
           </a:p>
           <a:p>
             <a:pPr marL="171450" marR="0" lvl="0" indent="-171450" algn="l" defTabSz="914400" rtl="0" eaLnBrk="1" fontAlgn="auto" latinLnBrk="0" hangingPunct="1">
@@ -6434,13 +6181,8 @@
             </a:pPr>
             <a:r>
               <a:rPr lang="en-US" b="0" dirty="0" smtClean="0"/>
-              <a:t>An attribute is a specific detail about a node. Attributes are used by the chef-client to understand</a:t>
-            </a:r>
-            <a:r>
-              <a:rPr lang="en-US" b="0" dirty="0" smtClean="0"/>
-              <a:t>:</a:t>
-            </a:r>
-            <a:endParaRPr lang="en-US" b="0" dirty="0" smtClean="0"/>
+              <a:t>An attribute is a specific detail about a node. Attributes are used by the chef-client to understand:</a:t>
+            </a:r>
           </a:p>
           <a:p>
             <a:pPr marL="628650" marR="0" lvl="1" indent="-171450" algn="l" defTabSz="914400" rtl="0" eaLnBrk="1" fontAlgn="auto" latinLnBrk="0" hangingPunct="1">
@@ -6508,13 +6250,8 @@
             </a:pPr>
             <a:r>
               <a:rPr lang="en-US" b="0" dirty="0" smtClean="0"/>
-              <a:t>What the state of the node should be at the end of the current chef-client </a:t>
-            </a:r>
-            <a:r>
-              <a:rPr lang="en-US" b="0" dirty="0" smtClean="0"/>
-              <a:t>run</a:t>
-            </a:r>
-            <a:endParaRPr lang="en-US" b="0" dirty="0" smtClean="0"/>
+              <a:t>What the state of the node should be at the end of the current chef-client run</a:t>
+            </a:r>
           </a:p>
           <a:p>
             <a:pPr marL="171450" marR="0" lvl="0" indent="-171450" algn="l" defTabSz="914400" rtl="0" eaLnBrk="1" fontAlgn="auto" latinLnBrk="0" hangingPunct="1">
@@ -6536,13 +6273,8 @@
             </a:pPr>
             <a:r>
               <a:rPr lang="en-US" b="0" dirty="0" smtClean="0"/>
-              <a:t>Attributes are defined by</a:t>
-            </a:r>
-            <a:r>
-              <a:rPr lang="en-US" b="0" dirty="0" smtClean="0"/>
-              <a:t>:</a:t>
-            </a:r>
-            <a:endParaRPr lang="en-US" b="0" dirty="0" smtClean="0"/>
+              <a:t>Attributes are defined by:</a:t>
+            </a:r>
           </a:p>
           <a:p>
             <a:pPr marL="628650" marR="0" lvl="1" indent="-171450" algn="l" defTabSz="914400" rtl="0" eaLnBrk="1" fontAlgn="auto" latinLnBrk="0" hangingPunct="1">
@@ -6635,7 +6367,6 @@
               <a:rPr lang="en-US" b="0" dirty="0" smtClean="0"/>
               <a:t>Environments</a:t>
             </a:r>
-            <a:endParaRPr lang="en-US" b="0" dirty="0" smtClean="0"/>
           </a:p>
           <a:p>
             <a:pPr marL="0" marR="0" lvl="0" indent="0" algn="l" defTabSz="914400" rtl="0" eaLnBrk="1" fontAlgn="auto" latinLnBrk="0" hangingPunct="1">
@@ -6657,13 +6388,8 @@
             </a:pPr>
             <a:r>
               <a:rPr lang="en-US" b="0" dirty="0" smtClean="0"/>
-              <a:t>During every chef-client run, the chef-client builds the attribute list using</a:t>
-            </a:r>
-            <a:r>
-              <a:rPr lang="en-US" b="0" dirty="0" smtClean="0"/>
-              <a:t>:</a:t>
-            </a:r>
-            <a:endParaRPr lang="en-US" b="0" dirty="0" smtClean="0"/>
+              <a:t>During every chef-client run, the chef-client builds the attribute list using:</a:t>
+            </a:r>
           </a:p>
           <a:p>
             <a:pPr marL="628650" marR="0" lvl="1" indent="-171450" algn="l" defTabSz="914400" rtl="0" eaLnBrk="1" fontAlgn="auto" latinLnBrk="0" hangingPunct="1">
@@ -6736,13 +6462,8 @@
             </a:pPr>
             <a:r>
               <a:rPr lang="en-US" b="0" dirty="0" smtClean="0"/>
-              <a:t>The rebuilt node object from the current chef-client run, after it is updated for changes to cookbooks (attribute files and/or recipes), roles, and/or environments, and updated for any changes to the state of the node </a:t>
-            </a:r>
-            <a:r>
-              <a:rPr lang="en-US" b="0" dirty="0" smtClean="0"/>
-              <a:t>itself</a:t>
-            </a:r>
-            <a:endParaRPr lang="en-US" b="0" dirty="0" smtClean="0"/>
+              <a:t>The rebuilt node object from the current chef-client run, after it is updated for changes to cookbooks (attribute files and/or recipes), roles, and/or environments, and updated for any changes to the state of the node itself</a:t>
+            </a:r>
           </a:p>
           <a:p>
             <a:pPr marL="171450" marR="0" lvl="0" indent="-171450" algn="l" defTabSz="914400" rtl="0" eaLnBrk="1" fontAlgn="auto" latinLnBrk="0" hangingPunct="1">
@@ -6764,13 +6485,8 @@
             </a:pPr>
             <a:r>
               <a:rPr lang="en-US" b="0" dirty="0" smtClean="0"/>
-              <a:t>After the node object is rebuilt, all of attributes are compared, and then the node is updated based on attribute precedence. At the end of every chef-client run, the node object that defines the current state of the node is uploaded to the Chef server so that it can be indexed for search</a:t>
-            </a:r>
-            <a:r>
-              <a:rPr lang="en-US" b="0" dirty="0" smtClean="0"/>
-              <a:t>.</a:t>
-            </a:r>
-            <a:endParaRPr lang="en-US" b="0" dirty="0" smtClean="0"/>
+              <a:t>After the node object is rebuilt, all of attributes are compared, and then the node is updated based on attribute precedence. At the end of every chef-client run, the node object that defines the current state of the node is uploaded to the Chef server so that it can be indexed for search.</a:t>
+            </a:r>
           </a:p>
           <a:p>
             <a:pPr marL="171450" marR="0" lvl="0" indent="-171450" algn="l" defTabSz="914400" rtl="0" eaLnBrk="1" fontAlgn="auto" latinLnBrk="0" hangingPunct="1">
@@ -6800,11 +6516,7 @@
             </a:r>
             <a:r>
               <a:rPr lang="en-US" b="0" baseline="0" dirty="0" smtClean="0"/>
-              <a:t> bullet point in the above slide) is a more advanced topic usually not introduced to beginners. If a student asks though, an instructor should be familiar with the following docs </a:t>
-            </a:r>
-            <a:r>
-              <a:rPr lang="en-US" b="0" baseline="0" dirty="0" smtClean="0"/>
-              <a:t>article</a:t>
+              <a:t> bullet point in the above slide) is a more advanced topic usually not introduced to beginners. If a student asks though, an instructor should be familiar with the following docs article</a:t>
             </a:r>
           </a:p>
           <a:p>
@@ -6871,11 +6583,7 @@
             </a:pPr>
             <a:r>
               <a:rPr lang="en-US" b="0" dirty="0" smtClean="0"/>
-              <a:t>https</a:t>
-            </a:r>
-            <a:r>
-              <a:rPr lang="en-US" b="0" dirty="0" smtClean="0"/>
-              <a:t>://</a:t>
+              <a:t>https://</a:t>
             </a:r>
             <a:r>
               <a:rPr lang="en-US" b="0" dirty="0" err="1" smtClean="0"/>
@@ -6887,11 +6595,7 @@
             </a:r>
             <a:r>
               <a:rPr lang="en-US" b="0" dirty="0" err="1" smtClean="0"/>
-              <a:t>nodes.html#attribute-</a:t>
-            </a:r>
-            <a:r>
-              <a:rPr lang="en-US" b="0" dirty="0" err="1" smtClean="0"/>
-              <a:t>precedence</a:t>
+              <a:t>nodes.html#attribute-precedence</a:t>
             </a:r>
             <a:endParaRPr lang="en-US" b="0" dirty="0" smtClean="0"/>
           </a:p>
@@ -7090,7 +6794,6 @@
               <a:rPr lang="en-US" b="1" baseline="0" dirty="0" smtClean="0"/>
               <a:t>Notes:</a:t>
             </a:r>
-            <a:endParaRPr lang="en-US" b="1" baseline="0" dirty="0" smtClean="0"/>
           </a:p>
           <a:p>
             <a:pPr marL="171450" marR="0" lvl="0" indent="-171450" algn="l" defTabSz="914400" rtl="0" eaLnBrk="1" fontAlgn="auto" latinLnBrk="0" hangingPunct="1">
@@ -7247,11 +6950,7 @@
             </a:r>
             <a:r>
               <a:rPr lang="en-US" b="0" baseline="0" dirty="0" smtClean="0"/>
-              <a:t>’] . Use of single or double quotes is permitted when accessing node attributes</a:t>
-            </a:r>
-            <a:r>
-              <a:rPr lang="en-US" b="0" baseline="0" dirty="0" smtClean="0"/>
-              <a:t>.</a:t>
+              <a:t>’] . Use of single or double quotes is permitted when accessing node attributes.</a:t>
             </a:r>
           </a:p>
           <a:p>
@@ -9243,7 +8942,7 @@
             <a:fld id="{0459C166-16D3-4A25-A2F8-C51E0E346B22}" type="datetimeFigureOut">
               <a:rPr lang="en-US" smtClean="0"/>
               <a:pPr/>
-              <a:t>6/21/16</a:t>
+              <a:t>6/30/16</a:t>
             </a:fld>
             <a:endParaRPr lang="en-US"/>
           </a:p>
@@ -9612,7 +9311,7 @@
             <a:fld id="{0459C166-16D3-4A25-A2F8-C51E0E346B22}" type="datetimeFigureOut">
               <a:rPr lang="en-US" smtClean="0"/>
               <a:pPr/>
-              <a:t>6/21/16</a:t>
+              <a:t>6/30/16</a:t>
             </a:fld>
             <a:endParaRPr lang="en-US"/>
           </a:p>
@@ -9732,7 +9431,7 @@
             <a:fld id="{0459C166-16D3-4A25-A2F8-C51E0E346B22}" type="datetimeFigureOut">
               <a:rPr lang="en-US" smtClean="0"/>
               <a:pPr/>
-              <a:t>6/21/16</a:t>
+              <a:t>6/30/16</a:t>
             </a:fld>
             <a:endParaRPr lang="en-US"/>
           </a:p>
@@ -9949,7 +9648,7 @@
                 <a:latin typeface="Segoe UI"/>
               </a:rPr>
               <a:pPr/>
-              <a:t>6/21/16</a:t>
+              <a:t>6/30/16</a:t>
             </a:fld>
             <a:endParaRPr lang="en-US">
               <a:solidFill>
@@ -10154,7 +9853,7 @@
                 <a:latin typeface="Segoe UI"/>
               </a:rPr>
               <a:pPr/>
-              <a:t>6/21/16</a:t>
+              <a:t>6/30/16</a:t>
             </a:fld>
             <a:endParaRPr lang="en-US">
               <a:solidFill>
@@ -10454,7 +10153,7 @@
                 <a:latin typeface="Segoe UI"/>
               </a:rPr>
               <a:pPr/>
-              <a:t>6/21/16</a:t>
+              <a:t>6/30/16</a:t>
             </a:fld>
             <a:endParaRPr lang="en-US">
               <a:solidFill>
@@ -10728,7 +10427,7 @@
                 <a:latin typeface="Segoe UI"/>
               </a:rPr>
               <a:pPr/>
-              <a:t>6/21/16</a:t>
+              <a:t>6/30/16</a:t>
             </a:fld>
             <a:endParaRPr lang="en-US">
               <a:solidFill>
@@ -11129,7 +10828,7 @@
                 <a:latin typeface="Segoe UI"/>
               </a:rPr>
               <a:pPr/>
-              <a:t>6/21/16</a:t>
+              <a:t>6/30/16</a:t>
             </a:fld>
             <a:endParaRPr lang="en-US">
               <a:solidFill>
@@ -11283,7 +10982,7 @@
                 <a:latin typeface="Segoe UI"/>
               </a:rPr>
               <a:pPr/>
-              <a:t>6/21/16</a:t>
+              <a:t>6/30/16</a:t>
             </a:fld>
             <a:endParaRPr lang="en-US">
               <a:solidFill>
@@ -11415,7 +11114,7 @@
                 <a:latin typeface="Segoe UI"/>
               </a:rPr>
               <a:pPr/>
-              <a:t>6/21/16</a:t>
+              <a:t>6/30/16</a:t>
             </a:fld>
             <a:endParaRPr lang="en-US">
               <a:solidFill>
@@ -11727,7 +11426,7 @@
                 <a:latin typeface="Segoe UI"/>
               </a:rPr>
               <a:pPr/>
-              <a:t>6/21/16</a:t>
+              <a:t>6/30/16</a:t>
             </a:fld>
             <a:endParaRPr lang="en-US">
               <a:solidFill>
@@ -11927,7 +11626,7 @@
             <a:fld id="{0459C166-16D3-4A25-A2F8-C51E0E346B22}" type="datetimeFigureOut">
               <a:rPr lang="en-US" smtClean="0"/>
               <a:pPr/>
-              <a:t>6/21/16</a:t>
+              <a:t>6/30/16</a:t>
             </a:fld>
             <a:endParaRPr lang="en-US"/>
           </a:p>
@@ -12188,7 +11887,7 @@
                 <a:latin typeface="Segoe UI"/>
               </a:rPr>
               <a:pPr/>
-              <a:t>6/21/16</a:t>
+              <a:t>6/30/16</a:t>
             </a:fld>
             <a:endParaRPr lang="en-US">
               <a:solidFill>
@@ -12393,7 +12092,7 @@
                 <a:latin typeface="Segoe UI"/>
               </a:rPr>
               <a:pPr/>
-              <a:t>6/21/16</a:t>
+              <a:t>6/30/16</a:t>
             </a:fld>
             <a:endParaRPr lang="en-US">
               <a:solidFill>
@@ -12608,7 +12307,7 @@
                 <a:latin typeface="Segoe UI"/>
               </a:rPr>
               <a:pPr/>
-              <a:t>6/21/16</a:t>
+              <a:t>6/30/16</a:t>
             </a:fld>
             <a:endParaRPr lang="en-US">
               <a:solidFill>
@@ -12853,7 +12552,7 @@
                 <a:latin typeface="Segoe UI"/>
               </a:rPr>
               <a:pPr/>
-              <a:t>6/21/16</a:t>
+              <a:t>6/30/16</a:t>
             </a:fld>
             <a:endParaRPr lang="en-US">
               <a:solidFill>
@@ -13058,7 +12757,7 @@
                 <a:latin typeface="Segoe UI"/>
               </a:rPr>
               <a:pPr/>
-              <a:t>6/21/16</a:t>
+              <a:t>6/30/16</a:t>
             </a:fld>
             <a:endParaRPr lang="en-US">
               <a:solidFill>
@@ -13358,7 +13057,7 @@
                 <a:latin typeface="Segoe UI"/>
               </a:rPr>
               <a:pPr/>
-              <a:t>6/21/16</a:t>
+              <a:t>6/30/16</a:t>
             </a:fld>
             <a:endParaRPr lang="en-US">
               <a:solidFill>
@@ -13632,7 +13331,7 @@
                 <a:latin typeface="Segoe UI"/>
               </a:rPr>
               <a:pPr/>
-              <a:t>6/21/16</a:t>
+              <a:t>6/30/16</a:t>
             </a:fld>
             <a:endParaRPr lang="en-US">
               <a:solidFill>
@@ -14033,7 +13732,7 @@
                 <a:latin typeface="Segoe UI"/>
               </a:rPr>
               <a:pPr/>
-              <a:t>6/21/16</a:t>
+              <a:t>6/30/16</a:t>
             </a:fld>
             <a:endParaRPr lang="en-US">
               <a:solidFill>
@@ -14187,7 +13886,7 @@
                 <a:latin typeface="Segoe UI"/>
               </a:rPr>
               <a:pPr/>
-              <a:t>6/21/16</a:t>
+              <a:t>6/30/16</a:t>
             </a:fld>
             <a:endParaRPr lang="en-US">
               <a:solidFill>
@@ -14319,7 +14018,7 @@
                 <a:latin typeface="Segoe UI"/>
               </a:rPr>
               <a:pPr/>
-              <a:t>6/21/16</a:t>
+              <a:t>6/30/16</a:t>
             </a:fld>
             <a:endParaRPr lang="en-US">
               <a:solidFill>
@@ -14613,7 +14312,7 @@
             <a:fld id="{0459C166-16D3-4A25-A2F8-C51E0E346B22}" type="datetimeFigureOut">
               <a:rPr lang="en-US" smtClean="0"/>
               <a:pPr/>
-              <a:t>6/21/16</a:t>
+              <a:t>6/30/16</a:t>
             </a:fld>
             <a:endParaRPr lang="en-US"/>
           </a:p>
@@ -14913,7 +14612,7 @@
                 <a:latin typeface="Segoe UI"/>
               </a:rPr>
               <a:pPr/>
-              <a:t>6/21/16</a:t>
+              <a:t>6/30/16</a:t>
             </a:fld>
             <a:endParaRPr lang="en-US">
               <a:solidFill>
@@ -15202,7 +14901,7 @@
                 <a:latin typeface="Segoe UI"/>
               </a:rPr>
               <a:pPr/>
-              <a:t>6/21/16</a:t>
+              <a:t>6/30/16</a:t>
             </a:fld>
             <a:endParaRPr lang="en-US">
               <a:solidFill>
@@ -15407,7 +15106,7 @@
                 <a:latin typeface="Segoe UI"/>
               </a:rPr>
               <a:pPr/>
-              <a:t>6/21/16</a:t>
+              <a:t>6/30/16</a:t>
             </a:fld>
             <a:endParaRPr lang="en-US">
               <a:solidFill>
@@ -15622,7 +15321,7 @@
                 <a:latin typeface="Segoe UI"/>
               </a:rPr>
               <a:pPr/>
-              <a:t>6/21/16</a:t>
+              <a:t>6/30/16</a:t>
             </a:fld>
             <a:endParaRPr lang="en-US">
               <a:solidFill>
@@ -15954,7 +15653,7 @@
             <a:fld id="{0459C166-16D3-4A25-A2F8-C51E0E346B22}" type="datetimeFigureOut">
               <a:rPr lang="en-US" smtClean="0"/>
               <a:pPr/>
-              <a:t>6/21/16</a:t>
+              <a:t>6/30/16</a:t>
             </a:fld>
             <a:endParaRPr lang="en-US"/>
           </a:p>
@@ -16353,7 +16052,7 @@
             <a:fld id="{0459C166-16D3-4A25-A2F8-C51E0E346B22}" type="datetimeFigureOut">
               <a:rPr lang="en-US" smtClean="0"/>
               <a:pPr/>
-              <a:t>6/21/16</a:t>
+              <a:t>6/30/16</a:t>
             </a:fld>
             <a:endParaRPr lang="en-US"/>
           </a:p>
@@ -17325,7 +17024,7 @@
             <a:fld id="{0459C166-16D3-4A25-A2F8-C51E0E346B22}" type="datetimeFigureOut">
               <a:rPr lang="en-US" smtClean="0"/>
               <a:pPr/>
-              <a:t>6/21/16</a:t>
+              <a:t>6/30/16</a:t>
             </a:fld>
             <a:endParaRPr lang="en-US"/>
           </a:p>
@@ -17539,7 +17238,7 @@
             <a:fld id="{0459C166-16D3-4A25-A2F8-C51E0E346B22}" type="datetimeFigureOut">
               <a:rPr lang="en-US" smtClean="0"/>
               <a:pPr/>
-              <a:t>6/21/16</a:t>
+              <a:t>6/30/16</a:t>
             </a:fld>
             <a:endParaRPr lang="en-US"/>
           </a:p>
@@ -18086,7 +17785,7 @@
                 <a:latin typeface="Segoe UI"/>
               </a:rPr>
               <a:pPr/>
-              <a:t>6/21/16</a:t>
+              <a:t>6/30/16</a:t>
             </a:fld>
             <a:endParaRPr lang="en-US">
               <a:solidFill>
@@ -18661,7 +18360,7 @@
                 <a:latin typeface="Segoe UI"/>
               </a:rPr>
               <a:pPr/>
-              <a:t>6/21/16</a:t>
+              <a:t>6/30/16</a:t>
             </a:fld>
             <a:endParaRPr lang="en-US">
               <a:solidFill>
@@ -22535,29 +22234,8 @@
                   <a:schemeClr val="tx1"/>
                 </a:solidFill>
               </a:rPr>
-              <a:t>A </a:t>
-            </a:r>
-            <a:r>
-              <a:rPr lang="en-US" sz="2400" dirty="0" smtClean="0">
-                <a:solidFill>
-                  <a:schemeClr val="tx1"/>
-                </a:solidFill>
-              </a:rPr>
-              <a:t>Chef Server must run on an RHEL-based instance</a:t>
-            </a:r>
-            <a:r>
-              <a:rPr lang="en-US" sz="2400" dirty="0" smtClean="0">
-                <a:solidFill>
-                  <a:schemeClr val="tx1"/>
-                </a:solidFill>
-              </a:rPr>
-              <a:t>.</a:t>
-            </a:r>
-            <a:endParaRPr lang="en-US" sz="2400" dirty="0" smtClean="0">
-              <a:solidFill>
-                <a:schemeClr val="tx1"/>
-              </a:solidFill>
-            </a:endParaRPr>
+              <a:t>A Chef Server must run on an RHEL-based instance.</a:t>
+            </a:r>
           </a:p>
           <a:p>
             <a:pPr marL="1257300" lvl="2" indent="-342900">
@@ -22688,21 +22366,8 @@
                   <a:schemeClr val="tx1"/>
                 </a:solidFill>
               </a:rPr>
-              <a:t>/chef-server</a:t>
-            </a:r>
-            <a:r>
-              <a:rPr lang="en-US" sz="2400" dirty="0" smtClean="0">
-                <a:solidFill>
-                  <a:schemeClr val="tx1"/>
-                </a:solidFill>
-              </a:rPr>
-              <a:t>/</a:t>
-            </a:r>
-            <a:endParaRPr lang="en-US" sz="2400" dirty="0" smtClean="0">
-              <a:solidFill>
-                <a:schemeClr val="tx1"/>
-              </a:solidFill>
-            </a:endParaRPr>
+              <a:t>/chef-server/</a:t>
+            </a:r>
           </a:p>
         </p:txBody>
       </p:sp>
@@ -23626,15 +23291,7 @@
                   <a:schemeClr val="tx1"/>
                 </a:solidFill>
               </a:rPr>
-              <a:t>Uploads </a:t>
-            </a:r>
-            <a:r>
-              <a:rPr lang="en-US" sz="2400" dirty="0" smtClean="0">
-                <a:solidFill>
-                  <a:schemeClr val="tx1"/>
-                </a:solidFill>
-              </a:rPr>
-              <a:t>the Node Object to the Chef Server, where it is indexed</a:t>
+              <a:t>Uploads the Node Object to the Chef Server, where it is indexed</a:t>
             </a:r>
           </a:p>
         </p:txBody>
@@ -23686,8 +23343,8 @@
         </p:nvGrpSpPr>
         <p:grpSpPr bwMode="auto">
           <a:xfrm>
-            <a:off x="9821994" y="694481"/>
-            <a:ext cx="2088356" cy="1165342"/>
+            <a:off x="9717576" y="636214"/>
+            <a:ext cx="2297192" cy="1281876"/>
             <a:chOff x="537" y="880"/>
             <a:chExt cx="3686" cy="1412"/>
           </a:xfrm>
@@ -24980,8 +24637,12 @@
           <a:prstGeom prst="bentConnector2">
             <a:avLst/>
           </a:prstGeom>
-          <a:ln w="31750">
-            <a:tailEnd type="triangle" w="lg" len="med"/>
+          <a:ln w="38100" cmpd="sng">
+            <a:solidFill>
+              <a:srgbClr val="7F7F7F"/>
+            </a:solidFill>
+            <a:headEnd w="med" len="med"/>
+            <a:tailEnd type="triangle" w="med" len="med"/>
           </a:ln>
         </p:spPr>
         <p:style>
@@ -25013,8 +24674,12 @@
           <a:prstGeom prst="straightConnector1">
             <a:avLst/>
           </a:prstGeom>
-          <a:ln w="31750">
-            <a:tailEnd type="triangle" w="lg" len="med"/>
+          <a:ln w="38100" cmpd="sng">
+            <a:solidFill>
+              <a:srgbClr val="7F7F7F"/>
+            </a:solidFill>
+            <a:headEnd w="med" len="med"/>
+            <a:tailEnd type="triangle" w="med" len="med"/>
           </a:ln>
         </p:spPr>
         <p:style>
@@ -25376,8 +25041,12 @@
           <a:prstGeom prst="straightConnector1">
             <a:avLst/>
           </a:prstGeom>
-          <a:ln w="31750">
-            <a:tailEnd type="triangle" w="lg" len="med"/>
+          <a:ln w="38100" cmpd="sng">
+            <a:solidFill>
+              <a:srgbClr val="7F7F7F"/>
+            </a:solidFill>
+            <a:headEnd w="med" len="med"/>
+            <a:tailEnd type="triangle" w="med" len="med"/>
           </a:ln>
         </p:spPr>
         <p:style>
@@ -25411,9 +25080,12 @@
               <a:gd name="adj1" fmla="val 99706"/>
             </a:avLst>
           </a:prstGeom>
-          <a:ln w="31750">
-            <a:headEnd type="triangle" w="lg" len="med"/>
-            <a:tailEnd type="none"/>
+          <a:ln w="38100" cmpd="sng">
+            <a:solidFill>
+              <a:srgbClr val="7F7F7F"/>
+            </a:solidFill>
+            <a:headEnd type="triangle" w="med" len="med"/>
+            <a:tailEnd type="none" w="med" len="med"/>
           </a:ln>
         </p:spPr>
         <p:style>
@@ -25447,8 +25119,12 @@
               <a:gd name="adj1" fmla="val 241"/>
             </a:avLst>
           </a:prstGeom>
-          <a:ln w="31750">
-            <a:tailEnd type="triangle" w="lg" len="med"/>
+          <a:ln w="38100" cmpd="sng">
+            <a:solidFill>
+              <a:srgbClr val="7F7F7F"/>
+            </a:solidFill>
+            <a:headEnd w="med" len="med"/>
+            <a:tailEnd type="triangle" w="med" len="med"/>
           </a:ln>
         </p:spPr>
         <p:style>
@@ -25524,8 +25200,8 @@
         </p:nvSpPr>
         <p:spPr>
           <a:xfrm>
-            <a:off x="10245367" y="935199"/>
-            <a:ext cx="1106854" cy="876667"/>
+            <a:off x="10071496" y="952132"/>
+            <a:ext cx="1217539" cy="876667"/>
           </a:xfrm>
           <a:prstGeom prst="flowChartMagneticDisk">
             <a:avLst/>
@@ -25535,7 +25211,7 @@
           </a:solidFill>
           <a:ln w="38100">
             <a:solidFill>
-              <a:schemeClr val="bg1"/>
+              <a:srgbClr val="7F7F7F"/>
             </a:solidFill>
           </a:ln>
         </p:spPr>
@@ -25586,8 +25262,12 @@
           <a:prstGeom prst="straightConnector1">
             <a:avLst/>
           </a:prstGeom>
-          <a:ln w="31750">
-            <a:tailEnd type="triangle" w="lg" len="med"/>
+          <a:ln w="38100" cmpd="sng">
+            <a:solidFill>
+              <a:srgbClr val="7F7F7F"/>
+            </a:solidFill>
+            <a:headEnd w="med" len="med"/>
+            <a:tailEnd type="triangle" w="med" len="med"/>
           </a:ln>
         </p:spPr>
         <p:style>
@@ -25619,9 +25299,12 @@
           <a:prstGeom prst="straightConnector1">
             <a:avLst/>
           </a:prstGeom>
-          <a:ln w="31750">
-            <a:headEnd type="triangle" w="lg" len="med"/>
-            <a:tailEnd type="none" w="lg" len="med"/>
+          <a:ln w="38100" cmpd="sng">
+            <a:solidFill>
+              <a:srgbClr val="7F7F7F"/>
+            </a:solidFill>
+            <a:headEnd type="triangle" w="med" len="med"/>
+            <a:tailEnd type="none" w="med" len="med"/>
           </a:ln>
         </p:spPr>
         <p:style>
@@ -26492,23 +26175,8 @@
                 </a:solidFill>
                 <a:latin typeface="Segoe UI"/>
               </a:rPr>
-              <a:t>Basic Chef Terms and Concepts</a:t>
-            </a:r>
-            <a:r>
-              <a:rPr lang="en-US" sz="2400" dirty="0" smtClean="0">
-                <a:solidFill>
-                  <a:prstClr val="black"/>
-                </a:solidFill>
-                <a:latin typeface="Segoe UI"/>
-              </a:rPr>
-              <a:t>:</a:t>
-            </a:r>
-            <a:endParaRPr lang="en-US" sz="2400" dirty="0" smtClean="0">
-              <a:solidFill>
-                <a:prstClr val="black"/>
-              </a:solidFill>
-              <a:latin typeface="Segoe UI"/>
-            </a:endParaRPr>
+              <a:t>Basic Chef Terms and Concepts:</a:t>
+            </a:r>
           </a:p>
           <a:p>
             <a:pPr marL="1492250" lvl="3" indent="-344488">
@@ -26970,21 +26638,8 @@
                   <a:schemeClr val="tx1"/>
                 </a:solidFill>
               </a:rPr>
-              <a:t>In Chef, a Resource is a “statement of configuration policy”. It describes the desired state of a system component or configuration item. These are the fundamental Chef building blocks</a:t>
-            </a:r>
-            <a:r>
-              <a:rPr lang="en-US" sz="2400" dirty="0" smtClean="0">
-                <a:solidFill>
-                  <a:schemeClr val="tx1"/>
-                </a:solidFill>
-              </a:rPr>
-              <a:t>.</a:t>
-            </a:r>
-            <a:endParaRPr lang="en-US" sz="2400" dirty="0" smtClean="0">
-              <a:solidFill>
-                <a:schemeClr val="tx1"/>
-              </a:solidFill>
-            </a:endParaRPr>
+              <a:t>In Chef, a Resource is a “statement of configuration policy”. It describes the desired state of a system component or configuration item. These are the fundamental Chef building blocks.</a:t>
+            </a:r>
           </a:p>
           <a:p>
             <a:pPr marL="1257300" lvl="2" indent="-342900">
@@ -27130,11 +26785,7 @@
           <a:p>
             <a:r>
               <a:rPr lang="en-US" sz="4800" dirty="0" smtClean="0"/>
-              <a:t>Using </a:t>
-            </a:r>
-            <a:r>
-              <a:rPr lang="en-US" sz="4800" dirty="0" smtClean="0"/>
-              <a:t>Chef - </a:t>
+              <a:t>Using Chef - </a:t>
             </a:r>
             <a:r>
               <a:rPr lang="en-US" dirty="0" smtClean="0"/>
@@ -27817,42 +27468,24 @@
               <a:rPr lang="en-US" sz="1800" dirty="0">
                 <a:latin typeface="Lucida Console" panose="020B0609040504020204" pitchFamily="49" charset="0"/>
               </a:rPr>
-              <a:t> </a:t>
-            </a:r>
+              <a:t>  action :install</a:t>
+            </a:r>
+          </a:p>
+          <a:p>
+            <a:pPr marL="0" indent="0">
+              <a:buNone/>
+            </a:pPr>
             <a:r>
               <a:rPr lang="en-US" sz="1800" dirty="0">
                 <a:latin typeface="Lucida Console" panose="020B0609040504020204" pitchFamily="49" charset="0"/>
               </a:rPr>
-              <a:t> action :install</a:t>
-            </a:r>
-          </a:p>
-          <a:p>
-            <a:pPr marL="0" indent="0">
-              <a:buNone/>
-            </a:pPr>
-            <a:r>
-              <a:rPr lang="en-US" sz="1800" dirty="0">
-                <a:latin typeface="Lucida Console" panose="020B0609040504020204" pitchFamily="49" charset="0"/>
-              </a:rPr>
-              <a:t> </a:t>
-            </a:r>
-            <a:r>
-              <a:rPr lang="en-US" sz="1800" dirty="0">
-                <a:latin typeface="Lucida Console" panose="020B0609040504020204" pitchFamily="49" charset="0"/>
-              </a:rPr>
-              <a:t> source ‘</a:t>
+              <a:t>  source ‘</a:t>
             </a:r>
             <a:r>
               <a:rPr lang="fi-FI" sz="1800" dirty="0">
                 <a:latin typeface="Lucida Console" panose="020B0609040504020204" pitchFamily="49" charset="0"/>
               </a:rPr>
-              <a:t>C:\</a:t>
-            </a:r>
-            <a:r>
-              <a:rPr lang="fi-FI" sz="1800" dirty="0">
-                <a:latin typeface="Lucida Console" panose="020B0609040504020204" pitchFamily="49" charset="0"/>
-              </a:rPr>
-              <a:t>7z920.msi’</a:t>
+              <a:t>C:\7z920.msi’</a:t>
             </a:r>
             <a:endParaRPr lang="en-US" sz="1800" dirty="0">
               <a:latin typeface="Lucida Console" panose="020B0609040504020204" pitchFamily="49" charset="0"/>
@@ -27947,9 +27580,6 @@
               </a:rPr>
               <a:t>end</a:t>
             </a:r>
-            <a:endParaRPr lang="en-US" sz="1800" dirty="0">
-              <a:latin typeface="Lucida Console" panose="020B0609040504020204" pitchFamily="49" charset="0"/>
-            </a:endParaRPr>
           </a:p>
         </p:txBody>
       </p:sp>
@@ -28336,15 +27966,7 @@
                   <a:schemeClr val="tx1"/>
                 </a:solidFill>
               </a:rPr>
-              <a:t>A recipe is a </a:t>
-            </a:r>
-            <a:r>
-              <a:rPr lang="en-US" sz="2400" dirty="0" smtClean="0">
-                <a:solidFill>
-                  <a:schemeClr val="tx1"/>
-                </a:solidFill>
-              </a:rPr>
-              <a:t>file that contains Resources. Recipes are the fundamental configuration element for any Node under management by Chef.</a:t>
+              <a:t>A recipe is a file that contains Resources. Recipes are the fundamental configuration element for any Node under management by Chef.</a:t>
             </a:r>
           </a:p>
           <a:p>
@@ -28358,15 +27980,7 @@
                   <a:schemeClr val="tx1"/>
                 </a:solidFill>
               </a:rPr>
-              <a:t>authored </a:t>
-            </a:r>
-            <a:r>
-              <a:rPr lang="en-US" sz="2400" dirty="0" smtClean="0">
-                <a:solidFill>
-                  <a:schemeClr val="tx1"/>
-                </a:solidFill>
-              </a:rPr>
-              <a:t>using Ruby, and have a .</a:t>
+              <a:t>authored using Ruby, and have a .</a:t>
             </a:r>
             <a:r>
               <a:rPr lang="en-US" sz="2400" dirty="0" err="1" smtClean="0">
@@ -28396,15 +28010,7 @@
                   <a:schemeClr val="tx1"/>
                 </a:solidFill>
               </a:rPr>
-              <a:t>essentially </a:t>
-            </a:r>
-            <a:r>
-              <a:rPr lang="en-US" sz="2400" dirty="0" smtClean="0">
-                <a:solidFill>
-                  <a:schemeClr val="tx1"/>
-                </a:solidFill>
-              </a:rPr>
-              <a:t>collections of resources and any needed Ruby logic as helper code</a:t>
+              <a:t>essentially collections of resources and any needed Ruby logic as helper code</a:t>
             </a:r>
           </a:p>
           <a:p>
@@ -28476,15 +28082,7 @@
                   <a:schemeClr val="tx1"/>
                 </a:solidFill>
               </a:rPr>
-              <a:t>added </a:t>
-            </a:r>
-            <a:r>
-              <a:rPr lang="en-US" sz="2400" dirty="0" smtClean="0">
-                <a:solidFill>
-                  <a:schemeClr val="tx1"/>
-                </a:solidFill>
-              </a:rPr>
-              <a:t>to the Run-list for any node</a:t>
+              <a:t>added to the Run-list for any node</a:t>
             </a:r>
           </a:p>
           <a:p>
@@ -28498,29 +28096,8 @@
                   <a:schemeClr val="tx1"/>
                 </a:solidFill>
               </a:rPr>
-              <a:t>stored </a:t>
-            </a:r>
-            <a:r>
-              <a:rPr lang="en-US" sz="2400" dirty="0" smtClean="0">
-                <a:solidFill>
-                  <a:schemeClr val="tx1"/>
-                </a:solidFill>
-              </a:rPr>
-              <a:t>and distributed with </a:t>
-            </a:r>
-            <a:r>
-              <a:rPr lang="en-US" sz="2400" dirty="0" smtClean="0">
-                <a:solidFill>
-                  <a:schemeClr val="tx1"/>
-                </a:solidFill>
-              </a:rPr>
-              <a:t>Cookbooks</a:t>
-            </a:r>
-            <a:endParaRPr lang="en-US" sz="2400" dirty="0" smtClean="0">
-              <a:solidFill>
-                <a:schemeClr val="tx1"/>
-              </a:solidFill>
-            </a:endParaRPr>
+              <a:t>stored and distributed with Cookbooks</a:t>
+            </a:r>
           </a:p>
         </p:txBody>
       </p:sp>
@@ -28580,11 +28157,7 @@
           <a:p>
             <a:r>
               <a:rPr lang="en-US" sz="4800" dirty="0" smtClean="0"/>
-              <a:t>Using </a:t>
-            </a:r>
-            <a:r>
-              <a:rPr lang="en-US" sz="4800" dirty="0" smtClean="0"/>
-              <a:t>Chef - Recipes</a:t>
+              <a:t>Using Chef - Recipes</a:t>
             </a:r>
             <a:endParaRPr lang="en-US" sz="4800" dirty="0"/>
           </a:p>
@@ -28658,7 +28231,6 @@
               <a:rPr lang="en-US" sz="2400" dirty="0"/>
               <a:t>Will be organized with Cookbooks</a:t>
             </a:r>
-            <a:endParaRPr lang="en-US" sz="2400" dirty="0"/>
           </a:p>
         </p:txBody>
       </p:sp>
@@ -29172,21 +28744,8 @@
                   <a:schemeClr val="tx1"/>
                 </a:solidFill>
               </a:rPr>
-              <a:t>A cookbook is a container for recipes and any supporting policy or files. A Chef cookbook is the fundamental unit of configuration and policy distribution</a:t>
-            </a:r>
-            <a:r>
-              <a:rPr lang="en-US" sz="2400" dirty="0" smtClean="0">
-                <a:solidFill>
-                  <a:schemeClr val="tx1"/>
-                </a:solidFill>
-              </a:rPr>
-              <a:t>.</a:t>
-            </a:r>
-            <a:endParaRPr lang="en-US" sz="2400" dirty="0" smtClean="0">
-              <a:solidFill>
-                <a:schemeClr val="tx1"/>
-              </a:solidFill>
-            </a:endParaRPr>
+              <a:t>A cookbook is a container for recipes and any supporting policy or files. A Chef cookbook is the fundamental unit of configuration and policy distribution.</a:t>
+            </a:r>
           </a:p>
           <a:p>
             <a:pPr marL="1257300" lvl="2" indent="-342900">
@@ -29411,15 +28970,7 @@
                   <a:schemeClr val="tx1"/>
                 </a:solidFill>
               </a:rPr>
-              <a:t>A cookbook can be built from scratch, or you can utilize the vast community cookbooks found in the Chef Supermarket</a:t>
-            </a:r>
-            <a:r>
-              <a:rPr lang="en-US" sz="2400" dirty="0" smtClean="0">
-                <a:solidFill>
-                  <a:schemeClr val="tx1"/>
-                </a:solidFill>
-              </a:rPr>
-              <a:t>.</a:t>
+              <a:t>A cookbook can be built from scratch, or you can utilize the vast community cookbooks found in the Chef Supermarket.</a:t>
             </a:r>
             <a:endParaRPr lang="en-US" sz="2400" dirty="0">
               <a:solidFill>
@@ -29438,15 +28989,7 @@
                   <a:schemeClr val="tx1"/>
                 </a:solidFill>
               </a:rPr>
-              <a:t>Community code helps you save time, and can get you started on the right path</a:t>
-            </a:r>
-            <a:r>
-              <a:rPr lang="en-US" sz="2400" dirty="0" smtClean="0">
-                <a:solidFill>
-                  <a:schemeClr val="tx1"/>
-                </a:solidFill>
-              </a:rPr>
-              <a:t>.</a:t>
+              <a:t>Community code helps you save time, and can get you started on the right path.</a:t>
             </a:r>
             <a:endParaRPr lang="en-US" sz="2400" dirty="0">
               <a:solidFill>
@@ -29465,21 +29008,8 @@
                   <a:schemeClr val="tx1"/>
                 </a:solidFill>
               </a:rPr>
-              <a:t>Remember, like GitHub, the Supermarket is managed by individuals, not Chef</a:t>
-            </a:r>
-            <a:r>
-              <a:rPr lang="en-US" sz="2400" dirty="0" smtClean="0">
-                <a:solidFill>
-                  <a:schemeClr val="tx1"/>
-                </a:solidFill>
-              </a:rPr>
-              <a:t>!</a:t>
-            </a:r>
-            <a:endParaRPr lang="en-US" sz="2400" dirty="0" smtClean="0">
-              <a:solidFill>
-                <a:schemeClr val="tx1"/>
-              </a:solidFill>
-            </a:endParaRPr>
+              <a:t>Remember, like GitHub, the Supermarket is managed by individuals, not Chef!</a:t>
+            </a:r>
           </a:p>
         </p:txBody>
       </p:sp>
@@ -29866,37 +29396,8 @@
                   <a:schemeClr val="tx1"/>
                 </a:solidFill>
               </a:rPr>
-              <a:t>We use Chef to control many different servers that may be nearly identical. </a:t>
-            </a:r>
-            <a:r>
-              <a:rPr lang="en-US" sz="2400" dirty="0" smtClean="0">
-                <a:solidFill>
-                  <a:schemeClr val="tx1"/>
-                </a:solidFill>
-              </a:rPr>
-              <a:t>The details </a:t>
-            </a:r>
-            <a:r>
-              <a:rPr lang="en-US" sz="2400" dirty="0" smtClean="0">
-                <a:solidFill>
-                  <a:schemeClr val="tx1"/>
-                </a:solidFill>
-              </a:rPr>
-              <a:t>of any node are called Node </a:t>
-            </a:r>
-            <a:r>
-              <a:rPr lang="en-US" sz="2400" dirty="0" smtClean="0">
-                <a:solidFill>
-                  <a:schemeClr val="tx1"/>
-                </a:solidFill>
-              </a:rPr>
-              <a:t>Attributes.</a:t>
-            </a:r>
-            <a:endParaRPr lang="en-US" sz="2400" dirty="0" smtClean="0">
-              <a:solidFill>
-                <a:schemeClr val="tx1"/>
-              </a:solidFill>
-            </a:endParaRPr>
+              <a:t>We use Chef to control many different servers that may be nearly identical. The details of any node are called Node Attributes.</a:t>
+            </a:r>
           </a:p>
           <a:p>
             <a:pPr marL="1035050" lvl="1" indent="-342900">
@@ -30353,21 +29854,8 @@
                   <a:schemeClr val="tx1"/>
                 </a:solidFill>
               </a:rPr>
-              <a:t>During every chef-client run (converging a node), an attribute list for a node is built using</a:t>
-            </a:r>
-            <a:r>
-              <a:rPr lang="en-US" sz="2400" dirty="0" smtClean="0">
-                <a:solidFill>
-                  <a:schemeClr val="tx1"/>
-                </a:solidFill>
-              </a:rPr>
-              <a:t>:</a:t>
-            </a:r>
-            <a:endParaRPr lang="en-US" sz="2400" dirty="0" smtClean="0">
-              <a:solidFill>
-                <a:schemeClr val="tx1"/>
-              </a:solidFill>
-            </a:endParaRPr>
+              <a:t>During every chef-client run (converging a node), an attribute list for a node is built using:</a:t>
+            </a:r>
           </a:p>
           <a:p>
             <a:pPr marL="1493838" lvl="3" indent="-342900">
@@ -31324,11 +30812,7 @@
             </a:r>
             <a:r>
               <a:rPr lang="en-US" sz="2400" dirty="0" smtClean="0"/>
-              <a:t> is executed automatically and the base of the Node Object is build out of the resulting attributes</a:t>
-            </a:r>
-            <a:r>
-              <a:rPr lang="en-US" sz="2400" dirty="0" smtClean="0"/>
-              <a:t>.</a:t>
+              <a:t> is executed automatically and the base of the Node Object is build out of the resulting attributes.</a:t>
             </a:r>
             <a:endParaRPr lang="en-US" sz="2400" dirty="0"/>
           </a:p>
@@ -31728,21 +31212,8 @@
                   <a:schemeClr val="tx1"/>
                 </a:solidFill>
               </a:rPr>
-              <a:t>Attributes that are defined and gathered during a chef-client run are stored in a JSON object called the Node Object. It is accessible inside of recipes, and is indexed by a Chef Server</a:t>
-            </a:r>
-            <a:r>
-              <a:rPr lang="en-US" sz="2400" dirty="0" smtClean="0">
-                <a:solidFill>
-                  <a:schemeClr val="tx1"/>
-                </a:solidFill>
-              </a:rPr>
-              <a:t>.</a:t>
-            </a:r>
-            <a:endParaRPr lang="en-US" sz="2400" dirty="0" smtClean="0">
-              <a:solidFill>
-                <a:schemeClr val="tx1"/>
-              </a:solidFill>
-            </a:endParaRPr>
+              <a:t>Attributes that are defined and gathered during a chef-client run are stored in a JSON object called the Node Object. It is accessible inside of recipes, and is indexed by a Chef Server.</a:t>
+            </a:r>
           </a:p>
           <a:p>
             <a:pPr marL="1035050" lvl="1" indent="-342900">
@@ -32411,15 +31882,7 @@
                     <a:schemeClr val="tx1"/>
                   </a:solidFill>
                 </a:rPr>
-                <a:t>The Node Object’s attributes are accessible inside of a recipe with the syntax</a:t>
-              </a:r>
-              <a:r>
-                <a:rPr lang="en-US" dirty="0" smtClean="0">
-                  <a:solidFill>
-                    <a:schemeClr val="tx1"/>
-                  </a:solidFill>
-                </a:rPr>
-                <a:t>:</a:t>
+                <a:t>The Node Object’s attributes are accessible inside of a recipe with the syntax:</a:t>
               </a:r>
               <a:endParaRPr lang="en-US" dirty="0">
                 <a:solidFill>
@@ -33460,15 +32923,7 @@
                   <a:schemeClr val="tx1"/>
                 </a:solidFill>
               </a:rPr>
-              <a:t>The </a:t>
-            </a:r>
-            <a:r>
-              <a:rPr lang="en-US" sz="2400" dirty="0" smtClean="0">
-                <a:solidFill>
-                  <a:schemeClr val="tx1"/>
-                </a:solidFill>
-              </a:rPr>
-              <a:t>Workstation is where we author and test Chef code (aka policy)</a:t>
+              <a:t>The Workstation is where we author and test Chef code (aka policy)</a:t>
             </a:r>
           </a:p>
           <a:p>
@@ -33848,11 +33303,6 @@
                 </a:rPr>
                 <a:t>There are many resources available in learning to Use Chef:</a:t>
               </a:r>
-              <a:endParaRPr lang="en-US" i="0" dirty="0">
-                <a:solidFill>
-                  <a:srgbClr val="FFFFFF"/>
-                </a:solidFill>
-              </a:endParaRPr>
             </a:p>
           </p:txBody>
         </p:sp>
@@ -33914,15 +33364,7 @@
                   <a:schemeClr val="tx1"/>
                 </a:solidFill>
               </a:rPr>
-              <a:t> </a:t>
-            </a:r>
-            <a:r>
-              <a:rPr lang="en-US" sz="2400" dirty="0" smtClean="0">
-                <a:solidFill>
-                  <a:schemeClr val="tx1"/>
-                </a:solidFill>
-              </a:rPr>
-              <a:t>– Over 20 hours in tutorials available</a:t>
+              <a:t> – Over 20 hours in tutorials available</a:t>
             </a:r>
           </a:p>
           <a:p>
@@ -34058,21 +33500,8 @@
                   <a:schemeClr val="tx1"/>
                 </a:solidFill>
               </a:rPr>
-              <a:t> – O’Reilly </a:t>
-            </a:r>
-            <a:r>
-              <a:rPr lang="en-US" sz="2400" dirty="0" smtClean="0">
-                <a:solidFill>
-                  <a:schemeClr val="tx1"/>
-                </a:solidFill>
-              </a:rPr>
-              <a:t>Publications</a:t>
-            </a:r>
-            <a:endParaRPr lang="en-US" sz="2400" dirty="0" smtClean="0">
-              <a:solidFill>
-                <a:schemeClr val="tx1"/>
-              </a:solidFill>
-            </a:endParaRPr>
+              <a:t> – O’Reilly Publications</a:t>
+            </a:r>
           </a:p>
         </p:txBody>
       </p:sp>
@@ -40545,7 +39974,7 @@
   <a:extraClrSchemeLst/>
   <a:extLst>
     <a:ext uri="{05A4C25C-085E-4340-85A3-A5531E510DB2}">
-      <thm15:themeFamily xmlns="" xmlns:thm15="http://schemas.microsoft.com/office/thememl/2012/main" name="Office Theme" id="{62F939B6-93AF-4DB8-9C6B-D6C7DFDC589F}" vid="{4A3C46E8-61CC-4603-A589-7422A47A8E4A}"/>
+      <thm15:themeFamily xmlns:thm15="http://schemas.microsoft.com/office/thememl/2012/main" xmlns="" name="Office Theme" id="{62F939B6-93AF-4DB8-9C6B-D6C7DFDC589F}" vid="{4A3C46E8-61CC-4603-A589-7422A47A8E4A}"/>
     </a:ext>
   </a:extLst>
 </a:theme>
@@ -40746,7 +40175,7 @@
   <a:extraClrSchemeLst/>
   <a:extLst>
     <a:ext uri="{05A4C25C-085E-4340-85A3-A5531E510DB2}">
-      <thm15:themeFamily xmlns:thm15="http://schemas.microsoft.com/office/thememl/2012/main" xmlns="" name="Office Theme" id="{62F939B6-93AF-4DB8-9C6B-D6C7DFDC589F}" vid="{4A3C46E8-61CC-4603-A589-7422A47A8E4A}"/>
+      <thm15:themeFamily xmlns="" xmlns:thm15="http://schemas.microsoft.com/office/thememl/2012/main" name="Office Theme" id="{62F939B6-93AF-4DB8-9C6B-D6C7DFDC589F}" vid="{4A3C46E8-61CC-4603-A589-7422A47A8E4A}"/>
     </a:ext>
   </a:extLst>
 </a:theme>
@@ -40973,7 +40402,7 @@
   <a:extraClrSchemeLst/>
   <a:extLst>
     <a:ext uri="{05A4C25C-085E-4340-85A3-A5531E510DB2}">
-      <thm15:themeFamily xmlns:thm15="http://schemas.microsoft.com/office/thememl/2012/main" xmlns="" name="Office Theme" id="{62F939B6-93AF-4DB8-9C6B-D6C7DFDC589F}" vid="{4A3C46E8-61CC-4603-A589-7422A47A8E4A}"/>
+      <thm15:themeFamily xmlns="" xmlns:thm15="http://schemas.microsoft.com/office/thememl/2012/main" name="Office Theme" id="{62F939B6-93AF-4DB8-9C6B-D6C7DFDC589F}" vid="{4A3C46E8-61CC-4603-A589-7422A47A8E4A}"/>
     </a:ext>
   </a:extLst>
 </a:theme>
@@ -41268,7 +40697,7 @@
   <a:extraClrSchemeLst/>
   <a:extLst>
     <a:ext uri="{05A4C25C-085E-4340-85A3-A5531E510DB2}">
-      <thm15:themeFamily xmlns:thm15="http://schemas.microsoft.com/office/thememl/2012/main" xmlns="" name="Office Theme" id="{62F939B6-93AF-4DB8-9C6B-D6C7DFDC589F}" vid="{4A3C46E8-61CC-4603-A589-7422A47A8E4A}"/>
+      <thm15:themeFamily xmlns="" xmlns:thm15="http://schemas.microsoft.com/office/thememl/2012/main" name="Office Theme" id="{62F939B6-93AF-4DB8-9C6B-D6C7DFDC589F}" vid="{4A3C46E8-61CC-4603-A589-7422A47A8E4A}"/>
     </a:ext>
   </a:extLst>
 </a:theme>

--- a/Complimentary Course Content/Module7/Lessons/Module7_Lesson3 Introduction to Chef.pptx
+++ b/Complimentary Course Content/Module7/Lessons/Module7_Lesson3 Introduction to Chef.pptx
@@ -145,7 +145,7 @@
   </p:defaultTextStyle>
   <p:extLst>
     <p:ext uri="{EFAFB233-063F-42B5-8137-9DF3F51BA10A}">
-      <p15:sldGuideLst xmlns="" xmlns:p15="http://schemas.microsoft.com/office/powerpoint/2012/main">
+      <p15:sldGuideLst xmlns:p15="http://schemas.microsoft.com/office/powerpoint/2012/main" xmlns="">
         <p15:guide id="1" orient="horz" pos="2184" userDrawn="1">
           <p15:clr>
             <a:srgbClr val="A4A3A4"/>
@@ -266,7 +266,7 @@
             <a:fld id="{49B60EF2-7028-489F-85D8-FE86CD7CF2A0}" type="datetimeFigureOut">
               <a:rPr lang="en-US" smtClean="0"/>
               <a:pPr/>
-              <a:t>6/30/16</a:t>
+              <a:t>7/14/16</a:t>
             </a:fld>
             <a:endParaRPr lang="en-US"/>
           </a:p>
@@ -1271,7 +1271,7 @@
             </a:pPr>
             <a:r>
               <a:rPr lang="en-US" b="0" dirty="0" smtClean="0"/>
-              <a:t>The Chef server acts as a hub for configuration data. The Chef server stores cookbooks, the policies that are applied to nodes, and metadata that describes each registered node that is being managed by the chef-client. Nodes use the chef-client to ask the Chef server for configuration details, such as recipes, templates, and file distributions. The chef-client then does as much of the configuration work as possible on the nodes themselves (and not on the Chef server). This scalable approach distributes the configuration effort throughout the organization. </a:t>
+              <a:t>The Chef server acts as a hub for configuration data. </a:t>
             </a:r>
           </a:p>
           <a:p>
@@ -1294,6 +1294,126 @@
             </a:pPr>
             <a:r>
               <a:rPr lang="en-US" b="0" dirty="0" smtClean="0"/>
+              <a:t>The Chef server stores cookbooks, the policies that are applied to nodes, and metadata that describes each registered node that is being managed by the chef-client. </a:t>
+            </a:r>
+          </a:p>
+          <a:p>
+            <a:pPr marL="171450" marR="0" lvl="0" indent="-171450" algn="l" defTabSz="914400" rtl="0" eaLnBrk="1" fontAlgn="auto" latinLnBrk="0" hangingPunct="1">
+              <a:lnSpc>
+                <a:spcPct val="100000"/>
+              </a:lnSpc>
+              <a:spcBef>
+                <a:spcPts val="0"/>
+              </a:spcBef>
+              <a:spcAft>
+                <a:spcPts val="0"/>
+              </a:spcAft>
+              <a:buClrTx/>
+              <a:buSzTx/>
+              <a:buFont typeface="Arial"/>
+              <a:buChar char="•"/>
+              <a:tabLst/>
+              <a:defRPr/>
+            </a:pPr>
+            <a:r>
+              <a:rPr lang="en-US" b="0" dirty="0" smtClean="0"/>
+              <a:t>Nodes use the chef-client to ask the Chef server for configuration details, such as recipes, templates, and file distributions. </a:t>
+            </a:r>
+          </a:p>
+          <a:p>
+            <a:pPr marL="171450" marR="0" lvl="0" indent="-171450" algn="l" defTabSz="914400" rtl="0" eaLnBrk="1" fontAlgn="auto" latinLnBrk="0" hangingPunct="1">
+              <a:lnSpc>
+                <a:spcPct val="100000"/>
+              </a:lnSpc>
+              <a:spcBef>
+                <a:spcPts val="0"/>
+              </a:spcBef>
+              <a:spcAft>
+                <a:spcPts val="0"/>
+              </a:spcAft>
+              <a:buClrTx/>
+              <a:buSzTx/>
+              <a:buFont typeface="Arial"/>
+              <a:buChar char="•"/>
+              <a:tabLst/>
+              <a:defRPr/>
+            </a:pPr>
+            <a:r>
+              <a:rPr lang="en-US" b="0" dirty="0" smtClean="0"/>
+              <a:t>The chef-client then does as much of the configuration work as possible on the nodes themselves (and not on the Chef server). </a:t>
+            </a:r>
+          </a:p>
+          <a:p>
+            <a:pPr marL="171450" marR="0" lvl="0" indent="-171450" algn="l" defTabSz="914400" rtl="0" eaLnBrk="1" fontAlgn="auto" latinLnBrk="0" hangingPunct="1">
+              <a:lnSpc>
+                <a:spcPct val="100000"/>
+              </a:lnSpc>
+              <a:spcBef>
+                <a:spcPts val="0"/>
+              </a:spcBef>
+              <a:spcAft>
+                <a:spcPts val="0"/>
+              </a:spcAft>
+              <a:buClrTx/>
+              <a:buSzTx/>
+              <a:buFont typeface="Arial"/>
+              <a:buChar char="•"/>
+              <a:tabLst/>
+              <a:defRPr/>
+            </a:pPr>
+            <a:r>
+              <a:rPr lang="en-US" b="0" dirty="0" smtClean="0"/>
+              <a:t>This scalable approach distributes the configuration effort throughout the organization. </a:t>
+            </a:r>
+          </a:p>
+          <a:p>
+            <a:pPr marL="171450" marR="0" lvl="0" indent="-171450" algn="l" defTabSz="914400" rtl="0" eaLnBrk="1" fontAlgn="auto" latinLnBrk="0" hangingPunct="1">
+              <a:lnSpc>
+                <a:spcPct val="100000"/>
+              </a:lnSpc>
+              <a:spcBef>
+                <a:spcPts val="0"/>
+              </a:spcBef>
+              <a:spcAft>
+                <a:spcPts val="0"/>
+              </a:spcAft>
+              <a:buClrTx/>
+              <a:buSzTx/>
+              <a:buFont typeface="Arial"/>
+              <a:buChar char="•"/>
+              <a:tabLst/>
+              <a:defRPr/>
+            </a:pPr>
+            <a:r>
+              <a:rPr lang="en-US" sz="1200" dirty="0" smtClean="0">
+                <a:solidFill>
+                  <a:schemeClr val="tx1"/>
+                </a:solidFill>
+              </a:rPr>
+              <a:t>This means the nodes do the heavy-lifting of configuring themselves, not the Chef Server itself. The Chef Server is highly scalable because of this distributed model.</a:t>
+            </a:r>
+            <a:endParaRPr lang="en-US" b="0" dirty="0" smtClean="0"/>
+          </a:p>
+          <a:p>
+            <a:pPr marL="171450" marR="0" lvl="0" indent="-171450" algn="l" defTabSz="914400" rtl="0" eaLnBrk="1" fontAlgn="auto" latinLnBrk="0" hangingPunct="1">
+              <a:lnSpc>
+                <a:spcPct val="100000"/>
+              </a:lnSpc>
+              <a:spcBef>
+                <a:spcPts val="0"/>
+              </a:spcBef>
+              <a:spcAft>
+                <a:spcPts val="0"/>
+              </a:spcAft>
+              <a:buClrTx/>
+              <a:buSzTx/>
+              <a:buFont typeface="Arial"/>
+              <a:buChar char="•"/>
+              <a:tabLst/>
+              <a:defRPr/>
+            </a:pPr>
+            <a:r>
+              <a:rPr lang="en-US" b="0" dirty="0" smtClean="0"/>
               <a:t>Starting with the release of Chef server 11, the front-end for the Chef server is written using </a:t>
             </a:r>
             <a:r>
@@ -1302,7 +1422,30 @@
             </a:r>
             <a:r>
               <a:rPr lang="en-US" b="0" dirty="0" smtClean="0"/>
-              <a:t>, which is a programming language that first appeared in 1986, was open sourced in 1998, and is excellent with critical enterprise concerns like concurrency, fault-tolerance, and distributed environments. The Chef server can scale to the size of any enterprise and is sometimes referred to as </a:t>
+              <a:t>, which is a programming language that first appeared in 1986, was open sourced in 1998, and is excellent with critical enterprise concerns like concurrency, fault-tolerance, and distributed environments. </a:t>
+            </a:r>
+          </a:p>
+          <a:p>
+            <a:pPr marL="171450" marR="0" lvl="0" indent="-171450" algn="l" defTabSz="914400" rtl="0" eaLnBrk="1" fontAlgn="auto" latinLnBrk="0" hangingPunct="1">
+              <a:lnSpc>
+                <a:spcPct val="100000"/>
+              </a:lnSpc>
+              <a:spcBef>
+                <a:spcPts val="0"/>
+              </a:spcBef>
+              <a:spcAft>
+                <a:spcPts val="0"/>
+              </a:spcAft>
+              <a:buClrTx/>
+              <a:buSzTx/>
+              <a:buFont typeface="Arial"/>
+              <a:buChar char="•"/>
+              <a:tabLst/>
+              <a:defRPr/>
+            </a:pPr>
+            <a:r>
+              <a:rPr lang="en-US" b="0" dirty="0" smtClean="0"/>
+              <a:t>The Chef server can scale to the size of any enterprise and is sometimes referred to as </a:t>
             </a:r>
             <a:r>
               <a:rPr lang="en-US" b="0" dirty="0" err="1" smtClean="0"/>
@@ -1312,6 +1455,7 @@
               <a:rPr lang="en-US" b="0" dirty="0" smtClean="0"/>
               <a:t>.</a:t>
             </a:r>
+            <a:endParaRPr lang="en-US" b="0" dirty="0" smtClean="0"/>
           </a:p>
           <a:p>
             <a:pPr marL="0" marR="0" lvl="0" indent="0" algn="l" defTabSz="914400" rtl="0" eaLnBrk="1" fontAlgn="auto" latinLnBrk="0" hangingPunct="1">
@@ -1529,10 +1673,29 @@
                 <a:ea typeface="+mn-ea"/>
                 <a:cs typeface="+mn-cs"/>
               </a:rPr>
-              <a:t>At the core the Chef Server is offered as an open source project freely available for anyone to deploy. Chef offers support and additional premium features. Secondly, we have Hosted Chef Server, which is a multi-tenant Chef Server that you host as a service. This by far is the quickest way to get started with and is free as long as you remain under the reasonable node count</a:t>
-            </a:r>
-            <a:r>
-              <a:rPr lang="en-US" sz="1200" b="0" i="0" u="none" strike="noStrike" kern="1200" baseline="0" dirty="0" smtClean="0">
+              <a:t>At the core, the Chef Server is offered as an open source project freely available for anyone to deploy. Chef offers support and additional premium features. </a:t>
+            </a:r>
+          </a:p>
+          <a:p>
+            <a:pPr marL="171450" marR="0" lvl="0" indent="-171450" algn="l" defTabSz="914400" rtl="0" eaLnBrk="1" fontAlgn="auto" latinLnBrk="0" hangingPunct="1">
+              <a:lnSpc>
+                <a:spcPct val="100000"/>
+              </a:lnSpc>
+              <a:spcBef>
+                <a:spcPts val="0"/>
+              </a:spcBef>
+              <a:spcAft>
+                <a:spcPts val="0"/>
+              </a:spcAft>
+              <a:buClrTx/>
+              <a:buSzTx/>
+              <a:buFont typeface="Arial"/>
+              <a:buChar char="•"/>
+              <a:tabLst/>
+              <a:defRPr/>
+            </a:pPr>
+            <a:r>
+              <a:rPr lang="en-US" sz="1200" b="0" i="0" u="none" strike="noStrike" kern="1200" dirty="0" smtClean="0">
                 <a:solidFill>
                   <a:schemeClr val="tx1"/>
                 </a:solidFill>
@@ -1541,12 +1704,12 @@
                 <a:ea typeface="+mn-ea"/>
                 <a:cs typeface="+mn-cs"/>
               </a:rPr>
-              <a:t> of 25 managed nodes. At scale, however, it becomes more cost-effective to host your own Chef Server.</a:t>
+              <a:t>Hosted Chef Server is a multi-tenant Chef Server that organizations can host as a service. </a:t>
             </a:r>
             <a:endParaRPr lang="en-US" b="0" dirty="0" smtClean="0"/>
           </a:p>
           <a:p>
-            <a:pPr marL="171450" marR="0" lvl="0" indent="-171450" algn="l" defTabSz="914400" rtl="0" eaLnBrk="1" fontAlgn="auto" latinLnBrk="0" hangingPunct="1">
+            <a:pPr marL="0" marR="0" lvl="0" indent="0" algn="l" defTabSz="914400" rtl="0" eaLnBrk="1" fontAlgn="auto" latinLnBrk="0" hangingPunct="1">
               <a:lnSpc>
                 <a:spcPct val="100000"/>
               </a:lnSpc>
@@ -1559,7 +1722,7 @@
               <a:buClrTx/>
               <a:buSzTx/>
               <a:buFont typeface="Arial"/>
-              <a:buChar char="•"/>
+              <a:buNone/>
               <a:tabLst/>
               <a:defRPr/>
             </a:pPr>
@@ -1751,6 +1914,7 @@
               <a:rPr lang="en-US" b="1" dirty="0" smtClean="0"/>
               <a:t>:</a:t>
             </a:r>
+            <a:endParaRPr lang="en-US" b="1" dirty="0" smtClean="0"/>
           </a:p>
           <a:p>
             <a:pPr marL="171450" marR="0" lvl="0" indent="-171450" algn="l" defTabSz="914400" rtl="0" eaLnBrk="1" fontAlgn="auto" latinLnBrk="0" hangingPunct="1">
@@ -1771,12 +1935,76 @@
               <a:defRPr/>
             </a:pPr>
             <a:r>
+              <a:rPr lang="en-US" sz="1200" dirty="0" smtClean="0">
+                <a:solidFill>
+                  <a:schemeClr val="tx1"/>
+                </a:solidFill>
+              </a:rPr>
+              <a:t>You can easily get started with Hosted Chef, a service maintained by Chef itself,</a:t>
+            </a:r>
+            <a:r>
+              <a:rPr lang="en-US" sz="1200" baseline="0" dirty="0" smtClean="0">
+                <a:solidFill>
+                  <a:schemeClr val="tx1"/>
+                </a:solidFill>
+              </a:rPr>
+              <a:t> </a:t>
+            </a:r>
+            <a:r>
+              <a:rPr lang="en-US" sz="1200" dirty="0" smtClean="0">
+                <a:solidFill>
+                  <a:schemeClr val="tx1"/>
+                </a:solidFill>
+              </a:rPr>
+              <a:t>Visit </a:t>
+            </a:r>
+            <a:r>
+              <a:rPr lang="en-US" sz="1200" dirty="0" err="1" smtClean="0">
+                <a:solidFill>
+                  <a:schemeClr val="tx1"/>
+                </a:solidFill>
+              </a:rPr>
+              <a:t>manage.chef.io</a:t>
+            </a:r>
+            <a:r>
+              <a:rPr lang="en-US" sz="1200" dirty="0" smtClean="0">
+                <a:solidFill>
+                  <a:schemeClr val="tx1"/>
+                </a:solidFill>
+              </a:rPr>
+              <a:t> to check sign up and manage up to 25 nodes for free</a:t>
+            </a:r>
+            <a:endParaRPr lang="en-US" b="0" dirty="0" smtClean="0"/>
+          </a:p>
+          <a:p>
+            <a:pPr marL="171450" marR="0" lvl="0" indent="-171450" algn="l" defTabSz="914400" rtl="0" eaLnBrk="1" fontAlgn="auto" latinLnBrk="0" hangingPunct="1">
+              <a:lnSpc>
+                <a:spcPct val="100000"/>
+              </a:lnSpc>
+              <a:spcBef>
+                <a:spcPts val="0"/>
+              </a:spcBef>
+              <a:spcAft>
+                <a:spcPts val="0"/>
+              </a:spcAft>
+              <a:buClrTx/>
+              <a:buSzTx/>
+              <a:buFont typeface="Arial"/>
+              <a:buChar char="•"/>
+              <a:tabLst/>
+              <a:defRPr/>
+            </a:pPr>
+            <a:r>
               <a:rPr lang="en-US" b="0" dirty="0" smtClean="0"/>
               <a:t>Check</a:t>
             </a:r>
             <a:r>
               <a:rPr lang="en-US" b="0" baseline="0" dirty="0" smtClean="0"/>
-              <a:t> the documentation above to learn about the different installation options. There are a robust amount of solutions here to provide as much flexibility as possible when integrating a Chef Server, whether your infrastructure runs in a cloud or on bare-metal. </a:t>
+              <a:t> </a:t>
+            </a:r>
+            <a:r>
+              <a:rPr lang="en-US" b="0" baseline="0" dirty="0" smtClean="0"/>
+              <a:t>the documentation above to learn about the different installation options. There are a robust amount of solutions here to provide as much flexibility as possible when integrating a Chef Server, whether your infrastructure runs in a cloud or on bare-metal. </a:t>
             </a:r>
           </a:p>
           <a:p>
@@ -2286,16 +2514,41 @@
             </a:pPr>
             <a:r>
               <a:rPr lang="en-US" b="0" dirty="0" smtClean="0"/>
-              <a:t>A “chef-client run” is the term used to describe a series of steps that are taken by the chef-client when it is configuring a node. The </a:t>
-            </a:r>
-            <a:r>
-              <a:rPr lang="en-US" b="0" dirty="0" err="1" smtClean="0"/>
-              <a:t>abovediagram</a:t>
-            </a:r>
+              <a:t>A “chef-client run” is the term used to describe a series of steps that are taken by the chef-client when it is configuring a node. </a:t>
+            </a:r>
+            <a:endParaRPr lang="en-US" b="0" dirty="0" smtClean="0"/>
+          </a:p>
+          <a:p>
+            <a:pPr marL="171450" marR="0" lvl="0" indent="-171450" algn="l" defTabSz="914400" rtl="0" eaLnBrk="1" fontAlgn="auto" latinLnBrk="0" hangingPunct="1">
+              <a:lnSpc>
+                <a:spcPct val="100000"/>
+              </a:lnSpc>
+              <a:spcBef>
+                <a:spcPts val="0"/>
+              </a:spcBef>
+              <a:spcAft>
+                <a:spcPts val="0"/>
+              </a:spcAft>
+              <a:buClrTx/>
+              <a:buSzTx/>
+              <a:buFont typeface="Arial"/>
+              <a:buChar char="•"/>
+              <a:tabLst/>
+              <a:defRPr/>
+            </a:pPr>
             <a:r>
               <a:rPr lang="en-US" b="0" dirty="0" smtClean="0"/>
-              <a:t> shows the various stages that occur during the chef-client run</a:t>
-            </a:r>
+              <a:t>The above diagram </a:t>
+            </a:r>
+            <a:r>
+              <a:rPr lang="en-US" b="0" dirty="0" smtClean="0"/>
+              <a:t>shows the various stages that occur during the chef-client </a:t>
+            </a:r>
+            <a:r>
+              <a:rPr lang="en-US" b="0" dirty="0" smtClean="0"/>
+              <a:t>run:</a:t>
+            </a:r>
+            <a:endParaRPr lang="en-US" b="0" dirty="0" smtClean="0"/>
           </a:p>
           <a:p>
             <a:pPr marL="0" marR="0" lvl="0" indent="0" algn="l" defTabSz="914400" rtl="0" eaLnBrk="1" fontAlgn="auto" latinLnBrk="0" hangingPunct="1">
@@ -3015,6 +3268,33 @@
             </a:r>
           </a:p>
           <a:p>
+            <a:pPr marL="171450" marR="0" lvl="0" indent="-171450" algn="l" defTabSz="914400" rtl="0" eaLnBrk="1" fontAlgn="auto" latinLnBrk="0" hangingPunct="1">
+              <a:lnSpc>
+                <a:spcPct val="100000"/>
+              </a:lnSpc>
+              <a:spcBef>
+                <a:spcPts val="0"/>
+              </a:spcBef>
+              <a:spcAft>
+                <a:spcPts val="0"/>
+              </a:spcAft>
+              <a:buClrTx/>
+              <a:buSzTx/>
+              <a:buFont typeface="Arial"/>
+              <a:buChar char="•"/>
+              <a:tabLst/>
+              <a:defRPr/>
+            </a:pPr>
+            <a:r>
+              <a:rPr lang="en-US" sz="1200" dirty="0" smtClean="0">
+                <a:solidFill>
+                  <a:schemeClr val="tx1"/>
+                </a:solidFill>
+              </a:rPr>
+              <a:t>In Chef, a Resource is a “statement of configuration policy”. It describes the desired state of a system component or configuration item. These are the fundamental Chef building blocks.</a:t>
+            </a:r>
+          </a:p>
+          <a:p>
             <a:pPr marL="0" marR="0" lvl="0" indent="0" algn="l" defTabSz="914400" rtl="0" eaLnBrk="1" fontAlgn="auto" latinLnBrk="0" hangingPunct="1">
               <a:lnSpc>
                 <a:spcPct val="100000"/>
@@ -3027,12 +3307,16 @@
               </a:spcAft>
               <a:buClrTx/>
               <a:buSzTx/>
-              <a:buFontTx/>
+              <a:buFont typeface="Arial"/>
               <a:buNone/>
               <a:tabLst/>
               <a:defRPr/>
             </a:pPr>
-            <a:endParaRPr lang="en-US" b="0" dirty="0" smtClean="0"/>
+            <a:endParaRPr lang="en-US" sz="1200" b="1" dirty="0" smtClean="0">
+              <a:solidFill>
+                <a:schemeClr val="tx1"/>
+              </a:solidFill>
+            </a:endParaRPr>
           </a:p>
           <a:p>
             <a:pPr marL="0" marR="0" lvl="0" indent="0" algn="l" defTabSz="914400" rtl="0" eaLnBrk="1" fontAlgn="auto" latinLnBrk="0" hangingPunct="1">
@@ -3047,14 +3331,45 @@
               </a:spcAft>
               <a:buClrTx/>
               <a:buSzTx/>
-              <a:buFontTx/>
+              <a:buFont typeface="Arial"/>
               <a:buNone/>
               <a:tabLst/>
               <a:defRPr/>
             </a:pPr>
             <a:r>
+              <a:rPr lang="en-US" sz="1200" b="1" dirty="0" smtClean="0">
+                <a:solidFill>
+                  <a:schemeClr val="tx1"/>
+                </a:solidFill>
+              </a:rPr>
+              <a:t>References:</a:t>
+            </a:r>
+          </a:p>
+          <a:p>
+            <a:pPr marL="171450" marR="0" lvl="0" indent="-171450" algn="l" defTabSz="914400" rtl="0" eaLnBrk="1" fontAlgn="auto" latinLnBrk="0" hangingPunct="1">
+              <a:lnSpc>
+                <a:spcPct val="100000"/>
+              </a:lnSpc>
+              <a:spcBef>
+                <a:spcPts val="0"/>
+              </a:spcBef>
+              <a:spcAft>
+                <a:spcPts val="0"/>
+              </a:spcAft>
+              <a:buClrTx/>
+              <a:buSzTx/>
+              <a:buFont typeface="Arial"/>
+              <a:buChar char="•"/>
+              <a:tabLst/>
+              <a:defRPr/>
+            </a:pPr>
+            <a:r>
               <a:rPr lang="en-US" b="0" dirty="0" smtClean="0"/>
-              <a:t>https://</a:t>
+              <a:t>https</a:t>
+            </a:r>
+            <a:r>
+              <a:rPr lang="en-US" b="0" dirty="0" smtClean="0"/>
+              <a:t>://</a:t>
             </a:r>
             <a:r>
               <a:rPr lang="en-US" b="0" dirty="0" err="1" smtClean="0"/>
@@ -3592,52 +3907,6 @@
               <a:rPr lang="en-US" b="1" dirty="0" smtClean="0"/>
               <a:t>:</a:t>
             </a:r>
-          </a:p>
-          <a:p>
-            <a:pPr marL="171450" marR="0" lvl="0" indent="-171450" algn="l" defTabSz="914400" rtl="0" eaLnBrk="1" fontAlgn="auto" latinLnBrk="0" hangingPunct="1">
-              <a:lnSpc>
-                <a:spcPct val="100000"/>
-              </a:lnSpc>
-              <a:spcBef>
-                <a:spcPts val="0"/>
-              </a:spcBef>
-              <a:spcAft>
-                <a:spcPts val="0"/>
-              </a:spcAft>
-              <a:buClrTx/>
-              <a:buSzTx/>
-              <a:buFont typeface="Arial"/>
-              <a:buChar char="•"/>
-              <a:tabLst/>
-              <a:defRPr/>
-            </a:pPr>
-            <a:r>
-              <a:rPr lang="en-US" b="0" dirty="0" smtClean="0"/>
-              <a:t>Ask students to explain</a:t>
-            </a:r>
-            <a:r>
-              <a:rPr lang="en-US" b="0" baseline="0" dirty="0" smtClean="0"/>
-              <a:t> what’s going on in these examples.</a:t>
-            </a:r>
-          </a:p>
-          <a:p>
-            <a:pPr marL="171450" marR="0" lvl="0" indent="-171450" algn="l" defTabSz="914400" rtl="0" eaLnBrk="1" fontAlgn="auto" latinLnBrk="0" hangingPunct="1">
-              <a:lnSpc>
-                <a:spcPct val="100000"/>
-              </a:lnSpc>
-              <a:spcBef>
-                <a:spcPts val="0"/>
-              </a:spcBef>
-              <a:spcAft>
-                <a:spcPts val="0"/>
-              </a:spcAft>
-              <a:buClrTx/>
-              <a:buSzTx/>
-              <a:buFont typeface="Arial"/>
-              <a:buChar char="•"/>
-              <a:tabLst/>
-              <a:defRPr/>
-            </a:pPr>
             <a:endParaRPr lang="en-US" b="0" baseline="0" dirty="0" smtClean="0"/>
           </a:p>
           <a:p>
@@ -4136,8 +4405,108 @@
             </a:pPr>
             <a:r>
               <a:rPr lang="en-US" b="1" dirty="0" smtClean="0"/>
-              <a:t>References:</a:t>
-            </a:r>
+              <a:t>Notes:</a:t>
+            </a:r>
+          </a:p>
+          <a:p>
+            <a:pPr marL="171450" marR="0" lvl="0" indent="-171450" algn="l" defTabSz="914400" rtl="0" eaLnBrk="1" fontAlgn="auto" latinLnBrk="0" hangingPunct="1">
+              <a:lnSpc>
+                <a:spcPct val="100000"/>
+              </a:lnSpc>
+              <a:spcBef>
+                <a:spcPts val="0"/>
+              </a:spcBef>
+              <a:spcAft>
+                <a:spcPts val="0"/>
+              </a:spcAft>
+              <a:buClrTx/>
+              <a:buSzTx/>
+              <a:buFont typeface="Arial"/>
+              <a:buChar char="•"/>
+              <a:tabLst/>
+              <a:defRPr/>
+            </a:pPr>
+            <a:r>
+              <a:rPr lang="en-US" sz="1200" dirty="0" smtClean="0">
+                <a:solidFill>
+                  <a:schemeClr val="tx1"/>
+                </a:solidFill>
+              </a:rPr>
+              <a:t>Recipes are the fundamental configuration element for any Node under management by Chef.</a:t>
+            </a:r>
+          </a:p>
+          <a:p>
+            <a:pPr marL="171450" marR="0" lvl="0" indent="-171450" algn="l" defTabSz="914400" rtl="0" eaLnBrk="1" fontAlgn="auto" latinLnBrk="0" hangingPunct="1">
+              <a:lnSpc>
+                <a:spcPct val="100000"/>
+              </a:lnSpc>
+              <a:spcBef>
+                <a:spcPts val="0"/>
+              </a:spcBef>
+              <a:spcAft>
+                <a:spcPts val="0"/>
+              </a:spcAft>
+              <a:buClrTx/>
+              <a:buSzTx/>
+              <a:buFont typeface="Arial"/>
+              <a:buChar char="•"/>
+              <a:tabLst/>
+              <a:defRPr/>
+            </a:pPr>
+            <a:r>
+              <a:rPr lang="en-US" sz="1200" dirty="0" smtClean="0">
+                <a:solidFill>
+                  <a:schemeClr val="tx1"/>
+                </a:solidFill>
+              </a:rPr>
+              <a:t>Recipes are essentially collections of resources and any needed Ruby logic as helper code.</a:t>
+            </a:r>
+          </a:p>
+          <a:p>
+            <a:pPr marL="171450" marR="0" lvl="0" indent="-171450" algn="l" defTabSz="914400" rtl="0" eaLnBrk="1" fontAlgn="auto" latinLnBrk="0" hangingPunct="1">
+              <a:lnSpc>
+                <a:spcPct val="100000"/>
+              </a:lnSpc>
+              <a:spcBef>
+                <a:spcPts val="0"/>
+              </a:spcBef>
+              <a:spcAft>
+                <a:spcPts val="0"/>
+              </a:spcAft>
+              <a:buClrTx/>
+              <a:buSzTx/>
+              <a:buFont typeface="Arial"/>
+              <a:buChar char="•"/>
+              <a:tabLst/>
+              <a:defRPr/>
+            </a:pPr>
+            <a:r>
+              <a:rPr lang="en-US" sz="1200" dirty="0" smtClean="0">
+                <a:solidFill>
+                  <a:schemeClr val="tx1"/>
+                </a:solidFill>
+              </a:rPr>
+              <a:t>They are stored and distributed with cookbooks</a:t>
+            </a:r>
+          </a:p>
+          <a:p>
+            <a:pPr marL="171450" marR="0" lvl="0" indent="-171450" algn="l" defTabSz="914400" rtl="0" eaLnBrk="1" fontAlgn="auto" latinLnBrk="0" hangingPunct="1">
+              <a:lnSpc>
+                <a:spcPct val="100000"/>
+              </a:lnSpc>
+              <a:spcBef>
+                <a:spcPts val="0"/>
+              </a:spcBef>
+              <a:spcAft>
+                <a:spcPts val="0"/>
+              </a:spcAft>
+              <a:buClrTx/>
+              <a:buSzTx/>
+              <a:buFont typeface="Arial"/>
+              <a:buChar char="•"/>
+              <a:tabLst/>
+              <a:defRPr/>
+            </a:pPr>
             <a:endParaRPr lang="en-US" b="0" dirty="0" smtClean="0"/>
           </a:p>
           <a:p>
@@ -4155,6 +4524,34 @@
               <a:buSzTx/>
               <a:buFontTx/>
               <a:buNone/>
+              <a:tabLst/>
+              <a:defRPr/>
+            </a:pPr>
+            <a:r>
+              <a:rPr lang="en-US" b="1" dirty="0" smtClean="0"/>
+              <a:t>References</a:t>
+            </a:r>
+            <a:r>
+              <a:rPr lang="en-US" b="1" dirty="0" smtClean="0"/>
+              <a:t>:</a:t>
+            </a:r>
+            <a:endParaRPr lang="en-US" b="0" dirty="0" smtClean="0"/>
+          </a:p>
+          <a:p>
+            <a:pPr marL="171450" marR="0" lvl="0" indent="-171450" algn="l" defTabSz="914400" rtl="0" eaLnBrk="1" fontAlgn="auto" latinLnBrk="0" hangingPunct="1">
+              <a:lnSpc>
+                <a:spcPct val="100000"/>
+              </a:lnSpc>
+              <a:spcBef>
+                <a:spcPts val="0"/>
+              </a:spcBef>
+              <a:spcAft>
+                <a:spcPts val="0"/>
+              </a:spcAft>
+              <a:buClrTx/>
+              <a:buSzTx/>
+              <a:buFont typeface="Arial"/>
+              <a:buChar char="•"/>
               <a:tabLst/>
               <a:defRPr/>
             </a:pPr>
@@ -4679,6 +5076,108 @@
             </a:r>
           </a:p>
           <a:p>
+            <a:pPr marL="171450" marR="0" lvl="0" indent="-171450" algn="l" defTabSz="914400" rtl="0" eaLnBrk="1" fontAlgn="auto" latinLnBrk="0" hangingPunct="1">
+              <a:lnSpc>
+                <a:spcPct val="100000"/>
+              </a:lnSpc>
+              <a:spcBef>
+                <a:spcPts val="0"/>
+              </a:spcBef>
+              <a:spcAft>
+                <a:spcPts val="0"/>
+              </a:spcAft>
+              <a:buClrTx/>
+              <a:buSzTx/>
+              <a:buFont typeface="Arial"/>
+              <a:buChar char="•"/>
+              <a:tabLst/>
+              <a:defRPr/>
+            </a:pPr>
+            <a:r>
+              <a:rPr lang="en-US" sz="1200" dirty="0" smtClean="0">
+                <a:solidFill>
+                  <a:schemeClr val="tx1"/>
+                </a:solidFill>
+              </a:rPr>
+              <a:t>Chef cookbook is the fundamental unit of configuration and policy distribution.</a:t>
+            </a:r>
+            <a:endParaRPr lang="en-US" b="0" dirty="0" smtClean="0"/>
+          </a:p>
+          <a:p>
+            <a:pPr marL="171450" marR="0" lvl="0" indent="-171450" algn="l" defTabSz="914400" rtl="0" eaLnBrk="1" fontAlgn="auto" latinLnBrk="0" hangingPunct="1">
+              <a:lnSpc>
+                <a:spcPct val="100000"/>
+              </a:lnSpc>
+              <a:spcBef>
+                <a:spcPts val="0"/>
+              </a:spcBef>
+              <a:spcAft>
+                <a:spcPts val="0"/>
+              </a:spcAft>
+              <a:buClrTx/>
+              <a:buSzTx/>
+              <a:buFont typeface="Arial"/>
+              <a:buChar char="•"/>
+              <a:tabLst/>
+              <a:defRPr/>
+            </a:pPr>
+            <a:r>
+              <a:rPr lang="en-US" b="0" dirty="0" smtClean="0"/>
+              <a:t>Students</a:t>
+            </a:r>
+            <a:r>
+              <a:rPr lang="en-US" b="0" baseline="0" dirty="0" smtClean="0"/>
+              <a:t> should open the documentation and have it available as they work with Chef.</a:t>
+            </a:r>
+            <a:endParaRPr lang="en-US" b="0" dirty="0" smtClean="0"/>
+          </a:p>
+          <a:p>
+            <a:pPr marL="628650" marR="0" lvl="1" indent="-171450" algn="l" defTabSz="914400" rtl="0" eaLnBrk="1" fontAlgn="auto" latinLnBrk="0" hangingPunct="1">
+              <a:lnSpc>
+                <a:spcPct val="100000"/>
+              </a:lnSpc>
+              <a:spcBef>
+                <a:spcPts val="0"/>
+              </a:spcBef>
+              <a:spcAft>
+                <a:spcPts val="0"/>
+              </a:spcAft>
+              <a:buClrTx/>
+              <a:buSzTx/>
+              <a:buFont typeface="Arial"/>
+              <a:buChar char="•"/>
+              <a:tabLst/>
+              <a:defRPr/>
+            </a:pPr>
+            <a:r>
+              <a:rPr lang="en-US" b="0" dirty="0" smtClean="0"/>
+              <a:t>The first three paragraphs give a good understanding of the purpose of the organizational structure of a cookbook, and the various components it might contain.</a:t>
+            </a:r>
+          </a:p>
+          <a:p>
+            <a:pPr marL="628650" marR="0" lvl="1" indent="-171450" algn="l" defTabSz="914400" rtl="0" eaLnBrk="1" fontAlgn="auto" latinLnBrk="0" hangingPunct="1">
+              <a:lnSpc>
+                <a:spcPct val="100000"/>
+              </a:lnSpc>
+              <a:spcBef>
+                <a:spcPts val="0"/>
+              </a:spcBef>
+              <a:spcAft>
+                <a:spcPts val="0"/>
+              </a:spcAft>
+              <a:buClrTx/>
+              <a:buSzTx/>
+              <a:buFont typeface="Arial"/>
+              <a:buChar char="•"/>
+              <a:tabLst/>
+              <a:defRPr/>
+            </a:pPr>
+            <a:r>
+              <a:rPr lang="en-US" b="0" dirty="0" smtClean="0"/>
+              <a:t>The documentation will be referenced often, as it provides a concise, clear view of what each Chef component is used for. Encourage students to check the docs before referring to other forms of support like online forums.</a:t>
+            </a:r>
+          </a:p>
+          <a:p>
             <a:pPr marL="0" marR="0" lvl="0" indent="0" algn="l" defTabSz="914400" rtl="0" eaLnBrk="1" fontAlgn="auto" latinLnBrk="0" hangingPunct="1">
               <a:lnSpc>
                 <a:spcPct val="100000"/>
@@ -4753,120 +5252,6 @@
               <a:defRPr/>
             </a:pPr>
             <a:endParaRPr lang="en-US" b="0" dirty="0" smtClean="0"/>
-          </a:p>
-          <a:p>
-            <a:pPr marL="0" marR="0" lvl="0" indent="0" algn="l" defTabSz="914400" rtl="0" eaLnBrk="1" fontAlgn="auto" latinLnBrk="0" hangingPunct="1">
-              <a:lnSpc>
-                <a:spcPct val="100000"/>
-              </a:lnSpc>
-              <a:spcBef>
-                <a:spcPts val="0"/>
-              </a:spcBef>
-              <a:spcAft>
-                <a:spcPts val="0"/>
-              </a:spcAft>
-              <a:buClrTx/>
-              <a:buSzTx/>
-              <a:buFontTx/>
-              <a:buNone/>
-              <a:tabLst/>
-              <a:defRPr/>
-            </a:pPr>
-            <a:r>
-              <a:rPr lang="en-US" b="0" dirty="0" smtClean="0"/>
-              <a:t>Students</a:t>
-            </a:r>
-            <a:r>
-              <a:rPr lang="en-US" b="0" baseline="0" dirty="0" smtClean="0"/>
-              <a:t> should open the documentation and have it available as they work with Chef.</a:t>
-            </a:r>
-            <a:endParaRPr lang="en-US" b="0" dirty="0" smtClean="0"/>
-          </a:p>
-          <a:p>
-            <a:pPr marL="0" marR="0" lvl="0" indent="0" algn="l" defTabSz="914400" rtl="0" eaLnBrk="1" fontAlgn="auto" latinLnBrk="0" hangingPunct="1">
-              <a:lnSpc>
-                <a:spcPct val="100000"/>
-              </a:lnSpc>
-              <a:spcBef>
-                <a:spcPts val="0"/>
-              </a:spcBef>
-              <a:spcAft>
-                <a:spcPts val="0"/>
-              </a:spcAft>
-              <a:buClrTx/>
-              <a:buSzTx/>
-              <a:buFontTx/>
-              <a:buNone/>
-              <a:tabLst/>
-              <a:defRPr/>
-            </a:pPr>
-            <a:endParaRPr lang="en-US" b="0" dirty="0" smtClean="0"/>
-          </a:p>
-          <a:p>
-            <a:pPr marL="0" marR="0" lvl="0" indent="0" algn="l" defTabSz="914400" rtl="0" eaLnBrk="1" fontAlgn="auto" latinLnBrk="0" hangingPunct="1">
-              <a:lnSpc>
-                <a:spcPct val="100000"/>
-              </a:lnSpc>
-              <a:spcBef>
-                <a:spcPts val="0"/>
-              </a:spcBef>
-              <a:spcAft>
-                <a:spcPts val="0"/>
-              </a:spcAft>
-              <a:buClrTx/>
-              <a:buSzTx/>
-              <a:buFontTx/>
-              <a:buNone/>
-              <a:tabLst/>
-              <a:defRPr/>
-            </a:pPr>
-            <a:r>
-              <a:rPr lang="en-US" b="0" dirty="0" smtClean="0"/>
-              <a:t>The first three paragraphs give a good understanding of the purpose of the organizational structure of a cookbook, and the various components it might contain.</a:t>
-            </a:r>
-          </a:p>
-          <a:p>
-            <a:pPr marL="0" marR="0" lvl="0" indent="0" algn="l" defTabSz="914400" rtl="0" eaLnBrk="1" fontAlgn="auto" latinLnBrk="0" hangingPunct="1">
-              <a:lnSpc>
-                <a:spcPct val="100000"/>
-              </a:lnSpc>
-              <a:spcBef>
-                <a:spcPts val="0"/>
-              </a:spcBef>
-              <a:spcAft>
-                <a:spcPts val="0"/>
-              </a:spcAft>
-              <a:buClrTx/>
-              <a:buSzTx/>
-              <a:buFontTx/>
-              <a:buNone/>
-              <a:tabLst/>
-              <a:defRPr/>
-            </a:pPr>
-            <a:endParaRPr lang="en-US" b="0" dirty="0" smtClean="0"/>
-          </a:p>
-          <a:p>
-            <a:pPr marL="0" marR="0" lvl="0" indent="0" algn="l" defTabSz="914400" rtl="0" eaLnBrk="1" fontAlgn="auto" latinLnBrk="0" hangingPunct="1">
-              <a:lnSpc>
-                <a:spcPct val="100000"/>
-              </a:lnSpc>
-              <a:spcBef>
-                <a:spcPts val="0"/>
-              </a:spcBef>
-              <a:spcAft>
-                <a:spcPts val="0"/>
-              </a:spcAft>
-              <a:buClrTx/>
-              <a:buSzTx/>
-              <a:buFontTx/>
-              <a:buNone/>
-              <a:tabLst/>
-              <a:defRPr/>
-            </a:pPr>
-            <a:r>
-              <a:rPr lang="en-US" b="0" dirty="0" smtClean="0"/>
-              <a:t>The documentation will be referenced often, as it provides a concise, clear view of what each Chef component is used for. Encourage students to check the docs before referring to other forms of support like online forums.</a:t>
-            </a:r>
           </a:p>
           <a:p>
             <a:pPr marL="0" marR="0" lvl="0" indent="0" algn="l" defTabSz="914400" rtl="0" eaLnBrk="1" fontAlgn="auto" latinLnBrk="0" hangingPunct="1">
@@ -7156,8 +7541,9 @@
             </a:pPr>
             <a:r>
               <a:rPr lang="en-US" i="0" dirty="0" smtClean="0"/>
-              <a:t>you don’t have to use a Chef Server!</a:t>
-            </a:r>
+              <a:t>It is not necessary to use a Chef Server.</a:t>
+            </a:r>
+            <a:endParaRPr lang="en-US" i="0" dirty="0" smtClean="0"/>
           </a:p>
         </p:txBody>
       </p:sp>
@@ -7959,7 +8345,30 @@
             </a:pPr>
             <a:r>
               <a:rPr lang="en-US" b="0" baseline="0" dirty="0" smtClean="0"/>
-              <a:t>Think about how many times you install IIS. Not much? Really? Consider platforms like Exchange and SharePoint that need IIS as prerequisite software, Web farm deployments, testing environments and development environments. You might spend more time installing IIS than you think. Add to this the need for disaster recovery automation. Can you bring your Web farm back online in minutes? Installing and configuring IIS along with your Web sites is a simple task. It’s a long and boring process if you have a lot of servers.</a:t>
+              <a:t>Think about how many times IIS is installed. Consider platforms like Exchange and SharePoint that need IIS as prerequisite software, Web farm deployments, testing environments, and development environments. More time is spent installing IIS than people think. </a:t>
+            </a:r>
+          </a:p>
+          <a:p>
+            <a:pPr marL="171450" marR="0" lvl="0" indent="-171450" algn="l" defTabSz="914400" rtl="0" eaLnBrk="1" fontAlgn="auto" latinLnBrk="0" hangingPunct="1">
+              <a:lnSpc>
+                <a:spcPct val="100000"/>
+              </a:lnSpc>
+              <a:spcBef>
+                <a:spcPts val="0"/>
+              </a:spcBef>
+              <a:spcAft>
+                <a:spcPts val="0"/>
+              </a:spcAft>
+              <a:buClrTx/>
+              <a:buSzTx/>
+              <a:buFont typeface="Arial"/>
+              <a:buChar char="•"/>
+              <a:tabLst/>
+              <a:defRPr/>
+            </a:pPr>
+            <a:r>
+              <a:rPr lang="en-US" b="0" baseline="0" dirty="0" smtClean="0"/>
+              <a:t>Add to this the need for disaster recovery automation. Can your Web farm be brought back online in minutes? Installing and configuring IIS along with Web sites is a simple task, but it is a long and boring process if there are many servers.</a:t>
             </a:r>
           </a:p>
           <a:p>
@@ -8513,11 +8922,15 @@
             </a:r>
             <a:r>
               <a:rPr lang="en-US" b="0" u="none" baseline="0" dirty="0" err="1" smtClean="0"/>
-              <a:t>Chocolately</a:t>
+              <a:t>Chocolatey</a:t>
             </a:r>
             <a:r>
               <a:rPr lang="en-US" b="0" u="none" baseline="0" dirty="0" smtClean="0"/>
-              <a:t> by calling the default recipe for the Chocolatey community cookbook. This installs Chocolatey, and then installs </a:t>
+              <a:t> </a:t>
+            </a:r>
+            <a:r>
+              <a:rPr lang="en-US" b="0" u="none" baseline="0" dirty="0" smtClean="0"/>
+              <a:t>by calling the default recipe for the Chocolatey community cookbook. This installs Chocolatey, and then installs </a:t>
             </a:r>
             <a:r>
               <a:rPr lang="en-US" b="0" u="none" baseline="0" dirty="0" err="1" smtClean="0"/>
@@ -8692,7 +9105,7 @@
             </a:pPr>
             <a:r>
               <a:rPr lang="en-US" dirty="0" smtClean="0"/>
-              <a:t>This is the architecture you'll be using later in this course</a:t>
+              <a:t>This is the architecture used later in this course</a:t>
             </a:r>
             <a:r>
               <a:rPr lang="en-US" baseline="0" dirty="0" smtClean="0"/>
@@ -8704,7 +9117,7 @@
             </a:r>
             <a:r>
               <a:rPr lang="en-US" baseline="0" dirty="0" smtClean="0"/>
-              <a:t> will be installed on your laptop and you'll perform your configurations locally before pushing them to the Chef server and ultimately to the nodes you will be managing. </a:t>
+              <a:t> will be installed on students’ laptops and they will perform configurations locally before pushing them to the Chef server and ultimately to the nodes they will be managing. </a:t>
             </a:r>
             <a:endParaRPr lang="en-US" dirty="0" smtClean="0"/>
           </a:p>
@@ -8728,15 +9141,15 @@
             </a:pPr>
             <a:r>
               <a:rPr lang="en-US" baseline="0" dirty="0" smtClean="0"/>
-              <a:t>In this way, when you complete this course </a:t>
+              <a:t>In this way, when the course is completed, they will</a:t>
             </a:r>
             <a:r>
               <a:rPr lang="en-US" dirty="0" smtClean="0"/>
-              <a:t>you will have a code repository </a:t>
+              <a:t> have a code repository </a:t>
             </a:r>
             <a:r>
               <a:rPr lang="en-US" baseline="0" dirty="0" smtClean="0"/>
-              <a:t>on your laptop </a:t>
+              <a:t>on their laptops </a:t>
             </a:r>
             <a:r>
               <a:rPr lang="en-US" dirty="0" smtClean="0"/>
@@ -8750,7 +9163,11 @@
             </a:pPr>
             <a:r>
               <a:rPr lang="en-US" baseline="0" dirty="0" smtClean="0"/>
-              <a:t>We'll discuss the items in this architecture in more detail later in this class. For now, let’s get set up with a workstation and write some code.</a:t>
+              <a:t>The items in this architecture will be discussed in more detail later in this class. </a:t>
+            </a:r>
+            <a:r>
+              <a:rPr lang="en-US" baseline="0" dirty="0" smtClean="0"/>
+              <a:t>For now, let’s get set up with a workstation and write some code.</a:t>
             </a:r>
           </a:p>
         </p:txBody>
@@ -8942,7 +9359,7 @@
             <a:fld id="{0459C166-16D3-4A25-A2F8-C51E0E346B22}" type="datetimeFigureOut">
               <a:rPr lang="en-US" smtClean="0"/>
               <a:pPr/>
-              <a:t>6/30/16</a:t>
+              <a:t>7/14/16</a:t>
             </a:fld>
             <a:endParaRPr lang="en-US"/>
           </a:p>
@@ -9311,7 +9728,7 @@
             <a:fld id="{0459C166-16D3-4A25-A2F8-C51E0E346B22}" type="datetimeFigureOut">
               <a:rPr lang="en-US" smtClean="0"/>
               <a:pPr/>
-              <a:t>6/30/16</a:t>
+              <a:t>7/14/16</a:t>
             </a:fld>
             <a:endParaRPr lang="en-US"/>
           </a:p>
@@ -9431,7 +9848,7 @@
             <a:fld id="{0459C166-16D3-4A25-A2F8-C51E0E346B22}" type="datetimeFigureOut">
               <a:rPr lang="en-US" smtClean="0"/>
               <a:pPr/>
-              <a:t>6/30/16</a:t>
+              <a:t>7/14/16</a:t>
             </a:fld>
             <a:endParaRPr lang="en-US"/>
           </a:p>
@@ -9648,7 +10065,7 @@
                 <a:latin typeface="Segoe UI"/>
               </a:rPr>
               <a:pPr/>
-              <a:t>6/30/16</a:t>
+              <a:t>7/14/16</a:t>
             </a:fld>
             <a:endParaRPr lang="en-US">
               <a:solidFill>
@@ -9853,7 +10270,7 @@
                 <a:latin typeface="Segoe UI"/>
               </a:rPr>
               <a:pPr/>
-              <a:t>6/30/16</a:t>
+              <a:t>7/14/16</a:t>
             </a:fld>
             <a:endParaRPr lang="en-US">
               <a:solidFill>
@@ -10153,7 +10570,7 @@
                 <a:latin typeface="Segoe UI"/>
               </a:rPr>
               <a:pPr/>
-              <a:t>6/30/16</a:t>
+              <a:t>7/14/16</a:t>
             </a:fld>
             <a:endParaRPr lang="en-US">
               <a:solidFill>
@@ -10427,7 +10844,7 @@
                 <a:latin typeface="Segoe UI"/>
               </a:rPr>
               <a:pPr/>
-              <a:t>6/30/16</a:t>
+              <a:t>7/14/16</a:t>
             </a:fld>
             <a:endParaRPr lang="en-US">
               <a:solidFill>
@@ -10828,7 +11245,7 @@
                 <a:latin typeface="Segoe UI"/>
               </a:rPr>
               <a:pPr/>
-              <a:t>6/30/16</a:t>
+              <a:t>7/14/16</a:t>
             </a:fld>
             <a:endParaRPr lang="en-US">
               <a:solidFill>
@@ -10982,7 +11399,7 @@
                 <a:latin typeface="Segoe UI"/>
               </a:rPr>
               <a:pPr/>
-              <a:t>6/30/16</a:t>
+              <a:t>7/14/16</a:t>
             </a:fld>
             <a:endParaRPr lang="en-US">
               <a:solidFill>
@@ -11114,7 +11531,7 @@
                 <a:latin typeface="Segoe UI"/>
               </a:rPr>
               <a:pPr/>
-              <a:t>6/30/16</a:t>
+              <a:t>7/14/16</a:t>
             </a:fld>
             <a:endParaRPr lang="en-US">
               <a:solidFill>
@@ -11426,7 +11843,7 @@
                 <a:latin typeface="Segoe UI"/>
               </a:rPr>
               <a:pPr/>
-              <a:t>6/30/16</a:t>
+              <a:t>7/14/16</a:t>
             </a:fld>
             <a:endParaRPr lang="en-US">
               <a:solidFill>
@@ -11626,7 +12043,7 @@
             <a:fld id="{0459C166-16D3-4A25-A2F8-C51E0E346B22}" type="datetimeFigureOut">
               <a:rPr lang="en-US" smtClean="0"/>
               <a:pPr/>
-              <a:t>6/30/16</a:t>
+              <a:t>7/14/16</a:t>
             </a:fld>
             <a:endParaRPr lang="en-US"/>
           </a:p>
@@ -11887,7 +12304,7 @@
                 <a:latin typeface="Segoe UI"/>
               </a:rPr>
               <a:pPr/>
-              <a:t>6/30/16</a:t>
+              <a:t>7/14/16</a:t>
             </a:fld>
             <a:endParaRPr lang="en-US">
               <a:solidFill>
@@ -12092,7 +12509,7 @@
                 <a:latin typeface="Segoe UI"/>
               </a:rPr>
               <a:pPr/>
-              <a:t>6/30/16</a:t>
+              <a:t>7/14/16</a:t>
             </a:fld>
             <a:endParaRPr lang="en-US">
               <a:solidFill>
@@ -12307,7 +12724,7 @@
                 <a:latin typeface="Segoe UI"/>
               </a:rPr>
               <a:pPr/>
-              <a:t>6/30/16</a:t>
+              <a:t>7/14/16</a:t>
             </a:fld>
             <a:endParaRPr lang="en-US">
               <a:solidFill>
@@ -12552,7 +12969,7 @@
                 <a:latin typeface="Segoe UI"/>
               </a:rPr>
               <a:pPr/>
-              <a:t>6/30/16</a:t>
+              <a:t>7/14/16</a:t>
             </a:fld>
             <a:endParaRPr lang="en-US">
               <a:solidFill>
@@ -12757,7 +13174,7 @@
                 <a:latin typeface="Segoe UI"/>
               </a:rPr>
               <a:pPr/>
-              <a:t>6/30/16</a:t>
+              <a:t>7/14/16</a:t>
             </a:fld>
             <a:endParaRPr lang="en-US">
               <a:solidFill>
@@ -13057,7 +13474,7 @@
                 <a:latin typeface="Segoe UI"/>
               </a:rPr>
               <a:pPr/>
-              <a:t>6/30/16</a:t>
+              <a:t>7/14/16</a:t>
             </a:fld>
             <a:endParaRPr lang="en-US">
               <a:solidFill>
@@ -13331,7 +13748,7 @@
                 <a:latin typeface="Segoe UI"/>
               </a:rPr>
               <a:pPr/>
-              <a:t>6/30/16</a:t>
+              <a:t>7/14/16</a:t>
             </a:fld>
             <a:endParaRPr lang="en-US">
               <a:solidFill>
@@ -13732,7 +14149,7 @@
                 <a:latin typeface="Segoe UI"/>
               </a:rPr>
               <a:pPr/>
-              <a:t>6/30/16</a:t>
+              <a:t>7/14/16</a:t>
             </a:fld>
             <a:endParaRPr lang="en-US">
               <a:solidFill>
@@ -13886,7 +14303,7 @@
                 <a:latin typeface="Segoe UI"/>
               </a:rPr>
               <a:pPr/>
-              <a:t>6/30/16</a:t>
+              <a:t>7/14/16</a:t>
             </a:fld>
             <a:endParaRPr lang="en-US">
               <a:solidFill>
@@ -14018,7 +14435,7 @@
                 <a:latin typeface="Segoe UI"/>
               </a:rPr>
               <a:pPr/>
-              <a:t>6/30/16</a:t>
+              <a:t>7/14/16</a:t>
             </a:fld>
             <a:endParaRPr lang="en-US">
               <a:solidFill>
@@ -14312,7 +14729,7 @@
             <a:fld id="{0459C166-16D3-4A25-A2F8-C51E0E346B22}" type="datetimeFigureOut">
               <a:rPr lang="en-US" smtClean="0"/>
               <a:pPr/>
-              <a:t>6/30/16</a:t>
+              <a:t>7/14/16</a:t>
             </a:fld>
             <a:endParaRPr lang="en-US"/>
           </a:p>
@@ -14612,7 +15029,7 @@
                 <a:latin typeface="Segoe UI"/>
               </a:rPr>
               <a:pPr/>
-              <a:t>6/30/16</a:t>
+              <a:t>7/14/16</a:t>
             </a:fld>
             <a:endParaRPr lang="en-US">
               <a:solidFill>
@@ -14901,7 +15318,7 @@
                 <a:latin typeface="Segoe UI"/>
               </a:rPr>
               <a:pPr/>
-              <a:t>6/30/16</a:t>
+              <a:t>7/14/16</a:t>
             </a:fld>
             <a:endParaRPr lang="en-US">
               <a:solidFill>
@@ -15106,7 +15523,7 @@
                 <a:latin typeface="Segoe UI"/>
               </a:rPr>
               <a:pPr/>
-              <a:t>6/30/16</a:t>
+              <a:t>7/14/16</a:t>
             </a:fld>
             <a:endParaRPr lang="en-US">
               <a:solidFill>
@@ -15321,7 +15738,7 @@
                 <a:latin typeface="Segoe UI"/>
               </a:rPr>
               <a:pPr/>
-              <a:t>6/30/16</a:t>
+              <a:t>7/14/16</a:t>
             </a:fld>
             <a:endParaRPr lang="en-US">
               <a:solidFill>
@@ -15653,7 +16070,7 @@
             <a:fld id="{0459C166-16D3-4A25-A2F8-C51E0E346B22}" type="datetimeFigureOut">
               <a:rPr lang="en-US" smtClean="0"/>
               <a:pPr/>
-              <a:t>6/30/16</a:t>
+              <a:t>7/14/16</a:t>
             </a:fld>
             <a:endParaRPr lang="en-US"/>
           </a:p>
@@ -16052,7 +16469,7 @@
             <a:fld id="{0459C166-16D3-4A25-A2F8-C51E0E346B22}" type="datetimeFigureOut">
               <a:rPr lang="en-US" smtClean="0"/>
               <a:pPr/>
-              <a:t>6/30/16</a:t>
+              <a:t>7/14/16</a:t>
             </a:fld>
             <a:endParaRPr lang="en-US"/>
           </a:p>
@@ -17024,7 +17441,7 @@
             <a:fld id="{0459C166-16D3-4A25-A2F8-C51E0E346B22}" type="datetimeFigureOut">
               <a:rPr lang="en-US" smtClean="0"/>
               <a:pPr/>
-              <a:t>6/30/16</a:t>
+              <a:t>7/14/16</a:t>
             </a:fld>
             <a:endParaRPr lang="en-US"/>
           </a:p>
@@ -17238,7 +17655,7 @@
             <a:fld id="{0459C166-16D3-4A25-A2F8-C51E0E346B22}" type="datetimeFigureOut">
               <a:rPr lang="en-US" smtClean="0"/>
               <a:pPr/>
-              <a:t>6/30/16</a:t>
+              <a:t>7/14/16</a:t>
             </a:fld>
             <a:endParaRPr lang="en-US"/>
           </a:p>
@@ -17785,7 +18202,7 @@
                 <a:latin typeface="Segoe UI"/>
               </a:rPr>
               <a:pPr/>
-              <a:t>6/30/16</a:t>
+              <a:t>7/14/16</a:t>
             </a:fld>
             <a:endParaRPr lang="en-US">
               <a:solidFill>
@@ -18360,7 +18777,7 @@
                 <a:latin typeface="Segoe UI"/>
               </a:rPr>
               <a:pPr/>
-              <a:t>6/30/16</a:t>
+              <a:t>7/14/16</a:t>
             </a:fld>
             <a:endParaRPr lang="en-US">
               <a:solidFill>
@@ -20063,8 +20480,8 @@
             <a:p>
               <a:pPr algn="l"/>
               <a:r>
-                <a:rPr lang="en-US" i="0" dirty="0" smtClean="0"/>
-                <a:t>The Chef Workstation is where you will develop and test your code!</a:t>
+                <a:rPr lang="en-US" i="0" dirty="0"/>
+                <a:t>The Chef Workstation is where code is developed and tested</a:t>
               </a:r>
               <a:endParaRPr lang="en-US" i="0" dirty="0"/>
             </a:p>
@@ -20188,6 +20605,17 @@
               </a:rPr>
               <a:t> </a:t>
             </a:r>
+            <a:endParaRPr lang="en-US" sz="2400" dirty="0" smtClean="0">
+              <a:solidFill>
+                <a:schemeClr val="tx1"/>
+              </a:solidFill>
+            </a:endParaRPr>
+          </a:p>
+          <a:p>
+            <a:pPr marL="1714500" lvl="3" indent="-342900">
+              <a:buFont typeface="Wingdings" charset="2"/>
+              <a:buChar char="§"/>
+            </a:pPr>
             <a:r>
               <a:rPr lang="en-US" sz="2400" dirty="0" smtClean="0">
                 <a:solidFill>
@@ -20664,7 +21092,23 @@
                   <a:schemeClr val="tx1"/>
                 </a:solidFill>
               </a:rPr>
-              <a:t>itchen – test your cookbooks inside a VM or a cloud provider</a:t>
+              <a:t>itchen – test </a:t>
+            </a:r>
+            <a:r>
+              <a:rPr lang="en-US" sz="2800" dirty="0" smtClean="0">
+                <a:solidFill>
+                  <a:schemeClr val="tx1"/>
+                </a:solidFill>
+              </a:rPr>
+              <a:t>cookbooks </a:t>
+            </a:r>
+            <a:r>
+              <a:rPr lang="en-US" sz="2800" dirty="0" smtClean="0">
+                <a:solidFill>
+                  <a:schemeClr val="tx1"/>
+                </a:solidFill>
+              </a:rPr>
+              <a:t>inside a VM or a cloud provider</a:t>
             </a:r>
           </a:p>
           <a:p>
@@ -20702,7 +21146,23 @@
                   <a:schemeClr val="tx1"/>
                 </a:solidFill>
               </a:rPr>
-              <a:t> – lint your Chef Cookbooks for common errors</a:t>
+              <a:t> – lint </a:t>
+            </a:r>
+            <a:r>
+              <a:rPr lang="en-US" sz="2800" dirty="0" smtClean="0">
+                <a:solidFill>
+                  <a:schemeClr val="tx1"/>
+                </a:solidFill>
+              </a:rPr>
+              <a:t>Chef </a:t>
+            </a:r>
+            <a:r>
+              <a:rPr lang="en-US" sz="2800" dirty="0" smtClean="0">
+                <a:solidFill>
+                  <a:schemeClr val="tx1"/>
+                </a:solidFill>
+              </a:rPr>
+              <a:t>Cookbooks for common errors</a:t>
             </a:r>
             <a:endParaRPr lang="en-US" sz="2800" dirty="0">
               <a:solidFill>
@@ -21061,7 +21521,15 @@
               <a:pPr algn="l"/>
               <a:r>
                 <a:rPr lang="en-US" i="0" dirty="0" smtClean="0"/>
-                <a:t>The Chef Server is your hub for Configuration Data</a:t>
+                <a:t>The Chef Server is </a:t>
+              </a:r>
+              <a:r>
+                <a:rPr lang="en-US" i="0" dirty="0" smtClean="0"/>
+                <a:t>the hub </a:t>
+              </a:r>
+              <a:r>
+                <a:rPr lang="en-US" i="0" dirty="0" smtClean="0"/>
+                <a:t>for Configuration Data</a:t>
               </a:r>
               <a:endParaRPr lang="en-US" i="0" dirty="0"/>
             </a:p>
@@ -22193,8 +22661,8 @@
         </p:nvSpPr>
         <p:spPr>
           <a:xfrm>
-            <a:off x="0" y="2225737"/>
-            <a:ext cx="12192000" cy="4286823"/>
+            <a:off x="128230" y="2323418"/>
+            <a:ext cx="11935541" cy="3586265"/>
           </a:xfrm>
           <a:prstGeom prst="rect">
             <a:avLst/>
@@ -22248,51 +22716,15 @@
                   <a:schemeClr val="tx1"/>
                 </a:solidFill>
               </a:rPr>
-              <a:t>You can easily get started with Hosted Chef, a service maintained by Chef itself</a:t>
-            </a:r>
-          </a:p>
-          <a:p>
-            <a:pPr marL="1714500" lvl="3" indent="-342900">
-              <a:buFont typeface="Wingdings" charset="2"/>
-              <a:buChar char="§"/>
-            </a:pPr>
+              <a:t>Most </a:t>
+            </a:r>
             <a:r>
               <a:rPr lang="en-US" sz="2400" dirty="0" smtClean="0">
                 <a:solidFill>
                   <a:schemeClr val="tx1"/>
                 </a:solidFill>
               </a:rPr>
-              <a:t>Visit </a:t>
-            </a:r>
-            <a:r>
-              <a:rPr lang="en-US" sz="2400" dirty="0" err="1" smtClean="0">
-                <a:solidFill>
-                  <a:schemeClr val="tx1"/>
-                </a:solidFill>
-              </a:rPr>
-              <a:t>manage.chef.io</a:t>
-            </a:r>
-            <a:r>
-              <a:rPr lang="en-US" sz="2400" dirty="0" smtClean="0">
-                <a:solidFill>
-                  <a:schemeClr val="tx1"/>
-                </a:solidFill>
-              </a:rPr>
-              <a:t> to check sign up and manage up to 25 nodes for free</a:t>
-            </a:r>
-          </a:p>
-          <a:p>
-            <a:pPr marL="1257300" lvl="2" indent="-342900">
-              <a:buFont typeface="Wingdings" charset="2"/>
-              <a:buChar char="§"/>
-            </a:pPr>
-            <a:r>
-              <a:rPr lang="en-US" sz="2400" dirty="0" smtClean="0">
-                <a:solidFill>
-                  <a:schemeClr val="tx1"/>
-                </a:solidFill>
-              </a:rPr>
-              <a:t>Most VPC’s, like Azure, AWS, and </a:t>
+              <a:t>VPC’s, like Azure, AWS, and </a:t>
             </a:r>
             <a:r>
               <a:rPr lang="en-US" sz="2400" dirty="0" err="1" smtClean="0">
@@ -24157,10 +24589,10 @@
         </p:nvGrpSpPr>
         <p:grpSpPr>
           <a:xfrm>
-            <a:off x="2247680" y="1391182"/>
-            <a:ext cx="1060920" cy="1266906"/>
-            <a:chOff x="3086747" y="2445252"/>
-            <a:chExt cx="1060920" cy="1266906"/>
+            <a:off x="2277235" y="1391182"/>
+            <a:ext cx="1031365" cy="1266906"/>
+            <a:chOff x="3116302" y="2445252"/>
+            <a:chExt cx="1031365" cy="1266906"/>
           </a:xfrm>
         </p:grpSpPr>
         <p:sp>
@@ -24222,8 +24654,8 @@
           </p:nvSpPr>
           <p:spPr>
             <a:xfrm>
-              <a:off x="3086747" y="3250493"/>
-              <a:ext cx="864339" cy="461665"/>
+              <a:off x="3116302" y="3250493"/>
+              <a:ext cx="834784" cy="461665"/>
             </a:xfrm>
             <a:prstGeom prst="rect">
               <a:avLst/>
@@ -24244,7 +24676,7 @@
                   </a:solidFill>
                   <a:latin typeface="Segoe UI"/>
                 </a:rPr>
-                <a:t>o</a:t>
+                <a:t>O</a:t>
               </a:r>
               <a:r>
                 <a:rPr lang="en-US" sz="2400" dirty="0" err="1" smtClean="0">
@@ -24282,8 +24714,8 @@
         </p:nvSpPr>
         <p:spPr>
           <a:xfrm>
-            <a:off x="3731788" y="2823350"/>
-            <a:ext cx="1410819" cy="1203920"/>
+            <a:off x="3661247" y="2823350"/>
+            <a:ext cx="1551901" cy="1203920"/>
           </a:xfrm>
           <a:prstGeom prst="rect">
             <a:avLst/>
@@ -24325,16 +24757,7 @@
                 </a:solidFill>
                 <a:latin typeface="Segoe UI"/>
               </a:rPr>
-              <a:t>Authenticate to </a:t>
-            </a:r>
-            <a:r>
-              <a:rPr lang="en-US" smtClean="0">
-                <a:solidFill>
-                  <a:prstClr val="white"/>
-                </a:solidFill>
-                <a:latin typeface="Segoe UI"/>
-              </a:rPr>
-              <a:t>Chef Server</a:t>
+              <a:t>Authenticate to Chef Server</a:t>
             </a:r>
             <a:endParaRPr lang="en-US" dirty="0">
               <a:solidFill>
@@ -26628,20 +27051,6 @@
           <a:bodyPr rtlCol="0" anchor="ctr"/>
           <a:lstStyle/>
           <a:p>
-            <a:pPr marL="800100" lvl="1" indent="-342900">
-              <a:buFont typeface="Wingdings" charset="2"/>
-              <a:buChar char="§"/>
-            </a:pPr>
-            <a:r>
-              <a:rPr lang="en-US" sz="2400" dirty="0" smtClean="0">
-                <a:solidFill>
-                  <a:schemeClr val="tx1"/>
-                </a:solidFill>
-              </a:rPr>
-              <a:t>In Chef, a Resource is a “statement of configuration policy”. It describes the desired state of a system component or configuration item. These are the fundamental Chef building blocks.</a:t>
-            </a:r>
-          </a:p>
-          <a:p>
             <a:pPr marL="1257300" lvl="2" indent="-342900">
               <a:buFont typeface="Wingdings" charset="2"/>
               <a:buChar char="§"/>
@@ -26652,7 +27061,15 @@
                   <a:schemeClr val="tx1"/>
                 </a:solidFill>
               </a:rPr>
-              <a:t>Resources:</a:t>
+              <a:t>Resources</a:t>
+            </a:r>
+            <a:r>
+              <a:rPr lang="en-US" sz="2400" dirty="0" smtClean="0">
+                <a:solidFill>
+                  <a:schemeClr val="tx1"/>
+                </a:solidFill>
+              </a:rPr>
+              <a:t>:</a:t>
             </a:r>
           </a:p>
           <a:p>
@@ -27910,7 +28327,7 @@
               <a:pPr algn="l"/>
               <a:r>
                 <a:rPr lang="en-US" i="0" dirty="0" smtClean="0"/>
-                <a:t>Recipes</a:t>
+                <a:t>Recipes are files that contain resources:</a:t>
               </a:r>
               <a:endParaRPr lang="en-US" i="0" dirty="0"/>
             </a:p>
@@ -27925,8 +28342,8 @@
         </p:nvSpPr>
         <p:spPr>
           <a:xfrm>
-            <a:off x="1" y="2277947"/>
-            <a:ext cx="12192000" cy="4365921"/>
+            <a:off x="1" y="2277948"/>
+            <a:ext cx="12192000" cy="3713136"/>
           </a:xfrm>
           <a:prstGeom prst="rect">
             <a:avLst/>
@@ -27956,34 +28373,28 @@
           <a:bodyPr rtlCol="0" anchor="ctr"/>
           <a:lstStyle/>
           <a:p>
-            <a:pPr marL="914400" lvl="1" indent="-457200">
-              <a:buFont typeface="Wingdings" charset="2"/>
-              <a:buChar char="§"/>
-            </a:pPr>
-            <a:r>
-              <a:rPr lang="en-US" sz="2400" dirty="0" smtClean="0">
-                <a:solidFill>
-                  <a:schemeClr val="tx1"/>
-                </a:solidFill>
-              </a:rPr>
-              <a:t>A recipe is a file that contains Resources. Recipes are the fundamental configuration element for any Node under management by Chef.</a:t>
-            </a:r>
-          </a:p>
-          <a:p>
             <a:pPr marL="1257300" lvl="2" indent="-342900">
               <a:buFont typeface="Wingdings" charset="2"/>
               <a:buChar char="§"/>
             </a:pPr>
             <a:r>
-              <a:rPr lang="en-US" sz="2400" dirty="0" smtClean="0">
+              <a:rPr lang="en-US" sz="2800" dirty="0" smtClean="0">
                 <a:solidFill>
                   <a:schemeClr val="tx1"/>
                 </a:solidFill>
               </a:rPr>
-              <a:t>authored using Ruby, and have a .</a:t>
-            </a:r>
-            <a:r>
-              <a:rPr lang="en-US" sz="2400" dirty="0" err="1" smtClean="0">
+              <a:t>authored </a:t>
+            </a:r>
+            <a:r>
+              <a:rPr lang="en-US" sz="2800" dirty="0" smtClean="0">
+                <a:solidFill>
+                  <a:schemeClr val="tx1"/>
+                </a:solidFill>
+              </a:rPr>
+              <a:t>using Ruby, and have a .</a:t>
+            </a:r>
+            <a:r>
+              <a:rPr lang="en-US" sz="2800" dirty="0" err="1" smtClean="0">
                 <a:solidFill>
                   <a:schemeClr val="tx1"/>
                 </a:solidFill>
@@ -27991,7 +28402,7 @@
               <a:t>rb</a:t>
             </a:r>
             <a:r>
-              <a:rPr lang="en-US" sz="2400" dirty="0" smtClean="0">
+              <a:rPr lang="en-US" sz="2800" dirty="0" smtClean="0">
                 <a:solidFill>
                   <a:schemeClr val="tx1"/>
                 </a:solidFill>
@@ -28005,12 +28416,20 @@
               <a:buChar char="§"/>
             </a:pPr>
             <a:r>
-              <a:rPr lang="en-US" sz="2400" dirty="0" smtClean="0">
+              <a:rPr lang="en-US" sz="2800" dirty="0" smtClean="0">
                 <a:solidFill>
                   <a:schemeClr val="tx1"/>
                 </a:solidFill>
               </a:rPr>
-              <a:t>essentially collections of resources and any needed Ruby logic as helper code</a:t>
+              <a:t>Group </a:t>
+            </a:r>
+            <a:r>
+              <a:rPr lang="en-US" sz="2800" dirty="0" smtClean="0">
+                <a:solidFill>
+                  <a:schemeClr val="tx1"/>
+                </a:solidFill>
+              </a:rPr>
+              <a:t>configuration tasks into logical units</a:t>
             </a:r>
           </a:p>
           <a:p>
@@ -28019,12 +28438,28 @@
               <a:buChar char="§"/>
             </a:pPr>
             <a:r>
-              <a:rPr lang="en-US" sz="2400" dirty="0" smtClean="0">
+              <a:rPr lang="en-US" sz="2800" dirty="0" smtClean="0">
                 <a:solidFill>
                   <a:schemeClr val="tx1"/>
                 </a:solidFill>
               </a:rPr>
-              <a:t>Group configuration tasks into logical units</a:t>
+              <a:t>May include or call other recipes using the </a:t>
+            </a:r>
+            <a:r>
+              <a:rPr lang="en-US" sz="2800" dirty="0" err="1" smtClean="0">
+                <a:solidFill>
+                  <a:schemeClr val="tx1"/>
+                </a:solidFill>
+              </a:rPr>
+              <a:t>include_recipe</a:t>
+            </a:r>
+            <a:r>
+              <a:rPr lang="en-US" sz="2800" dirty="0" smtClean="0">
+                <a:solidFill>
+                  <a:schemeClr val="tx1"/>
+                </a:solidFill>
+              </a:rPr>
+              <a:t> method</a:t>
             </a:r>
           </a:p>
           <a:p>
@@ -28033,28 +28468,12 @@
               <a:buChar char="§"/>
             </a:pPr>
             <a:r>
-              <a:rPr lang="en-US" sz="2400" dirty="0" smtClean="0">
+              <a:rPr lang="en-US" sz="2800" dirty="0" smtClean="0">
                 <a:solidFill>
                   <a:schemeClr val="tx1"/>
                 </a:solidFill>
               </a:rPr>
-              <a:t>May include or call other recipes using the </a:t>
-            </a:r>
-            <a:r>
-              <a:rPr lang="en-US" sz="2400" dirty="0" err="1" smtClean="0">
-                <a:solidFill>
-                  <a:schemeClr val="tx1"/>
-                </a:solidFill>
-              </a:rPr>
-              <a:t>include_recipe</a:t>
-            </a:r>
-            <a:r>
-              <a:rPr lang="en-US" sz="2400" dirty="0" smtClean="0">
-                <a:solidFill>
-                  <a:schemeClr val="tx1"/>
-                </a:solidFill>
-              </a:rPr>
-              <a:t> method</a:t>
+              <a:t>Have direct access to the Chef Server’s indexes via the search method</a:t>
             </a:r>
           </a:p>
           <a:p>
@@ -28063,41 +28482,26 @@
               <a:buChar char="§"/>
             </a:pPr>
             <a:r>
-              <a:rPr lang="en-US" sz="2400" dirty="0" smtClean="0">
+              <a:rPr lang="en-US" sz="2800" dirty="0" smtClean="0">
                 <a:solidFill>
                   <a:schemeClr val="tx1"/>
                 </a:solidFill>
               </a:rPr>
-              <a:t>Have direct access to the Chef Server’s indexes via the search method</a:t>
-            </a:r>
-          </a:p>
-          <a:p>
-            <a:pPr marL="1257300" lvl="2" indent="-342900">
-              <a:buFont typeface="Wingdings" charset="2"/>
-              <a:buChar char="§"/>
-            </a:pPr>
-            <a:r>
-              <a:rPr lang="en-US" sz="2400" dirty="0" smtClean="0">
+              <a:t>added to the Run-list for any </a:t>
+            </a:r>
+            <a:r>
+              <a:rPr lang="en-US" sz="2800" dirty="0" smtClean="0">
                 <a:solidFill>
                   <a:schemeClr val="tx1"/>
                 </a:solidFill>
               </a:rPr>
-              <a:t>added to the Run-list for any node</a:t>
-            </a:r>
-          </a:p>
-          <a:p>
-            <a:pPr marL="1257300" lvl="2" indent="-342900">
-              <a:buFont typeface="Wingdings" charset="2"/>
-              <a:buChar char="§"/>
-            </a:pPr>
-            <a:r>
-              <a:rPr lang="en-US" sz="2400" dirty="0" smtClean="0">
-                <a:solidFill>
-                  <a:schemeClr val="tx1"/>
-                </a:solidFill>
-              </a:rPr>
-              <a:t>stored and distributed with Cookbooks</a:t>
-            </a:r>
+              <a:t>node</a:t>
+            </a:r>
+            <a:endParaRPr lang="en-US" sz="2800" dirty="0" smtClean="0">
+              <a:solidFill>
+                <a:schemeClr val="tx1"/>
+              </a:solidFill>
+            </a:endParaRPr>
           </a:p>
         </p:txBody>
       </p:sp>
@@ -28688,7 +29092,11 @@
               <a:pPr algn="l"/>
               <a:r>
                 <a:rPr lang="en-US" i="0" dirty="0" smtClean="0"/>
-                <a:t>Cookbooks</a:t>
+                <a:t>Cookbooks are containers for recipes and supporting policies </a:t>
+              </a:r>
+              <a:r>
+                <a:rPr lang="en-US" i="0" dirty="0" smtClean="0"/>
+                <a:t>or files</a:t>
               </a:r>
               <a:endParaRPr lang="en-US" i="0" dirty="0"/>
             </a:p>
@@ -28704,7 +29112,7 @@
         <p:spPr>
           <a:xfrm>
             <a:off x="0" y="2285380"/>
-            <a:ext cx="12192000" cy="3889093"/>
+            <a:ext cx="12192000" cy="3542902"/>
           </a:xfrm>
           <a:prstGeom prst="rect">
             <a:avLst/>
@@ -28734,82 +29142,62 @@
           <a:bodyPr rtlCol="0" anchor="ctr"/>
           <a:lstStyle/>
           <a:p>
-            <a:pPr marL="800100" lvl="1" indent="-342900">
+            <a:pPr marL="976313" lvl="2" indent="-292100">
               <a:buFont typeface="Wingdings" charset="2"/>
               <a:buChar char="§"/>
             </a:pPr>
             <a:r>
-              <a:rPr lang="en-US" sz="2400" dirty="0" smtClean="0">
+              <a:rPr lang="en-US" sz="2800" dirty="0" smtClean="0">
                 <a:solidFill>
                   <a:schemeClr val="tx1"/>
                 </a:solidFill>
               </a:rPr>
-              <a:t>A cookbook is a container for recipes and any supporting policy or files. A Chef cookbook is the fundamental unit of configuration and policy distribution.</a:t>
-            </a:r>
-          </a:p>
-          <a:p>
-            <a:pPr marL="1257300" lvl="2" indent="-342900">
+              <a:t>May </a:t>
+            </a:r>
+            <a:r>
+              <a:rPr lang="en-US" sz="2800" dirty="0" smtClean="0">
+                <a:solidFill>
+                  <a:schemeClr val="tx1"/>
+                </a:solidFill>
+              </a:rPr>
+              <a:t>contain many recipes</a:t>
+            </a:r>
+          </a:p>
+          <a:p>
+            <a:pPr marL="976313" lvl="2" indent="-292100">
               <a:buFont typeface="Wingdings" charset="2"/>
               <a:buChar char="§"/>
             </a:pPr>
             <a:r>
-              <a:rPr lang="en-US" sz="2400" dirty="0" smtClean="0">
+              <a:rPr lang="en-US" sz="2800" dirty="0" smtClean="0">
                 <a:solidFill>
                   <a:schemeClr val="tx1"/>
                 </a:solidFill>
               </a:rPr>
-              <a:t>Cookbooks:</a:t>
-            </a:r>
-          </a:p>
-          <a:p>
-            <a:pPr marL="1714500" lvl="3" indent="-342900">
+              <a:t>Define a scenario, and contain all the components needed to support that scenario</a:t>
+            </a:r>
+          </a:p>
+          <a:p>
+            <a:pPr marL="1485900" lvl="3" indent="-342900">
               <a:buFont typeface="Wingdings" charset="2"/>
               <a:buChar char="§"/>
             </a:pPr>
             <a:r>
-              <a:rPr lang="en-US" sz="2400" dirty="0" smtClean="0">
+              <a:rPr lang="en-US" sz="2800" dirty="0" smtClean="0">
                 <a:solidFill>
                   <a:schemeClr val="tx1"/>
                 </a:solidFill>
               </a:rPr>
-              <a:t>May contain many recipes</a:t>
-            </a:r>
-          </a:p>
-          <a:p>
-            <a:pPr marL="1714500" lvl="3" indent="-342900">
+              <a:t>For example, all the components and instructions for setting up MySQL</a:t>
+            </a:r>
+          </a:p>
+          <a:p>
+            <a:pPr marL="979488" lvl="2" indent="-342900">
               <a:buFont typeface="Wingdings" charset="2"/>
               <a:buChar char="§"/>
             </a:pPr>
             <a:r>
-              <a:rPr lang="en-US" sz="2400" dirty="0" smtClean="0">
-                <a:solidFill>
-                  <a:schemeClr val="tx1"/>
-                </a:solidFill>
-              </a:rPr>
-              <a:t>Define a scenario, and contain all the components needed to support that scenario</a:t>
-            </a:r>
-          </a:p>
-          <a:p>
-            <a:pPr marL="2171700" lvl="4" indent="-342900">
-              <a:buFont typeface="Wingdings" charset="2"/>
-              <a:buChar char="§"/>
-            </a:pPr>
-            <a:r>
-              <a:rPr lang="en-US" sz="2400" dirty="0" smtClean="0">
-                <a:solidFill>
-                  <a:schemeClr val="tx1"/>
-                </a:solidFill>
-              </a:rPr>
-              <a:t>For example, all the components and instructions for setting up MySQL</a:t>
-            </a:r>
-          </a:p>
-          <a:p>
-            <a:pPr marL="1714500" lvl="3" indent="-342900">
-              <a:buFont typeface="Wingdings" charset="2"/>
-              <a:buChar char="§"/>
-            </a:pPr>
-            <a:r>
-              <a:rPr lang="en-US" sz="2400" dirty="0" smtClean="0">
+              <a:rPr lang="en-US" sz="2800" dirty="0" smtClean="0">
                 <a:solidFill>
                   <a:schemeClr val="tx1"/>
                 </a:solidFill>
@@ -28970,7 +29358,79 @@
                   <a:schemeClr val="tx1"/>
                 </a:solidFill>
               </a:rPr>
-              <a:t>A cookbook can be built from scratch, or you can utilize the vast community cookbooks found in the Chef Supermarket.</a:t>
+              <a:t>A cookbook can be built from scratch, </a:t>
+            </a:r>
+            <a:r>
+              <a:rPr lang="en-US" sz="2400" dirty="0" smtClean="0">
+                <a:solidFill>
+                  <a:schemeClr val="tx1"/>
+                </a:solidFill>
+              </a:rPr>
+              <a:t>or found </a:t>
+            </a:r>
+            <a:r>
+              <a:rPr lang="en-US" sz="2400" dirty="0" smtClean="0">
+                <a:solidFill>
+                  <a:schemeClr val="tx1"/>
+                </a:solidFill>
+              </a:rPr>
+              <a:t>in </a:t>
+            </a:r>
+            <a:r>
+              <a:rPr lang="en-US" sz="2400" dirty="0" smtClean="0">
+                <a:solidFill>
+                  <a:schemeClr val="tx1"/>
+                </a:solidFill>
+              </a:rPr>
+              <a:t>the </a:t>
+            </a:r>
+            <a:r>
+              <a:rPr lang="en-US" sz="2400" dirty="0">
+                <a:solidFill>
+                  <a:schemeClr val="tx1"/>
+                </a:solidFill>
+              </a:rPr>
+              <a:t>vast </a:t>
+            </a:r>
+            <a:r>
+              <a:rPr lang="en-US" sz="2400" dirty="0" smtClean="0">
+                <a:solidFill>
+                  <a:schemeClr val="tx1"/>
+                </a:solidFill>
+              </a:rPr>
+              <a:t>community </a:t>
+            </a:r>
+            <a:r>
+              <a:rPr lang="en-US" sz="2400" dirty="0">
+                <a:solidFill>
+                  <a:schemeClr val="tx1"/>
+                </a:solidFill>
+              </a:rPr>
+              <a:t>cookbooks </a:t>
+            </a:r>
+            <a:r>
+              <a:rPr lang="en-US" sz="2400" dirty="0" smtClean="0">
+                <a:solidFill>
+                  <a:schemeClr val="tx1"/>
+                </a:solidFill>
+              </a:rPr>
+              <a:t>in the </a:t>
+            </a:r>
+            <a:r>
+              <a:rPr lang="en-US" sz="2400" dirty="0" smtClean="0">
+                <a:solidFill>
+                  <a:schemeClr val="tx1"/>
+                </a:solidFill>
+              </a:rPr>
+              <a:t>Chef </a:t>
+            </a:r>
+            <a:r>
+              <a:rPr lang="en-US" sz="2400" dirty="0" smtClean="0">
+                <a:solidFill>
+                  <a:schemeClr val="tx1"/>
+                </a:solidFill>
+              </a:rPr>
+              <a:t>Supermarket.</a:t>
             </a:r>
             <a:endParaRPr lang="en-US" sz="2400" dirty="0">
               <a:solidFill>
@@ -28989,7 +29449,23 @@
                   <a:schemeClr val="tx1"/>
                 </a:solidFill>
               </a:rPr>
-              <a:t>Community code helps you save time, and can get you started on the right path.</a:t>
+              <a:t>Community code helps </a:t>
+            </a:r>
+            <a:r>
+              <a:rPr lang="en-US" sz="2400" dirty="0" smtClean="0">
+                <a:solidFill>
+                  <a:schemeClr val="tx1"/>
+                </a:solidFill>
+              </a:rPr>
+              <a:t>save </a:t>
+            </a:r>
+            <a:r>
+              <a:rPr lang="en-US" sz="2400" dirty="0" smtClean="0">
+                <a:solidFill>
+                  <a:schemeClr val="tx1"/>
+                </a:solidFill>
+              </a:rPr>
+              <a:t>time, and can get you started on the right path.</a:t>
             </a:r>
             <a:endParaRPr lang="en-US" sz="2400" dirty="0">
               <a:solidFill>
@@ -29339,8 +29815,20 @@
             <a:p>
               <a:pPr algn="l"/>
               <a:r>
+                <a:rPr lang="en-US" i="0" dirty="0"/>
+                <a:t>Attributes </a:t>
+              </a:r>
+              <a:r>
                 <a:rPr lang="en-US" i="0" dirty="0" smtClean="0"/>
-                <a:t>Attributes</a:t>
+                <a:t>contain </a:t>
+              </a:r>
+              <a:r>
+                <a:rPr lang="en-US" i="0" dirty="0"/>
+                <a:t>the details of specific </a:t>
+              </a:r>
+              <a:r>
+                <a:rPr lang="en-US" i="0" dirty="0" smtClean="0"/>
+                <a:t>nodes</a:t>
               </a:r>
               <a:endParaRPr lang="en-US" i="0" dirty="0"/>
             </a:p>
@@ -29356,7 +29844,7 @@
         <p:spPr>
           <a:xfrm>
             <a:off x="0" y="2291752"/>
-            <a:ext cx="12192000" cy="4348808"/>
+            <a:ext cx="12192000" cy="4024934"/>
           </a:xfrm>
           <a:prstGeom prst="rect">
             <a:avLst/>
@@ -29386,88 +29874,73 @@
           <a:bodyPr rtlCol="0" anchor="ctr"/>
           <a:lstStyle/>
           <a:p>
-            <a:pPr marL="1033463" lvl="1" indent="-342900">
-              <a:buFont typeface="Wingdings" charset="2"/>
-              <a:buChar char="§"/>
-            </a:pPr>
-            <a:r>
-              <a:rPr lang="en-US" sz="2400" dirty="0" smtClean="0">
-                <a:solidFill>
-                  <a:schemeClr val="tx1"/>
-                </a:solidFill>
-              </a:rPr>
-              <a:t>We use Chef to control many different servers that may be nearly identical. The details of any node are called Node Attributes.</a:t>
-            </a:r>
-          </a:p>
-          <a:p>
             <a:pPr marL="1035050" lvl="1" indent="-342900">
               <a:buFont typeface="Wingdings" charset="2"/>
               <a:buChar char="§"/>
             </a:pPr>
             <a:r>
-              <a:rPr lang="en-US" sz="2400" dirty="0" smtClean="0">
+              <a:rPr lang="en-US" sz="2800" dirty="0" smtClean="0">
                 <a:solidFill>
                   <a:schemeClr val="tx1"/>
                 </a:solidFill>
               </a:rPr>
-              <a:t>Attributes:</a:t>
-            </a:r>
-          </a:p>
-          <a:p>
-            <a:pPr marL="1492250" lvl="2" indent="-342900">
+              <a:t>Reflect </a:t>
+            </a:r>
+            <a:r>
+              <a:rPr lang="en-US" sz="2800" dirty="0" smtClean="0">
+                <a:solidFill>
+                  <a:schemeClr val="tx1"/>
+                </a:solidFill>
+              </a:rPr>
+              <a:t>the current state of the node the attribute belongs to</a:t>
+            </a:r>
+          </a:p>
+          <a:p>
+            <a:pPr marL="1035050" lvl="1" indent="-342900">
               <a:buFont typeface="Wingdings" charset="2"/>
               <a:buChar char="§"/>
             </a:pPr>
             <a:r>
-              <a:rPr lang="en-US" sz="2400" dirty="0" smtClean="0">
+              <a:rPr lang="en-US" sz="2800" dirty="0" smtClean="0">
                 <a:solidFill>
                   <a:schemeClr val="tx1"/>
                 </a:solidFill>
               </a:rPr>
-              <a:t>Reflect the current state of the node the attribute belongs to</a:t>
-            </a:r>
-          </a:p>
-          <a:p>
-            <a:pPr marL="1492250" lvl="2" indent="-342900">
+              <a:t>Inventory host-specific details, such as IP Address, hostname, memory, CPU speed</a:t>
+            </a:r>
+          </a:p>
+          <a:p>
+            <a:pPr marL="1035050" lvl="1" indent="-342900">
               <a:buFont typeface="Wingdings" charset="2"/>
               <a:buChar char="§"/>
             </a:pPr>
             <a:r>
-              <a:rPr lang="en-US" sz="2400" dirty="0" smtClean="0">
+              <a:rPr lang="en-US" sz="2800" dirty="0" smtClean="0">
                 <a:solidFill>
                   <a:schemeClr val="tx1"/>
                 </a:solidFill>
               </a:rPr>
-              <a:t>Inventory host-specific details, such as IP Address, hostname, memory, CPU speed</a:t>
-            </a:r>
-          </a:p>
-          <a:p>
-            <a:pPr marL="1492250" lvl="2" indent="-342900">
+              <a:t>Are stored and indexed by a Chef Server</a:t>
+            </a:r>
+          </a:p>
+          <a:p>
+            <a:pPr marL="1035050" lvl="1" indent="-342900">
               <a:buFont typeface="Wingdings" charset="2"/>
               <a:buChar char="§"/>
             </a:pPr>
             <a:r>
-              <a:rPr lang="en-US" sz="2400" dirty="0" smtClean="0">
-                <a:solidFill>
-                  <a:schemeClr val="tx1"/>
-                </a:solidFill>
-              </a:rPr>
-              <a:t>Are stored and indexed by a Chef Server</a:t>
-            </a:r>
-          </a:p>
-          <a:p>
-            <a:pPr marL="1492250" lvl="2" indent="-342900">
-              <a:buFont typeface="Wingdings" charset="2"/>
-              <a:buChar char="§"/>
-            </a:pPr>
-            <a:r>
-              <a:rPr lang="en-US" sz="2400" dirty="0" smtClean="0">
+              <a:rPr lang="en-US" sz="2800" dirty="0" smtClean="0">
                 <a:solidFill>
                   <a:schemeClr val="tx1"/>
                 </a:solidFill>
               </a:rPr>
               <a:t>Can be utilized and referenced (often as variables) inside of recipes and resources</a:t>
             </a:r>
+            <a:endParaRPr lang="en-US" sz="2400" dirty="0" smtClean="0">
+              <a:solidFill>
+                <a:schemeClr val="tx1"/>
+              </a:solidFill>
+            </a:endParaRPr>
           </a:p>
         </p:txBody>
       </p:sp>
@@ -32923,8 +33396,69 @@
                   <a:schemeClr val="tx1"/>
                 </a:solidFill>
               </a:rPr>
-              <a:t>The Workstation is where we author and test Chef code (aka policy)</a:t>
-            </a:r>
+              <a:t>The Workstation is where </a:t>
+            </a:r>
+            <a:r>
+              <a:rPr lang="en-US" sz="2400" dirty="0" smtClean="0">
+                <a:solidFill>
+                  <a:schemeClr val="tx1"/>
+                </a:solidFill>
+              </a:rPr>
+              <a:t>Chef </a:t>
+            </a:r>
+            <a:r>
+              <a:rPr lang="en-US" sz="2400" dirty="0" smtClean="0">
+                <a:solidFill>
+                  <a:schemeClr val="tx1"/>
+                </a:solidFill>
+              </a:rPr>
+              <a:t>code </a:t>
+            </a:r>
+            <a:r>
+              <a:rPr lang="en-US" sz="2400" dirty="0" smtClean="0">
+                <a:solidFill>
+                  <a:schemeClr val="tx1"/>
+                </a:solidFill>
+              </a:rPr>
+              <a:t>(</a:t>
+            </a:r>
+            <a:r>
+              <a:rPr lang="en-US" sz="2400" dirty="0">
+                <a:solidFill>
+                  <a:schemeClr val="tx1"/>
+                </a:solidFill>
+              </a:rPr>
+              <a:t>policy) </a:t>
+            </a:r>
+            <a:r>
+              <a:rPr lang="en-US" sz="2400" dirty="0" smtClean="0">
+                <a:solidFill>
+                  <a:schemeClr val="tx1"/>
+                </a:solidFill>
+              </a:rPr>
+              <a:t>is authored </a:t>
+            </a:r>
+            <a:r>
+              <a:rPr lang="en-US" sz="2400" dirty="0">
+                <a:solidFill>
+                  <a:schemeClr val="tx1"/>
+                </a:solidFill>
+              </a:rPr>
+              <a:t>and </a:t>
+            </a:r>
+            <a:r>
+              <a:rPr lang="en-US" sz="2400" dirty="0" smtClean="0">
+                <a:solidFill>
+                  <a:schemeClr val="tx1"/>
+                </a:solidFill>
+              </a:rPr>
+              <a:t>tested </a:t>
+            </a:r>
+            <a:endParaRPr lang="en-US" sz="2400" dirty="0" smtClean="0">
+              <a:solidFill>
+                <a:schemeClr val="tx1"/>
+              </a:solidFill>
+            </a:endParaRPr>
           </a:p>
           <a:p>
             <a:pPr marL="1257300" lvl="2" indent="-342900">
@@ -32937,7 +33471,23 @@
                   <a:schemeClr val="tx1"/>
                 </a:solidFill>
               </a:rPr>
-              <a:t>After testing, our code is uploaded to and stored by a Chef Server</a:t>
+              <a:t>After testing, </a:t>
+            </a:r>
+            <a:r>
+              <a:rPr lang="en-US" sz="2400" dirty="0" smtClean="0">
+                <a:solidFill>
+                  <a:schemeClr val="tx1"/>
+                </a:solidFill>
+              </a:rPr>
+              <a:t>code </a:t>
+            </a:r>
+            <a:r>
+              <a:rPr lang="en-US" sz="2400" dirty="0" smtClean="0">
+                <a:solidFill>
+                  <a:schemeClr val="tx1"/>
+                </a:solidFill>
+              </a:rPr>
+              <a:t>is uploaded to and stored by a Chef Server</a:t>
             </a:r>
           </a:p>
           <a:p>
@@ -32951,7 +33501,39 @@
                   <a:schemeClr val="tx1"/>
                 </a:solidFill>
               </a:rPr>
-              <a:t>The Chef Server then distributes our policy to any managed nodes</a:t>
+              <a:t>The Chef Server then distributes </a:t>
+            </a:r>
+            <a:r>
+              <a:rPr lang="en-US" sz="2400" dirty="0" smtClean="0">
+                <a:solidFill>
+                  <a:schemeClr val="tx1"/>
+                </a:solidFill>
+              </a:rPr>
+              <a:t>th</a:t>
+            </a:r>
+            <a:r>
+              <a:rPr lang="en-US" sz="2400" dirty="0" smtClean="0">
+                <a:solidFill>
+                  <a:schemeClr val="tx1"/>
+                </a:solidFill>
+              </a:rPr>
+              <a:t>e </a:t>
+            </a:r>
+            <a:r>
+              <a:rPr lang="en-US" sz="2400" dirty="0" smtClean="0">
+                <a:solidFill>
+                  <a:schemeClr val="tx1"/>
+                </a:solidFill>
+              </a:rPr>
+              <a:t>policy </a:t>
+            </a:r>
+            <a:r>
+              <a:rPr lang="en-US" sz="2400" dirty="0" smtClean="0">
+                <a:solidFill>
+                  <a:schemeClr val="tx1"/>
+                </a:solidFill>
+              </a:rPr>
+              <a:t>to any managed nodes</a:t>
             </a:r>
           </a:p>
           <a:p>
@@ -33031,7 +33613,35 @@
           <a:p>
             <a:r>
               <a:rPr lang="en-US" sz="4800" dirty="0" smtClean="0"/>
-              <a:t>Where to go from here</a:t>
+              <a:t>Where </a:t>
+            </a:r>
+            <a:r>
+              <a:rPr lang="en-US" sz="4800" dirty="0" smtClean="0"/>
+              <a:t>To </a:t>
+            </a:r>
+            <a:r>
+              <a:rPr lang="en-US" sz="4800" dirty="0"/>
+              <a:t>G</a:t>
+            </a:r>
+            <a:r>
+              <a:rPr lang="en-US" sz="4800" dirty="0" smtClean="0"/>
+              <a:t>o </a:t>
+            </a:r>
+            <a:r>
+              <a:rPr lang="en-US" sz="4800" dirty="0"/>
+              <a:t>F</a:t>
+            </a:r>
+            <a:r>
+              <a:rPr lang="en-US" sz="4800" dirty="0" smtClean="0"/>
+              <a:t>rom </a:t>
+            </a:r>
+            <a:r>
+              <a:rPr lang="en-US" sz="4800" dirty="0"/>
+              <a:t>H</a:t>
+            </a:r>
+            <a:r>
+              <a:rPr lang="en-US" sz="4800" dirty="0" smtClean="0"/>
+              <a:t>ere</a:t>
             </a:r>
             <a:endParaRPr lang="en-US" sz="4800" dirty="0"/>
           </a:p>
@@ -34343,7 +34953,15 @@
                   <a:schemeClr val="tx1"/>
                 </a:solidFill>
               </a:rPr>
-              <a:t>Chef accomplishes this by describing your infrastructure as code!</a:t>
+              <a:t>Chef accomplishes this by describing your infrastructure as </a:t>
+            </a:r>
+            <a:r>
+              <a:rPr lang="en-US" sz="2800" dirty="0" smtClean="0">
+                <a:solidFill>
+                  <a:schemeClr val="tx1"/>
+                </a:solidFill>
+              </a:rPr>
+              <a:t>code</a:t>
             </a:r>
             <a:endParaRPr lang="en-US" sz="2800" dirty="0">
               <a:solidFill>
@@ -34589,7 +35207,15 @@
           <a:p>
             <a:r>
               <a:rPr lang="en-US" dirty="0"/>
-              <a:t>Why we script with Chef</a:t>
+              <a:t>Why </a:t>
+            </a:r>
+            <a:r>
+              <a:rPr lang="en-US" dirty="0" smtClean="0"/>
+              <a:t>Script </a:t>
+            </a:r>
+            <a:r>
+              <a:rPr lang="en-US" dirty="0"/>
+              <a:t>with Chef</a:t>
             </a:r>
           </a:p>
         </p:txBody>
@@ -35321,7 +35947,15 @@
                   <a:schemeClr val="tx1"/>
                 </a:solidFill>
               </a:rPr>
-              <a:t>These resources are represented as code components, and are stored in version control</a:t>
+              <a:t>Resources </a:t>
+            </a:r>
+            <a:r>
+              <a:rPr lang="en-US" sz="2400" dirty="0" smtClean="0">
+                <a:solidFill>
+                  <a:schemeClr val="tx1"/>
+                </a:solidFill>
+              </a:rPr>
+              <a:t>are represented as code components, and are stored in version control</a:t>
             </a:r>
             <a:endParaRPr lang="en-US" sz="2400" dirty="0">
               <a:solidFill>
@@ -35771,7 +36405,7 @@
                   <a:schemeClr val="tx1"/>
                 </a:solidFill>
               </a:rPr>
-              <a:t>Chocolately</a:t>
+              <a:t>Chocolatey</a:t>
             </a:r>
             <a:r>
               <a:rPr lang="en-US" sz="2400" dirty="0" smtClean="0">
@@ -35779,7 +36413,15 @@
                   <a:schemeClr val="tx1"/>
                 </a:solidFill>
               </a:rPr>
-              <a:t> package manager</a:t>
+              <a:t> </a:t>
+            </a:r>
+            <a:r>
+              <a:rPr lang="en-US" sz="2400" dirty="0" smtClean="0">
+                <a:solidFill>
+                  <a:schemeClr val="tx1"/>
+                </a:solidFill>
+              </a:rPr>
+              <a:t>package manager</a:t>
             </a:r>
             <a:endParaRPr lang="en-US" sz="2400" dirty="0">
               <a:solidFill>
@@ -39624,7 +40266,7 @@
         <p:spPr>
           <a:xfrm>
             <a:off x="2499919" y="4883570"/>
-            <a:ext cx="2134805" cy="307777"/>
+            <a:ext cx="2134805" cy="646331"/>
           </a:xfrm>
           <a:prstGeom prst="rect">
             <a:avLst/>
@@ -39638,18 +40280,18 @@
           <a:lstStyle/>
           <a:p>
             <a:r>
-              <a:rPr lang="en-US" sz="1400" dirty="0" smtClean="0"/>
+              <a:rPr lang="en-US" dirty="0" smtClean="0"/>
               <a:t>Recipes, Cookbooks, </a:t>
             </a:r>
             <a:r>
-              <a:rPr lang="en-US" sz="1400" dirty="0" err="1" smtClean="0"/>
+              <a:rPr lang="en-US" dirty="0" err="1" smtClean="0"/>
               <a:t>etc</a:t>
             </a:r>
             <a:r>
-              <a:rPr lang="is-IS" sz="1400" dirty="0" smtClean="0"/>
+              <a:rPr lang="is-IS" dirty="0" smtClean="0"/>
               <a:t>…</a:t>
             </a:r>
-            <a:endParaRPr lang="en-US" sz="1400" dirty="0"/>
+            <a:endParaRPr lang="en-US" dirty="0"/>
           </a:p>
         </p:txBody>
       </p:sp>
@@ -39974,7 +40616,7 @@
   <a:extraClrSchemeLst/>
   <a:extLst>
     <a:ext uri="{05A4C25C-085E-4340-85A3-A5531E510DB2}">
-      <thm15:themeFamily xmlns:thm15="http://schemas.microsoft.com/office/thememl/2012/main" xmlns="" name="Office Theme" id="{62F939B6-93AF-4DB8-9C6B-D6C7DFDC589F}" vid="{4A3C46E8-61CC-4603-A589-7422A47A8E4A}"/>
+      <thm15:themeFamily xmlns="" xmlns:thm15="http://schemas.microsoft.com/office/thememl/2012/main" name="Office Theme" id="{62F939B6-93AF-4DB8-9C6B-D6C7DFDC589F}" vid="{4A3C46E8-61CC-4603-A589-7422A47A8E4A}"/>
     </a:ext>
   </a:extLst>
 </a:theme>
@@ -40175,7 +40817,7 @@
   <a:extraClrSchemeLst/>
   <a:extLst>
     <a:ext uri="{05A4C25C-085E-4340-85A3-A5531E510DB2}">
-      <thm15:themeFamily xmlns="" xmlns:thm15="http://schemas.microsoft.com/office/thememl/2012/main" name="Office Theme" id="{62F939B6-93AF-4DB8-9C6B-D6C7DFDC589F}" vid="{4A3C46E8-61CC-4603-A589-7422A47A8E4A}"/>
+      <thm15:themeFamily xmlns:thm15="http://schemas.microsoft.com/office/thememl/2012/main" xmlns="" name="Office Theme" id="{62F939B6-93AF-4DB8-9C6B-D6C7DFDC589F}" vid="{4A3C46E8-61CC-4603-A589-7422A47A8E4A}"/>
     </a:ext>
   </a:extLst>
 </a:theme>
@@ -40402,7 +41044,7 @@
   <a:extraClrSchemeLst/>
   <a:extLst>
     <a:ext uri="{05A4C25C-085E-4340-85A3-A5531E510DB2}">
-      <thm15:themeFamily xmlns="" xmlns:thm15="http://schemas.microsoft.com/office/thememl/2012/main" name="Office Theme" id="{62F939B6-93AF-4DB8-9C6B-D6C7DFDC589F}" vid="{4A3C46E8-61CC-4603-A589-7422A47A8E4A}"/>
+      <thm15:themeFamily xmlns:thm15="http://schemas.microsoft.com/office/thememl/2012/main" xmlns="" name="Office Theme" id="{62F939B6-93AF-4DB8-9C6B-D6C7DFDC589F}" vid="{4A3C46E8-61CC-4603-A589-7422A47A8E4A}"/>
     </a:ext>
   </a:extLst>
 </a:theme>
@@ -40697,7 +41339,7 @@
   <a:extraClrSchemeLst/>
   <a:extLst>
     <a:ext uri="{05A4C25C-085E-4340-85A3-A5531E510DB2}">
-      <thm15:themeFamily xmlns="" xmlns:thm15="http://schemas.microsoft.com/office/thememl/2012/main" name="Office Theme" id="{62F939B6-93AF-4DB8-9C6B-D6C7DFDC589F}" vid="{4A3C46E8-61CC-4603-A589-7422A47A8E4A}"/>
+      <thm15:themeFamily xmlns:thm15="http://schemas.microsoft.com/office/thememl/2012/main" xmlns="" name="Office Theme" id="{62F939B6-93AF-4DB8-9C6B-D6C7DFDC589F}" vid="{4A3C46E8-61CC-4603-A589-7422A47A8E4A}"/>
     </a:ext>
   </a:extLst>
 </a:theme>

--- a/Complimentary Course Content/Module7/Lessons/Module7_Lesson3 Introduction to Chef.pptx
+++ b/Complimentary Course Content/Module7/Lessons/Module7_Lesson3 Introduction to Chef.pptx
@@ -145,7 +145,7 @@
   </p:defaultTextStyle>
   <p:extLst>
     <p:ext uri="{EFAFB233-063F-42B5-8137-9DF3F51BA10A}">
-      <p15:sldGuideLst xmlns:p15="http://schemas.microsoft.com/office/powerpoint/2012/main" xmlns="">
+      <p15:sldGuideLst xmlns="" xmlns:p15="http://schemas.microsoft.com/office/powerpoint/2012/main">
         <p15:guide id="1" orient="horz" pos="2184" userDrawn="1">
           <p15:clr>
             <a:srgbClr val="A4A3A4"/>
@@ -266,7 +266,7 @@
             <a:fld id="{49B60EF2-7028-489F-85D8-FE86CD7CF2A0}" type="datetimeFigureOut">
               <a:rPr lang="en-US" smtClean="0"/>
               <a:pPr/>
-              <a:t>7/14/16</a:t>
+              <a:t>7/25/16</a:t>
             </a:fld>
             <a:endParaRPr lang="en-US"/>
           </a:p>
@@ -1455,7 +1455,6 @@
               <a:rPr lang="en-US" b="0" dirty="0" smtClean="0"/>
               <a:t>.</a:t>
             </a:r>
-            <a:endParaRPr lang="en-US" b="0" dirty="0" smtClean="0"/>
           </a:p>
           <a:p>
             <a:pPr marL="0" marR="0" lvl="0" indent="0" algn="l" defTabSz="914400" rtl="0" eaLnBrk="1" fontAlgn="auto" latinLnBrk="0" hangingPunct="1">
@@ -1914,7 +1913,6 @@
               <a:rPr lang="en-US" b="1" dirty="0" smtClean="0"/>
               <a:t>:</a:t>
             </a:r>
-            <a:endParaRPr lang="en-US" b="1" dirty="0" smtClean="0"/>
           </a:p>
           <a:p>
             <a:pPr marL="171450" marR="0" lvl="0" indent="-171450" algn="l" defTabSz="914400" rtl="0" eaLnBrk="1" fontAlgn="auto" latinLnBrk="0" hangingPunct="1">
@@ -2000,11 +1998,7 @@
             </a:r>
             <a:r>
               <a:rPr lang="en-US" b="0" baseline="0" dirty="0" smtClean="0"/>
-              <a:t> </a:t>
-            </a:r>
-            <a:r>
-              <a:rPr lang="en-US" b="0" baseline="0" dirty="0" smtClean="0"/>
-              <a:t>the documentation above to learn about the different installation options. There are a robust amount of solutions here to provide as much flexibility as possible when integrating a Chef Server, whether your infrastructure runs in a cloud or on bare-metal. </a:t>
+              <a:t> the documentation above to learn about the different installation options. There are a robust amount of solutions here to provide as much flexibility as possible when integrating a Chef Server, whether your infrastructure runs in a cloud or on bare-metal. </a:t>
             </a:r>
           </a:p>
           <a:p>
@@ -2516,7 +2510,6 @@
               <a:rPr lang="en-US" b="0" dirty="0" smtClean="0"/>
               <a:t>A “chef-client run” is the term used to describe a series of steps that are taken by the chef-client when it is configuring a node. </a:t>
             </a:r>
-            <a:endParaRPr lang="en-US" b="0" dirty="0" smtClean="0"/>
           </a:p>
           <a:p>
             <a:pPr marL="171450" marR="0" lvl="0" indent="-171450" algn="l" defTabSz="914400" rtl="0" eaLnBrk="1" fontAlgn="auto" latinLnBrk="0" hangingPunct="1">
@@ -2538,17 +2531,8 @@
             </a:pPr>
             <a:r>
               <a:rPr lang="en-US" b="0" dirty="0" smtClean="0"/>
-              <a:t>The above diagram </a:t>
-            </a:r>
-            <a:r>
-              <a:rPr lang="en-US" b="0" dirty="0" smtClean="0"/>
-              <a:t>shows the various stages that occur during the chef-client </a:t>
-            </a:r>
-            <a:r>
-              <a:rPr lang="en-US" b="0" dirty="0" smtClean="0"/>
-              <a:t>run:</a:t>
-            </a:r>
-            <a:endParaRPr lang="en-US" b="0" dirty="0" smtClean="0"/>
+              <a:t>The above diagram shows the various stages that occur during the chef-client run:</a:t>
+            </a:r>
           </a:p>
           <a:p>
             <a:pPr marL="0" marR="0" lvl="0" indent="0" algn="l" defTabSz="914400" rtl="0" eaLnBrk="1" fontAlgn="auto" latinLnBrk="0" hangingPunct="1">
@@ -3365,11 +3349,7 @@
             </a:pPr>
             <a:r>
               <a:rPr lang="en-US" b="0" dirty="0" smtClean="0"/>
-              <a:t>https</a:t>
-            </a:r>
-            <a:r>
-              <a:rPr lang="en-US" b="0" dirty="0" smtClean="0"/>
-              <a:t>://</a:t>
+              <a:t>https://</a:t>
             </a:r>
             <a:r>
               <a:rPr lang="en-US" b="0" dirty="0" err="1" smtClean="0"/>
@@ -4529,11 +4509,7 @@
             </a:pPr>
             <a:r>
               <a:rPr lang="en-US" b="1" dirty="0" smtClean="0"/>
-              <a:t>References</a:t>
-            </a:r>
-            <a:r>
-              <a:rPr lang="en-US" b="1" dirty="0" smtClean="0"/>
-              <a:t>:</a:t>
+              <a:t>References:</a:t>
             </a:r>
             <a:endParaRPr lang="en-US" b="0" dirty="0" smtClean="0"/>
           </a:p>
@@ -7541,9 +7517,16 @@
             </a:pPr>
             <a:r>
               <a:rPr lang="en-US" i="0" dirty="0" smtClean="0"/>
-              <a:t>It is not necessary to use a Chef Server.</a:t>
-            </a:r>
-            <a:endParaRPr lang="en-US" i="0" dirty="0" smtClean="0"/>
+              <a:t>It is not </a:t>
+            </a:r>
+            <a:r>
+              <a:rPr lang="en-US" i="0" dirty="0" smtClean="0"/>
+              <a:t>necessary </a:t>
+            </a:r>
+            <a:r>
+              <a:rPr lang="en-US" i="0" dirty="0" smtClean="0"/>
+              <a:t>to use a Chef Server.</a:t>
+            </a:r>
           </a:p>
         </p:txBody>
       </p:sp>
@@ -8926,11 +8909,7 @@
             </a:r>
             <a:r>
               <a:rPr lang="en-US" b="0" u="none" baseline="0" dirty="0" smtClean="0"/>
-              <a:t> </a:t>
-            </a:r>
-            <a:r>
-              <a:rPr lang="en-US" b="0" u="none" baseline="0" dirty="0" smtClean="0"/>
-              <a:t>by calling the default recipe for the Chocolatey community cookbook. This installs Chocolatey, and then installs </a:t>
+              <a:t> by calling the default recipe for the Chocolatey community cookbook. This installs Chocolatey, and then installs </a:t>
             </a:r>
             <a:r>
               <a:rPr lang="en-US" b="0" u="none" baseline="0" dirty="0" err="1" smtClean="0"/>
@@ -9163,12 +9142,52 @@
             </a:pPr>
             <a:r>
               <a:rPr lang="en-US" baseline="0" dirty="0" smtClean="0"/>
-              <a:t>The items in this architecture will be discussed in more detail later in this class. </a:t>
+              <a:t>The items in this architecture will be discussed in more detail later in this class. For now, let’s get set up with a workstation and write some code</a:t>
             </a:r>
             <a:r>
               <a:rPr lang="en-US" baseline="0" dirty="0" smtClean="0"/>
-              <a:t>For now, let’s get set up with a workstation and write some code.</a:t>
-            </a:r>
+              <a:t>.</a:t>
+            </a:r>
+          </a:p>
+          <a:p>
+            <a:pPr marL="171450" indent="-171450">
+              <a:buFont typeface="Arial"/>
+              <a:buChar char="•"/>
+            </a:pPr>
+            <a:endParaRPr lang="en-US" baseline="0" dirty="0" smtClean="0"/>
+          </a:p>
+          <a:p>
+            <a:pPr marL="0" indent="0">
+              <a:buFont typeface="Arial"/>
+              <a:buNone/>
+            </a:pPr>
+            <a:r>
+              <a:rPr lang="en-US" b="1" baseline="0" dirty="0" smtClean="0"/>
+              <a:t>References:</a:t>
+            </a:r>
+          </a:p>
+          <a:p>
+            <a:pPr marL="171450" indent="-171450">
+              <a:buFont typeface="Arial"/>
+              <a:buChar char="•"/>
+            </a:pPr>
+            <a:r>
+              <a:rPr lang="en-US" baseline="0" dirty="0" smtClean="0"/>
+              <a:t>http://</a:t>
+            </a:r>
+            <a:r>
+              <a:rPr lang="en-US" baseline="0" dirty="0" err="1" smtClean="0"/>
+              <a:t>docs.chef.io</a:t>
+            </a:r>
+            <a:r>
+              <a:rPr lang="en-US" baseline="0" dirty="0" smtClean="0"/>
+              <a:t>/</a:t>
+            </a:r>
+            <a:r>
+              <a:rPr lang="en-US" baseline="0" dirty="0" err="1" smtClean="0"/>
+              <a:t>server_components.html</a:t>
+            </a:r>
+            <a:endParaRPr lang="en-US" baseline="0" dirty="0" smtClean="0"/>
           </a:p>
         </p:txBody>
       </p:sp>
@@ -9359,7 +9378,7 @@
             <a:fld id="{0459C166-16D3-4A25-A2F8-C51E0E346B22}" type="datetimeFigureOut">
               <a:rPr lang="en-US" smtClean="0"/>
               <a:pPr/>
-              <a:t>7/14/16</a:t>
+              <a:t>7/25/16</a:t>
             </a:fld>
             <a:endParaRPr lang="en-US"/>
           </a:p>
@@ -9728,7 +9747,7 @@
             <a:fld id="{0459C166-16D3-4A25-A2F8-C51E0E346B22}" type="datetimeFigureOut">
               <a:rPr lang="en-US" smtClean="0"/>
               <a:pPr/>
-              <a:t>7/14/16</a:t>
+              <a:t>7/25/16</a:t>
             </a:fld>
             <a:endParaRPr lang="en-US"/>
           </a:p>
@@ -9848,7 +9867,7 @@
             <a:fld id="{0459C166-16D3-4A25-A2F8-C51E0E346B22}" type="datetimeFigureOut">
               <a:rPr lang="en-US" smtClean="0"/>
               <a:pPr/>
-              <a:t>7/14/16</a:t>
+              <a:t>7/25/16</a:t>
             </a:fld>
             <a:endParaRPr lang="en-US"/>
           </a:p>
@@ -10065,7 +10084,7 @@
                 <a:latin typeface="Segoe UI"/>
               </a:rPr>
               <a:pPr/>
-              <a:t>7/14/16</a:t>
+              <a:t>7/25/16</a:t>
             </a:fld>
             <a:endParaRPr lang="en-US">
               <a:solidFill>
@@ -10270,7 +10289,7 @@
                 <a:latin typeface="Segoe UI"/>
               </a:rPr>
               <a:pPr/>
-              <a:t>7/14/16</a:t>
+              <a:t>7/25/16</a:t>
             </a:fld>
             <a:endParaRPr lang="en-US">
               <a:solidFill>
@@ -10570,7 +10589,7 @@
                 <a:latin typeface="Segoe UI"/>
               </a:rPr>
               <a:pPr/>
-              <a:t>7/14/16</a:t>
+              <a:t>7/25/16</a:t>
             </a:fld>
             <a:endParaRPr lang="en-US">
               <a:solidFill>
@@ -10844,7 +10863,7 @@
                 <a:latin typeface="Segoe UI"/>
               </a:rPr>
               <a:pPr/>
-              <a:t>7/14/16</a:t>
+              <a:t>7/25/16</a:t>
             </a:fld>
             <a:endParaRPr lang="en-US">
               <a:solidFill>
@@ -11245,7 +11264,7 @@
                 <a:latin typeface="Segoe UI"/>
               </a:rPr>
               <a:pPr/>
-              <a:t>7/14/16</a:t>
+              <a:t>7/25/16</a:t>
             </a:fld>
             <a:endParaRPr lang="en-US">
               <a:solidFill>
@@ -11399,7 +11418,7 @@
                 <a:latin typeface="Segoe UI"/>
               </a:rPr>
               <a:pPr/>
-              <a:t>7/14/16</a:t>
+              <a:t>7/25/16</a:t>
             </a:fld>
             <a:endParaRPr lang="en-US">
               <a:solidFill>
@@ -11531,7 +11550,7 @@
                 <a:latin typeface="Segoe UI"/>
               </a:rPr>
               <a:pPr/>
-              <a:t>7/14/16</a:t>
+              <a:t>7/25/16</a:t>
             </a:fld>
             <a:endParaRPr lang="en-US">
               <a:solidFill>
@@ -11843,7 +11862,7 @@
                 <a:latin typeface="Segoe UI"/>
               </a:rPr>
               <a:pPr/>
-              <a:t>7/14/16</a:t>
+              <a:t>7/25/16</a:t>
             </a:fld>
             <a:endParaRPr lang="en-US">
               <a:solidFill>
@@ -12043,7 +12062,7 @@
             <a:fld id="{0459C166-16D3-4A25-A2F8-C51E0E346B22}" type="datetimeFigureOut">
               <a:rPr lang="en-US" smtClean="0"/>
               <a:pPr/>
-              <a:t>7/14/16</a:t>
+              <a:t>7/25/16</a:t>
             </a:fld>
             <a:endParaRPr lang="en-US"/>
           </a:p>
@@ -12304,7 +12323,7 @@
                 <a:latin typeface="Segoe UI"/>
               </a:rPr>
               <a:pPr/>
-              <a:t>7/14/16</a:t>
+              <a:t>7/25/16</a:t>
             </a:fld>
             <a:endParaRPr lang="en-US">
               <a:solidFill>
@@ -12509,7 +12528,7 @@
                 <a:latin typeface="Segoe UI"/>
               </a:rPr>
               <a:pPr/>
-              <a:t>7/14/16</a:t>
+              <a:t>7/25/16</a:t>
             </a:fld>
             <a:endParaRPr lang="en-US">
               <a:solidFill>
@@ -12724,7 +12743,7 @@
                 <a:latin typeface="Segoe UI"/>
               </a:rPr>
               <a:pPr/>
-              <a:t>7/14/16</a:t>
+              <a:t>7/25/16</a:t>
             </a:fld>
             <a:endParaRPr lang="en-US">
               <a:solidFill>
@@ -12969,7 +12988,7 @@
                 <a:latin typeface="Segoe UI"/>
               </a:rPr>
               <a:pPr/>
-              <a:t>7/14/16</a:t>
+              <a:t>7/25/16</a:t>
             </a:fld>
             <a:endParaRPr lang="en-US">
               <a:solidFill>
@@ -13174,7 +13193,7 @@
                 <a:latin typeface="Segoe UI"/>
               </a:rPr>
               <a:pPr/>
-              <a:t>7/14/16</a:t>
+              <a:t>7/25/16</a:t>
             </a:fld>
             <a:endParaRPr lang="en-US">
               <a:solidFill>
@@ -13474,7 +13493,7 @@
                 <a:latin typeface="Segoe UI"/>
               </a:rPr>
               <a:pPr/>
-              <a:t>7/14/16</a:t>
+              <a:t>7/25/16</a:t>
             </a:fld>
             <a:endParaRPr lang="en-US">
               <a:solidFill>
@@ -13748,7 +13767,7 @@
                 <a:latin typeface="Segoe UI"/>
               </a:rPr>
               <a:pPr/>
-              <a:t>7/14/16</a:t>
+              <a:t>7/25/16</a:t>
             </a:fld>
             <a:endParaRPr lang="en-US">
               <a:solidFill>
@@ -14149,7 +14168,7 @@
                 <a:latin typeface="Segoe UI"/>
               </a:rPr>
               <a:pPr/>
-              <a:t>7/14/16</a:t>
+              <a:t>7/25/16</a:t>
             </a:fld>
             <a:endParaRPr lang="en-US">
               <a:solidFill>
@@ -14303,7 +14322,7 @@
                 <a:latin typeface="Segoe UI"/>
               </a:rPr>
               <a:pPr/>
-              <a:t>7/14/16</a:t>
+              <a:t>7/25/16</a:t>
             </a:fld>
             <a:endParaRPr lang="en-US">
               <a:solidFill>
@@ -14435,7 +14454,7 @@
                 <a:latin typeface="Segoe UI"/>
               </a:rPr>
               <a:pPr/>
-              <a:t>7/14/16</a:t>
+              <a:t>7/25/16</a:t>
             </a:fld>
             <a:endParaRPr lang="en-US">
               <a:solidFill>
@@ -14729,7 +14748,7 @@
             <a:fld id="{0459C166-16D3-4A25-A2F8-C51E0E346B22}" type="datetimeFigureOut">
               <a:rPr lang="en-US" smtClean="0"/>
               <a:pPr/>
-              <a:t>7/14/16</a:t>
+              <a:t>7/25/16</a:t>
             </a:fld>
             <a:endParaRPr lang="en-US"/>
           </a:p>
@@ -15029,7 +15048,7 @@
                 <a:latin typeface="Segoe UI"/>
               </a:rPr>
               <a:pPr/>
-              <a:t>7/14/16</a:t>
+              <a:t>7/25/16</a:t>
             </a:fld>
             <a:endParaRPr lang="en-US">
               <a:solidFill>
@@ -15318,7 +15337,7 @@
                 <a:latin typeface="Segoe UI"/>
               </a:rPr>
               <a:pPr/>
-              <a:t>7/14/16</a:t>
+              <a:t>7/25/16</a:t>
             </a:fld>
             <a:endParaRPr lang="en-US">
               <a:solidFill>
@@ -15523,7 +15542,7 @@
                 <a:latin typeface="Segoe UI"/>
               </a:rPr>
               <a:pPr/>
-              <a:t>7/14/16</a:t>
+              <a:t>7/25/16</a:t>
             </a:fld>
             <a:endParaRPr lang="en-US">
               <a:solidFill>
@@ -15738,7 +15757,7 @@
                 <a:latin typeface="Segoe UI"/>
               </a:rPr>
               <a:pPr/>
-              <a:t>7/14/16</a:t>
+              <a:t>7/25/16</a:t>
             </a:fld>
             <a:endParaRPr lang="en-US">
               <a:solidFill>
@@ -16070,7 +16089,7 @@
             <a:fld id="{0459C166-16D3-4A25-A2F8-C51E0E346B22}" type="datetimeFigureOut">
               <a:rPr lang="en-US" smtClean="0"/>
               <a:pPr/>
-              <a:t>7/14/16</a:t>
+              <a:t>7/25/16</a:t>
             </a:fld>
             <a:endParaRPr lang="en-US"/>
           </a:p>
@@ -16469,7 +16488,7 @@
             <a:fld id="{0459C166-16D3-4A25-A2F8-C51E0E346B22}" type="datetimeFigureOut">
               <a:rPr lang="en-US" smtClean="0"/>
               <a:pPr/>
-              <a:t>7/14/16</a:t>
+              <a:t>7/25/16</a:t>
             </a:fld>
             <a:endParaRPr lang="en-US"/>
           </a:p>
@@ -17441,7 +17460,7 @@
             <a:fld id="{0459C166-16D3-4A25-A2F8-C51E0E346B22}" type="datetimeFigureOut">
               <a:rPr lang="en-US" smtClean="0"/>
               <a:pPr/>
-              <a:t>7/14/16</a:t>
+              <a:t>7/25/16</a:t>
             </a:fld>
             <a:endParaRPr lang="en-US"/>
           </a:p>
@@ -17655,7 +17674,7 @@
             <a:fld id="{0459C166-16D3-4A25-A2F8-C51E0E346B22}" type="datetimeFigureOut">
               <a:rPr lang="en-US" smtClean="0"/>
               <a:pPr/>
-              <a:t>7/14/16</a:t>
+              <a:t>7/25/16</a:t>
             </a:fld>
             <a:endParaRPr lang="en-US"/>
           </a:p>
@@ -18202,7 +18221,7 @@
                 <a:latin typeface="Segoe UI"/>
               </a:rPr>
               <a:pPr/>
-              <a:t>7/14/16</a:t>
+              <a:t>7/25/16</a:t>
             </a:fld>
             <a:endParaRPr lang="en-US">
               <a:solidFill>
@@ -18777,7 +18796,7 @@
                 <a:latin typeface="Segoe UI"/>
               </a:rPr>
               <a:pPr/>
-              <a:t>7/14/16</a:t>
+              <a:t>7/25/16</a:t>
             </a:fld>
             <a:endParaRPr lang="en-US">
               <a:solidFill>
@@ -20483,7 +20502,6 @@
                 <a:rPr lang="en-US" i="0" dirty="0"/>
                 <a:t>The Chef Workstation is where code is developed and tested</a:t>
               </a:r>
-              <a:endParaRPr lang="en-US" i="0" dirty="0"/>
             </a:p>
           </p:txBody>
         </p:sp>
@@ -21092,23 +21110,7 @@
                   <a:schemeClr val="tx1"/>
                 </a:solidFill>
               </a:rPr>
-              <a:t>itchen – test </a:t>
-            </a:r>
-            <a:r>
-              <a:rPr lang="en-US" sz="2800" dirty="0" smtClean="0">
-                <a:solidFill>
-                  <a:schemeClr val="tx1"/>
-                </a:solidFill>
-              </a:rPr>
-              <a:t>cookbooks </a:t>
-            </a:r>
-            <a:r>
-              <a:rPr lang="en-US" sz="2800" dirty="0" smtClean="0">
-                <a:solidFill>
-                  <a:schemeClr val="tx1"/>
-                </a:solidFill>
-              </a:rPr>
-              <a:t>inside a VM or a cloud provider</a:t>
+              <a:t>itchen – test cookbooks inside a VM or a cloud provider</a:t>
             </a:r>
           </a:p>
           <a:p>
@@ -21146,23 +21148,7 @@
                   <a:schemeClr val="tx1"/>
                 </a:solidFill>
               </a:rPr>
-              <a:t> – lint </a:t>
-            </a:r>
-            <a:r>
-              <a:rPr lang="en-US" sz="2800" dirty="0" smtClean="0">
-                <a:solidFill>
-                  <a:schemeClr val="tx1"/>
-                </a:solidFill>
-              </a:rPr>
-              <a:t>Chef </a:t>
-            </a:r>
-            <a:r>
-              <a:rPr lang="en-US" sz="2800" dirty="0" smtClean="0">
-                <a:solidFill>
-                  <a:schemeClr val="tx1"/>
-                </a:solidFill>
-              </a:rPr>
-              <a:t>Cookbooks for common errors</a:t>
+              <a:t> – lint Chef Cookbooks for common errors</a:t>
             </a:r>
             <a:endParaRPr lang="en-US" sz="2800" dirty="0">
               <a:solidFill>
@@ -21521,15 +21507,7 @@
               <a:pPr algn="l"/>
               <a:r>
                 <a:rPr lang="en-US" i="0" dirty="0" smtClean="0"/>
-                <a:t>The Chef Server is </a:t>
-              </a:r>
-              <a:r>
-                <a:rPr lang="en-US" i="0" dirty="0" smtClean="0"/>
-                <a:t>the hub </a:t>
-              </a:r>
-              <a:r>
-                <a:rPr lang="en-US" i="0" dirty="0" smtClean="0"/>
-                <a:t>for Configuration Data</a:t>
+                <a:t>The Chef Server is the hub for Configuration Data</a:t>
               </a:r>
               <a:endParaRPr lang="en-US" i="0" dirty="0"/>
             </a:p>
@@ -22716,15 +22694,7 @@
                   <a:schemeClr val="tx1"/>
                 </a:solidFill>
               </a:rPr>
-              <a:t>Most </a:t>
-            </a:r>
-            <a:r>
-              <a:rPr lang="en-US" sz="2400" dirty="0" smtClean="0">
-                <a:solidFill>
-                  <a:schemeClr val="tx1"/>
-                </a:solidFill>
-              </a:rPr>
-              <a:t>VPC’s, like Azure, AWS, and </a:t>
+              <a:t>Most VPC’s, like Azure, AWS, and </a:t>
             </a:r>
             <a:r>
               <a:rPr lang="en-US" sz="2400" dirty="0" err="1" smtClean="0">
@@ -25769,7 +25739,7 @@
           <a:p>
             <a:pPr algn="ctr"/>
             <a:r>
-              <a:rPr lang="en-US" sz="2000" smtClean="0">
+              <a:rPr lang="en-US" sz="2000" dirty="0" smtClean="0">
                 <a:solidFill>
                   <a:prstClr val="black"/>
                 </a:solidFill>
@@ -27061,15 +27031,7 @@
                   <a:schemeClr val="tx1"/>
                 </a:solidFill>
               </a:rPr>
-              <a:t>Resources</a:t>
-            </a:r>
-            <a:r>
-              <a:rPr lang="en-US" sz="2400" dirty="0" smtClean="0">
-                <a:solidFill>
-                  <a:schemeClr val="tx1"/>
-                </a:solidFill>
-              </a:rPr>
-              <a:t>:</a:t>
+              <a:t>Resources:</a:t>
             </a:r>
           </a:p>
           <a:p>
@@ -28383,15 +28345,7 @@
                   <a:schemeClr val="tx1"/>
                 </a:solidFill>
               </a:rPr>
-              <a:t>authored </a:t>
-            </a:r>
-            <a:r>
-              <a:rPr lang="en-US" sz="2800" dirty="0" smtClean="0">
-                <a:solidFill>
-                  <a:schemeClr val="tx1"/>
-                </a:solidFill>
-              </a:rPr>
-              <a:t>using Ruby, and have a .</a:t>
+              <a:t>authored using Ruby, and have a .</a:t>
             </a:r>
             <a:r>
               <a:rPr lang="en-US" sz="2800" dirty="0" err="1" smtClean="0">
@@ -28421,15 +28375,7 @@
                   <a:schemeClr val="tx1"/>
                 </a:solidFill>
               </a:rPr>
-              <a:t>Group </a:t>
-            </a:r>
-            <a:r>
-              <a:rPr lang="en-US" sz="2800" dirty="0" smtClean="0">
-                <a:solidFill>
-                  <a:schemeClr val="tx1"/>
-                </a:solidFill>
-              </a:rPr>
-              <a:t>configuration tasks into logical units</a:t>
+              <a:t>Group configuration tasks into logical units</a:t>
             </a:r>
           </a:p>
           <a:p>
@@ -28487,21 +28433,8 @@
                   <a:schemeClr val="tx1"/>
                 </a:solidFill>
               </a:rPr>
-              <a:t>added to the Run-list for any </a:t>
-            </a:r>
-            <a:r>
-              <a:rPr lang="en-US" sz="2800" dirty="0" smtClean="0">
-                <a:solidFill>
-                  <a:schemeClr val="tx1"/>
-                </a:solidFill>
-              </a:rPr>
-              <a:t>node</a:t>
-            </a:r>
-            <a:endParaRPr lang="en-US" sz="2800" dirty="0" smtClean="0">
-              <a:solidFill>
-                <a:schemeClr val="tx1"/>
-              </a:solidFill>
-            </a:endParaRPr>
+              <a:t>added to the Run-list for any node</a:t>
+            </a:r>
           </a:p>
         </p:txBody>
       </p:sp>
@@ -29092,11 +29025,7 @@
               <a:pPr algn="l"/>
               <a:r>
                 <a:rPr lang="en-US" i="0" dirty="0" smtClean="0"/>
-                <a:t>Cookbooks are containers for recipes and supporting policies </a:t>
-              </a:r>
-              <a:r>
-                <a:rPr lang="en-US" i="0" dirty="0" smtClean="0"/>
-                <a:t>or files</a:t>
+                <a:t>Cookbooks are containers for recipes and supporting policies or files</a:t>
               </a:r>
               <a:endParaRPr lang="en-US" i="0" dirty="0"/>
             </a:p>
@@ -29152,15 +29081,7 @@
                   <a:schemeClr val="tx1"/>
                 </a:solidFill>
               </a:rPr>
-              <a:t>May </a:t>
-            </a:r>
-            <a:r>
-              <a:rPr lang="en-US" sz="2800" dirty="0" smtClean="0">
-                <a:solidFill>
-                  <a:schemeClr val="tx1"/>
-                </a:solidFill>
-              </a:rPr>
-              <a:t>contain many recipes</a:t>
+              <a:t>May contain many recipes</a:t>
             </a:r>
           </a:p>
           <a:p>
@@ -29358,31 +29279,7 @@
                   <a:schemeClr val="tx1"/>
                 </a:solidFill>
               </a:rPr>
-              <a:t>A cookbook can be built from scratch, </a:t>
-            </a:r>
-            <a:r>
-              <a:rPr lang="en-US" sz="2400" dirty="0" smtClean="0">
-                <a:solidFill>
-                  <a:schemeClr val="tx1"/>
-                </a:solidFill>
-              </a:rPr>
-              <a:t>or found </a:t>
-            </a:r>
-            <a:r>
-              <a:rPr lang="en-US" sz="2400" dirty="0" smtClean="0">
-                <a:solidFill>
-                  <a:schemeClr val="tx1"/>
-                </a:solidFill>
-              </a:rPr>
-              <a:t>in </a:t>
-            </a:r>
-            <a:r>
-              <a:rPr lang="en-US" sz="2400" dirty="0" smtClean="0">
-                <a:solidFill>
-                  <a:schemeClr val="tx1"/>
-                </a:solidFill>
-              </a:rPr>
-              <a:t>the </a:t>
+              <a:t>A cookbook can be built from scratch, or found in the </a:t>
             </a:r>
             <a:r>
               <a:rPr lang="en-US" sz="2400" dirty="0">
@@ -29414,23 +29311,7 @@
                   <a:schemeClr val="tx1"/>
                 </a:solidFill>
               </a:rPr>
-              <a:t>in the </a:t>
-            </a:r>
-            <a:r>
-              <a:rPr lang="en-US" sz="2400" dirty="0" smtClean="0">
-                <a:solidFill>
-                  <a:schemeClr val="tx1"/>
-                </a:solidFill>
-              </a:rPr>
-              <a:t>Chef </a:t>
-            </a:r>
-            <a:r>
-              <a:rPr lang="en-US" sz="2400" dirty="0" smtClean="0">
-                <a:solidFill>
-                  <a:schemeClr val="tx1"/>
-                </a:solidFill>
-              </a:rPr>
-              <a:t>Supermarket.</a:t>
+              <a:t>in the Chef Supermarket.</a:t>
             </a:r>
             <a:endParaRPr lang="en-US" sz="2400" dirty="0">
               <a:solidFill>
@@ -29449,23 +29330,7 @@
                   <a:schemeClr val="tx1"/>
                 </a:solidFill>
               </a:rPr>
-              <a:t>Community code helps </a:t>
-            </a:r>
-            <a:r>
-              <a:rPr lang="en-US" sz="2400" dirty="0" smtClean="0">
-                <a:solidFill>
-                  <a:schemeClr val="tx1"/>
-                </a:solidFill>
-              </a:rPr>
-              <a:t>save </a:t>
-            </a:r>
-            <a:r>
-              <a:rPr lang="en-US" sz="2400" dirty="0" smtClean="0">
-                <a:solidFill>
-                  <a:schemeClr val="tx1"/>
-                </a:solidFill>
-              </a:rPr>
-              <a:t>time, and can get you started on the right path.</a:t>
+              <a:t>Community code helps save time, and can get you started on the right path.</a:t>
             </a:r>
             <a:endParaRPr lang="en-US" sz="2400" dirty="0">
               <a:solidFill>
@@ -29884,15 +29749,7 @@
                   <a:schemeClr val="tx1"/>
                 </a:solidFill>
               </a:rPr>
-              <a:t>Reflect </a:t>
-            </a:r>
-            <a:r>
-              <a:rPr lang="en-US" sz="2800" dirty="0" smtClean="0">
-                <a:solidFill>
-                  <a:schemeClr val="tx1"/>
-                </a:solidFill>
-              </a:rPr>
-              <a:t>the current state of the node the attribute belongs to</a:t>
+              <a:t>Reflect the current state of the node the attribute belongs to</a:t>
             </a:r>
           </a:p>
           <a:p>
@@ -33396,31 +33253,7 @@
                   <a:schemeClr val="tx1"/>
                 </a:solidFill>
               </a:rPr>
-              <a:t>The Workstation is where </a:t>
-            </a:r>
-            <a:r>
-              <a:rPr lang="en-US" sz="2400" dirty="0" smtClean="0">
-                <a:solidFill>
-                  <a:schemeClr val="tx1"/>
-                </a:solidFill>
-              </a:rPr>
-              <a:t>Chef </a:t>
-            </a:r>
-            <a:r>
-              <a:rPr lang="en-US" sz="2400" dirty="0" smtClean="0">
-                <a:solidFill>
-                  <a:schemeClr val="tx1"/>
-                </a:solidFill>
-              </a:rPr>
-              <a:t>code </a:t>
-            </a:r>
-            <a:r>
-              <a:rPr lang="en-US" sz="2400" dirty="0" smtClean="0">
-                <a:solidFill>
-                  <a:schemeClr val="tx1"/>
-                </a:solidFill>
-              </a:rPr>
-              <a:t>(</a:t>
+              <a:t>The Workstation is where Chef code (</a:t>
             </a:r>
             <a:r>
               <a:rPr lang="en-US" sz="2400" dirty="0">
@@ -33454,11 +33287,6 @@
               </a:rPr>
               <a:t>tested </a:t>
             </a:r>
-            <a:endParaRPr lang="en-US" sz="2400" dirty="0" smtClean="0">
-              <a:solidFill>
-                <a:schemeClr val="tx1"/>
-              </a:solidFill>
-            </a:endParaRPr>
           </a:p>
           <a:p>
             <a:pPr marL="1257300" lvl="2" indent="-342900">
@@ -33471,23 +33299,7 @@
                   <a:schemeClr val="tx1"/>
                 </a:solidFill>
               </a:rPr>
-              <a:t>After testing, </a:t>
-            </a:r>
-            <a:r>
-              <a:rPr lang="en-US" sz="2400" dirty="0" smtClean="0">
-                <a:solidFill>
-                  <a:schemeClr val="tx1"/>
-                </a:solidFill>
-              </a:rPr>
-              <a:t>code </a:t>
-            </a:r>
-            <a:r>
-              <a:rPr lang="en-US" sz="2400" dirty="0" smtClean="0">
-                <a:solidFill>
-                  <a:schemeClr val="tx1"/>
-                </a:solidFill>
-              </a:rPr>
-              <a:t>is uploaded to and stored by a Chef Server</a:t>
+              <a:t>After testing, code is uploaded to and stored by a Chef Server</a:t>
             </a:r>
           </a:p>
           <a:p>
@@ -33501,39 +33313,7 @@
                   <a:schemeClr val="tx1"/>
                 </a:solidFill>
               </a:rPr>
-              <a:t>The Chef Server then distributes </a:t>
-            </a:r>
-            <a:r>
-              <a:rPr lang="en-US" sz="2400" dirty="0" smtClean="0">
-                <a:solidFill>
-                  <a:schemeClr val="tx1"/>
-                </a:solidFill>
-              </a:rPr>
-              <a:t>th</a:t>
-            </a:r>
-            <a:r>
-              <a:rPr lang="en-US" sz="2400" dirty="0" smtClean="0">
-                <a:solidFill>
-                  <a:schemeClr val="tx1"/>
-                </a:solidFill>
-              </a:rPr>
-              <a:t>e </a:t>
-            </a:r>
-            <a:r>
-              <a:rPr lang="en-US" sz="2400" dirty="0" smtClean="0">
-                <a:solidFill>
-                  <a:schemeClr val="tx1"/>
-                </a:solidFill>
-              </a:rPr>
-              <a:t>policy </a:t>
-            </a:r>
-            <a:r>
-              <a:rPr lang="en-US" sz="2400" dirty="0" smtClean="0">
-                <a:solidFill>
-                  <a:schemeClr val="tx1"/>
-                </a:solidFill>
-              </a:rPr>
-              <a:t>to any managed nodes</a:t>
+              <a:t>The Chef Server then distributes the policy to any managed nodes</a:t>
             </a:r>
           </a:p>
           <a:p>
@@ -33613,11 +33393,7 @@
           <a:p>
             <a:r>
               <a:rPr lang="en-US" sz="4800" dirty="0" smtClean="0"/>
-              <a:t>Where </a:t>
-            </a:r>
-            <a:r>
-              <a:rPr lang="en-US" sz="4800" dirty="0" smtClean="0"/>
-              <a:t>To </a:t>
+              <a:t>Where To </a:t>
             </a:r>
             <a:r>
               <a:rPr lang="en-US" sz="4800" dirty="0"/>
@@ -34521,8 +34297,13 @@
               </a:pPr>
               <a:r>
                 <a:rPr lang="en-US" sz="2800" dirty="0"/>
-                <a:t>Explain Chef terminology and architecture</a:t>
+                <a:t>Explain Chef terminology and </a:t>
               </a:r>
+              <a:r>
+                <a:rPr lang="en-US" sz="2800" dirty="0" smtClean="0"/>
+                <a:t>architecture</a:t>
+              </a:r>
+              <a:endParaRPr lang="en-US" sz="2800" dirty="0"/>
             </a:p>
             <a:p>
               <a:pPr marL="1371600" lvl="2" indent="-457200">
@@ -34953,15 +34734,7 @@
                   <a:schemeClr val="tx1"/>
                 </a:solidFill>
               </a:rPr>
-              <a:t>Chef accomplishes this by describing your infrastructure as </a:t>
-            </a:r>
-            <a:r>
-              <a:rPr lang="en-US" sz="2800" dirty="0" smtClean="0">
-                <a:solidFill>
-                  <a:schemeClr val="tx1"/>
-                </a:solidFill>
-              </a:rPr>
-              <a:t>code</a:t>
+              <a:t>Chef accomplishes this by describing your infrastructure as code</a:t>
             </a:r>
             <a:endParaRPr lang="en-US" sz="2800" dirty="0">
               <a:solidFill>
@@ -35947,15 +35720,7 @@
                   <a:schemeClr val="tx1"/>
                 </a:solidFill>
               </a:rPr>
-              <a:t>Resources </a:t>
-            </a:r>
-            <a:r>
-              <a:rPr lang="en-US" sz="2400" dirty="0" smtClean="0">
-                <a:solidFill>
-                  <a:schemeClr val="tx1"/>
-                </a:solidFill>
-              </a:rPr>
-              <a:t>are represented as code components, and are stored in version control</a:t>
+              <a:t>Resources are represented as code components, and are stored in version control</a:t>
             </a:r>
             <a:endParaRPr lang="en-US" sz="2400" dirty="0">
               <a:solidFill>
@@ -36413,15 +36178,7 @@
                   <a:schemeClr val="tx1"/>
                 </a:solidFill>
               </a:rPr>
-              <a:t> </a:t>
-            </a:r>
-            <a:r>
-              <a:rPr lang="en-US" sz="2400" dirty="0" smtClean="0">
-                <a:solidFill>
-                  <a:schemeClr val="tx1"/>
-                </a:solidFill>
-              </a:rPr>
-              <a:t>package manager</a:t>
+              <a:t> package manager</a:t>
             </a:r>
             <a:endParaRPr lang="en-US" sz="2400" dirty="0">
               <a:solidFill>
@@ -40616,7 +40373,7 @@
   <a:extraClrSchemeLst/>
   <a:extLst>
     <a:ext uri="{05A4C25C-085E-4340-85A3-A5531E510DB2}">
-      <thm15:themeFamily xmlns="" xmlns:thm15="http://schemas.microsoft.com/office/thememl/2012/main" name="Office Theme" id="{62F939B6-93AF-4DB8-9C6B-D6C7DFDC589F}" vid="{4A3C46E8-61CC-4603-A589-7422A47A8E4A}"/>
+      <thm15:themeFamily xmlns:thm15="http://schemas.microsoft.com/office/thememl/2012/main" xmlns="" name="Office Theme" id="{62F939B6-93AF-4DB8-9C6B-D6C7DFDC589F}" vid="{4A3C46E8-61CC-4603-A589-7422A47A8E4A}"/>
     </a:ext>
   </a:extLst>
 </a:theme>
@@ -40817,7 +40574,7 @@
   <a:extraClrSchemeLst/>
   <a:extLst>
     <a:ext uri="{05A4C25C-085E-4340-85A3-A5531E510DB2}">
-      <thm15:themeFamily xmlns:thm15="http://schemas.microsoft.com/office/thememl/2012/main" xmlns="" name="Office Theme" id="{62F939B6-93AF-4DB8-9C6B-D6C7DFDC589F}" vid="{4A3C46E8-61CC-4603-A589-7422A47A8E4A}"/>
+      <thm15:themeFamily xmlns="" xmlns:thm15="http://schemas.microsoft.com/office/thememl/2012/main" name="Office Theme" id="{62F939B6-93AF-4DB8-9C6B-D6C7DFDC589F}" vid="{4A3C46E8-61CC-4603-A589-7422A47A8E4A}"/>
     </a:ext>
   </a:extLst>
 </a:theme>
@@ -41044,7 +40801,7 @@
   <a:extraClrSchemeLst/>
   <a:extLst>
     <a:ext uri="{05A4C25C-085E-4340-85A3-A5531E510DB2}">
-      <thm15:themeFamily xmlns:thm15="http://schemas.microsoft.com/office/thememl/2012/main" xmlns="" name="Office Theme" id="{62F939B6-93AF-4DB8-9C6B-D6C7DFDC589F}" vid="{4A3C46E8-61CC-4603-A589-7422A47A8E4A}"/>
+      <thm15:themeFamily xmlns="" xmlns:thm15="http://schemas.microsoft.com/office/thememl/2012/main" name="Office Theme" id="{62F939B6-93AF-4DB8-9C6B-D6C7DFDC589F}" vid="{4A3C46E8-61CC-4603-A589-7422A47A8E4A}"/>
     </a:ext>
   </a:extLst>
 </a:theme>
@@ -41339,7 +41096,7 @@
   <a:extraClrSchemeLst/>
   <a:extLst>
     <a:ext uri="{05A4C25C-085E-4340-85A3-A5531E510DB2}">
-      <thm15:themeFamily xmlns:thm15="http://schemas.microsoft.com/office/thememl/2012/main" xmlns="" name="Office Theme" id="{62F939B6-93AF-4DB8-9C6B-D6C7DFDC589F}" vid="{4A3C46E8-61CC-4603-A589-7422A47A8E4A}"/>
+      <thm15:themeFamily xmlns="" xmlns:thm15="http://schemas.microsoft.com/office/thememl/2012/main" name="Office Theme" id="{62F939B6-93AF-4DB8-9C6B-D6C7DFDC589F}" vid="{4A3C46E8-61CC-4603-A589-7422A47A8E4A}"/>
     </a:ext>
   </a:extLst>
 </a:theme>

--- a/Complimentary Course Content/Module7/Lessons/Module7_Lesson3 Introduction to Chef.pptx
+++ b/Complimentary Course Content/Module7/Lessons/Module7_Lesson3 Introduction to Chef.pptx
@@ -145,7 +145,7 @@
   </p:defaultTextStyle>
   <p:extLst>
     <p:ext uri="{EFAFB233-063F-42B5-8137-9DF3F51BA10A}">
-      <p15:sldGuideLst xmlns="" xmlns:p15="http://schemas.microsoft.com/office/powerpoint/2012/main">
+      <p15:sldGuideLst xmlns:p15="http://schemas.microsoft.com/office/powerpoint/2012/main" xmlns="">
         <p15:guide id="1" orient="horz" pos="2184" userDrawn="1">
           <p15:clr>
             <a:srgbClr val="A4A3A4"/>
@@ -266,7 +266,7 @@
             <a:fld id="{49B60EF2-7028-489F-85D8-FE86CD7CF2A0}" type="datetimeFigureOut">
               <a:rPr lang="en-US" smtClean="0"/>
               <a:pPr/>
-              <a:t>7/25/16</a:t>
+              <a:t>7/28/16</a:t>
             </a:fld>
             <a:endParaRPr lang="en-US"/>
           </a:p>
@@ -3275,8 +3275,69 @@
                   <a:schemeClr val="tx1"/>
                 </a:solidFill>
               </a:rPr>
-              <a:t>In Chef, a Resource is a “statement of configuration policy”. It describes the desired state of a system component or configuration item. These are the fundamental Chef building blocks.</a:t>
-            </a:r>
+              <a:t>In Chef, a Resource is a “statement of configuration policy”. It </a:t>
+            </a:r>
+            <a:r>
+              <a:rPr lang="en-US" sz="1200" dirty="0" smtClean="0">
+                <a:solidFill>
+                  <a:schemeClr val="tx1"/>
+                </a:solidFill>
+              </a:rPr>
+              <a:t>specifies the </a:t>
+            </a:r>
+            <a:r>
+              <a:rPr lang="en-US" sz="1200" dirty="0" smtClean="0">
+                <a:solidFill>
+                  <a:schemeClr val="tx1"/>
+                </a:solidFill>
+              </a:rPr>
+              <a:t>desired state of a system component or configuration item. </a:t>
+            </a:r>
+            <a:r>
+              <a:rPr lang="en-US" sz="1200" dirty="0" smtClean="0">
+                <a:solidFill>
+                  <a:schemeClr val="tx1"/>
+                </a:solidFill>
+              </a:rPr>
+              <a:t>Resources are </a:t>
+            </a:r>
+            <a:r>
+              <a:rPr lang="en-US" sz="1200" dirty="0" smtClean="0">
+                <a:solidFill>
+                  <a:schemeClr val="tx1"/>
+                </a:solidFill>
+              </a:rPr>
+              <a:t>the fundamental </a:t>
+            </a:r>
+            <a:r>
+              <a:rPr lang="en-US" sz="1200" dirty="0" smtClean="0">
+                <a:solidFill>
+                  <a:schemeClr val="tx1"/>
+                </a:solidFill>
+              </a:rPr>
+              <a:t>building blocks of</a:t>
+            </a:r>
+            <a:r>
+              <a:rPr lang="en-US" sz="1200" baseline="0" dirty="0" smtClean="0">
+                <a:solidFill>
+                  <a:schemeClr val="tx1"/>
+                </a:solidFill>
+              </a:rPr>
+              <a:t> chef</a:t>
+            </a:r>
+            <a:r>
+              <a:rPr lang="en-US" sz="1200" dirty="0" smtClean="0">
+                <a:solidFill>
+                  <a:schemeClr val="tx1"/>
+                </a:solidFill>
+              </a:rPr>
+              <a:t>.</a:t>
+            </a:r>
+            <a:endParaRPr lang="en-US" sz="1200" dirty="0" smtClean="0">
+              <a:solidFill>
+                <a:schemeClr val="tx1"/>
+              </a:solidFill>
+            </a:endParaRPr>
           </a:p>
           <a:p>
             <a:pPr marL="0" marR="0" lvl="0" indent="0" algn="l" defTabSz="914400" rtl="0" eaLnBrk="1" fontAlgn="auto" latinLnBrk="0" hangingPunct="1">
@@ -3533,7 +3594,11 @@
             </a:pPr>
             <a:r>
               <a:rPr lang="en-US" b="0" dirty="0" smtClean="0"/>
-              <a:t>The contents of this block contains attributes (and other things) that help describe the state of the resource. In this instance, the content attribute here specifies the contents of the file.</a:t>
+              <a:t>This</a:t>
+            </a:r>
+            <a:r>
+              <a:rPr lang="en-US" b="0" baseline="0" dirty="0" smtClean="0"/>
+              <a:t> code block has attributes that explain the state of the resource. The content attribute makes plain the contents of the file.</a:t>
             </a:r>
           </a:p>
           <a:p>
@@ -3554,6 +3619,14 @@
               <a:tabLst/>
               <a:defRPr/>
             </a:pPr>
+            <a:r>
+              <a:rPr lang="en-US" b="0" baseline="0" dirty="0" smtClean="0"/>
+              <a:t>Every resource has a type that describes the most basic elements of the system. For example: file, package, service, template, execute</a:t>
+            </a:r>
+            <a:r>
+              <a:rPr lang="is-IS" b="0" baseline="0" dirty="0" smtClean="0"/>
+              <a:t>…</a:t>
+            </a:r>
             <a:endParaRPr lang="en-US" b="0" dirty="0" smtClean="0"/>
           </a:p>
           <a:p>
@@ -3576,8 +3649,21 @@
             </a:pPr>
             <a:r>
               <a:rPr lang="en-US" b="0" dirty="0" smtClean="0"/>
-              <a:t>A resource has a type. This describes the smallest configurable elements of your system. Example types are file, package, service, template, and execute.</a:t>
-            </a:r>
+              <a:t>The</a:t>
+            </a:r>
+            <a:r>
+              <a:rPr lang="en-US" b="0" baseline="0" dirty="0" smtClean="0"/>
+              <a:t> first parameter given to a resource is a Name. Files and template use their name as the relative path. A name can also be a package available through the Red Hat Package Manager (rpm), windows </a:t>
+            </a:r>
+            <a:r>
+              <a:rPr lang="en-US" b="0" baseline="0" dirty="0" err="1" smtClean="0"/>
+              <a:t>powershell</a:t>
+            </a:r>
+            <a:r>
+              <a:rPr lang="en-US" b="0" baseline="0" dirty="0" smtClean="0"/>
+              <a:t>, or another service.</a:t>
+            </a:r>
+            <a:endParaRPr lang="en-US" b="0" dirty="0" smtClean="0"/>
           </a:p>
           <a:p>
             <a:pPr marL="171450" marR="0" lvl="0" indent="-171450" algn="l" defTabSz="914400" rtl="0" eaLnBrk="1" fontAlgn="auto" latinLnBrk="0" hangingPunct="1">
@@ -3597,80 +3683,17 @@
               <a:tabLst/>
               <a:defRPr/>
             </a:pPr>
-            <a:endParaRPr lang="en-US" b="0" dirty="0" smtClean="0"/>
-          </a:p>
-          <a:p>
-            <a:pPr marL="171450" marR="0" lvl="0" indent="-171450" algn="l" defTabSz="914400" rtl="0" eaLnBrk="1" fontAlgn="auto" latinLnBrk="0" hangingPunct="1">
-              <a:lnSpc>
-                <a:spcPct val="100000"/>
-              </a:lnSpc>
-              <a:spcBef>
-                <a:spcPts val="0"/>
-              </a:spcBef>
-              <a:spcAft>
-                <a:spcPts val="0"/>
-              </a:spcAft>
-              <a:buClrTx/>
-              <a:buSzTx/>
-              <a:buFont typeface="Arial"/>
-              <a:buChar char="•"/>
-              <a:tabLst/>
-              <a:defRPr/>
-            </a:pPr>
             <a:r>
               <a:rPr lang="en-US" b="0" dirty="0" smtClean="0"/>
-              <a:t>Name. This is the first parameter being passed to the resource. In the case of a file or a template, the name is also the relative file path. It might also refer to the name of a package available through rpm, a windows </a:t>
-            </a:r>
-            <a:r>
-              <a:rPr lang="en-US" b="0" dirty="0" err="1" smtClean="0"/>
-              <a:t>powershell</a:t>
+              <a:t>Actions are</a:t>
+            </a:r>
+            <a:r>
+              <a:rPr lang="en-US" b="0" baseline="0" dirty="0" smtClean="0"/>
+              <a:t> performed on resources, which brings a system resource to the new desired state. Actions use defined attributes. I</a:t>
             </a:r>
             <a:r>
               <a:rPr lang="en-US" b="0" dirty="0" smtClean="0"/>
-              <a:t> feature, or a service.</a:t>
-            </a:r>
-          </a:p>
-          <a:p>
-            <a:pPr marL="171450" marR="0" lvl="0" indent="-171450" algn="l" defTabSz="914400" rtl="0" eaLnBrk="1" fontAlgn="auto" latinLnBrk="0" hangingPunct="1">
-              <a:lnSpc>
-                <a:spcPct val="100000"/>
-              </a:lnSpc>
-              <a:spcBef>
-                <a:spcPts val="0"/>
-              </a:spcBef>
-              <a:spcAft>
-                <a:spcPts val="0"/>
-              </a:spcAft>
-              <a:buClrTx/>
-              <a:buSzTx/>
-              <a:buFont typeface="Arial"/>
-              <a:buChar char="•"/>
-              <a:tabLst/>
-              <a:defRPr/>
-            </a:pPr>
-            <a:endParaRPr lang="en-US" b="0" dirty="0" smtClean="0"/>
-          </a:p>
-          <a:p>
-            <a:pPr marL="171450" marR="0" lvl="0" indent="-171450" algn="l" defTabSz="914400" rtl="0" eaLnBrk="1" fontAlgn="auto" latinLnBrk="0" hangingPunct="1">
-              <a:lnSpc>
-                <a:spcPct val="100000"/>
-              </a:lnSpc>
-              <a:spcBef>
-                <a:spcPts val="0"/>
-              </a:spcBef>
-              <a:spcAft>
-                <a:spcPts val="0"/>
-              </a:spcAft>
-              <a:buClrTx/>
-              <a:buSzTx/>
-              <a:buFont typeface="Arial"/>
-              <a:buChar char="•"/>
-              <a:tabLst/>
-              <a:defRPr/>
-            </a:pPr>
-            <a:r>
-              <a:rPr lang="en-US" b="0" dirty="0" smtClean="0"/>
-              <a:t>Resources have actions taken on them. This involves changing a system resource into the desired state. Actions are taken with the defined attributes. For instance, in the example the file is created with the name attribute “</a:t>
+              <a:t>n the above example, the file is created with the name attribute “</a:t>
             </a:r>
             <a:r>
               <a:rPr lang="en-US" b="0" dirty="0" err="1" smtClean="0"/>
@@ -3909,11 +3932,19 @@
             </a:pPr>
             <a:r>
               <a:rPr lang="en-US" b="0" baseline="0" dirty="0" smtClean="0"/>
-              <a:t>The Domain Specific Language (DSL) for Chef is Ruby. Students will need to know the basics of Ruby to get started with Chef.</a:t>
-            </a:r>
-          </a:p>
-          <a:p>
-            <a:pPr marL="171450" marR="0" lvl="0" indent="-171450" algn="l" defTabSz="914400" rtl="0" eaLnBrk="1" fontAlgn="auto" latinLnBrk="0" hangingPunct="1">
+              <a:t>The </a:t>
+            </a:r>
+            <a:r>
+              <a:rPr lang="en-US" b="0" baseline="0" dirty="0" smtClean="0"/>
+              <a:t>Domain Specific Language (DSL) for Chef is </a:t>
+            </a:r>
+            <a:r>
+              <a:rPr lang="en-US" b="0" baseline="0" dirty="0" smtClean="0"/>
+              <a:t>Ruby</a:t>
+            </a:r>
+          </a:p>
+          <a:p>
+            <a:pPr marL="628650" marR="0" lvl="1" indent="-171450" algn="l" defTabSz="914400" rtl="0" eaLnBrk="1" fontAlgn="auto" latinLnBrk="0" hangingPunct="1">
               <a:lnSpc>
                 <a:spcPct val="100000"/>
               </a:lnSpc>
@@ -3930,6 +3961,10 @@
               <a:tabLst/>
               <a:defRPr/>
             </a:pPr>
+            <a:r>
+              <a:rPr lang="en-US" b="0" baseline="0" dirty="0" smtClean="0"/>
+              <a:t> In order to start working with Chef students require a basic understanding of Ruby</a:t>
+            </a:r>
             <a:endParaRPr lang="en-US" b="0" baseline="0" dirty="0" smtClean="0"/>
           </a:p>
           <a:p>
@@ -3951,12 +3986,24 @@
               <a:defRPr/>
             </a:pPr>
             <a:r>
+              <a:rPr lang="en-US" b="0" baseline="0" dirty="0" smtClean="0"/>
+              <a:t>‘</a:t>
+            </a:r>
+            <a:r>
               <a:rPr lang="en-US" b="0" dirty="0" smtClean="0"/>
-              <a:t>The `do` and `end` keywords here define the beginning of a ruby block. The ruby block and all the contents of it are the second attributes to our resource, after the name attribute.</a:t>
-            </a:r>
-          </a:p>
-          <a:p>
-            <a:pPr marL="171450" marR="0" lvl="0" indent="-171450" algn="l" defTabSz="914400" rtl="0" eaLnBrk="1" fontAlgn="auto" latinLnBrk="0" hangingPunct="1">
+              <a:t>do’ </a:t>
+            </a:r>
+            <a:r>
+              <a:rPr lang="en-US" b="0" dirty="0" smtClean="0"/>
+              <a:t>and </a:t>
+            </a:r>
+            <a:r>
+              <a:rPr lang="en-US" b="0" dirty="0" smtClean="0"/>
+              <a:t>‘end’ keywords </a:t>
+            </a:r>
+          </a:p>
+          <a:p>
+            <a:pPr marL="628650" marR="0" lvl="1" indent="-171450" algn="l" defTabSz="914400" rtl="0" eaLnBrk="1" fontAlgn="auto" latinLnBrk="0" hangingPunct="1">
               <a:lnSpc>
                 <a:spcPct val="100000"/>
               </a:lnSpc>
@@ -3973,10 +4020,18 @@
               <a:tabLst/>
               <a:defRPr/>
             </a:pPr>
+            <a:r>
+              <a:rPr lang="en-US" b="0" dirty="0" smtClean="0"/>
+              <a:t>define </a:t>
+            </a:r>
+            <a:r>
+              <a:rPr lang="en-US" b="0" dirty="0" smtClean="0"/>
+              <a:t>the beginning of a ruby block. </a:t>
+            </a:r>
             <a:endParaRPr lang="en-US" b="0" dirty="0" smtClean="0"/>
           </a:p>
           <a:p>
-            <a:pPr marL="171450" marR="0" lvl="0" indent="-171450" algn="l" defTabSz="914400" rtl="0" eaLnBrk="1" fontAlgn="auto" latinLnBrk="0" hangingPunct="1">
+            <a:pPr marL="628650" marR="0" lvl="1" indent="-171450" algn="l" defTabSz="914400" rtl="0" eaLnBrk="1" fontAlgn="auto" latinLnBrk="0" hangingPunct="1">
               <a:lnSpc>
                 <a:spcPct val="100000"/>
               </a:lnSpc>
@@ -3995,11 +4050,64 @@
             </a:pPr>
             <a:r>
               <a:rPr lang="en-US" b="0" dirty="0" smtClean="0"/>
-              <a:t>The content of this block contains attributes (and other things) that help describe the state of the resource. In this instance, the content attribute here specifies the contents of the file. Service resources are often defined with two actions. The action method can only take one parameter so to provide two actions you need to specify the two actions within an Array.</a:t>
-            </a:r>
-          </a:p>
-          <a:p>
-            <a:pPr marL="171450" marR="0" lvl="0" indent="-171450" algn="l" defTabSz="914400" rtl="0" eaLnBrk="1" fontAlgn="auto" latinLnBrk="0" hangingPunct="1">
+              <a:t>A</a:t>
+            </a:r>
+            <a:r>
+              <a:rPr lang="en-US" b="0" baseline="0" dirty="0" smtClean="0"/>
+              <a:t> </a:t>
+            </a:r>
+            <a:r>
+              <a:rPr lang="en-US" b="0" dirty="0" smtClean="0"/>
+              <a:t>ruby </a:t>
+            </a:r>
+            <a:r>
+              <a:rPr lang="en-US" b="0" dirty="0" smtClean="0"/>
+              <a:t>block and all </a:t>
+            </a:r>
+            <a:r>
+              <a:rPr lang="en-US" b="0" dirty="0" smtClean="0"/>
+              <a:t>its contents is the </a:t>
+            </a:r>
+            <a:r>
+              <a:rPr lang="en-US" b="0" dirty="0" smtClean="0"/>
+              <a:t>second </a:t>
+            </a:r>
+            <a:r>
+              <a:rPr lang="en-US" b="0" dirty="0" smtClean="0"/>
+              <a:t>attribute(s) of</a:t>
+            </a:r>
+            <a:r>
+              <a:rPr lang="en-US" b="0" baseline="0" dirty="0" smtClean="0"/>
+              <a:t> </a:t>
+            </a:r>
+            <a:r>
+              <a:rPr lang="en-US" b="0" dirty="0" smtClean="0"/>
+              <a:t>our resource</a:t>
+            </a:r>
+            <a:r>
+              <a:rPr lang="en-US" b="0" baseline="0" dirty="0" smtClean="0"/>
+              <a:t> (</a:t>
+            </a:r>
+            <a:r>
+              <a:rPr lang="en-US" b="0" dirty="0" smtClean="0"/>
+              <a:t>the </a:t>
+            </a:r>
+            <a:r>
+              <a:rPr lang="en-US" b="0" dirty="0" smtClean="0"/>
+              <a:t>name </a:t>
+            </a:r>
+            <a:r>
+              <a:rPr lang="en-US" b="0" dirty="0" smtClean="0"/>
+              <a:t>attribute</a:t>
+            </a:r>
+            <a:r>
+              <a:rPr lang="en-US" b="0" baseline="0" dirty="0" smtClean="0"/>
+              <a:t> is the first)</a:t>
+            </a:r>
+            <a:endParaRPr lang="en-US" b="0" dirty="0" smtClean="0"/>
+          </a:p>
+          <a:p>
+            <a:pPr marL="628650" marR="0" lvl="1" indent="-171450" algn="l" defTabSz="914400" rtl="0" eaLnBrk="1" fontAlgn="auto" latinLnBrk="0" hangingPunct="1">
               <a:lnSpc>
                 <a:spcPct val="100000"/>
               </a:lnSpc>
@@ -4016,10 +4124,34 @@
               <a:tabLst/>
               <a:defRPr/>
             </a:pPr>
+            <a:r>
+              <a:rPr lang="en-US" b="0" dirty="0" smtClean="0"/>
+              <a:t>In the</a:t>
+            </a:r>
+            <a:r>
+              <a:rPr lang="en-US" b="0" baseline="0" dirty="0" smtClean="0"/>
+              <a:t> above example</a:t>
+            </a:r>
+            <a:r>
+              <a:rPr lang="en-US" b="0" dirty="0" smtClean="0"/>
+              <a:t>, </a:t>
+            </a:r>
+            <a:r>
+              <a:rPr lang="en-US" b="0" dirty="0" smtClean="0"/>
+              <a:t>the content attribute </a:t>
+            </a:r>
+            <a:r>
+              <a:rPr lang="en-US" b="0" dirty="0" smtClean="0"/>
+              <a:t>specifies </a:t>
+            </a:r>
+            <a:r>
+              <a:rPr lang="en-US" b="0" dirty="0" smtClean="0"/>
+              <a:t>the contents of the file. </a:t>
+            </a:r>
             <a:endParaRPr lang="en-US" b="0" dirty="0" smtClean="0"/>
           </a:p>
           <a:p>
-            <a:pPr marL="171450" marR="0" lvl="0" indent="-171450" algn="l" defTabSz="914400" rtl="0" eaLnBrk="1" fontAlgn="auto" latinLnBrk="0" hangingPunct="1">
+            <a:pPr marL="628650" marR="0" lvl="1" indent="-171450" algn="l" defTabSz="914400" rtl="0" eaLnBrk="1" fontAlgn="auto" latinLnBrk="0" hangingPunct="1">
               <a:lnSpc>
                 <a:spcPct val="100000"/>
               </a:lnSpc>
@@ -4038,8 +4170,65 @@
             </a:pPr>
             <a:r>
               <a:rPr lang="en-US" b="0" dirty="0" smtClean="0"/>
-              <a:t>Attributes are laid out with the name of the attributes followed by a space and then the value for the attribute.</a:t>
-            </a:r>
+              <a:t>Service </a:t>
+            </a:r>
+            <a:r>
+              <a:rPr lang="en-US" b="0" dirty="0" smtClean="0"/>
+              <a:t>resources are often defined with two </a:t>
+            </a:r>
+            <a:r>
+              <a:rPr lang="en-US" b="0" dirty="0" smtClean="0"/>
+              <a:t>actions; but, the </a:t>
+            </a:r>
+            <a:r>
+              <a:rPr lang="en-US" b="0" dirty="0" smtClean="0"/>
+              <a:t>action method </a:t>
+            </a:r>
+            <a:r>
+              <a:rPr lang="en-US" b="0" dirty="0" smtClean="0"/>
+              <a:t>only takes </a:t>
+            </a:r>
+            <a:r>
+              <a:rPr lang="en-US" b="0" dirty="0" smtClean="0"/>
+              <a:t>one </a:t>
+            </a:r>
+            <a:r>
+              <a:rPr lang="en-US" b="0" dirty="0" smtClean="0"/>
+              <a:t>parameter, </a:t>
+            </a:r>
+            <a:r>
+              <a:rPr lang="en-US" b="0" dirty="0" smtClean="0"/>
+              <a:t>so to provide </a:t>
+            </a:r>
+            <a:r>
+              <a:rPr lang="en-US" b="0" dirty="0" smtClean="0"/>
+              <a:t>more than</a:t>
+            </a:r>
+            <a:r>
+              <a:rPr lang="en-US" b="0" baseline="0" dirty="0" smtClean="0"/>
+              <a:t> one </a:t>
+            </a:r>
+            <a:r>
+              <a:rPr lang="en-US" b="0" dirty="0" smtClean="0"/>
+              <a:t>actions </a:t>
+            </a:r>
+            <a:r>
+              <a:rPr lang="en-US" b="0" dirty="0" smtClean="0"/>
+              <a:t>you need to </a:t>
+            </a:r>
+            <a:r>
+              <a:rPr lang="en-US" b="0" dirty="0" smtClean="0"/>
+              <a:t>define</a:t>
+            </a:r>
+            <a:r>
+              <a:rPr lang="en-US" b="0" baseline="0" dirty="0" smtClean="0"/>
+              <a:t> them inside </a:t>
+            </a:r>
+            <a:r>
+              <a:rPr lang="en-US" b="0" dirty="0" smtClean="0"/>
+              <a:t>an Array</a:t>
+            </a:r>
+            <a:endParaRPr lang="en-US" b="0" dirty="0" smtClean="0"/>
           </a:p>
           <a:p>
             <a:pPr marL="171450" marR="0" lvl="0" indent="-171450" algn="l" defTabSz="914400" rtl="0" eaLnBrk="1" fontAlgn="auto" latinLnBrk="0" hangingPunct="1">
@@ -4059,6 +4248,50 @@
               <a:tabLst/>
               <a:defRPr/>
             </a:pPr>
+            <a:r>
+              <a:rPr lang="en-US" b="0" dirty="0" smtClean="0"/>
+              <a:t>Attributes </a:t>
+            </a:r>
+            <a:r>
+              <a:rPr lang="en-US" b="0" dirty="0" smtClean="0"/>
+              <a:t>are </a:t>
+            </a:r>
+            <a:r>
+              <a:rPr lang="en-US" b="0" dirty="0" smtClean="0"/>
+              <a:t>written:</a:t>
+            </a:r>
+            <a:r>
+              <a:rPr lang="en-US" b="0" baseline="0" dirty="0" smtClean="0"/>
+              <a:t> &lt;</a:t>
+            </a:r>
+            <a:r>
+              <a:rPr lang="en-US" b="0" dirty="0" smtClean="0"/>
+              <a:t>name </a:t>
+            </a:r>
+            <a:r>
+              <a:rPr lang="en-US" b="0" dirty="0" smtClean="0"/>
+              <a:t>of </a:t>
+            </a:r>
+            <a:r>
+              <a:rPr lang="en-US" b="0" dirty="0" smtClean="0"/>
+              <a:t>attribute&gt;</a:t>
+            </a:r>
+            <a:r>
+              <a:rPr lang="en-US" b="0" baseline="0" dirty="0" smtClean="0"/>
+              <a:t> </a:t>
+            </a:r>
+            <a:r>
+              <a:rPr lang="en-US" b="0" dirty="0" smtClean="0"/>
+              <a:t>&lt;value of</a:t>
+            </a:r>
+            <a:r>
+              <a:rPr lang="en-US" b="0" baseline="0" dirty="0" smtClean="0"/>
+              <a:t> </a:t>
+            </a:r>
+            <a:r>
+              <a:rPr lang="en-US" b="0" dirty="0" smtClean="0"/>
+              <a:t>the attribute&gt;</a:t>
+            </a:r>
             <a:endParaRPr lang="en-US" b="0" dirty="0" smtClean="0"/>
           </a:p>
           <a:p>
@@ -4081,7 +4314,31 @@
             </a:pPr>
             <a:r>
               <a:rPr lang="en-US" b="0" dirty="0" smtClean="0"/>
-              <a:t>Some resources have ‘default’ actions. For instance, the package resource’s default action is :install. </a:t>
+              <a:t>Resources can </a:t>
+            </a:r>
+            <a:r>
+              <a:rPr lang="en-US" b="0" dirty="0" smtClean="0"/>
+              <a:t>have ‘default’ </a:t>
+            </a:r>
+            <a:r>
+              <a:rPr lang="en-US" b="0" dirty="0" smtClean="0"/>
+              <a:t>actions (not all do): the default action of the package</a:t>
+            </a:r>
+            <a:r>
+              <a:rPr lang="en-US" b="0" baseline="0" dirty="0" smtClean="0"/>
+              <a:t> resource </a:t>
+            </a:r>
+            <a:r>
+              <a:rPr lang="en-US" b="0" dirty="0" smtClean="0"/>
+              <a:t>is </a:t>
+            </a:r>
+            <a:r>
+              <a:rPr lang="en-US" b="0" dirty="0" smtClean="0"/>
+              <a:t>:</a:t>
+            </a:r>
+            <a:r>
+              <a:rPr lang="en-US" b="0" dirty="0" smtClean="0"/>
+              <a:t>install </a:t>
             </a:r>
           </a:p>
           <a:p>
@@ -4104,54 +4361,15 @@
             </a:pPr>
             <a:r>
               <a:rPr lang="en-US" b="0" dirty="0" smtClean="0"/>
-              <a:t>Some resources, like service, do not have default actions.</a:t>
-            </a:r>
-          </a:p>
-          <a:p>
-            <a:pPr marL="171450" marR="0" lvl="0" indent="-171450" algn="l" defTabSz="914400" rtl="0" eaLnBrk="1" fontAlgn="auto" latinLnBrk="0" hangingPunct="1">
-              <a:lnSpc>
-                <a:spcPct val="100000"/>
-              </a:lnSpc>
-              <a:spcBef>
-                <a:spcPts val="0"/>
-              </a:spcBef>
-              <a:spcAft>
-                <a:spcPts val="0"/>
-              </a:spcAft>
-              <a:buClrTx/>
-              <a:buSzTx/>
-              <a:buFont typeface="Arial"/>
-              <a:buChar char="•"/>
-              <a:tabLst/>
-              <a:defRPr/>
-            </a:pPr>
-            <a:endParaRPr lang="en-US" b="0" dirty="0" smtClean="0"/>
-          </a:p>
-          <a:p>
-            <a:pPr marL="171450" marR="0" lvl="0" indent="-171450" algn="l" defTabSz="914400" rtl="0" eaLnBrk="1" fontAlgn="auto" latinLnBrk="0" hangingPunct="1">
-              <a:lnSpc>
-                <a:spcPct val="100000"/>
-              </a:lnSpc>
-              <a:spcBef>
-                <a:spcPts val="0"/>
-              </a:spcBef>
-              <a:spcAft>
-                <a:spcPts val="0"/>
-              </a:spcAft>
-              <a:buClrTx/>
-              <a:buSzTx/>
-              <a:buFont typeface="Arial"/>
-              <a:buChar char="•"/>
-              <a:tabLst/>
-              <a:defRPr/>
-            </a:pPr>
-            <a:r>
-              <a:rPr lang="en-US" b="0" dirty="0" smtClean="0"/>
-              <a:t>In these examples,</a:t>
+              <a:t>In the first example,</a:t>
             </a:r>
             <a:r>
               <a:rPr lang="en-US" b="0" baseline="0" dirty="0" smtClean="0"/>
-              <a:t> we install the windows package ‘7zip’ from a local source. The ‘source’ attribute could also provide a </a:t>
+              <a:t> </a:t>
+            </a:r>
+            <a:r>
+              <a:rPr lang="en-US" b="0" baseline="0" dirty="0" smtClean="0"/>
+              <a:t>we install the windows package ‘7zip’ from a local source. The ‘source’ attribute could also provide a </a:t>
             </a:r>
             <a:r>
               <a:rPr lang="en-US" b="0" baseline="0" dirty="0" err="1" smtClean="0"/>
@@ -4159,27 +4377,12 @@
             </a:r>
             <a:r>
               <a:rPr lang="en-US" b="0" baseline="0" dirty="0" smtClean="0"/>
-              <a:t> instead.</a:t>
-            </a:r>
-          </a:p>
-          <a:p>
-            <a:pPr marL="171450" marR="0" lvl="0" indent="-171450" algn="l" defTabSz="914400" rtl="0" eaLnBrk="1" fontAlgn="auto" latinLnBrk="0" hangingPunct="1">
-              <a:lnSpc>
-                <a:spcPct val="100000"/>
-              </a:lnSpc>
-              <a:spcBef>
-                <a:spcPts val="0"/>
-              </a:spcBef>
-              <a:spcAft>
-                <a:spcPts val="0"/>
-              </a:spcAft>
-              <a:buClrTx/>
-              <a:buSzTx/>
-              <a:buFont typeface="Arial"/>
-              <a:buChar char="•"/>
-              <a:tabLst/>
-              <a:defRPr/>
-            </a:pPr>
+              <a:t> instead</a:t>
+            </a:r>
+            <a:r>
+              <a:rPr lang="en-US" b="0" baseline="0" dirty="0" smtClean="0"/>
+              <a:t>.</a:t>
+            </a:r>
             <a:endParaRPr lang="en-US" b="0" baseline="0" dirty="0" smtClean="0"/>
           </a:p>
           <a:p>
@@ -4725,8 +4928,9 @@
             </a:pPr>
             <a:r>
               <a:rPr lang="en-US" sz="1200" b="0" dirty="0" smtClean="0"/>
-              <a:t>Resources are included in recipes.  </a:t>
-            </a:r>
+              <a:t>Recipes include resources</a:t>
+            </a:r>
+            <a:endParaRPr lang="en-US" sz="1200" b="0" dirty="0" smtClean="0"/>
           </a:p>
           <a:p>
             <a:pPr marL="171450" indent="-171450">
@@ -4735,7 +4939,19 @@
             </a:pPr>
             <a:r>
               <a:rPr lang="en-US" sz="1200" b="0" dirty="0" smtClean="0"/>
-              <a:t>Recipes are Ruby files (.</a:t>
+              <a:t>Recipes </a:t>
+            </a:r>
+            <a:r>
+              <a:rPr lang="en-US" sz="1200" b="0" dirty="0" smtClean="0"/>
+              <a:t>are just </a:t>
+            </a:r>
+            <a:r>
+              <a:rPr lang="en-US" sz="1200" b="0" dirty="0" smtClean="0"/>
+              <a:t>Ruby files </a:t>
+            </a:r>
+            <a:r>
+              <a:rPr lang="en-US" sz="1200" b="0" dirty="0" smtClean="0"/>
+              <a:t>(.</a:t>
             </a:r>
             <a:r>
               <a:rPr lang="en-US" sz="1200" b="0" dirty="0" err="1" smtClean="0"/>
@@ -4743,13 +4959,28 @@
             </a:r>
             <a:r>
               <a:rPr lang="en-US" sz="1200" b="0" dirty="0" smtClean="0"/>
-              <a:t> extension) in which you include the code that defines your infrastructure. Later we will organize our recipes using</a:t>
+              <a:t>) </a:t>
+            </a:r>
+            <a:r>
+              <a:rPr lang="en-US" sz="1200" b="0" dirty="0" smtClean="0"/>
+              <a:t>in which </a:t>
+            </a:r>
+            <a:r>
+              <a:rPr lang="en-US" sz="1200" b="0" dirty="0" smtClean="0"/>
+              <a:t>include code </a:t>
+            </a:r>
+            <a:r>
+              <a:rPr lang="en-US" sz="1200" b="0" dirty="0" smtClean="0"/>
+              <a:t>that defines your </a:t>
+            </a:r>
+            <a:r>
+              <a:rPr lang="en-US" sz="1200" b="0" dirty="0" smtClean="0"/>
+              <a:t>infrastructure</a:t>
             </a:r>
             <a:r>
               <a:rPr lang="en-US" sz="1200" b="0" baseline="0" dirty="0" smtClean="0"/>
-              <a:t> cookbooks.</a:t>
-            </a:r>
-            <a:endParaRPr lang="en-US" b="0" dirty="0" smtClean="0"/>
+              <a:t> </a:t>
+            </a:r>
           </a:p>
           <a:p>
             <a:pPr marL="171450" indent="-171450">
@@ -4757,8 +4988,58 @@
               <a:buChar char="•"/>
             </a:pPr>
             <a:r>
+              <a:rPr lang="en-US" sz="1200" b="0" dirty="0" smtClean="0"/>
+              <a:t>recipes are organized into</a:t>
+            </a:r>
+            <a:r>
+              <a:rPr lang="en-US" sz="1200" b="0" baseline="0" dirty="0" smtClean="0"/>
+              <a:t> cookbooks</a:t>
+            </a:r>
+            <a:endParaRPr lang="en-US" b="0" dirty="0" smtClean="0"/>
+          </a:p>
+          <a:p>
+            <a:pPr marL="171450" indent="-171450">
+              <a:buFont typeface="Arial"/>
+              <a:buChar char="•"/>
+            </a:pPr>
+            <a:r>
               <a:rPr lang="en-US" b="0" baseline="0" dirty="0" smtClean="0"/>
-              <a:t>Ruby files are read top-to-bottom, left-to-right. The resources in a recipe will be compiled and executed in the order in which they appear.</a:t>
+              <a:t>Ruby files are </a:t>
+            </a:r>
+            <a:r>
+              <a:rPr lang="en-US" b="0" baseline="0" dirty="0" smtClean="0"/>
+              <a:t>read like a book: </a:t>
+            </a:r>
+            <a:r>
+              <a:rPr lang="en-US" b="0" baseline="0" dirty="0" smtClean="0"/>
+              <a:t>top-to-</a:t>
+            </a:r>
+            <a:r>
+              <a:rPr lang="en-US" b="0" baseline="0" dirty="0" smtClean="0"/>
+              <a:t>bottom and left</a:t>
+            </a:r>
+            <a:r>
+              <a:rPr lang="en-US" b="0" baseline="0" dirty="0" smtClean="0"/>
+              <a:t>-to-right. </a:t>
+            </a:r>
+            <a:endParaRPr lang="en-US" b="0" baseline="0" dirty="0" smtClean="0"/>
+          </a:p>
+          <a:p>
+            <a:pPr marL="171450" indent="-171450">
+              <a:buFont typeface="Arial"/>
+              <a:buChar char="•"/>
+            </a:pPr>
+            <a:r>
+              <a:rPr lang="en-US" b="0" baseline="0" dirty="0" smtClean="0"/>
+              <a:t>Resources are compiled </a:t>
+            </a:r>
+            <a:r>
+              <a:rPr lang="en-US" b="0" baseline="0" dirty="0" smtClean="0"/>
+              <a:t>and executed in the </a:t>
+            </a:r>
+            <a:r>
+              <a:rPr lang="en-US" b="0" baseline="0" dirty="0" smtClean="0"/>
+              <a:t>same order they appear in the recipe</a:t>
             </a:r>
             <a:endParaRPr lang="en-US" b="0" dirty="0" smtClean="0"/>
           </a:p>
@@ -5075,7 +5356,7 @@
                   <a:schemeClr val="tx1"/>
                 </a:solidFill>
               </a:rPr>
-              <a:t>Chef cookbook is the fundamental unit of configuration and policy distribution.</a:t>
+              <a:t>“Chef cookbooks are the fundamental unit of configuration and policy distribution.”</a:t>
             </a:r>
             <a:endParaRPr lang="en-US" b="0" dirty="0" smtClean="0"/>
           </a:p>
@@ -5103,12 +5384,19 @@
             </a:r>
             <a:r>
               <a:rPr lang="en-US" b="0" baseline="0" dirty="0" smtClean="0"/>
-              <a:t> should open the documentation and have it available as they work with Chef.</a:t>
-            </a:r>
-            <a:endParaRPr lang="en-US" b="0" dirty="0" smtClean="0"/>
-          </a:p>
-          <a:p>
-            <a:pPr marL="628650" marR="0" lvl="1" indent="-171450" algn="l" defTabSz="914400" rtl="0" eaLnBrk="1" fontAlgn="auto" latinLnBrk="0" hangingPunct="1">
+              <a:t> </a:t>
+            </a:r>
+            <a:r>
+              <a:rPr lang="en-US" b="0" baseline="0" dirty="0" smtClean="0"/>
+              <a:t>should open </a:t>
+            </a:r>
+            <a:r>
+              <a:rPr lang="en-US" b="0" baseline="0" dirty="0" smtClean="0"/>
+              <a:t>and read the introduction to the Chef cookbooks documentation</a:t>
+            </a:r>
+          </a:p>
+          <a:p>
+            <a:pPr marL="171450" marR="0" lvl="0" indent="-171450" algn="l" defTabSz="914400" rtl="0" eaLnBrk="1" fontAlgn="auto" latinLnBrk="0" hangingPunct="1">
               <a:lnSpc>
                 <a:spcPct val="100000"/>
               </a:lnSpc>
@@ -5126,51 +5414,25 @@
               <a:defRPr/>
             </a:pPr>
             <a:r>
-              <a:rPr lang="en-US" b="0" dirty="0" smtClean="0"/>
-              <a:t>The first three paragraphs give a good understanding of the purpose of the organizational structure of a cookbook, and the various components it might contain.</a:t>
-            </a:r>
-          </a:p>
-          <a:p>
-            <a:pPr marL="628650" marR="0" lvl="1" indent="-171450" algn="l" defTabSz="914400" rtl="0" eaLnBrk="1" fontAlgn="auto" latinLnBrk="0" hangingPunct="1">
-              <a:lnSpc>
-                <a:spcPct val="100000"/>
-              </a:lnSpc>
-              <a:spcBef>
-                <a:spcPts val="0"/>
-              </a:spcBef>
-              <a:spcAft>
-                <a:spcPts val="0"/>
-              </a:spcAft>
-              <a:buClrTx/>
-              <a:buSzTx/>
-              <a:buFont typeface="Arial"/>
-              <a:buChar char="•"/>
-              <a:tabLst/>
-              <a:defRPr/>
-            </a:pPr>
-            <a:r>
-              <a:rPr lang="en-US" b="0" dirty="0" smtClean="0"/>
-              <a:t>The documentation will be referenced often, as it provides a concise, clear view of what each Chef component is used for. Encourage students to check the docs before referring to other forms of support like online forums.</a:t>
-            </a:r>
-          </a:p>
-          <a:p>
-            <a:pPr marL="0" marR="0" lvl="0" indent="0" algn="l" defTabSz="914400" rtl="0" eaLnBrk="1" fontAlgn="auto" latinLnBrk="0" hangingPunct="1">
-              <a:lnSpc>
-                <a:spcPct val="100000"/>
-              </a:lnSpc>
-              <a:spcBef>
-                <a:spcPts val="0"/>
-              </a:spcBef>
-              <a:spcAft>
-                <a:spcPts val="0"/>
-              </a:spcAft>
-              <a:buClrTx/>
-              <a:buSzTx/>
-              <a:buFontTx/>
-              <a:buNone/>
-              <a:tabLst/>
-              <a:defRPr/>
-            </a:pPr>
+              <a:rPr lang="en-US" b="0" baseline="0" dirty="0" smtClean="0"/>
+              <a:t>Keep the documentation </a:t>
+            </a:r>
+            <a:r>
+              <a:rPr lang="en-US" b="0" baseline="0" dirty="0" smtClean="0"/>
+              <a:t>available </a:t>
+            </a:r>
+            <a:r>
+              <a:rPr lang="en-US" b="0" baseline="0" dirty="0" smtClean="0"/>
+              <a:t>while working </a:t>
+            </a:r>
+            <a:r>
+              <a:rPr lang="en-US" b="0" baseline="0" dirty="0" smtClean="0"/>
+              <a:t>with Chef</a:t>
+            </a:r>
+            <a:r>
+              <a:rPr lang="en-US" b="0" baseline="0" dirty="0" smtClean="0"/>
+              <a:t>.</a:t>
+            </a:r>
             <a:endParaRPr lang="en-US" b="0" dirty="0" smtClean="0"/>
           </a:p>
           <a:p>
@@ -5356,6 +5618,7 @@
               <a:rPr lang="en-US" b="1" dirty="0" smtClean="0"/>
               <a:t>:</a:t>
             </a:r>
+            <a:endParaRPr lang="en-US" b="0" dirty="0" smtClean="0"/>
           </a:p>
           <a:p>
             <a:pPr marL="171450" marR="0" lvl="0" indent="-171450" algn="l" defTabSz="914400" rtl="0" eaLnBrk="1" fontAlgn="auto" latinLnBrk="0" hangingPunct="1">
@@ -5377,19 +5640,15 @@
             </a:pPr>
             <a:r>
               <a:rPr lang="en-US" b="0" dirty="0" smtClean="0"/>
-              <a:t>It’s important to understand that the supermarket is managed by individuals, not by Chef. Chef neither verifies or approves cookbooks. These instructions solve known infrastructure challenges, like building a proxy server or a database. However it’s important that your organization vet community code for security concerns, just like other freely available code available through places like </a:t>
-            </a:r>
-            <a:r>
-              <a:rPr lang="en-US" b="0" dirty="0" err="1" smtClean="0"/>
-              <a:t>Github</a:t>
-            </a:r>
-            <a:r>
-              <a:rPr lang="en-US" b="0" dirty="0" smtClean="0"/>
-              <a:t>.</a:t>
-            </a:r>
-          </a:p>
-          <a:p>
-            <a:pPr marL="171450" marR="0" lvl="0" indent="-171450" algn="l" defTabSz="914400" rtl="0" eaLnBrk="1" fontAlgn="auto" latinLnBrk="0" hangingPunct="1">
+              <a:t>The Supermarket is NOT</a:t>
+            </a:r>
+            <a:r>
+              <a:rPr lang="en-US" b="0" baseline="0" dirty="0" smtClean="0"/>
+              <a:t> managed by Chef. It is run by individuals; it is important to be vigilant of security risks when using open source code.</a:t>
+            </a:r>
+          </a:p>
+          <a:p>
+            <a:pPr marL="628650" marR="0" lvl="1" indent="-171450" algn="l" defTabSz="914400" rtl="0" eaLnBrk="1" fontAlgn="auto" latinLnBrk="0" hangingPunct="1">
               <a:lnSpc>
                 <a:spcPct val="100000"/>
               </a:lnSpc>
@@ -5406,30 +5665,11 @@
               <a:tabLst/>
               <a:defRPr/>
             </a:pPr>
+            <a:r>
+              <a:rPr lang="en-US" b="0" baseline="0" dirty="0" smtClean="0"/>
+              <a:t>It can be very useful to draw bits and pieces of code from cookbooks that accomplish tasks similar to your own goals</a:t>
+            </a:r>
             <a:endParaRPr lang="en-US" b="0" dirty="0" smtClean="0"/>
-          </a:p>
-          <a:p>
-            <a:pPr marL="171450" marR="0" lvl="0" indent="-171450" algn="l" defTabSz="914400" rtl="0" eaLnBrk="1" fontAlgn="auto" latinLnBrk="0" hangingPunct="1">
-              <a:lnSpc>
-                <a:spcPct val="100000"/>
-              </a:lnSpc>
-              <a:spcBef>
-                <a:spcPts val="0"/>
-              </a:spcBef>
-              <a:spcAft>
-                <a:spcPts val="0"/>
-              </a:spcAft>
-              <a:buClrTx/>
-              <a:buSzTx/>
-              <a:buFont typeface="Arial"/>
-              <a:buChar char="•"/>
-              <a:tabLst/>
-              <a:defRPr/>
-            </a:pPr>
-            <a:r>
-              <a:rPr lang="en-US" b="0" dirty="0" smtClean="0"/>
-              <a:t>Even if a cookbook doesn’t function in its entirety for your particular ecosystem, sourcing the code can still be invaluable.</a:t>
-            </a:r>
           </a:p>
           <a:p>
             <a:pPr marL="171450" marR="0" lvl="0" indent="-171450" algn="l" defTabSz="914400" rtl="0" eaLnBrk="1" fontAlgn="auto" latinLnBrk="0" hangingPunct="1">
@@ -7517,15 +7757,7 @@
             </a:pPr>
             <a:r>
               <a:rPr lang="en-US" i="0" dirty="0" smtClean="0"/>
-              <a:t>It is not </a:t>
-            </a:r>
-            <a:r>
-              <a:rPr lang="en-US" i="0" dirty="0" smtClean="0"/>
-              <a:t>necessary </a:t>
-            </a:r>
-            <a:r>
-              <a:rPr lang="en-US" i="0" dirty="0" smtClean="0"/>
-              <a:t>to use a Chef Server.</a:t>
+              <a:t>It is not necessary to use a Chef Server.</a:t>
             </a:r>
           </a:p>
         </p:txBody>
@@ -9142,11 +9374,7 @@
             </a:pPr>
             <a:r>
               <a:rPr lang="en-US" baseline="0" dirty="0" smtClean="0"/>
-              <a:t>The items in this architecture will be discussed in more detail later in this class. For now, let’s get set up with a workstation and write some code</a:t>
-            </a:r>
-            <a:r>
-              <a:rPr lang="en-US" baseline="0" dirty="0" smtClean="0"/>
-              <a:t>.</a:t>
+              <a:t>The items in this architecture will be discussed in more detail later in this class. For now, let’s get set up with a workstation and write some code.</a:t>
             </a:r>
           </a:p>
           <a:p>
@@ -9378,7 +9606,7 @@
             <a:fld id="{0459C166-16D3-4A25-A2F8-C51E0E346B22}" type="datetimeFigureOut">
               <a:rPr lang="en-US" smtClean="0"/>
               <a:pPr/>
-              <a:t>7/25/16</a:t>
+              <a:t>7/28/16</a:t>
             </a:fld>
             <a:endParaRPr lang="en-US"/>
           </a:p>
@@ -9747,7 +9975,7 @@
             <a:fld id="{0459C166-16D3-4A25-A2F8-C51E0E346B22}" type="datetimeFigureOut">
               <a:rPr lang="en-US" smtClean="0"/>
               <a:pPr/>
-              <a:t>7/25/16</a:t>
+              <a:t>7/28/16</a:t>
             </a:fld>
             <a:endParaRPr lang="en-US"/>
           </a:p>
@@ -9867,7 +10095,7 @@
             <a:fld id="{0459C166-16D3-4A25-A2F8-C51E0E346B22}" type="datetimeFigureOut">
               <a:rPr lang="en-US" smtClean="0"/>
               <a:pPr/>
-              <a:t>7/25/16</a:t>
+              <a:t>7/28/16</a:t>
             </a:fld>
             <a:endParaRPr lang="en-US"/>
           </a:p>
@@ -10084,7 +10312,7 @@
                 <a:latin typeface="Segoe UI"/>
               </a:rPr>
               <a:pPr/>
-              <a:t>7/25/16</a:t>
+              <a:t>7/28/16</a:t>
             </a:fld>
             <a:endParaRPr lang="en-US">
               <a:solidFill>
@@ -10289,7 +10517,7 @@
                 <a:latin typeface="Segoe UI"/>
               </a:rPr>
               <a:pPr/>
-              <a:t>7/25/16</a:t>
+              <a:t>7/28/16</a:t>
             </a:fld>
             <a:endParaRPr lang="en-US">
               <a:solidFill>
@@ -10589,7 +10817,7 @@
                 <a:latin typeface="Segoe UI"/>
               </a:rPr>
               <a:pPr/>
-              <a:t>7/25/16</a:t>
+              <a:t>7/28/16</a:t>
             </a:fld>
             <a:endParaRPr lang="en-US">
               <a:solidFill>
@@ -10863,7 +11091,7 @@
                 <a:latin typeface="Segoe UI"/>
               </a:rPr>
               <a:pPr/>
-              <a:t>7/25/16</a:t>
+              <a:t>7/28/16</a:t>
             </a:fld>
             <a:endParaRPr lang="en-US">
               <a:solidFill>
@@ -11264,7 +11492,7 @@
                 <a:latin typeface="Segoe UI"/>
               </a:rPr>
               <a:pPr/>
-              <a:t>7/25/16</a:t>
+              <a:t>7/28/16</a:t>
             </a:fld>
             <a:endParaRPr lang="en-US">
               <a:solidFill>
@@ -11418,7 +11646,7 @@
                 <a:latin typeface="Segoe UI"/>
               </a:rPr>
               <a:pPr/>
-              <a:t>7/25/16</a:t>
+              <a:t>7/28/16</a:t>
             </a:fld>
             <a:endParaRPr lang="en-US">
               <a:solidFill>
@@ -11550,7 +11778,7 @@
                 <a:latin typeface="Segoe UI"/>
               </a:rPr>
               <a:pPr/>
-              <a:t>7/25/16</a:t>
+              <a:t>7/28/16</a:t>
             </a:fld>
             <a:endParaRPr lang="en-US">
               <a:solidFill>
@@ -11862,7 +12090,7 @@
                 <a:latin typeface="Segoe UI"/>
               </a:rPr>
               <a:pPr/>
-              <a:t>7/25/16</a:t>
+              <a:t>7/28/16</a:t>
             </a:fld>
             <a:endParaRPr lang="en-US">
               <a:solidFill>
@@ -12062,7 +12290,7 @@
             <a:fld id="{0459C166-16D3-4A25-A2F8-C51E0E346B22}" type="datetimeFigureOut">
               <a:rPr lang="en-US" smtClean="0"/>
               <a:pPr/>
-              <a:t>7/25/16</a:t>
+              <a:t>7/28/16</a:t>
             </a:fld>
             <a:endParaRPr lang="en-US"/>
           </a:p>
@@ -12323,7 +12551,7 @@
                 <a:latin typeface="Segoe UI"/>
               </a:rPr>
               <a:pPr/>
-              <a:t>7/25/16</a:t>
+              <a:t>7/28/16</a:t>
             </a:fld>
             <a:endParaRPr lang="en-US">
               <a:solidFill>
@@ -12528,7 +12756,7 @@
                 <a:latin typeface="Segoe UI"/>
               </a:rPr>
               <a:pPr/>
-              <a:t>7/25/16</a:t>
+              <a:t>7/28/16</a:t>
             </a:fld>
             <a:endParaRPr lang="en-US">
               <a:solidFill>
@@ -12743,7 +12971,7 @@
                 <a:latin typeface="Segoe UI"/>
               </a:rPr>
               <a:pPr/>
-              <a:t>7/25/16</a:t>
+              <a:t>7/28/16</a:t>
             </a:fld>
             <a:endParaRPr lang="en-US">
               <a:solidFill>
@@ -12988,7 +13216,7 @@
                 <a:latin typeface="Segoe UI"/>
               </a:rPr>
               <a:pPr/>
-              <a:t>7/25/16</a:t>
+              <a:t>7/28/16</a:t>
             </a:fld>
             <a:endParaRPr lang="en-US">
               <a:solidFill>
@@ -13193,7 +13421,7 @@
                 <a:latin typeface="Segoe UI"/>
               </a:rPr>
               <a:pPr/>
-              <a:t>7/25/16</a:t>
+              <a:t>7/28/16</a:t>
             </a:fld>
             <a:endParaRPr lang="en-US">
               <a:solidFill>
@@ -13493,7 +13721,7 @@
                 <a:latin typeface="Segoe UI"/>
               </a:rPr>
               <a:pPr/>
-              <a:t>7/25/16</a:t>
+              <a:t>7/28/16</a:t>
             </a:fld>
             <a:endParaRPr lang="en-US">
               <a:solidFill>
@@ -13767,7 +13995,7 @@
                 <a:latin typeface="Segoe UI"/>
               </a:rPr>
               <a:pPr/>
-              <a:t>7/25/16</a:t>
+              <a:t>7/28/16</a:t>
             </a:fld>
             <a:endParaRPr lang="en-US">
               <a:solidFill>
@@ -14168,7 +14396,7 @@
                 <a:latin typeface="Segoe UI"/>
               </a:rPr>
               <a:pPr/>
-              <a:t>7/25/16</a:t>
+              <a:t>7/28/16</a:t>
             </a:fld>
             <a:endParaRPr lang="en-US">
               <a:solidFill>
@@ -14322,7 +14550,7 @@
                 <a:latin typeface="Segoe UI"/>
               </a:rPr>
               <a:pPr/>
-              <a:t>7/25/16</a:t>
+              <a:t>7/28/16</a:t>
             </a:fld>
             <a:endParaRPr lang="en-US">
               <a:solidFill>
@@ -14454,7 +14682,7 @@
                 <a:latin typeface="Segoe UI"/>
               </a:rPr>
               <a:pPr/>
-              <a:t>7/25/16</a:t>
+              <a:t>7/28/16</a:t>
             </a:fld>
             <a:endParaRPr lang="en-US">
               <a:solidFill>
@@ -14748,7 +14976,7 @@
             <a:fld id="{0459C166-16D3-4A25-A2F8-C51E0E346B22}" type="datetimeFigureOut">
               <a:rPr lang="en-US" smtClean="0"/>
               <a:pPr/>
-              <a:t>7/25/16</a:t>
+              <a:t>7/28/16</a:t>
             </a:fld>
             <a:endParaRPr lang="en-US"/>
           </a:p>
@@ -15048,7 +15276,7 @@
                 <a:latin typeface="Segoe UI"/>
               </a:rPr>
               <a:pPr/>
-              <a:t>7/25/16</a:t>
+              <a:t>7/28/16</a:t>
             </a:fld>
             <a:endParaRPr lang="en-US">
               <a:solidFill>
@@ -15337,7 +15565,7 @@
                 <a:latin typeface="Segoe UI"/>
               </a:rPr>
               <a:pPr/>
-              <a:t>7/25/16</a:t>
+              <a:t>7/28/16</a:t>
             </a:fld>
             <a:endParaRPr lang="en-US">
               <a:solidFill>
@@ -15542,7 +15770,7 @@
                 <a:latin typeface="Segoe UI"/>
               </a:rPr>
               <a:pPr/>
-              <a:t>7/25/16</a:t>
+              <a:t>7/28/16</a:t>
             </a:fld>
             <a:endParaRPr lang="en-US">
               <a:solidFill>
@@ -15757,7 +15985,7 @@
                 <a:latin typeface="Segoe UI"/>
               </a:rPr>
               <a:pPr/>
-              <a:t>7/25/16</a:t>
+              <a:t>7/28/16</a:t>
             </a:fld>
             <a:endParaRPr lang="en-US">
               <a:solidFill>
@@ -16089,7 +16317,7 @@
             <a:fld id="{0459C166-16D3-4A25-A2F8-C51E0E346B22}" type="datetimeFigureOut">
               <a:rPr lang="en-US" smtClean="0"/>
               <a:pPr/>
-              <a:t>7/25/16</a:t>
+              <a:t>7/28/16</a:t>
             </a:fld>
             <a:endParaRPr lang="en-US"/>
           </a:p>
@@ -16488,7 +16716,7 @@
             <a:fld id="{0459C166-16D3-4A25-A2F8-C51E0E346B22}" type="datetimeFigureOut">
               <a:rPr lang="en-US" smtClean="0"/>
               <a:pPr/>
-              <a:t>7/25/16</a:t>
+              <a:t>7/28/16</a:t>
             </a:fld>
             <a:endParaRPr lang="en-US"/>
           </a:p>
@@ -17460,7 +17688,7 @@
             <a:fld id="{0459C166-16D3-4A25-A2F8-C51E0E346B22}" type="datetimeFigureOut">
               <a:rPr lang="en-US" smtClean="0"/>
               <a:pPr/>
-              <a:t>7/25/16</a:t>
+              <a:t>7/28/16</a:t>
             </a:fld>
             <a:endParaRPr lang="en-US"/>
           </a:p>
@@ -17674,7 +17902,7 @@
             <a:fld id="{0459C166-16D3-4A25-A2F8-C51E0E346B22}" type="datetimeFigureOut">
               <a:rPr lang="en-US" smtClean="0"/>
               <a:pPr/>
-              <a:t>7/25/16</a:t>
+              <a:t>7/28/16</a:t>
             </a:fld>
             <a:endParaRPr lang="en-US"/>
           </a:p>
@@ -18221,7 +18449,7 @@
                 <a:latin typeface="Segoe UI"/>
               </a:rPr>
               <a:pPr/>
-              <a:t>7/25/16</a:t>
+              <a:t>7/28/16</a:t>
             </a:fld>
             <a:endParaRPr lang="en-US">
               <a:solidFill>
@@ -18796,7 +19024,7 @@
                 <a:latin typeface="Segoe UI"/>
               </a:rPr>
               <a:pPr/>
-              <a:t>7/25/16</a:t>
+              <a:t>7/28/16</a:t>
             </a:fld>
             <a:endParaRPr lang="en-US">
               <a:solidFill>
@@ -27045,8 +27273,53 @@
                   <a:schemeClr val="tx1"/>
                 </a:solidFill>
               </a:rPr>
-              <a:t>Describe the “desired state” of a configuration item</a:t>
-            </a:r>
+              <a:t>Specify the </a:t>
+            </a:r>
+            <a:r>
+              <a:rPr lang="en-US" sz="2400" dirty="0" smtClean="0">
+                <a:solidFill>
+                  <a:schemeClr val="tx1"/>
+                </a:solidFill>
+              </a:rPr>
+              <a:t>“</a:t>
+            </a:r>
+            <a:r>
+              <a:rPr lang="en-US" sz="2400" dirty="0" smtClean="0">
+                <a:solidFill>
+                  <a:schemeClr val="tx1"/>
+                </a:solidFill>
+              </a:rPr>
+              <a:t>desired state” </a:t>
+            </a:r>
+            <a:r>
+              <a:rPr lang="en-US" sz="2400" dirty="0" smtClean="0">
+                <a:solidFill>
+                  <a:schemeClr val="tx1"/>
+                </a:solidFill>
+              </a:rPr>
+              <a:t>of </a:t>
+            </a:r>
+            <a:r>
+              <a:rPr lang="en-US" sz="2400" dirty="0" smtClean="0">
+                <a:solidFill>
+                  <a:schemeClr val="tx1"/>
+                </a:solidFill>
+              </a:rPr>
+              <a:t>configuration </a:t>
+            </a:r>
+            <a:r>
+              <a:rPr lang="en-US" sz="2400" dirty="0" smtClean="0">
+                <a:solidFill>
+                  <a:schemeClr val="tx1"/>
+                </a:solidFill>
+              </a:rPr>
+              <a:t>items</a:t>
+            </a:r>
+            <a:endParaRPr lang="en-US" sz="2400" dirty="0" smtClean="0">
+              <a:solidFill>
+                <a:schemeClr val="tx1"/>
+              </a:solidFill>
+            </a:endParaRPr>
           </a:p>
           <a:p>
             <a:pPr marL="1714500" lvl="3" indent="-342900">
@@ -27059,7 +27332,39 @@
                   <a:schemeClr val="tx1"/>
                 </a:solidFill>
               </a:rPr>
-              <a:t>Declares the steps needed to bring the Resource into the desired state</a:t>
+              <a:t>Explains </a:t>
+            </a:r>
+            <a:r>
+              <a:rPr lang="en-US" sz="2400" dirty="0" smtClean="0">
+                <a:solidFill>
+                  <a:schemeClr val="tx1"/>
+                </a:solidFill>
+              </a:rPr>
+              <a:t>the </a:t>
+            </a:r>
+            <a:r>
+              <a:rPr lang="en-US" sz="2400" dirty="0" smtClean="0">
+                <a:solidFill>
+                  <a:schemeClr val="tx1"/>
+                </a:solidFill>
+              </a:rPr>
+              <a:t>steps </a:t>
+            </a:r>
+            <a:r>
+              <a:rPr lang="en-US" sz="2400" dirty="0" smtClean="0">
+                <a:solidFill>
+                  <a:schemeClr val="tx1"/>
+                </a:solidFill>
+              </a:rPr>
+              <a:t>for bringing </a:t>
+            </a:r>
+            <a:r>
+              <a:rPr lang="en-US" sz="2400" dirty="0" smtClean="0">
+                <a:solidFill>
+                  <a:schemeClr val="tx1"/>
+                </a:solidFill>
+              </a:rPr>
+              <a:t>the Resource into the desired state</a:t>
             </a:r>
           </a:p>
           <a:p>
@@ -28773,10 +29078,10 @@
         </p:nvGrpSpPr>
         <p:grpSpPr>
           <a:xfrm>
-            <a:off x="1" y="1492067"/>
-            <a:ext cx="12191999" cy="791753"/>
-            <a:chOff x="979715" y="1950630"/>
-            <a:chExt cx="9998962" cy="832911"/>
+            <a:off x="1" y="1452478"/>
+            <a:ext cx="12191999" cy="870928"/>
+            <a:chOff x="979715" y="1908984"/>
+            <a:chExt cx="9998962" cy="916202"/>
           </a:xfrm>
         </p:grpSpPr>
         <p:sp>
@@ -28787,8 +29092,8 @@
           </p:nvSpPr>
           <p:spPr>
             <a:xfrm>
-              <a:off x="979715" y="1950630"/>
-              <a:ext cx="9998962" cy="832911"/>
+              <a:off x="979715" y="1908984"/>
+              <a:ext cx="9998962" cy="916202"/>
             </a:xfrm>
             <a:prstGeom prst="rect">
               <a:avLst/>
@@ -29025,7 +29330,19 @@
               <a:pPr algn="l"/>
               <a:r>
                 <a:rPr lang="en-US" i="0" dirty="0" smtClean="0"/>
-                <a:t>Cookbooks are containers for recipes and supporting policies or files</a:t>
+                <a:t>Cookbooks </a:t>
+              </a:r>
+              <a:r>
+                <a:rPr lang="en-US" i="0" dirty="0" smtClean="0"/>
+                <a:t>are </a:t>
+              </a:r>
+              <a:r>
+                <a:rPr lang="en-US" i="0" dirty="0" smtClean="0"/>
+                <a:t>containers of recipes </a:t>
+              </a:r>
+              <a:r>
+                <a:rPr lang="en-US" i="0" dirty="0" smtClean="0"/>
+                <a:t>and supporting policies or files</a:t>
               </a:r>
               <a:endParaRPr lang="en-US" i="0" dirty="0"/>
             </a:p>
@@ -29095,8 +29412,21 @@
                   <a:schemeClr val="tx1"/>
                 </a:solidFill>
               </a:rPr>
-              <a:t>Define a scenario, and contain all the components needed to support that scenario</a:t>
-            </a:r>
+              <a:t>Define a scenario, and contain all the components needed to support </a:t>
+            </a:r>
+            <a:r>
+              <a:rPr lang="en-US" sz="2800" dirty="0" smtClean="0">
+                <a:solidFill>
+                  <a:schemeClr val="tx1"/>
+                </a:solidFill>
+              </a:rPr>
+              <a:t>the created scenario</a:t>
+            </a:r>
+            <a:endParaRPr lang="en-US" sz="2800" dirty="0" smtClean="0">
+              <a:solidFill>
+                <a:schemeClr val="tx1"/>
+              </a:solidFill>
+            </a:endParaRPr>
           </a:p>
           <a:p>
             <a:pPr marL="1485900" lvl="3" indent="-342900">
@@ -29123,7 +29453,15 @@
                   <a:schemeClr val="tx1"/>
                 </a:solidFill>
               </a:rPr>
-              <a:t>Are distributed to all managed nodes who should apply that policy, either manually or by a Chef Server</a:t>
+              <a:t>Distributed </a:t>
+            </a:r>
+            <a:r>
+              <a:rPr lang="en-US" sz="2800" dirty="0" smtClean="0">
+                <a:solidFill>
+                  <a:schemeClr val="tx1"/>
+                </a:solidFill>
+              </a:rPr>
+              <a:t>to all managed nodes who should apply that policy, either manually or by a Chef Server</a:t>
             </a:r>
           </a:p>
         </p:txBody>
@@ -29349,7 +29687,63 @@
                   <a:schemeClr val="tx1"/>
                 </a:solidFill>
               </a:rPr>
-              <a:t>Remember, like GitHub, the Supermarket is managed by individuals, not Chef!</a:t>
+              <a:t>Remember</a:t>
+            </a:r>
+            <a:r>
+              <a:rPr lang="en-US" sz="2400" dirty="0">
+                <a:solidFill>
+                  <a:schemeClr val="tx1"/>
+                </a:solidFill>
+              </a:rPr>
+              <a:t> </a:t>
+            </a:r>
+            <a:r>
+              <a:rPr lang="en-US" sz="2400" dirty="0" smtClean="0">
+                <a:solidFill>
+                  <a:schemeClr val="tx1"/>
+                </a:solidFill>
+              </a:rPr>
+              <a:t>the </a:t>
+            </a:r>
+            <a:r>
+              <a:rPr lang="en-US" sz="2400" dirty="0" smtClean="0">
+                <a:solidFill>
+                  <a:schemeClr val="tx1"/>
+                </a:solidFill>
+              </a:rPr>
+              <a:t>Supermarket </a:t>
+            </a:r>
+            <a:r>
+              <a:rPr lang="en-US" sz="2400" dirty="0" smtClean="0">
+                <a:solidFill>
+                  <a:schemeClr val="tx1"/>
+                </a:solidFill>
+              </a:rPr>
+              <a:t>is </a:t>
+            </a:r>
+            <a:r>
+              <a:rPr lang="en-US" sz="2400" dirty="0" smtClean="0">
+                <a:solidFill>
+                  <a:schemeClr val="tx1"/>
+                </a:solidFill>
+              </a:rPr>
+              <a:t>not </a:t>
+            </a:r>
+            <a:r>
+              <a:rPr lang="en-US" sz="2400" dirty="0" smtClean="0">
+                <a:solidFill>
+                  <a:schemeClr val="tx1"/>
+                </a:solidFill>
+              </a:rPr>
+              <a:t>managed by Chef</a:t>
+            </a:r>
+            <a:r>
+              <a:rPr lang="en-US" sz="2400" dirty="0" smtClean="0">
+                <a:solidFill>
+                  <a:schemeClr val="tx1"/>
+                </a:solidFill>
+              </a:rPr>
+              <a:t>!</a:t>
             </a:r>
           </a:p>
         </p:txBody>
@@ -40373,7 +40767,7 @@
   <a:extraClrSchemeLst/>
   <a:extLst>
     <a:ext uri="{05A4C25C-085E-4340-85A3-A5531E510DB2}">
-      <thm15:themeFamily xmlns:thm15="http://schemas.microsoft.com/office/thememl/2012/main" xmlns="" name="Office Theme" id="{62F939B6-93AF-4DB8-9C6B-D6C7DFDC589F}" vid="{4A3C46E8-61CC-4603-A589-7422A47A8E4A}"/>
+      <thm15:themeFamily xmlns="" xmlns:thm15="http://schemas.microsoft.com/office/thememl/2012/main" name="Office Theme" id="{62F939B6-93AF-4DB8-9C6B-D6C7DFDC589F}" vid="{4A3C46E8-61CC-4603-A589-7422A47A8E4A}"/>
     </a:ext>
   </a:extLst>
 </a:theme>
@@ -40574,7 +40968,7 @@
   <a:extraClrSchemeLst/>
   <a:extLst>
     <a:ext uri="{05A4C25C-085E-4340-85A3-A5531E510DB2}">
-      <thm15:themeFamily xmlns="" xmlns:thm15="http://schemas.microsoft.com/office/thememl/2012/main" name="Office Theme" id="{62F939B6-93AF-4DB8-9C6B-D6C7DFDC589F}" vid="{4A3C46E8-61CC-4603-A589-7422A47A8E4A}"/>
+      <thm15:themeFamily xmlns:thm15="http://schemas.microsoft.com/office/thememl/2012/main" xmlns="" name="Office Theme" id="{62F939B6-93AF-4DB8-9C6B-D6C7DFDC589F}" vid="{4A3C46E8-61CC-4603-A589-7422A47A8E4A}"/>
     </a:ext>
   </a:extLst>
 </a:theme>
@@ -40801,7 +41195,7 @@
   <a:extraClrSchemeLst/>
   <a:extLst>
     <a:ext uri="{05A4C25C-085E-4340-85A3-A5531E510DB2}">
-      <thm15:themeFamily xmlns="" xmlns:thm15="http://schemas.microsoft.com/office/thememl/2012/main" name="Office Theme" id="{62F939B6-93AF-4DB8-9C6B-D6C7DFDC589F}" vid="{4A3C46E8-61CC-4603-A589-7422A47A8E4A}"/>
+      <thm15:themeFamily xmlns:thm15="http://schemas.microsoft.com/office/thememl/2012/main" xmlns="" name="Office Theme" id="{62F939B6-93AF-4DB8-9C6B-D6C7DFDC589F}" vid="{4A3C46E8-61CC-4603-A589-7422A47A8E4A}"/>
     </a:ext>
   </a:extLst>
 </a:theme>
@@ -41096,7 +41490,7 @@
   <a:extraClrSchemeLst/>
   <a:extLst>
     <a:ext uri="{05A4C25C-085E-4340-85A3-A5531E510DB2}">
-      <thm15:themeFamily xmlns="" xmlns:thm15="http://schemas.microsoft.com/office/thememl/2012/main" name="Office Theme" id="{62F939B6-93AF-4DB8-9C6B-D6C7DFDC589F}" vid="{4A3C46E8-61CC-4603-A589-7422A47A8E4A}"/>
+      <thm15:themeFamily xmlns:thm15="http://schemas.microsoft.com/office/thememl/2012/main" xmlns="" name="Office Theme" id="{62F939B6-93AF-4DB8-9C6B-D6C7DFDC589F}" vid="{4A3C46E8-61CC-4603-A589-7422A47A8E4A}"/>
     </a:ext>
   </a:extLst>
 </a:theme>

--- a/Complimentary Course Content/Module7/Lessons/Module7_Lesson3 Introduction to Chef.pptx
+++ b/Complimentary Course Content/Module7/Lessons/Module7_Lesson3 Introduction to Chef.pptx
@@ -145,7 +145,7 @@
   </p:defaultTextStyle>
   <p:extLst>
     <p:ext uri="{EFAFB233-063F-42B5-8137-9DF3F51BA10A}">
-      <p15:sldGuideLst xmlns:p15="http://schemas.microsoft.com/office/powerpoint/2012/main" xmlns="">
+      <p15:sldGuideLst xmlns="" xmlns:p15="http://schemas.microsoft.com/office/powerpoint/2012/main">
         <p15:guide id="1" orient="horz" pos="2184" userDrawn="1">
           <p15:clr>
             <a:srgbClr val="A4A3A4"/>
@@ -266,7 +266,7 @@
             <a:fld id="{49B60EF2-7028-489F-85D8-FE86CD7CF2A0}" type="datetimeFigureOut">
               <a:rPr lang="en-US" smtClean="0"/>
               <a:pPr/>
-              <a:t>7/28/16</a:t>
+              <a:t>7/29/16</a:t>
             </a:fld>
             <a:endParaRPr lang="en-US"/>
           </a:p>
@@ -3275,7 +3275,7 @@
                   <a:schemeClr val="tx1"/>
                 </a:solidFill>
               </a:rPr>
-              <a:t>In Chef, a Resource is a “statement of configuration policy”. It </a:t>
+              <a:t>“Resource </a:t>
             </a:r>
             <a:r>
               <a:rPr lang="en-US" sz="1200" dirty="0" smtClean="0">
@@ -3283,7 +3283,7 @@
                   <a:schemeClr val="tx1"/>
                 </a:solidFill>
               </a:rPr>
-              <a:t>specifies the </a:t>
+              <a:t>is a </a:t>
             </a:r>
             <a:r>
               <a:rPr lang="en-US" sz="1200" dirty="0" smtClean="0">
@@ -3291,7 +3291,7 @@
                   <a:schemeClr val="tx1"/>
                 </a:solidFill>
               </a:rPr>
-              <a:t>desired state of a system component or configuration item. </a:t>
+              <a:t>statement </a:t>
             </a:r>
             <a:r>
               <a:rPr lang="en-US" sz="1200" dirty="0" smtClean="0">
@@ -3299,15 +3299,39 @@
                   <a:schemeClr val="tx1"/>
                 </a:solidFill>
               </a:rPr>
-              <a:t>Resources are </a:t>
-            </a:r>
+              <a:t>of configuration policy”. </a:t>
+            </a:r>
+            <a:endParaRPr lang="en-US" sz="1200" dirty="0" smtClean="0">
+              <a:solidFill>
+                <a:schemeClr val="tx1"/>
+              </a:solidFill>
+            </a:endParaRPr>
+          </a:p>
+          <a:p>
+            <a:pPr marL="171450" marR="0" lvl="0" indent="-171450" algn="l" defTabSz="914400" rtl="0" eaLnBrk="1" fontAlgn="auto" latinLnBrk="0" hangingPunct="1">
+              <a:lnSpc>
+                <a:spcPct val="100000"/>
+              </a:lnSpc>
+              <a:spcBef>
+                <a:spcPts val="0"/>
+              </a:spcBef>
+              <a:spcAft>
+                <a:spcPts val="0"/>
+              </a:spcAft>
+              <a:buClrTx/>
+              <a:buSzTx/>
+              <a:buFont typeface="Arial"/>
+              <a:buChar char="•"/>
+              <a:tabLst/>
+              <a:defRPr/>
+            </a:pPr>
             <a:r>
               <a:rPr lang="en-US" sz="1200" dirty="0" smtClean="0">
                 <a:solidFill>
                   <a:schemeClr val="tx1"/>
                 </a:solidFill>
               </a:rPr>
-              <a:t>the fundamental </a:t>
+              <a:t>It </a:t>
             </a:r>
             <a:r>
               <a:rPr lang="en-US" sz="1200" dirty="0" smtClean="0">
@@ -3315,7 +3339,47 @@
                   <a:schemeClr val="tx1"/>
                 </a:solidFill>
               </a:rPr>
-              <a:t>building blocks of</a:t>
+              <a:t>specifies the desired state of a system component or configuration item. </a:t>
+            </a:r>
+            <a:endParaRPr lang="en-US" sz="1200" dirty="0" smtClean="0">
+              <a:solidFill>
+                <a:schemeClr val="tx1"/>
+              </a:solidFill>
+            </a:endParaRPr>
+          </a:p>
+          <a:p>
+            <a:pPr marL="171450" marR="0" lvl="0" indent="-171450" algn="l" defTabSz="914400" rtl="0" eaLnBrk="1" fontAlgn="auto" latinLnBrk="0" hangingPunct="1">
+              <a:lnSpc>
+                <a:spcPct val="100000"/>
+              </a:lnSpc>
+              <a:spcBef>
+                <a:spcPts val="0"/>
+              </a:spcBef>
+              <a:spcAft>
+                <a:spcPts val="0"/>
+              </a:spcAft>
+              <a:buClrTx/>
+              <a:buSzTx/>
+              <a:buFont typeface="Arial"/>
+              <a:buChar char="•"/>
+              <a:tabLst/>
+              <a:defRPr/>
+            </a:pPr>
+            <a:r>
+              <a:rPr lang="en-US" sz="1200" dirty="0" smtClean="0">
+                <a:solidFill>
+                  <a:schemeClr val="tx1"/>
+                </a:solidFill>
+              </a:rPr>
+              <a:t>building </a:t>
+            </a:r>
+            <a:r>
+              <a:rPr lang="en-US" sz="1200" dirty="0" smtClean="0">
+                <a:solidFill>
+                  <a:schemeClr val="tx1"/>
+                </a:solidFill>
+              </a:rPr>
+              <a:t>blocks of</a:t>
             </a:r>
             <a:r>
               <a:rPr lang="en-US" sz="1200" baseline="0" dirty="0" smtClean="0">
@@ -3323,15 +3387,15 @@
                   <a:schemeClr val="tx1"/>
                 </a:solidFill>
               </a:rPr>
-              <a:t> chef</a:t>
-            </a:r>
-            <a:r>
-              <a:rPr lang="en-US" sz="1200" dirty="0" smtClean="0">
+              <a:t> </a:t>
+            </a:r>
+            <a:r>
+              <a:rPr lang="en-US" sz="1200" baseline="0" dirty="0" smtClean="0">
                 <a:solidFill>
                   <a:schemeClr val="tx1"/>
                 </a:solidFill>
               </a:rPr>
-              <a:t>.</a:t>
+              <a:t>chef</a:t>
             </a:r>
             <a:endParaRPr lang="en-US" sz="1200" dirty="0" smtClean="0">
               <a:solidFill>
@@ -3621,7 +3685,19 @@
             </a:pPr>
             <a:r>
               <a:rPr lang="en-US" b="0" baseline="0" dirty="0" smtClean="0"/>
-              <a:t>Every resource has a type that describes the most basic elements of the system. For example: file, package, service, template, execute</a:t>
+              <a:t>Every resource has a type that describes the most basic elements of the </a:t>
+            </a:r>
+            <a:r>
+              <a:rPr lang="en-US" b="0" baseline="0" dirty="0" smtClean="0"/>
+              <a:t>system, including: package, file, template</a:t>
+            </a:r>
+            <a:r>
+              <a:rPr lang="en-US" b="0" baseline="0" dirty="0" smtClean="0"/>
+              <a:t>, </a:t>
+            </a:r>
+            <a:r>
+              <a:rPr lang="en-US" b="0" baseline="0" dirty="0" smtClean="0"/>
+              <a:t>execute, service</a:t>
             </a:r>
             <a:r>
               <a:rPr lang="is-IS" b="0" baseline="0" dirty="0" smtClean="0"/>
@@ -3689,20 +3765,9 @@
             </a:r>
             <a:r>
               <a:rPr lang="en-US" b="0" baseline="0" dirty="0" smtClean="0"/>
-              <a:t> performed on resources, which brings a system resource to the new desired state. Actions use defined attributes. I</a:t>
-            </a:r>
-            <a:r>
-              <a:rPr lang="en-US" b="0" dirty="0" smtClean="0"/>
-              <a:t>n the above example, the file is created with the name attribute “</a:t>
-            </a:r>
-            <a:r>
-              <a:rPr lang="en-US" b="0" dirty="0" err="1" smtClean="0"/>
-              <a:t>hello.txt</a:t>
-            </a:r>
-            <a:r>
-              <a:rPr lang="en-US" b="0" dirty="0" smtClean="0"/>
-              <a:t>”, and the content attribute changes the checksum of the file to the string value “Hello, world!”</a:t>
-            </a:r>
+              <a:t> performed on resources, which brings a system resource to the new desired state. Actions use defined attributes. </a:t>
+            </a:r>
+            <a:endParaRPr lang="en-US" b="0" dirty="0" smtClean="0"/>
           </a:p>
           <a:p>
             <a:pPr marL="171450" marR="0" lvl="0" indent="-171450" algn="l" defTabSz="914400" rtl="0" eaLnBrk="1" fontAlgn="auto" latinLnBrk="0" hangingPunct="1">
@@ -3932,15 +3997,7 @@
             </a:pPr>
             <a:r>
               <a:rPr lang="en-US" b="0" baseline="0" dirty="0" smtClean="0"/>
-              <a:t>The </a:t>
-            </a:r>
-            <a:r>
-              <a:rPr lang="en-US" b="0" baseline="0" dirty="0" smtClean="0"/>
-              <a:t>Domain Specific Language (DSL) for Chef is </a:t>
-            </a:r>
-            <a:r>
-              <a:rPr lang="en-US" b="0" baseline="0" dirty="0" smtClean="0"/>
-              <a:t>Ruby</a:t>
+              <a:t>The Domain Specific Language (DSL) for Chef is Ruby</a:t>
             </a:r>
           </a:p>
           <a:p>
@@ -3965,7 +4022,6 @@
               <a:rPr lang="en-US" b="0" baseline="0" dirty="0" smtClean="0"/>
               <a:t> In order to start working with Chef students require a basic understanding of Ruby</a:t>
             </a:r>
-            <a:endParaRPr lang="en-US" b="0" baseline="0" dirty="0" smtClean="0"/>
           </a:p>
           <a:p>
             <a:pPr marL="171450" marR="0" lvl="0" indent="-171450" algn="l" defTabSz="914400" rtl="0" eaLnBrk="1" fontAlgn="auto" latinLnBrk="0" hangingPunct="1">
@@ -3986,21 +4042,18 @@
               <a:defRPr/>
             </a:pPr>
             <a:r>
-              <a:rPr lang="en-US" b="0" baseline="0" dirty="0" smtClean="0"/>
-              <a:t>‘</a:t>
+              <a:rPr lang="en-US" b="1" dirty="0" smtClean="0"/>
+              <a:t>do </a:t>
             </a:r>
             <a:r>
               <a:rPr lang="en-US" b="0" dirty="0" smtClean="0"/>
-              <a:t>do’ </a:t>
-            </a:r>
-            <a:r>
-              <a:rPr lang="en-US" b="0" dirty="0" smtClean="0"/>
-              <a:t>and </a:t>
-            </a:r>
-            <a:r>
-              <a:rPr lang="en-US" b="0" dirty="0" smtClean="0"/>
-              <a:t>‘end’ keywords </a:t>
-            </a:r>
+              <a:t>/ </a:t>
+            </a:r>
+            <a:r>
+              <a:rPr lang="en-US" b="1" dirty="0" smtClean="0"/>
+              <a:t>end</a:t>
+            </a:r>
+            <a:endParaRPr lang="en-US" b="0" dirty="0" smtClean="0"/>
           </a:p>
           <a:p>
             <a:pPr marL="628650" marR="0" lvl="1" indent="-171450" algn="l" defTabSz="914400" rtl="0" eaLnBrk="1" fontAlgn="auto" latinLnBrk="0" hangingPunct="1">
@@ -4022,11 +4075,31 @@
             </a:pPr>
             <a:r>
               <a:rPr lang="en-US" b="0" dirty="0" smtClean="0"/>
-              <a:t>define </a:t>
+              <a:t>denotes the</a:t>
+            </a:r>
+            <a:r>
+              <a:rPr lang="en-US" b="0" baseline="0" dirty="0" smtClean="0"/>
+              <a:t> </a:t>
             </a:r>
             <a:r>
               <a:rPr lang="en-US" b="0" dirty="0" smtClean="0"/>
-              <a:t>the beginning of a ruby block. </a:t>
+              <a:t>start</a:t>
+            </a:r>
+            <a:r>
+              <a:rPr lang="en-US" b="0" baseline="0" dirty="0" smtClean="0"/>
+              <a:t> </a:t>
+            </a:r>
+            <a:r>
+              <a:rPr lang="en-US" b="0" dirty="0" smtClean="0"/>
+              <a:t>of </a:t>
+            </a:r>
+            <a:r>
+              <a:rPr lang="en-US" b="0" dirty="0" smtClean="0"/>
+              <a:t>a </a:t>
+            </a:r>
+            <a:r>
+              <a:rPr lang="en-US" b="0" dirty="0" smtClean="0"/>
+              <a:t>block of ruby code</a:t>
             </a:r>
             <a:endParaRPr lang="en-US" b="0" dirty="0" smtClean="0"/>
           </a:p>
@@ -4050,7 +4123,11 @@
             </a:pPr>
             <a:r>
               <a:rPr lang="en-US" b="0" dirty="0" smtClean="0"/>
-              <a:t>A</a:t>
+              <a:t>The ruby content is </a:t>
+            </a:r>
+            <a:r>
+              <a:rPr lang="en-US" b="0" dirty="0" smtClean="0"/>
+              <a:t>the second attribute(s) of</a:t>
             </a:r>
             <a:r>
               <a:rPr lang="en-US" b="0" baseline="0" dirty="0" smtClean="0"/>
@@ -4058,30 +4135,6 @@
             </a:r>
             <a:r>
               <a:rPr lang="en-US" b="0" dirty="0" smtClean="0"/>
-              <a:t>ruby </a:t>
-            </a:r>
-            <a:r>
-              <a:rPr lang="en-US" b="0" dirty="0" smtClean="0"/>
-              <a:t>block and all </a:t>
-            </a:r>
-            <a:r>
-              <a:rPr lang="en-US" b="0" dirty="0" smtClean="0"/>
-              <a:t>its contents is the </a:t>
-            </a:r>
-            <a:r>
-              <a:rPr lang="en-US" b="0" dirty="0" smtClean="0"/>
-              <a:t>second </a:t>
-            </a:r>
-            <a:r>
-              <a:rPr lang="en-US" b="0" dirty="0" smtClean="0"/>
-              <a:t>attribute(s) of</a:t>
-            </a:r>
-            <a:r>
-              <a:rPr lang="en-US" b="0" baseline="0" dirty="0" smtClean="0"/>
-              <a:t> </a:t>
-            </a:r>
-            <a:r>
-              <a:rPr lang="en-US" b="0" dirty="0" smtClean="0"/>
               <a:t>our resource</a:t>
             </a:r>
             <a:r>
@@ -4090,15 +4143,7 @@
             </a:r>
             <a:r>
               <a:rPr lang="en-US" b="0" dirty="0" smtClean="0"/>
-              <a:t>the </a:t>
-            </a:r>
-            <a:r>
-              <a:rPr lang="en-US" b="0" dirty="0" smtClean="0"/>
-              <a:t>name </a:t>
-            </a:r>
-            <a:r>
-              <a:rPr lang="en-US" b="0" dirty="0" smtClean="0"/>
-              <a:t>attribute</a:t>
+              <a:t>the name attribute</a:t>
             </a:r>
             <a:r>
               <a:rPr lang="en-US" b="0" baseline="0" dirty="0" smtClean="0"/>
@@ -4126,27 +4171,19 @@
             </a:pPr>
             <a:r>
               <a:rPr lang="en-US" b="0" dirty="0" smtClean="0"/>
-              <a:t>In the</a:t>
+              <a:t>contents are specified via</a:t>
             </a:r>
             <a:r>
               <a:rPr lang="en-US" b="0" baseline="0" dirty="0" smtClean="0"/>
-              <a:t> above example</a:t>
+              <a:t> </a:t>
             </a:r>
             <a:r>
               <a:rPr lang="en-US" b="0" dirty="0" smtClean="0"/>
-              <a:t>, </a:t>
+              <a:t>the </a:t>
             </a:r>
             <a:r>
               <a:rPr lang="en-US" b="0" dirty="0" smtClean="0"/>
-              <a:t>the content attribute </a:t>
-            </a:r>
-            <a:r>
-              <a:rPr lang="en-US" b="0" dirty="0" smtClean="0"/>
-              <a:t>specifies </a:t>
-            </a:r>
-            <a:r>
-              <a:rPr lang="en-US" b="0" dirty="0" smtClean="0"/>
-              <a:t>the contents of the file. </a:t>
+              <a:t>content attribute </a:t>
             </a:r>
             <a:endParaRPr lang="en-US" b="0" dirty="0" smtClean="0"/>
           </a:p>
@@ -4170,68 +4207,11 @@
             </a:pPr>
             <a:r>
               <a:rPr lang="en-US" b="0" dirty="0" smtClean="0"/>
-              <a:t>Service </a:t>
-            </a:r>
-            <a:r>
-              <a:rPr lang="en-US" b="0" dirty="0" smtClean="0"/>
-              <a:t>resources are often defined with two </a:t>
-            </a:r>
-            <a:r>
-              <a:rPr lang="en-US" b="0" dirty="0" smtClean="0"/>
-              <a:t>actions; but, the </a:t>
-            </a:r>
-            <a:r>
-              <a:rPr lang="en-US" b="0" dirty="0" smtClean="0"/>
-              <a:t>action method </a:t>
-            </a:r>
-            <a:r>
-              <a:rPr lang="en-US" b="0" dirty="0" smtClean="0"/>
-              <a:t>only takes </a:t>
-            </a:r>
-            <a:r>
-              <a:rPr lang="en-US" b="0" dirty="0" smtClean="0"/>
-              <a:t>one </a:t>
-            </a:r>
-            <a:r>
-              <a:rPr lang="en-US" b="0" dirty="0" smtClean="0"/>
-              <a:t>parameter, </a:t>
-            </a:r>
-            <a:r>
-              <a:rPr lang="en-US" b="0" dirty="0" smtClean="0"/>
-              <a:t>so to provide </a:t>
-            </a:r>
-            <a:r>
-              <a:rPr lang="en-US" b="0" dirty="0" smtClean="0"/>
-              <a:t>more than</a:t>
-            </a:r>
-            <a:r>
-              <a:rPr lang="en-US" b="0" baseline="0" dirty="0" smtClean="0"/>
-              <a:t> one </a:t>
-            </a:r>
-            <a:r>
-              <a:rPr lang="en-US" b="0" dirty="0" smtClean="0"/>
-              <a:t>actions </a:t>
-            </a:r>
-            <a:r>
-              <a:rPr lang="en-US" b="0" dirty="0" smtClean="0"/>
-              <a:t>you need to </a:t>
-            </a:r>
-            <a:r>
-              <a:rPr lang="en-US" b="0" dirty="0" smtClean="0"/>
-              <a:t>define</a:t>
-            </a:r>
-            <a:r>
-              <a:rPr lang="en-US" b="0" baseline="0" dirty="0" smtClean="0"/>
-              <a:t> them inside </a:t>
-            </a:r>
-            <a:r>
-              <a:rPr lang="en-US" b="0" dirty="0" smtClean="0"/>
-              <a:t>an Array</a:t>
-            </a:r>
-            <a:endParaRPr lang="en-US" b="0" dirty="0" smtClean="0"/>
-          </a:p>
-          <a:p>
-            <a:pPr marL="171450" marR="0" lvl="0" indent="-171450" algn="l" defTabSz="914400" rtl="0" eaLnBrk="1" fontAlgn="auto" latinLnBrk="0" hangingPunct="1">
+              <a:t>2 actions define a Service resource</a:t>
+            </a:r>
+          </a:p>
+          <a:p>
+            <a:pPr marL="628650" marR="0" lvl="1" indent="-171450" algn="l" defTabSz="914400" rtl="0" eaLnBrk="1" fontAlgn="auto" latinLnBrk="0" hangingPunct="1">
               <a:lnSpc>
                 <a:spcPct val="100000"/>
               </a:lnSpc>
@@ -4250,49 +4230,36 @@
             </a:pPr>
             <a:r>
               <a:rPr lang="en-US" b="0" dirty="0" smtClean="0"/>
-              <a:t>Attributes </a:t>
+              <a:t>the </a:t>
             </a:r>
             <a:r>
               <a:rPr lang="en-US" b="0" dirty="0" smtClean="0"/>
-              <a:t>are </a:t>
+              <a:t>action method only takes one parameter</a:t>
             </a:r>
             <a:r>
               <a:rPr lang="en-US" b="0" dirty="0" smtClean="0"/>
-              <a:t>written:</a:t>
+              <a:t>, more </a:t>
+            </a:r>
+            <a:r>
+              <a:rPr lang="en-US" b="0" dirty="0" smtClean="0"/>
+              <a:t>than</a:t>
             </a:r>
             <a:r>
               <a:rPr lang="en-US" b="0" baseline="0" dirty="0" smtClean="0"/>
-              <a:t> &lt;</a:t>
+              <a:t> one </a:t>
             </a:r>
             <a:r>
               <a:rPr lang="en-US" b="0" dirty="0" smtClean="0"/>
-              <a:t>name </a:t>
+              <a:t>actions </a:t>
             </a:r>
             <a:r>
               <a:rPr lang="en-US" b="0" dirty="0" smtClean="0"/>
-              <a:t>of </a:t>
+              <a:t>need an </a:t>
             </a:r>
             <a:r>
               <a:rPr lang="en-US" b="0" dirty="0" smtClean="0"/>
-              <a:t>attribute&gt;</a:t>
-            </a:r>
-            <a:r>
-              <a:rPr lang="en-US" b="0" baseline="0" dirty="0" smtClean="0"/>
-              <a:t> </a:t>
-            </a:r>
-            <a:r>
-              <a:rPr lang="en-US" b="0" dirty="0" smtClean="0"/>
-              <a:t>&lt;value of</a:t>
-            </a:r>
-            <a:r>
-              <a:rPr lang="en-US" b="0" baseline="0" dirty="0" smtClean="0"/>
-              <a:t> </a:t>
-            </a:r>
-            <a:r>
-              <a:rPr lang="en-US" b="0" dirty="0" smtClean="0"/>
-              <a:t>the attribute&gt;</a:t>
-            </a:r>
-            <a:endParaRPr lang="en-US" b="0" dirty="0" smtClean="0"/>
+              <a:t>Array</a:t>
+            </a:r>
           </a:p>
           <a:p>
             <a:pPr marL="171450" marR="0" lvl="0" indent="-171450" algn="l" defTabSz="914400" rtl="0" eaLnBrk="1" fontAlgn="auto" latinLnBrk="0" hangingPunct="1">
@@ -4314,31 +4281,31 @@
             </a:pPr>
             <a:r>
               <a:rPr lang="en-US" b="0" dirty="0" smtClean="0"/>
-              <a:t>Resources can </a:t>
+              <a:t>Attributes are written:</a:t>
+            </a:r>
+            <a:r>
+              <a:rPr lang="en-US" b="0" baseline="0" dirty="0" smtClean="0"/>
+              <a:t> &lt;</a:t>
             </a:r>
             <a:r>
               <a:rPr lang="en-US" b="0" dirty="0" smtClean="0"/>
-              <a:t>have ‘default’ </a:t>
+              <a:t>name of attribute&gt;</a:t>
+            </a:r>
+            <a:r>
+              <a:rPr lang="en-US" b="0" baseline="0" dirty="0" smtClean="0"/>
+              <a:t> </a:t>
             </a:r>
             <a:r>
               <a:rPr lang="en-US" b="0" dirty="0" smtClean="0"/>
-              <a:t>actions (not all do): the default action of the package</a:t>
+              <a:t>&lt;value of</a:t>
             </a:r>
             <a:r>
               <a:rPr lang="en-US" b="0" baseline="0" dirty="0" smtClean="0"/>
-              <a:t> resource </a:t>
+              <a:t> </a:t>
             </a:r>
             <a:r>
               <a:rPr lang="en-US" b="0" dirty="0" smtClean="0"/>
-              <a:t>is </a:t>
-            </a:r>
-            <a:r>
-              <a:rPr lang="en-US" b="0" dirty="0" smtClean="0"/>
-              <a:t>:</a:t>
-            </a:r>
-            <a:r>
-              <a:rPr lang="en-US" b="0" dirty="0" smtClean="0"/>
-              <a:t>install </a:t>
+              <a:t>the attribute&gt;</a:t>
             </a:r>
           </a:p>
           <a:p>
@@ -4361,15 +4328,74 @@
             </a:pPr>
             <a:r>
               <a:rPr lang="en-US" b="0" dirty="0" smtClean="0"/>
+              <a:t>Resources can have ‘default’ actions (not all do</a:t>
+            </a:r>
+            <a:r>
+              <a:rPr lang="en-US" b="0" dirty="0" smtClean="0"/>
+              <a:t>)</a:t>
+            </a:r>
+          </a:p>
+          <a:p>
+            <a:pPr marL="628650" marR="0" lvl="1" indent="-171450" algn="l" defTabSz="914400" rtl="0" eaLnBrk="1" fontAlgn="auto" latinLnBrk="0" hangingPunct="1">
+              <a:lnSpc>
+                <a:spcPct val="100000"/>
+              </a:lnSpc>
+              <a:spcBef>
+                <a:spcPts val="0"/>
+              </a:spcBef>
+              <a:spcAft>
+                <a:spcPts val="0"/>
+              </a:spcAft>
+              <a:buClrTx/>
+              <a:buSzTx/>
+              <a:buFont typeface="Arial"/>
+              <a:buChar char="•"/>
+              <a:tabLst/>
+              <a:defRPr/>
+            </a:pPr>
+            <a:r>
+              <a:rPr lang="en-US" b="0" dirty="0" smtClean="0"/>
+              <a:t>:</a:t>
+            </a:r>
+            <a:r>
+              <a:rPr lang="en-US" b="0" dirty="0" smtClean="0"/>
+              <a:t>install </a:t>
+            </a:r>
+            <a:r>
+              <a:rPr lang="en-US" b="0" dirty="0" smtClean="0"/>
+              <a:t>is</a:t>
+            </a:r>
+            <a:r>
+              <a:rPr lang="en-US" b="0" baseline="0" dirty="0" smtClean="0"/>
+              <a:t> the default action here</a:t>
+            </a:r>
+            <a:endParaRPr lang="en-US" b="0" dirty="0" smtClean="0"/>
+          </a:p>
+          <a:p>
+            <a:pPr marL="171450" marR="0" lvl="0" indent="-171450" algn="l" defTabSz="914400" rtl="0" eaLnBrk="1" fontAlgn="auto" latinLnBrk="0" hangingPunct="1">
+              <a:lnSpc>
+                <a:spcPct val="100000"/>
+              </a:lnSpc>
+              <a:spcBef>
+                <a:spcPts val="0"/>
+              </a:spcBef>
+              <a:spcAft>
+                <a:spcPts val="0"/>
+              </a:spcAft>
+              <a:buClrTx/>
+              <a:buSzTx/>
+              <a:buFont typeface="Arial"/>
+              <a:buChar char="•"/>
+              <a:tabLst/>
+              <a:defRPr/>
+            </a:pPr>
+            <a:r>
+              <a:rPr lang="en-US" b="0" dirty="0" smtClean="0"/>
               <a:t>In the first example,</a:t>
             </a:r>
             <a:r>
               <a:rPr lang="en-US" b="0" baseline="0" dirty="0" smtClean="0"/>
-              <a:t> </a:t>
-            </a:r>
-            <a:r>
-              <a:rPr lang="en-US" b="0" baseline="0" dirty="0" smtClean="0"/>
-              <a:t>we install the windows package ‘7zip’ from a local source. The ‘source’ attribute could also provide a </a:t>
+              <a:t> we install the windows package ‘7zip’ from a local source. The ‘source’ attribute could also provide a </a:t>
             </a:r>
             <a:r>
               <a:rPr lang="en-US" b="0" baseline="0" dirty="0" err="1" smtClean="0"/>
@@ -4377,13 +4403,8 @@
             </a:r>
             <a:r>
               <a:rPr lang="en-US" b="0" baseline="0" dirty="0" smtClean="0"/>
-              <a:t> instead</a:t>
-            </a:r>
-            <a:r>
-              <a:rPr lang="en-US" b="0" baseline="0" dirty="0" smtClean="0"/>
-              <a:t>.</a:t>
-            </a:r>
-            <a:endParaRPr lang="en-US" b="0" baseline="0" dirty="0" smtClean="0"/>
+              <a:t> instead.</a:t>
+            </a:r>
           </a:p>
           <a:p>
             <a:pPr marL="171450" marR="0" lvl="0" indent="-171450" algn="l" defTabSz="914400" rtl="0" eaLnBrk="1" fontAlgn="auto" latinLnBrk="0" hangingPunct="1">
@@ -4930,7 +4951,6 @@
               <a:rPr lang="en-US" sz="1200" b="0" dirty="0" smtClean="0"/>
               <a:t>Recipes include resources</a:t>
             </a:r>
-            <a:endParaRPr lang="en-US" sz="1200" b="0" dirty="0" smtClean="0"/>
           </a:p>
           <a:p>
             <a:pPr marL="171450" indent="-171450">
@@ -4939,48 +4959,53 @@
             </a:pPr>
             <a:r>
               <a:rPr lang="en-US" sz="1200" b="0" dirty="0" smtClean="0"/>
-              <a:t>Recipes </a:t>
+              <a:t>Recipes are </a:t>
             </a:r>
             <a:r>
               <a:rPr lang="en-US" sz="1200" b="0" dirty="0" smtClean="0"/>
-              <a:t>are just </a:t>
-            </a:r>
+              <a:t>Ruby files</a:t>
+            </a:r>
+          </a:p>
+          <a:p>
+            <a:pPr marL="628650" lvl="1" indent="-171450">
+              <a:buFont typeface="Arial"/>
+              <a:buChar char="•"/>
+            </a:pPr>
             <a:r>
               <a:rPr lang="en-US" sz="1200" b="0" dirty="0" smtClean="0"/>
-              <a:t>Ruby files </a:t>
-            </a:r>
+              <a:t>ruby</a:t>
+            </a:r>
+            <a:r>
+              <a:rPr lang="en-US" sz="1200" b="0" baseline="0" dirty="0" smtClean="0"/>
+              <a:t> files use the .</a:t>
+            </a:r>
+            <a:r>
+              <a:rPr lang="en-US" sz="1200" b="0" baseline="0" dirty="0" err="1" smtClean="0"/>
+              <a:t>rb</a:t>
+            </a:r>
+            <a:r>
+              <a:rPr lang="en-US" sz="1200" b="0" baseline="0" dirty="0" smtClean="0"/>
+              <a:t> extension</a:t>
+            </a:r>
+          </a:p>
+          <a:p>
+            <a:pPr marL="628650" lvl="1" indent="-171450">
+              <a:buFont typeface="Arial"/>
+              <a:buChar char="•"/>
+            </a:pPr>
             <a:r>
               <a:rPr lang="en-US" sz="1200" b="0" dirty="0" smtClean="0"/>
-              <a:t>(.</a:t>
-            </a:r>
-            <a:r>
-              <a:rPr lang="en-US" sz="1200" b="0" dirty="0" err="1" smtClean="0"/>
-              <a:t>rb</a:t>
+              <a:t>ruby is used</a:t>
+            </a:r>
+            <a:r>
+              <a:rPr lang="en-US" sz="1200" b="0" baseline="0" dirty="0" smtClean="0"/>
+              <a:t> to </a:t>
             </a:r>
             <a:r>
               <a:rPr lang="en-US" sz="1200" b="0" dirty="0" smtClean="0"/>
-              <a:t>) </a:t>
-            </a:r>
-            <a:r>
-              <a:rPr lang="en-US" sz="1200" b="0" dirty="0" smtClean="0"/>
-              <a:t>in which </a:t>
-            </a:r>
-            <a:r>
-              <a:rPr lang="en-US" sz="1200" b="0" dirty="0" smtClean="0"/>
-              <a:t>include code </a:t>
-            </a:r>
-            <a:r>
-              <a:rPr lang="en-US" sz="1200" b="0" dirty="0" smtClean="0"/>
-              <a:t>that defines your </a:t>
-            </a:r>
-            <a:r>
-              <a:rPr lang="en-US" sz="1200" b="0" dirty="0" smtClean="0"/>
-              <a:t>infrastructure</a:t>
-            </a:r>
-            <a:r>
-              <a:rPr lang="en-US" sz="1200" b="0" baseline="0" dirty="0" smtClean="0"/>
-              <a:t> </a:t>
-            </a:r>
+              <a:t>structure your system</a:t>
+            </a:r>
+            <a:endParaRPr lang="en-US" sz="1200" b="0" baseline="0" dirty="0" smtClean="0"/>
           </a:p>
           <a:p>
             <a:pPr marL="171450" indent="-171450">
@@ -4993,54 +5018,18 @@
             </a:r>
             <a:r>
               <a:rPr lang="en-US" sz="1200" b="0" baseline="0" dirty="0" smtClean="0"/>
-              <a:t> cookbooks</a:t>
-            </a:r>
-            <a:endParaRPr lang="en-US" b="0" dirty="0" smtClean="0"/>
-          </a:p>
-          <a:p>
-            <a:pPr marL="171450" indent="-171450">
+              <a:t> </a:t>
+            </a:r>
+            <a:r>
+              <a:rPr lang="en-US" sz="1200" b="0" baseline="0" dirty="0" smtClean="0"/>
+              <a:t>cookbooks</a:t>
+            </a:r>
+          </a:p>
+          <a:p>
+            <a:pPr marL="0" indent="0">
               <a:buFont typeface="Arial"/>
-              <a:buChar char="•"/>
+              <a:buNone/>
             </a:pPr>
-            <a:r>
-              <a:rPr lang="en-US" b="0" baseline="0" dirty="0" smtClean="0"/>
-              <a:t>Ruby files are </a:t>
-            </a:r>
-            <a:r>
-              <a:rPr lang="en-US" b="0" baseline="0" dirty="0" smtClean="0"/>
-              <a:t>read like a book: </a:t>
-            </a:r>
-            <a:r>
-              <a:rPr lang="en-US" b="0" baseline="0" dirty="0" smtClean="0"/>
-              <a:t>top-to-</a:t>
-            </a:r>
-            <a:r>
-              <a:rPr lang="en-US" b="0" baseline="0" dirty="0" smtClean="0"/>
-              <a:t>bottom and left</a:t>
-            </a:r>
-            <a:r>
-              <a:rPr lang="en-US" b="0" baseline="0" dirty="0" smtClean="0"/>
-              <a:t>-to-right. </a:t>
-            </a:r>
-            <a:endParaRPr lang="en-US" b="0" baseline="0" dirty="0" smtClean="0"/>
-          </a:p>
-          <a:p>
-            <a:pPr marL="171450" indent="-171450">
-              <a:buFont typeface="Arial"/>
-              <a:buChar char="•"/>
-            </a:pPr>
-            <a:r>
-              <a:rPr lang="en-US" b="0" baseline="0" dirty="0" smtClean="0"/>
-              <a:t>Resources are compiled </a:t>
-            </a:r>
-            <a:r>
-              <a:rPr lang="en-US" b="0" baseline="0" dirty="0" smtClean="0"/>
-              <a:t>and executed in the </a:t>
-            </a:r>
-            <a:r>
-              <a:rPr lang="en-US" b="0" baseline="0" dirty="0" smtClean="0"/>
-              <a:t>same order they appear in the recipe</a:t>
-            </a:r>
             <a:endParaRPr lang="en-US" b="0" dirty="0" smtClean="0"/>
           </a:p>
           <a:p>
@@ -5384,15 +5373,7 @@
             </a:r>
             <a:r>
               <a:rPr lang="en-US" b="0" baseline="0" dirty="0" smtClean="0"/>
-              <a:t> </a:t>
-            </a:r>
-            <a:r>
-              <a:rPr lang="en-US" b="0" baseline="0" dirty="0" smtClean="0"/>
-              <a:t>should open </a:t>
-            </a:r>
-            <a:r>
-              <a:rPr lang="en-US" b="0" baseline="0" dirty="0" smtClean="0"/>
-              <a:t>and read the introduction to the Chef cookbooks documentation</a:t>
+              <a:t> should open and read the introduction to the Chef cookbooks documentation</a:t>
             </a:r>
           </a:p>
           <a:p>
@@ -5415,23 +5396,7 @@
             </a:pPr>
             <a:r>
               <a:rPr lang="en-US" b="0" baseline="0" dirty="0" smtClean="0"/>
-              <a:t>Keep the documentation </a:t>
-            </a:r>
-            <a:r>
-              <a:rPr lang="en-US" b="0" baseline="0" dirty="0" smtClean="0"/>
-              <a:t>available </a:t>
-            </a:r>
-            <a:r>
-              <a:rPr lang="en-US" b="0" baseline="0" dirty="0" smtClean="0"/>
-              <a:t>while working </a:t>
-            </a:r>
-            <a:r>
-              <a:rPr lang="en-US" b="0" baseline="0" dirty="0" smtClean="0"/>
-              <a:t>with Chef</a:t>
-            </a:r>
-            <a:r>
-              <a:rPr lang="en-US" b="0" baseline="0" dirty="0" smtClean="0"/>
-              <a:t>.</a:t>
+              <a:t>Keep the documentation available while working with Chef.</a:t>
             </a:r>
             <a:endParaRPr lang="en-US" b="0" dirty="0" smtClean="0"/>
           </a:p>
@@ -6759,7 +6724,31 @@
             </a:pPr>
             <a:r>
               <a:rPr lang="en-US" b="0" dirty="0" smtClean="0"/>
-              <a:t>For the chef-client, two important aspects of nodes are groups of attributes and run-lists. An attribute is a specific piece of data about the node, such as a network interface, a file system, the number of clients a service running on a node is capable of accepting, and so on. A run-list is an ordered list of recipes and/or roles that are run in an exact order. The node object consists of the run-list and node attributes, which is a JSON file that is stored on the Chef server. The chef-client gets a copy of the node object from the Chef server during each chef-client run and places an updated copy on the Chef server at the end of each chef-client run.</a:t>
+              <a:t>For the chef-client, two important aspects of nodes are groups of attributes and run-lists. An attribute is a specific piece of data about the node, such as a network interface, a file system, the number of clients a service running on a node is capable of accepting, and so on. A run-</a:t>
+            </a:r>
+            <a:r>
+              <a:rPr lang="en-US" b="0" smtClean="0"/>
+              <a:t>list </a:t>
+            </a:r>
+            <a:r>
+              <a:rPr lang="en-US" b="0" smtClean="0"/>
+              <a:t>is made </a:t>
+            </a:r>
+            <a:r>
+              <a:rPr lang="en-US" b="0" dirty="0" smtClean="0"/>
+              <a:t>up of recipes and roles in</a:t>
+            </a:r>
+            <a:r>
+              <a:rPr lang="en-US" b="0" baseline="0" dirty="0" smtClean="0"/>
+              <a:t> </a:t>
+            </a:r>
+            <a:r>
+              <a:rPr lang="en-US" b="0" dirty="0" smtClean="0"/>
+              <a:t>an exact order. </a:t>
+            </a:r>
+            <a:r>
+              <a:rPr lang="en-US" b="0" dirty="0" smtClean="0"/>
+              <a:t>The node object consists of the run-list and node attributes, which is a JSON file that is stored on the Chef server. The chef-client gets a copy of the node object from the Chef server during each chef-client run and places an updated copy on the Chef server at the end of each chef-client run.</a:t>
             </a:r>
           </a:p>
           <a:p>
@@ -9606,7 +9595,7 @@
             <a:fld id="{0459C166-16D3-4A25-A2F8-C51E0E346B22}" type="datetimeFigureOut">
               <a:rPr lang="en-US" smtClean="0"/>
               <a:pPr/>
-              <a:t>7/28/16</a:t>
+              <a:t>7/29/16</a:t>
             </a:fld>
             <a:endParaRPr lang="en-US"/>
           </a:p>
@@ -9975,7 +9964,7 @@
             <a:fld id="{0459C166-16D3-4A25-A2F8-C51E0E346B22}" type="datetimeFigureOut">
               <a:rPr lang="en-US" smtClean="0"/>
               <a:pPr/>
-              <a:t>7/28/16</a:t>
+              <a:t>7/29/16</a:t>
             </a:fld>
             <a:endParaRPr lang="en-US"/>
           </a:p>
@@ -10095,7 +10084,7 @@
             <a:fld id="{0459C166-16D3-4A25-A2F8-C51E0E346B22}" type="datetimeFigureOut">
               <a:rPr lang="en-US" smtClean="0"/>
               <a:pPr/>
-              <a:t>7/28/16</a:t>
+              <a:t>7/29/16</a:t>
             </a:fld>
             <a:endParaRPr lang="en-US"/>
           </a:p>
@@ -10312,7 +10301,7 @@
                 <a:latin typeface="Segoe UI"/>
               </a:rPr>
               <a:pPr/>
-              <a:t>7/28/16</a:t>
+              <a:t>7/29/16</a:t>
             </a:fld>
             <a:endParaRPr lang="en-US">
               <a:solidFill>
@@ -10517,7 +10506,7 @@
                 <a:latin typeface="Segoe UI"/>
               </a:rPr>
               <a:pPr/>
-              <a:t>7/28/16</a:t>
+              <a:t>7/29/16</a:t>
             </a:fld>
             <a:endParaRPr lang="en-US">
               <a:solidFill>
@@ -10817,7 +10806,7 @@
                 <a:latin typeface="Segoe UI"/>
               </a:rPr>
               <a:pPr/>
-              <a:t>7/28/16</a:t>
+              <a:t>7/29/16</a:t>
             </a:fld>
             <a:endParaRPr lang="en-US">
               <a:solidFill>
@@ -11091,7 +11080,7 @@
                 <a:latin typeface="Segoe UI"/>
               </a:rPr>
               <a:pPr/>
-              <a:t>7/28/16</a:t>
+              <a:t>7/29/16</a:t>
             </a:fld>
             <a:endParaRPr lang="en-US">
               <a:solidFill>
@@ -11492,7 +11481,7 @@
                 <a:latin typeface="Segoe UI"/>
               </a:rPr>
               <a:pPr/>
-              <a:t>7/28/16</a:t>
+              <a:t>7/29/16</a:t>
             </a:fld>
             <a:endParaRPr lang="en-US">
               <a:solidFill>
@@ -11646,7 +11635,7 @@
                 <a:latin typeface="Segoe UI"/>
               </a:rPr>
               <a:pPr/>
-              <a:t>7/28/16</a:t>
+              <a:t>7/29/16</a:t>
             </a:fld>
             <a:endParaRPr lang="en-US">
               <a:solidFill>
@@ -11778,7 +11767,7 @@
                 <a:latin typeface="Segoe UI"/>
               </a:rPr>
               <a:pPr/>
-              <a:t>7/28/16</a:t>
+              <a:t>7/29/16</a:t>
             </a:fld>
             <a:endParaRPr lang="en-US">
               <a:solidFill>
@@ -12090,7 +12079,7 @@
                 <a:latin typeface="Segoe UI"/>
               </a:rPr>
               <a:pPr/>
-              <a:t>7/28/16</a:t>
+              <a:t>7/29/16</a:t>
             </a:fld>
             <a:endParaRPr lang="en-US">
               <a:solidFill>
@@ -12290,7 +12279,7 @@
             <a:fld id="{0459C166-16D3-4A25-A2F8-C51E0E346B22}" type="datetimeFigureOut">
               <a:rPr lang="en-US" smtClean="0"/>
               <a:pPr/>
-              <a:t>7/28/16</a:t>
+              <a:t>7/29/16</a:t>
             </a:fld>
             <a:endParaRPr lang="en-US"/>
           </a:p>
@@ -12551,7 +12540,7 @@
                 <a:latin typeface="Segoe UI"/>
               </a:rPr>
               <a:pPr/>
-              <a:t>7/28/16</a:t>
+              <a:t>7/29/16</a:t>
             </a:fld>
             <a:endParaRPr lang="en-US">
               <a:solidFill>
@@ -12756,7 +12745,7 @@
                 <a:latin typeface="Segoe UI"/>
               </a:rPr>
               <a:pPr/>
-              <a:t>7/28/16</a:t>
+              <a:t>7/29/16</a:t>
             </a:fld>
             <a:endParaRPr lang="en-US">
               <a:solidFill>
@@ -12971,7 +12960,7 @@
                 <a:latin typeface="Segoe UI"/>
               </a:rPr>
               <a:pPr/>
-              <a:t>7/28/16</a:t>
+              <a:t>7/29/16</a:t>
             </a:fld>
             <a:endParaRPr lang="en-US">
               <a:solidFill>
@@ -13216,7 +13205,7 @@
                 <a:latin typeface="Segoe UI"/>
               </a:rPr>
               <a:pPr/>
-              <a:t>7/28/16</a:t>
+              <a:t>7/29/16</a:t>
             </a:fld>
             <a:endParaRPr lang="en-US">
               <a:solidFill>
@@ -13421,7 +13410,7 @@
                 <a:latin typeface="Segoe UI"/>
               </a:rPr>
               <a:pPr/>
-              <a:t>7/28/16</a:t>
+              <a:t>7/29/16</a:t>
             </a:fld>
             <a:endParaRPr lang="en-US">
               <a:solidFill>
@@ -13721,7 +13710,7 @@
                 <a:latin typeface="Segoe UI"/>
               </a:rPr>
               <a:pPr/>
-              <a:t>7/28/16</a:t>
+              <a:t>7/29/16</a:t>
             </a:fld>
             <a:endParaRPr lang="en-US">
               <a:solidFill>
@@ -13995,7 +13984,7 @@
                 <a:latin typeface="Segoe UI"/>
               </a:rPr>
               <a:pPr/>
-              <a:t>7/28/16</a:t>
+              <a:t>7/29/16</a:t>
             </a:fld>
             <a:endParaRPr lang="en-US">
               <a:solidFill>
@@ -14396,7 +14385,7 @@
                 <a:latin typeface="Segoe UI"/>
               </a:rPr>
               <a:pPr/>
-              <a:t>7/28/16</a:t>
+              <a:t>7/29/16</a:t>
             </a:fld>
             <a:endParaRPr lang="en-US">
               <a:solidFill>
@@ -14550,7 +14539,7 @@
                 <a:latin typeface="Segoe UI"/>
               </a:rPr>
               <a:pPr/>
-              <a:t>7/28/16</a:t>
+              <a:t>7/29/16</a:t>
             </a:fld>
             <a:endParaRPr lang="en-US">
               <a:solidFill>
@@ -14682,7 +14671,7 @@
                 <a:latin typeface="Segoe UI"/>
               </a:rPr>
               <a:pPr/>
-              <a:t>7/28/16</a:t>
+              <a:t>7/29/16</a:t>
             </a:fld>
             <a:endParaRPr lang="en-US">
               <a:solidFill>
@@ -14976,7 +14965,7 @@
             <a:fld id="{0459C166-16D3-4A25-A2F8-C51E0E346B22}" type="datetimeFigureOut">
               <a:rPr lang="en-US" smtClean="0"/>
               <a:pPr/>
-              <a:t>7/28/16</a:t>
+              <a:t>7/29/16</a:t>
             </a:fld>
             <a:endParaRPr lang="en-US"/>
           </a:p>
@@ -15276,7 +15265,7 @@
                 <a:latin typeface="Segoe UI"/>
               </a:rPr>
               <a:pPr/>
-              <a:t>7/28/16</a:t>
+              <a:t>7/29/16</a:t>
             </a:fld>
             <a:endParaRPr lang="en-US">
               <a:solidFill>
@@ -15565,7 +15554,7 @@
                 <a:latin typeface="Segoe UI"/>
               </a:rPr>
               <a:pPr/>
-              <a:t>7/28/16</a:t>
+              <a:t>7/29/16</a:t>
             </a:fld>
             <a:endParaRPr lang="en-US">
               <a:solidFill>
@@ -15770,7 +15759,7 @@
                 <a:latin typeface="Segoe UI"/>
               </a:rPr>
               <a:pPr/>
-              <a:t>7/28/16</a:t>
+              <a:t>7/29/16</a:t>
             </a:fld>
             <a:endParaRPr lang="en-US">
               <a:solidFill>
@@ -15985,7 +15974,7 @@
                 <a:latin typeface="Segoe UI"/>
               </a:rPr>
               <a:pPr/>
-              <a:t>7/28/16</a:t>
+              <a:t>7/29/16</a:t>
             </a:fld>
             <a:endParaRPr lang="en-US">
               <a:solidFill>
@@ -16317,7 +16306,7 @@
             <a:fld id="{0459C166-16D3-4A25-A2F8-C51E0E346B22}" type="datetimeFigureOut">
               <a:rPr lang="en-US" smtClean="0"/>
               <a:pPr/>
-              <a:t>7/28/16</a:t>
+              <a:t>7/29/16</a:t>
             </a:fld>
             <a:endParaRPr lang="en-US"/>
           </a:p>
@@ -16716,7 +16705,7 @@
             <a:fld id="{0459C166-16D3-4A25-A2F8-C51E0E346B22}" type="datetimeFigureOut">
               <a:rPr lang="en-US" smtClean="0"/>
               <a:pPr/>
-              <a:t>7/28/16</a:t>
+              <a:t>7/29/16</a:t>
             </a:fld>
             <a:endParaRPr lang="en-US"/>
           </a:p>
@@ -17688,7 +17677,7 @@
             <a:fld id="{0459C166-16D3-4A25-A2F8-C51E0E346B22}" type="datetimeFigureOut">
               <a:rPr lang="en-US" smtClean="0"/>
               <a:pPr/>
-              <a:t>7/28/16</a:t>
+              <a:t>7/29/16</a:t>
             </a:fld>
             <a:endParaRPr lang="en-US"/>
           </a:p>
@@ -17902,7 +17891,7 @@
             <a:fld id="{0459C166-16D3-4A25-A2F8-C51E0E346B22}" type="datetimeFigureOut">
               <a:rPr lang="en-US" smtClean="0"/>
               <a:pPr/>
-              <a:t>7/28/16</a:t>
+              <a:t>7/29/16</a:t>
             </a:fld>
             <a:endParaRPr lang="en-US"/>
           </a:p>
@@ -18449,7 +18438,7 @@
                 <a:latin typeface="Segoe UI"/>
               </a:rPr>
               <a:pPr/>
-              <a:t>7/28/16</a:t>
+              <a:t>7/29/16</a:t>
             </a:fld>
             <a:endParaRPr lang="en-US">
               <a:solidFill>
@@ -19024,7 +19013,7 @@
                 <a:latin typeface="Segoe UI"/>
               </a:rPr>
               <a:pPr/>
-              <a:t>7/28/16</a:t>
+              <a:t>7/29/16</a:t>
             </a:fld>
             <a:endParaRPr lang="en-US">
               <a:solidFill>
@@ -27273,53 +27262,8 @@
                   <a:schemeClr val="tx1"/>
                 </a:solidFill>
               </a:rPr>
-              <a:t>Specify the </a:t>
-            </a:r>
-            <a:r>
-              <a:rPr lang="en-US" sz="2400" dirty="0" smtClean="0">
-                <a:solidFill>
-                  <a:schemeClr val="tx1"/>
-                </a:solidFill>
-              </a:rPr>
-              <a:t>“</a:t>
-            </a:r>
-            <a:r>
-              <a:rPr lang="en-US" sz="2400" dirty="0" smtClean="0">
-                <a:solidFill>
-                  <a:schemeClr val="tx1"/>
-                </a:solidFill>
-              </a:rPr>
-              <a:t>desired state” </a:t>
-            </a:r>
-            <a:r>
-              <a:rPr lang="en-US" sz="2400" dirty="0" smtClean="0">
-                <a:solidFill>
-                  <a:schemeClr val="tx1"/>
-                </a:solidFill>
-              </a:rPr>
-              <a:t>of </a:t>
-            </a:r>
-            <a:r>
-              <a:rPr lang="en-US" sz="2400" dirty="0" smtClean="0">
-                <a:solidFill>
-                  <a:schemeClr val="tx1"/>
-                </a:solidFill>
-              </a:rPr>
-              <a:t>configuration </a:t>
-            </a:r>
-            <a:r>
-              <a:rPr lang="en-US" sz="2400" dirty="0" smtClean="0">
-                <a:solidFill>
-                  <a:schemeClr val="tx1"/>
-                </a:solidFill>
-              </a:rPr>
-              <a:t>items</a:t>
-            </a:r>
-            <a:endParaRPr lang="en-US" sz="2400" dirty="0" smtClean="0">
-              <a:solidFill>
-                <a:schemeClr val="tx1"/>
-              </a:solidFill>
-            </a:endParaRPr>
+              <a:t>Specify the “desired state” of configuration items</a:t>
+            </a:r>
           </a:p>
           <a:p>
             <a:pPr marL="1714500" lvl="3" indent="-342900">
@@ -27332,39 +27276,7 @@
                   <a:schemeClr val="tx1"/>
                 </a:solidFill>
               </a:rPr>
-              <a:t>Explains </a:t>
-            </a:r>
-            <a:r>
-              <a:rPr lang="en-US" sz="2400" dirty="0" smtClean="0">
-                <a:solidFill>
-                  <a:schemeClr val="tx1"/>
-                </a:solidFill>
-              </a:rPr>
-              <a:t>the </a:t>
-            </a:r>
-            <a:r>
-              <a:rPr lang="en-US" sz="2400" dirty="0" smtClean="0">
-                <a:solidFill>
-                  <a:schemeClr val="tx1"/>
-                </a:solidFill>
-              </a:rPr>
-              <a:t>steps </a:t>
-            </a:r>
-            <a:r>
-              <a:rPr lang="en-US" sz="2400" dirty="0" smtClean="0">
-                <a:solidFill>
-                  <a:schemeClr val="tx1"/>
-                </a:solidFill>
-              </a:rPr>
-              <a:t>for bringing </a:t>
-            </a:r>
-            <a:r>
-              <a:rPr lang="en-US" sz="2400" dirty="0" smtClean="0">
-                <a:solidFill>
-                  <a:schemeClr val="tx1"/>
-                </a:solidFill>
-              </a:rPr>
-              <a:t>the Resource into the desired state</a:t>
+              <a:t>Explains the steps for bringing the Resource into the desired state</a:t>
             </a:r>
           </a:p>
           <a:p>
@@ -29330,19 +29242,7 @@
               <a:pPr algn="l"/>
               <a:r>
                 <a:rPr lang="en-US" i="0" dirty="0" smtClean="0"/>
-                <a:t>Cookbooks </a:t>
-              </a:r>
-              <a:r>
-                <a:rPr lang="en-US" i="0" dirty="0" smtClean="0"/>
-                <a:t>are </a:t>
-              </a:r>
-              <a:r>
-                <a:rPr lang="en-US" i="0" dirty="0" smtClean="0"/>
-                <a:t>containers of recipes </a:t>
-              </a:r>
-              <a:r>
-                <a:rPr lang="en-US" i="0" dirty="0" smtClean="0"/>
-                <a:t>and supporting policies or files</a:t>
+                <a:t>Cookbooks are containers of recipes and supporting policies or files</a:t>
               </a:r>
               <a:endParaRPr lang="en-US" i="0" dirty="0"/>
             </a:p>
@@ -29412,21 +29312,8 @@
                   <a:schemeClr val="tx1"/>
                 </a:solidFill>
               </a:rPr>
-              <a:t>Define a scenario, and contain all the components needed to support </a:t>
-            </a:r>
-            <a:r>
-              <a:rPr lang="en-US" sz="2800" dirty="0" smtClean="0">
-                <a:solidFill>
-                  <a:schemeClr val="tx1"/>
-                </a:solidFill>
-              </a:rPr>
-              <a:t>the created scenario</a:t>
-            </a:r>
-            <a:endParaRPr lang="en-US" sz="2800" dirty="0" smtClean="0">
-              <a:solidFill>
-                <a:schemeClr val="tx1"/>
-              </a:solidFill>
-            </a:endParaRPr>
+              <a:t>Define a scenario, and contain all the components needed to support the created scenario</a:t>
+            </a:r>
           </a:p>
           <a:p>
             <a:pPr marL="1485900" lvl="3" indent="-342900">
@@ -29453,15 +29340,7 @@
                   <a:schemeClr val="tx1"/>
                 </a:solidFill>
               </a:rPr>
-              <a:t>Distributed </a:t>
-            </a:r>
-            <a:r>
-              <a:rPr lang="en-US" sz="2800" dirty="0" smtClean="0">
-                <a:solidFill>
-                  <a:schemeClr val="tx1"/>
-                </a:solidFill>
-              </a:rPr>
-              <a:t>to all managed nodes who should apply that policy, either manually or by a Chef Server</a:t>
+              <a:t>Distributed to all managed nodes who should apply that policy, either manually or by a Chef Server</a:t>
             </a:r>
           </a:p>
         </p:txBody>
@@ -29703,47 +29582,7 @@
                   <a:schemeClr val="tx1"/>
                 </a:solidFill>
               </a:rPr>
-              <a:t>the </a:t>
-            </a:r>
-            <a:r>
-              <a:rPr lang="en-US" sz="2400" dirty="0" smtClean="0">
-                <a:solidFill>
-                  <a:schemeClr val="tx1"/>
-                </a:solidFill>
-              </a:rPr>
-              <a:t>Supermarket </a:t>
-            </a:r>
-            <a:r>
-              <a:rPr lang="en-US" sz="2400" dirty="0" smtClean="0">
-                <a:solidFill>
-                  <a:schemeClr val="tx1"/>
-                </a:solidFill>
-              </a:rPr>
-              <a:t>is </a:t>
-            </a:r>
-            <a:r>
-              <a:rPr lang="en-US" sz="2400" dirty="0" smtClean="0">
-                <a:solidFill>
-                  <a:schemeClr val="tx1"/>
-                </a:solidFill>
-              </a:rPr>
-              <a:t>not </a:t>
-            </a:r>
-            <a:r>
-              <a:rPr lang="en-US" sz="2400" dirty="0" smtClean="0">
-                <a:solidFill>
-                  <a:schemeClr val="tx1"/>
-                </a:solidFill>
-              </a:rPr>
-              <a:t>managed by Chef</a:t>
-            </a:r>
-            <a:r>
-              <a:rPr lang="en-US" sz="2400" dirty="0" smtClean="0">
-                <a:solidFill>
-                  <a:schemeClr val="tx1"/>
-                </a:solidFill>
-              </a:rPr>
-              <a:t>!</a:t>
+              <a:t>the Supermarket is not managed by Chef!</a:t>
             </a:r>
           </a:p>
         </p:txBody>
@@ -40767,7 +40606,7 @@
   <a:extraClrSchemeLst/>
   <a:extLst>
     <a:ext uri="{05A4C25C-085E-4340-85A3-A5531E510DB2}">
-      <thm15:themeFamily xmlns="" xmlns:thm15="http://schemas.microsoft.com/office/thememl/2012/main" name="Office Theme" id="{62F939B6-93AF-4DB8-9C6B-D6C7DFDC589F}" vid="{4A3C46E8-61CC-4603-A589-7422A47A8E4A}"/>
+      <thm15:themeFamily xmlns:thm15="http://schemas.microsoft.com/office/thememl/2012/main" xmlns="" name="Office Theme" id="{62F939B6-93AF-4DB8-9C6B-D6C7DFDC589F}" vid="{4A3C46E8-61CC-4603-A589-7422A47A8E4A}"/>
     </a:ext>
   </a:extLst>
 </a:theme>
@@ -40968,7 +40807,7 @@
   <a:extraClrSchemeLst/>
   <a:extLst>
     <a:ext uri="{05A4C25C-085E-4340-85A3-A5531E510DB2}">
-      <thm15:themeFamily xmlns:thm15="http://schemas.microsoft.com/office/thememl/2012/main" xmlns="" name="Office Theme" id="{62F939B6-93AF-4DB8-9C6B-D6C7DFDC589F}" vid="{4A3C46E8-61CC-4603-A589-7422A47A8E4A}"/>
+      <thm15:themeFamily xmlns="" xmlns:thm15="http://schemas.microsoft.com/office/thememl/2012/main" name="Office Theme" id="{62F939B6-93AF-4DB8-9C6B-D6C7DFDC589F}" vid="{4A3C46E8-61CC-4603-A589-7422A47A8E4A}"/>
     </a:ext>
   </a:extLst>
 </a:theme>
@@ -41195,7 +41034,7 @@
   <a:extraClrSchemeLst/>
   <a:extLst>
     <a:ext uri="{05A4C25C-085E-4340-85A3-A5531E510DB2}">
-      <thm15:themeFamily xmlns:thm15="http://schemas.microsoft.com/office/thememl/2012/main" xmlns="" name="Office Theme" id="{62F939B6-93AF-4DB8-9C6B-D6C7DFDC589F}" vid="{4A3C46E8-61CC-4603-A589-7422A47A8E4A}"/>
+      <thm15:themeFamily xmlns="" xmlns:thm15="http://schemas.microsoft.com/office/thememl/2012/main" name="Office Theme" id="{62F939B6-93AF-4DB8-9C6B-D6C7DFDC589F}" vid="{4A3C46E8-61CC-4603-A589-7422A47A8E4A}"/>
     </a:ext>
   </a:extLst>
 </a:theme>
@@ -41490,7 +41329,7 @@
   <a:extraClrSchemeLst/>
   <a:extLst>
     <a:ext uri="{05A4C25C-085E-4340-85A3-A5531E510DB2}">
-      <thm15:themeFamily xmlns:thm15="http://schemas.microsoft.com/office/thememl/2012/main" xmlns="" name="Office Theme" id="{62F939B6-93AF-4DB8-9C6B-D6C7DFDC589F}" vid="{4A3C46E8-61CC-4603-A589-7422A47A8E4A}"/>
+      <thm15:themeFamily xmlns="" xmlns:thm15="http://schemas.microsoft.com/office/thememl/2012/main" name="Office Theme" id="{62F939B6-93AF-4DB8-9C6B-D6C7DFDC589F}" vid="{4A3C46E8-61CC-4603-A589-7422A47A8E4A}"/>
     </a:ext>
   </a:extLst>
 </a:theme>

--- a/Complimentary Course Content/Module7/Lessons/Module7_Lesson3 Introduction to Chef.pptx
+++ b/Complimentary Course Content/Module7/Lessons/Module7_Lesson3 Introduction to Chef.pptx
@@ -145,7 +145,7 @@
   </p:defaultTextStyle>
   <p:extLst>
     <p:ext uri="{EFAFB233-063F-42B5-8137-9DF3F51BA10A}">
-      <p15:sldGuideLst xmlns="" xmlns:p15="http://schemas.microsoft.com/office/powerpoint/2012/main">
+      <p15:sldGuideLst xmlns:p15="http://schemas.microsoft.com/office/powerpoint/2012/main">
         <p15:guide id="1" orient="horz" pos="2184" userDrawn="1">
           <p15:clr>
             <a:srgbClr val="A4A3A4"/>
@@ -266,7 +266,7 @@
             <a:fld id="{49B60EF2-7028-489F-85D8-FE86CD7CF2A0}" type="datetimeFigureOut">
               <a:rPr lang="en-US" smtClean="0"/>
               <a:pPr/>
-              <a:t>7/29/16</a:t>
+              <a:t>3/7/17</a:t>
             </a:fld>
             <a:endParaRPr lang="en-US"/>
           </a:p>
@@ -3275,37 +3275,8 @@
                   <a:schemeClr val="tx1"/>
                 </a:solidFill>
               </a:rPr>
-              <a:t>“Resource </a:t>
-            </a:r>
-            <a:r>
-              <a:rPr lang="en-US" sz="1200" dirty="0" smtClean="0">
-                <a:solidFill>
-                  <a:schemeClr val="tx1"/>
-                </a:solidFill>
-              </a:rPr>
-              <a:t>is a </a:t>
-            </a:r>
-            <a:r>
-              <a:rPr lang="en-US" sz="1200" dirty="0" smtClean="0">
-                <a:solidFill>
-                  <a:schemeClr val="tx1"/>
-                </a:solidFill>
-              </a:rPr>
-              <a:t>statement </a:t>
-            </a:r>
-            <a:r>
-              <a:rPr lang="en-US" sz="1200" dirty="0" smtClean="0">
-                <a:solidFill>
-                  <a:schemeClr val="tx1"/>
-                </a:solidFill>
-              </a:rPr>
-              <a:t>of configuration policy”. </a:t>
-            </a:r>
-            <a:endParaRPr lang="en-US" sz="1200" dirty="0" smtClean="0">
-              <a:solidFill>
-                <a:schemeClr val="tx1"/>
-              </a:solidFill>
-            </a:endParaRPr>
+              <a:t>“Resource is a statement of configuration policy”. </a:t>
+            </a:r>
           </a:p>
           <a:p>
             <a:pPr marL="171450" marR="0" lvl="0" indent="-171450" algn="l" defTabSz="914400" rtl="0" eaLnBrk="1" fontAlgn="auto" latinLnBrk="0" hangingPunct="1">
@@ -3331,21 +3302,8 @@
                   <a:schemeClr val="tx1"/>
                 </a:solidFill>
               </a:rPr>
-              <a:t>It </a:t>
-            </a:r>
-            <a:r>
-              <a:rPr lang="en-US" sz="1200" dirty="0" smtClean="0">
-                <a:solidFill>
-                  <a:schemeClr val="tx1"/>
-                </a:solidFill>
-              </a:rPr>
-              <a:t>specifies the desired state of a system component or configuration item. </a:t>
-            </a:r>
-            <a:endParaRPr lang="en-US" sz="1200" dirty="0" smtClean="0">
-              <a:solidFill>
-                <a:schemeClr val="tx1"/>
-              </a:solidFill>
-            </a:endParaRPr>
+              <a:t>It specifies the desired state of a system component or configuration item. </a:t>
+            </a:r>
           </a:p>
           <a:p>
             <a:pPr marL="171450" marR="0" lvl="0" indent="-171450" algn="l" defTabSz="914400" rtl="0" eaLnBrk="1" fontAlgn="auto" latinLnBrk="0" hangingPunct="1">
@@ -3371,31 +3329,15 @@
                   <a:schemeClr val="tx1"/>
                 </a:solidFill>
               </a:rPr>
-              <a:t>building </a:t>
-            </a:r>
-            <a:r>
-              <a:rPr lang="en-US" sz="1200" dirty="0" smtClean="0">
+              <a:t>building blocks of</a:t>
+            </a:r>
+            <a:r>
+              <a:rPr lang="en-US" sz="1200" baseline="0" dirty="0" smtClean="0">
                 <a:solidFill>
                   <a:schemeClr val="tx1"/>
                 </a:solidFill>
               </a:rPr>
-              <a:t>blocks of</a:t>
-            </a:r>
-            <a:r>
-              <a:rPr lang="en-US" sz="1200" baseline="0" dirty="0" smtClean="0">
-                <a:solidFill>
-                  <a:schemeClr val="tx1"/>
-                </a:solidFill>
-              </a:rPr>
-              <a:t> </a:t>
-            </a:r>
-            <a:r>
-              <a:rPr lang="en-US" sz="1200" baseline="0" dirty="0" smtClean="0">
-                <a:solidFill>
-                  <a:schemeClr val="tx1"/>
-                </a:solidFill>
-              </a:rPr>
-              <a:t>chef</a:t>
+              <a:t> chef</a:t>
             </a:r>
             <a:endParaRPr lang="en-US" sz="1200" dirty="0" smtClean="0">
               <a:solidFill>
@@ -3685,19 +3627,7 @@
             </a:pPr>
             <a:r>
               <a:rPr lang="en-US" b="0" baseline="0" dirty="0" smtClean="0"/>
-              <a:t>Every resource has a type that describes the most basic elements of the </a:t>
-            </a:r>
-            <a:r>
-              <a:rPr lang="en-US" b="0" baseline="0" dirty="0" smtClean="0"/>
-              <a:t>system, including: package, file, template</a:t>
-            </a:r>
-            <a:r>
-              <a:rPr lang="en-US" b="0" baseline="0" dirty="0" smtClean="0"/>
-              <a:t>, </a:t>
-            </a:r>
-            <a:r>
-              <a:rPr lang="en-US" b="0" baseline="0" dirty="0" smtClean="0"/>
-              <a:t>execute, service</a:t>
+              <a:t>Every resource has a type that describes the most basic elements of the system, including: package, file, template, execute, service</a:t>
             </a:r>
             <a:r>
               <a:rPr lang="is-IS" b="0" baseline="0" dirty="0" smtClean="0"/>
@@ -4091,17 +4021,8 @@
             </a:r>
             <a:r>
               <a:rPr lang="en-US" b="0" dirty="0" smtClean="0"/>
-              <a:t>of </a:t>
-            </a:r>
-            <a:r>
-              <a:rPr lang="en-US" b="0" dirty="0" smtClean="0"/>
-              <a:t>a </a:t>
-            </a:r>
-            <a:r>
-              <a:rPr lang="en-US" b="0" dirty="0" smtClean="0"/>
-              <a:t>block of ruby code</a:t>
-            </a:r>
-            <a:endParaRPr lang="en-US" b="0" dirty="0" smtClean="0"/>
+              <a:t>of a block of ruby code</a:t>
+            </a:r>
           </a:p>
           <a:p>
             <a:pPr marL="628650" marR="0" lvl="1" indent="-171450" algn="l" defTabSz="914400" rtl="0" eaLnBrk="1" fontAlgn="auto" latinLnBrk="0" hangingPunct="1">
@@ -4123,11 +4044,7 @@
             </a:pPr>
             <a:r>
               <a:rPr lang="en-US" b="0" dirty="0" smtClean="0"/>
-              <a:t>The ruby content is </a:t>
-            </a:r>
-            <a:r>
-              <a:rPr lang="en-US" b="0" dirty="0" smtClean="0"/>
-              <a:t>the second attribute(s) of</a:t>
+              <a:t>The ruby content is the second attribute(s) of</a:t>
             </a:r>
             <a:r>
               <a:rPr lang="en-US" b="0" baseline="0" dirty="0" smtClean="0"/>
@@ -4179,13 +4096,8 @@
             </a:r>
             <a:r>
               <a:rPr lang="en-US" b="0" dirty="0" smtClean="0"/>
-              <a:t>the </a:t>
-            </a:r>
-            <a:r>
-              <a:rPr lang="en-US" b="0" dirty="0" smtClean="0"/>
-              <a:t>content attribute </a:t>
-            </a:r>
-            <a:endParaRPr lang="en-US" b="0" dirty="0" smtClean="0"/>
+              <a:t>the content attribute </a:t>
+            </a:r>
           </a:p>
           <a:p>
             <a:pPr marL="628650" marR="0" lvl="1" indent="-171450" algn="l" defTabSz="914400" rtl="0" eaLnBrk="1" fontAlgn="auto" latinLnBrk="0" hangingPunct="1">
@@ -4230,19 +4142,7 @@
             </a:pPr>
             <a:r>
               <a:rPr lang="en-US" b="0" dirty="0" smtClean="0"/>
-              <a:t>the </a:t>
-            </a:r>
-            <a:r>
-              <a:rPr lang="en-US" b="0" dirty="0" smtClean="0"/>
-              <a:t>action method only takes one parameter</a:t>
-            </a:r>
-            <a:r>
-              <a:rPr lang="en-US" b="0" dirty="0" smtClean="0"/>
-              <a:t>, more </a:t>
-            </a:r>
-            <a:r>
-              <a:rPr lang="en-US" b="0" dirty="0" smtClean="0"/>
-              <a:t>than</a:t>
+              <a:t>the action method only takes one parameter, more than</a:t>
             </a:r>
             <a:r>
               <a:rPr lang="en-US" b="0" baseline="0" dirty="0" smtClean="0"/>
@@ -4250,15 +4150,7 @@
             </a:r>
             <a:r>
               <a:rPr lang="en-US" b="0" dirty="0" smtClean="0"/>
-              <a:t>actions </a:t>
-            </a:r>
-            <a:r>
-              <a:rPr lang="en-US" b="0" dirty="0" smtClean="0"/>
-              <a:t>need an </a:t>
-            </a:r>
-            <a:r>
-              <a:rPr lang="en-US" b="0" dirty="0" smtClean="0"/>
-              <a:t>Array</a:t>
+              <a:t>actions need an Array</a:t>
             </a:r>
           </a:p>
           <a:p>
@@ -4328,11 +4220,7 @@
             </a:pPr>
             <a:r>
               <a:rPr lang="en-US" b="0" dirty="0" smtClean="0"/>
-              <a:t>Resources can have ‘default’ actions (not all do</a:t>
-            </a:r>
-            <a:r>
-              <a:rPr lang="en-US" b="0" dirty="0" smtClean="0"/>
-              <a:t>)</a:t>
+              <a:t>Resources can have ‘default’ actions (not all do)</a:t>
             </a:r>
           </a:p>
           <a:p>
@@ -4355,15 +4243,7 @@
             </a:pPr>
             <a:r>
               <a:rPr lang="en-US" b="0" dirty="0" smtClean="0"/>
-              <a:t>:</a:t>
-            </a:r>
-            <a:r>
-              <a:rPr lang="en-US" b="0" dirty="0" smtClean="0"/>
-              <a:t>install </a:t>
-            </a:r>
-            <a:r>
-              <a:rPr lang="en-US" b="0" dirty="0" smtClean="0"/>
-              <a:t>is</a:t>
+              <a:t>:install is</a:t>
             </a:r>
             <a:r>
               <a:rPr lang="en-US" b="0" baseline="0" dirty="0" smtClean="0"/>
@@ -4959,11 +4839,7 @@
             </a:pPr>
             <a:r>
               <a:rPr lang="en-US" sz="1200" b="0" dirty="0" smtClean="0"/>
-              <a:t>Recipes are </a:t>
-            </a:r>
-            <a:r>
-              <a:rPr lang="en-US" sz="1200" b="0" dirty="0" smtClean="0"/>
-              <a:t>Ruby files</a:t>
+              <a:t>Recipes are Ruby files</a:t>
             </a:r>
           </a:p>
           <a:p>
@@ -5018,11 +4894,7 @@
             </a:r>
             <a:r>
               <a:rPr lang="en-US" sz="1200" b="0" baseline="0" dirty="0" smtClean="0"/>
-              <a:t> </a:t>
-            </a:r>
-            <a:r>
-              <a:rPr lang="en-US" sz="1200" b="0" baseline="0" dirty="0" smtClean="0"/>
-              <a:t>cookbooks</a:t>
+              <a:t> cookbooks</a:t>
             </a:r>
           </a:p>
           <a:p>
@@ -6728,11 +6600,7 @@
             </a:r>
             <a:r>
               <a:rPr lang="en-US" b="0" smtClean="0"/>
-              <a:t>list </a:t>
-            </a:r>
-            <a:r>
-              <a:rPr lang="en-US" b="0" smtClean="0"/>
-              <a:t>is made </a:t>
+              <a:t>list is made </a:t>
             </a:r>
             <a:r>
               <a:rPr lang="en-US" b="0" dirty="0" smtClean="0"/>
@@ -6744,11 +6612,7 @@
             </a:r>
             <a:r>
               <a:rPr lang="en-US" b="0" dirty="0" smtClean="0"/>
-              <a:t>an exact order. </a:t>
-            </a:r>
-            <a:r>
-              <a:rPr lang="en-US" b="0" dirty="0" smtClean="0"/>
-              <a:t>The node object consists of the run-list and node attributes, which is a JSON file that is stored on the Chef server. The chef-client gets a copy of the node object from the Chef server during each chef-client run and places an updated copy on the Chef server at the end of each chef-client run.</a:t>
+              <a:t>an exact order. The node object consists of the run-list and node attributes, which is a JSON file that is stored on the Chef server. The chef-client gets a copy of the node object from the Chef server during each chef-client run and places an updated copy on the Chef server at the end of each chef-client run.</a:t>
             </a:r>
           </a:p>
           <a:p>
@@ -9595,7 +9459,7 @@
             <a:fld id="{0459C166-16D3-4A25-A2F8-C51E0E346B22}" type="datetimeFigureOut">
               <a:rPr lang="en-US" smtClean="0"/>
               <a:pPr/>
-              <a:t>7/29/16</a:t>
+              <a:t>3/7/17</a:t>
             </a:fld>
             <a:endParaRPr lang="en-US"/>
           </a:p>
@@ -9964,7 +9828,7 @@
             <a:fld id="{0459C166-16D3-4A25-A2F8-C51E0E346B22}" type="datetimeFigureOut">
               <a:rPr lang="en-US" smtClean="0"/>
               <a:pPr/>
-              <a:t>7/29/16</a:t>
+              <a:t>3/7/17</a:t>
             </a:fld>
             <a:endParaRPr lang="en-US"/>
           </a:p>
@@ -10084,7 +9948,7 @@
             <a:fld id="{0459C166-16D3-4A25-A2F8-C51E0E346B22}" type="datetimeFigureOut">
               <a:rPr lang="en-US" smtClean="0"/>
               <a:pPr/>
-              <a:t>7/29/16</a:t>
+              <a:t>3/7/17</a:t>
             </a:fld>
             <a:endParaRPr lang="en-US"/>
           </a:p>
@@ -10301,7 +10165,7 @@
                 <a:latin typeface="Segoe UI"/>
               </a:rPr>
               <a:pPr/>
-              <a:t>7/29/16</a:t>
+              <a:t>3/7/17</a:t>
             </a:fld>
             <a:endParaRPr lang="en-US">
               <a:solidFill>
@@ -10506,7 +10370,7 @@
                 <a:latin typeface="Segoe UI"/>
               </a:rPr>
               <a:pPr/>
-              <a:t>7/29/16</a:t>
+              <a:t>3/7/17</a:t>
             </a:fld>
             <a:endParaRPr lang="en-US">
               <a:solidFill>
@@ -10806,7 +10670,7 @@
                 <a:latin typeface="Segoe UI"/>
               </a:rPr>
               <a:pPr/>
-              <a:t>7/29/16</a:t>
+              <a:t>3/7/17</a:t>
             </a:fld>
             <a:endParaRPr lang="en-US">
               <a:solidFill>
@@ -11080,7 +10944,7 @@
                 <a:latin typeface="Segoe UI"/>
               </a:rPr>
               <a:pPr/>
-              <a:t>7/29/16</a:t>
+              <a:t>3/7/17</a:t>
             </a:fld>
             <a:endParaRPr lang="en-US">
               <a:solidFill>
@@ -11481,7 +11345,7 @@
                 <a:latin typeface="Segoe UI"/>
               </a:rPr>
               <a:pPr/>
-              <a:t>7/29/16</a:t>
+              <a:t>3/7/17</a:t>
             </a:fld>
             <a:endParaRPr lang="en-US">
               <a:solidFill>
@@ -11635,7 +11499,7 @@
                 <a:latin typeface="Segoe UI"/>
               </a:rPr>
               <a:pPr/>
-              <a:t>7/29/16</a:t>
+              <a:t>3/7/17</a:t>
             </a:fld>
             <a:endParaRPr lang="en-US">
               <a:solidFill>
@@ -11767,7 +11631,7 @@
                 <a:latin typeface="Segoe UI"/>
               </a:rPr>
               <a:pPr/>
-              <a:t>7/29/16</a:t>
+              <a:t>3/7/17</a:t>
             </a:fld>
             <a:endParaRPr lang="en-US">
               <a:solidFill>
@@ -12079,7 +11943,7 @@
                 <a:latin typeface="Segoe UI"/>
               </a:rPr>
               <a:pPr/>
-              <a:t>7/29/16</a:t>
+              <a:t>3/7/17</a:t>
             </a:fld>
             <a:endParaRPr lang="en-US">
               <a:solidFill>
@@ -12279,7 +12143,7 @@
             <a:fld id="{0459C166-16D3-4A25-A2F8-C51E0E346B22}" type="datetimeFigureOut">
               <a:rPr lang="en-US" smtClean="0"/>
               <a:pPr/>
-              <a:t>7/29/16</a:t>
+              <a:t>3/7/17</a:t>
             </a:fld>
             <a:endParaRPr lang="en-US"/>
           </a:p>
@@ -12540,7 +12404,7 @@
                 <a:latin typeface="Segoe UI"/>
               </a:rPr>
               <a:pPr/>
-              <a:t>7/29/16</a:t>
+              <a:t>3/7/17</a:t>
             </a:fld>
             <a:endParaRPr lang="en-US">
               <a:solidFill>
@@ -12745,7 +12609,7 @@
                 <a:latin typeface="Segoe UI"/>
               </a:rPr>
               <a:pPr/>
-              <a:t>7/29/16</a:t>
+              <a:t>3/7/17</a:t>
             </a:fld>
             <a:endParaRPr lang="en-US">
               <a:solidFill>
@@ -12960,7 +12824,7 @@
                 <a:latin typeface="Segoe UI"/>
               </a:rPr>
               <a:pPr/>
-              <a:t>7/29/16</a:t>
+              <a:t>3/7/17</a:t>
             </a:fld>
             <a:endParaRPr lang="en-US">
               <a:solidFill>
@@ -13205,7 +13069,7 @@
                 <a:latin typeface="Segoe UI"/>
               </a:rPr>
               <a:pPr/>
-              <a:t>7/29/16</a:t>
+              <a:t>3/7/17</a:t>
             </a:fld>
             <a:endParaRPr lang="en-US">
               <a:solidFill>
@@ -13410,7 +13274,7 @@
                 <a:latin typeface="Segoe UI"/>
               </a:rPr>
               <a:pPr/>
-              <a:t>7/29/16</a:t>
+              <a:t>3/7/17</a:t>
             </a:fld>
             <a:endParaRPr lang="en-US">
               <a:solidFill>
@@ -13710,7 +13574,7 @@
                 <a:latin typeface="Segoe UI"/>
               </a:rPr>
               <a:pPr/>
-              <a:t>7/29/16</a:t>
+              <a:t>3/7/17</a:t>
             </a:fld>
             <a:endParaRPr lang="en-US">
               <a:solidFill>
@@ -13984,7 +13848,7 @@
                 <a:latin typeface="Segoe UI"/>
               </a:rPr>
               <a:pPr/>
-              <a:t>7/29/16</a:t>
+              <a:t>3/7/17</a:t>
             </a:fld>
             <a:endParaRPr lang="en-US">
               <a:solidFill>
@@ -14385,7 +14249,7 @@
                 <a:latin typeface="Segoe UI"/>
               </a:rPr>
               <a:pPr/>
-              <a:t>7/29/16</a:t>
+              <a:t>3/7/17</a:t>
             </a:fld>
             <a:endParaRPr lang="en-US">
               <a:solidFill>
@@ -14539,7 +14403,7 @@
                 <a:latin typeface="Segoe UI"/>
               </a:rPr>
               <a:pPr/>
-              <a:t>7/29/16</a:t>
+              <a:t>3/7/17</a:t>
             </a:fld>
             <a:endParaRPr lang="en-US">
               <a:solidFill>
@@ -14671,7 +14535,7 @@
                 <a:latin typeface="Segoe UI"/>
               </a:rPr>
               <a:pPr/>
-              <a:t>7/29/16</a:t>
+              <a:t>3/7/17</a:t>
             </a:fld>
             <a:endParaRPr lang="en-US">
               <a:solidFill>
@@ -14965,7 +14829,7 @@
             <a:fld id="{0459C166-16D3-4A25-A2F8-C51E0E346B22}" type="datetimeFigureOut">
               <a:rPr lang="en-US" smtClean="0"/>
               <a:pPr/>
-              <a:t>7/29/16</a:t>
+              <a:t>3/7/17</a:t>
             </a:fld>
             <a:endParaRPr lang="en-US"/>
           </a:p>
@@ -15265,7 +15129,7 @@
                 <a:latin typeface="Segoe UI"/>
               </a:rPr>
               <a:pPr/>
-              <a:t>7/29/16</a:t>
+              <a:t>3/7/17</a:t>
             </a:fld>
             <a:endParaRPr lang="en-US">
               <a:solidFill>
@@ -15554,7 +15418,7 @@
                 <a:latin typeface="Segoe UI"/>
               </a:rPr>
               <a:pPr/>
-              <a:t>7/29/16</a:t>
+              <a:t>3/7/17</a:t>
             </a:fld>
             <a:endParaRPr lang="en-US">
               <a:solidFill>
@@ -15759,7 +15623,7 @@
                 <a:latin typeface="Segoe UI"/>
               </a:rPr>
               <a:pPr/>
-              <a:t>7/29/16</a:t>
+              <a:t>3/7/17</a:t>
             </a:fld>
             <a:endParaRPr lang="en-US">
               <a:solidFill>
@@ -15974,7 +15838,7 @@
                 <a:latin typeface="Segoe UI"/>
               </a:rPr>
               <a:pPr/>
-              <a:t>7/29/16</a:t>
+              <a:t>3/7/17</a:t>
             </a:fld>
             <a:endParaRPr lang="en-US">
               <a:solidFill>
@@ -16306,7 +16170,7 @@
             <a:fld id="{0459C166-16D3-4A25-A2F8-C51E0E346B22}" type="datetimeFigureOut">
               <a:rPr lang="en-US" smtClean="0"/>
               <a:pPr/>
-              <a:t>7/29/16</a:t>
+              <a:t>3/7/17</a:t>
             </a:fld>
             <a:endParaRPr lang="en-US"/>
           </a:p>
@@ -16705,7 +16569,7 @@
             <a:fld id="{0459C166-16D3-4A25-A2F8-C51E0E346B22}" type="datetimeFigureOut">
               <a:rPr lang="en-US" smtClean="0"/>
               <a:pPr/>
-              <a:t>7/29/16</a:t>
+              <a:t>3/7/17</a:t>
             </a:fld>
             <a:endParaRPr lang="en-US"/>
           </a:p>
@@ -17677,7 +17541,7 @@
             <a:fld id="{0459C166-16D3-4A25-A2F8-C51E0E346B22}" type="datetimeFigureOut">
               <a:rPr lang="en-US" smtClean="0"/>
               <a:pPr/>
-              <a:t>7/29/16</a:t>
+              <a:t>3/7/17</a:t>
             </a:fld>
             <a:endParaRPr lang="en-US"/>
           </a:p>
@@ -17891,7 +17755,7 @@
             <a:fld id="{0459C166-16D3-4A25-A2F8-C51E0E346B22}" type="datetimeFigureOut">
               <a:rPr lang="en-US" smtClean="0"/>
               <a:pPr/>
-              <a:t>7/29/16</a:t>
+              <a:t>3/7/17</a:t>
             </a:fld>
             <a:endParaRPr lang="en-US"/>
           </a:p>
@@ -18438,7 +18302,7 @@
                 <a:latin typeface="Segoe UI"/>
               </a:rPr>
               <a:pPr/>
-              <a:t>7/29/16</a:t>
+              <a:t>3/7/17</a:t>
             </a:fld>
             <a:endParaRPr lang="en-US">
               <a:solidFill>
@@ -19013,7 +18877,7 @@
                 <a:latin typeface="Segoe UI"/>
               </a:rPr>
               <a:pPr/>
-              <a:t>7/29/16</a:t>
+              <a:t>3/7/17</a:t>
             </a:fld>
             <a:endParaRPr lang="en-US">
               <a:solidFill>
@@ -19982,7 +19846,7 @@
   <p:timing>
     <p:tnLst>
       <p:par>
-        <p:cTn xmlns:p14="http://schemas.microsoft.com/office/powerpoint/2010/main" id="1" dur="indefinite" restart="never" nodeType="tmRoot"/>
+        <p:cTn id="1" dur="indefinite" restart="never" nodeType="tmRoot"/>
       </p:par>
     </p:tnLst>
   </p:timing>
@@ -20403,7 +20267,7 @@
   <p:timing>
     <p:tnLst>
       <p:par>
-        <p:cTn xmlns:p14="http://schemas.microsoft.com/office/powerpoint/2010/main" id="1" dur="indefinite" restart="never" nodeType="tmRoot"/>
+        <p:cTn id="1" dur="indefinite" restart="never" nodeType="tmRoot"/>
       </p:par>
     </p:tnLst>
   </p:timing>
@@ -20909,7 +20773,7 @@
   <p:timing>
     <p:tnLst>
       <p:par>
-        <p:cTn xmlns:p14="http://schemas.microsoft.com/office/powerpoint/2010/main" id="1" dur="indefinite" restart="never" nodeType="tmRoot"/>
+        <p:cTn id="1" dur="indefinite" restart="never" nodeType="tmRoot"/>
       </p:par>
     </p:tnLst>
   </p:timing>
@@ -21410,7 +21274,7 @@
   <p:timing>
     <p:tnLst>
       <p:par>
-        <p:cTn xmlns:p14="http://schemas.microsoft.com/office/powerpoint/2010/main" id="1" dur="indefinite" restart="never" nodeType="tmRoot"/>
+        <p:cTn id="1" dur="indefinite" restart="never" nodeType="tmRoot"/>
       </p:par>
     </p:tnLst>
   </p:timing>
@@ -21854,7 +21718,7 @@
   <p:timing>
     <p:tnLst>
       <p:par>
-        <p:cTn xmlns:p14="http://schemas.microsoft.com/office/powerpoint/2010/main" id="1" dur="indefinite" restart="never" nodeType="tmRoot"/>
+        <p:cTn id="1" dur="indefinite" restart="never" nodeType="tmRoot"/>
       </p:par>
     </p:tnLst>
   </p:timing>
@@ -22527,7 +22391,7 @@
   <p:timing>
     <p:tnLst>
       <p:par>
-        <p:cTn xmlns:p14="http://schemas.microsoft.com/office/powerpoint/2010/main" id="1" dur="indefinite" restart="never" nodeType="tmRoot"/>
+        <p:cTn id="1" dur="indefinite" restart="never" nodeType="tmRoot"/>
       </p:par>
     </p:tnLst>
   </p:timing>
@@ -23003,7 +22867,7 @@
   <p:timing>
     <p:tnLst>
       <p:par>
-        <p:cTn xmlns:p14="http://schemas.microsoft.com/office/powerpoint/2010/main" id="1" dur="indefinite" restart="never" nodeType="tmRoot"/>
+        <p:cTn id="1" dur="indefinite" restart="never" nodeType="tmRoot"/>
       </p:par>
     </p:tnLst>
   </p:timing>
@@ -23435,7 +23299,7 @@
   <p:timing>
     <p:tnLst>
       <p:par>
-        <p:cTn xmlns:p14="http://schemas.microsoft.com/office/powerpoint/2010/main" id="1" dur="indefinite" restart="never" nodeType="tmRoot"/>
+        <p:cTn id="1" dur="indefinite" restart="never" nodeType="tmRoot"/>
       </p:par>
     </p:tnLst>
   </p:timing>
@@ -23928,7 +23792,7 @@
   <p:timing>
     <p:tnLst>
       <p:par>
-        <p:cTn xmlns:p14="http://schemas.microsoft.com/office/powerpoint/2010/main" id="1" dur="indefinite" restart="never" nodeType="tmRoot"/>
+        <p:cTn id="1" dur="indefinite" restart="never" nodeType="tmRoot"/>
       </p:par>
     </p:tnLst>
   </p:timing>
@@ -25980,7 +25844,7 @@
   <p:timing>
     <p:tnLst>
       <p:par>
-        <p:cTn xmlns:p14="http://schemas.microsoft.com/office/powerpoint/2010/main" id="1" dur="indefinite" restart="never" nodeType="tmRoot"/>
+        <p:cTn id="1" dur="indefinite" restart="never" nodeType="tmRoot"/>
       </p:par>
     </p:tnLst>
   </p:timing>
@@ -26422,7 +26286,7 @@
   <p:timing>
     <p:tnLst>
       <p:par>
-        <p:cTn xmlns:p14="http://schemas.microsoft.com/office/powerpoint/2010/main" id="1" dur="indefinite" restart="never" nodeType="tmRoot"/>
+        <p:cTn id="1" dur="indefinite" restart="never" nodeType="tmRoot"/>
       </p:par>
     </p:tnLst>
   </p:timing>
@@ -26878,7 +26742,7 @@
   <p:timing>
     <p:tnLst>
       <p:par>
-        <p:cTn xmlns:p14="http://schemas.microsoft.com/office/powerpoint/2010/main" id="1" dur="indefinite" restart="never" nodeType="tmRoot"/>
+        <p:cTn id="1" dur="indefinite" restart="never" nodeType="tmRoot"/>
       </p:par>
     </p:tnLst>
   </p:timing>
@@ -27338,7 +27202,7 @@
   <p:timing>
     <p:tnLst>
       <p:par>
-        <p:cTn xmlns:p14="http://schemas.microsoft.com/office/powerpoint/2010/main" id="1" dur="indefinite" restart="never" nodeType="tmRoot"/>
+        <p:cTn id="1" dur="indefinite" restart="never" nodeType="tmRoot"/>
       </p:par>
     </p:tnLst>
   </p:timing>
@@ -27530,7 +27394,7 @@
   <p:timing>
     <p:tnLst>
       <p:par>
-        <p:cTn xmlns:p14="http://schemas.microsoft.com/office/powerpoint/2010/main" id="1" dur="indefinite" restart="never" nodeType="tmRoot"/>
+        <p:cTn id="1" dur="indefinite" restart="never" nodeType="tmRoot"/>
       </p:par>
     </p:tnLst>
   </p:timing>
@@ -28192,7 +28056,7 @@
   <p:timing>
     <p:tnLst>
       <p:par>
-        <p:cTn xmlns:p14="http://schemas.microsoft.com/office/powerpoint/2010/main" id="1" dur="indefinite" restart="never" nodeType="tmRoot"/>
+        <p:cTn id="1" dur="indefinite" restart="never" nodeType="tmRoot"/>
       </p:par>
     </p:tnLst>
   </p:timing>
@@ -28668,7 +28532,7 @@
   <p:timing>
     <p:tnLst>
       <p:par>
-        <p:cTn xmlns:p14="http://schemas.microsoft.com/office/powerpoint/2010/main" id="1" dur="indefinite" restart="never" nodeType="tmRoot"/>
+        <p:cTn id="1" dur="indefinite" restart="never" nodeType="tmRoot"/>
       </p:par>
     </p:tnLst>
   </p:timing>
@@ -28928,7 +28792,7 @@
   <p:timing>
     <p:tnLst>
       <p:par>
-        <p:cTn xmlns:p14="http://schemas.microsoft.com/office/powerpoint/2010/main" id="1" dur="indefinite" restart="never" nodeType="tmRoot"/>
+        <p:cTn id="1" dur="indefinite" restart="never" nodeType="tmRoot"/>
       </p:par>
     </p:tnLst>
   </p:timing>
@@ -29358,7 +29222,7 @@
   <p:timing>
     <p:tnLst>
       <p:par>
-        <p:cTn xmlns:p14="http://schemas.microsoft.com/office/powerpoint/2010/main" id="1" dur="indefinite" restart="never" nodeType="tmRoot"/>
+        <p:cTn id="1" dur="indefinite" restart="never" nodeType="tmRoot"/>
       </p:par>
     </p:tnLst>
   </p:timing>
@@ -29600,7 +29464,7 @@
   <p:timing>
     <p:tnLst>
       <p:par>
-        <p:cTn xmlns:p14="http://schemas.microsoft.com/office/powerpoint/2010/main" id="1" dur="indefinite" restart="never" nodeType="tmRoot"/>
+        <p:cTn id="1" dur="indefinite" restart="never" nodeType="tmRoot"/>
       </p:par>
     </p:tnLst>
   </p:timing>
@@ -30047,7 +29911,7 @@
   <p:timing>
     <p:tnLst>
       <p:par>
-        <p:cTn xmlns:p14="http://schemas.microsoft.com/office/powerpoint/2010/main" id="1" dur="indefinite" restart="never" nodeType="tmRoot"/>
+        <p:cTn id="1" dur="indefinite" restart="never" nodeType="tmRoot"/>
       </p:par>
     </p:tnLst>
   </p:timing>
@@ -30479,6 +30343,19 @@
               </a:rPr>
               <a:t>The Node Object that was </a:t>
             </a:r>
+            <a:r>
+              <a:rPr lang="en-US" sz="2400" dirty="0" smtClean="0">
+                <a:solidFill>
+                  <a:schemeClr val="tx1"/>
+                </a:solidFill>
+              </a:rPr>
+              <a:t>saved the the Chef server at the end of the last Chef-client run</a:t>
+            </a:r>
+            <a:endParaRPr lang="en-US" sz="2400" dirty="0" smtClean="0">
+              <a:solidFill>
+                <a:schemeClr val="tx1"/>
+              </a:solidFill>
+            </a:endParaRPr>
           </a:p>
           <a:p>
             <a:pPr marL="1493838" lvl="3" indent="-342900">
@@ -30491,7 +30368,23 @@
                   <a:schemeClr val="tx1"/>
                 </a:solidFill>
               </a:rPr>
-              <a:t>Are stored and indexed by a Chef Server</a:t>
+              <a:t>Updated Node </a:t>
+            </a:r>
+            <a:r>
+              <a:rPr lang="en-US" sz="2400" smtClean="0">
+                <a:solidFill>
+                  <a:schemeClr val="tx1"/>
+                </a:solidFill>
+              </a:rPr>
+              <a:t>objects pushed, stored, </a:t>
+            </a:r>
+            <a:r>
+              <a:rPr lang="en-US" sz="2400" dirty="0" smtClean="0">
+                <a:solidFill>
+                  <a:schemeClr val="tx1"/>
+                </a:solidFill>
+              </a:rPr>
+              <a:t>and indexed by a Chef Server</a:t>
             </a:r>
           </a:p>
           <a:p>
@@ -30523,7 +30416,7 @@
   <p:timing>
     <p:tnLst>
       <p:par>
-        <p:cTn xmlns:p14="http://schemas.microsoft.com/office/powerpoint/2010/main" id="1" dur="indefinite" restart="never" nodeType="tmRoot"/>
+        <p:cTn id="1" dur="indefinite" restart="never" nodeType="tmRoot"/>
       </p:par>
     </p:tnLst>
   </p:timing>
@@ -30648,7 +30541,7 @@
   <p:timing>
     <p:tnLst>
       <p:par>
-        <p:cTn xmlns:p14="http://schemas.microsoft.com/office/powerpoint/2010/main" id="1" dur="indefinite" restart="never" nodeType="tmRoot"/>
+        <p:cTn id="1" dur="indefinite" restart="never" nodeType="tmRoot"/>
       </p:par>
     </p:tnLst>
   </p:timing>
@@ -31405,7 +31298,7 @@
   <p:timing>
     <p:tnLst>
       <p:par>
-        <p:cTn xmlns:p14="http://schemas.microsoft.com/office/powerpoint/2010/main" id="1" dur="indefinite" restart="never" nodeType="tmRoot"/>
+        <p:cTn id="1" dur="indefinite" restart="never" nodeType="tmRoot"/>
       </p:par>
     </p:tnLst>
   </p:timing>
@@ -31863,7 +31756,7 @@
   <p:timing>
     <p:tnLst>
       <p:par>
-        <p:cTn xmlns:p14="http://schemas.microsoft.com/office/powerpoint/2010/main" id="1" dur="indefinite" restart="never" nodeType="tmRoot"/>
+        <p:cTn id="1" dur="indefinite" restart="never" nodeType="tmRoot"/>
       </p:par>
     </p:tnLst>
   </p:timing>
@@ -33112,7 +33005,7 @@
   <p:timing>
     <p:tnLst>
       <p:par>
-        <p:cTn xmlns:p14="http://schemas.microsoft.com/office/powerpoint/2010/main" id="1" dur="indefinite" restart="never" nodeType="tmRoot"/>
+        <p:cTn id="1" dur="indefinite" restart="never" nodeType="tmRoot"/>
       </p:par>
     </p:tnLst>
   </p:timing>
@@ -33578,7 +33471,7 @@
   <p:timing>
     <p:tnLst>
       <p:par>
-        <p:cTn xmlns:p14="http://schemas.microsoft.com/office/powerpoint/2010/main" id="1" dur="indefinite" restart="never" nodeType="tmRoot"/>
+        <p:cTn id="1" dur="indefinite" restart="never" nodeType="tmRoot"/>
       </p:par>
     </p:tnLst>
   </p:timing>
@@ -34137,7 +34030,7 @@
   <p:timing>
     <p:tnLst>
       <p:par>
-        <p:cTn xmlns:p14="http://schemas.microsoft.com/office/powerpoint/2010/main" id="1" dur="indefinite" restart="never" nodeType="tmRoot"/>
+        <p:cTn id="1" dur="indefinite" restart="never" nodeType="tmRoot"/>
       </p:par>
     </p:tnLst>
   </p:timing>
@@ -34597,7 +34490,7 @@
   <p:timing>
     <p:tnLst>
       <p:par>
-        <p:cTn xmlns:p14="http://schemas.microsoft.com/office/powerpoint/2010/main" id="1" dur="indefinite" restart="never" nodeType="tmRoot"/>
+        <p:cTn id="1" dur="indefinite" restart="never" nodeType="tmRoot"/>
       </p:par>
     </p:tnLst>
   </p:timing>
@@ -35047,7 +34940,7 @@
   <p:timing>
     <p:tnLst>
       <p:par>
-        <p:cTn xmlns:p14="http://schemas.microsoft.com/office/powerpoint/2010/main" id="1" dur="indefinite" restart="never" nodeType="tmRoot"/>
+        <p:cTn id="1" dur="indefinite" restart="never" nodeType="tmRoot"/>
       </p:par>
     </p:tnLst>
   </p:timing>
@@ -35108,7 +35001,7 @@
         <p:spPr/>
         <p:txBody>
           <a:bodyPr>
-            <a:normAutofit fontScale="85000" lnSpcReduction="10000"/>
+            <a:normAutofit fontScale="92500" lnSpcReduction="20000"/>
           </a:bodyPr>
           <a:lstStyle/>
           <a:p>
@@ -35170,7 +35063,7 @@
   <p:timing>
     <p:tnLst>
       <p:par>
-        <p:cTn xmlns:p14="http://schemas.microsoft.com/office/powerpoint/2010/main" id="1" dur="indefinite" restart="never" nodeType="tmRoot"/>
+        <p:cTn id="1" dur="indefinite" restart="never" nodeType="tmRoot"/>
       </p:par>
     </p:tnLst>
   </p:timing>
@@ -35239,7 +35132,7 @@
         <p:spPr/>
         <p:txBody>
           <a:bodyPr>
-            <a:normAutofit fontScale="92500" lnSpcReduction="10000"/>
+            <a:normAutofit lnSpcReduction="10000"/>
           </a:bodyPr>
           <a:lstStyle/>
           <a:p>
@@ -36006,7 +35899,7 @@
   <p:timing>
     <p:tnLst>
       <p:par>
-        <p:cTn xmlns:p14="http://schemas.microsoft.com/office/powerpoint/2010/main" id="1" dur="indefinite" restart="never" nodeType="tmRoot"/>
+        <p:cTn id="1" dur="indefinite" restart="never" nodeType="tmRoot"/>
       </p:par>
     </p:tnLst>
   </p:timing>
@@ -36696,7 +36589,7 @@
   <p:timing>
     <p:tnLst>
       <p:par>
-        <p:cTn xmlns:p14="http://schemas.microsoft.com/office/powerpoint/2010/main" id="1" dur="indefinite" restart="never" nodeType="tmRoot"/>
+        <p:cTn id="1" dur="indefinite" restart="never" nodeType="tmRoot"/>
       </p:par>
     </p:tnLst>
   </p:timing>
@@ -40606,7 +40499,7 @@
   <a:extraClrSchemeLst/>
   <a:extLst>
     <a:ext uri="{05A4C25C-085E-4340-85A3-A5531E510DB2}">
-      <thm15:themeFamily xmlns:thm15="http://schemas.microsoft.com/office/thememl/2012/main" xmlns="" name="Office Theme" id="{62F939B6-93AF-4DB8-9C6B-D6C7DFDC589F}" vid="{4A3C46E8-61CC-4603-A589-7422A47A8E4A}"/>
+      <thm15:themeFamily xmlns:thm15="http://schemas.microsoft.com/office/thememl/2012/main" name="Office Theme" id="{62F939B6-93AF-4DB8-9C6B-D6C7DFDC589F}" vid="{4A3C46E8-61CC-4603-A589-7422A47A8E4A}"/>
     </a:ext>
   </a:extLst>
 </a:theme>
@@ -40807,7 +40700,7 @@
   <a:extraClrSchemeLst/>
   <a:extLst>
     <a:ext uri="{05A4C25C-085E-4340-85A3-A5531E510DB2}">
-      <thm15:themeFamily xmlns="" xmlns:thm15="http://schemas.microsoft.com/office/thememl/2012/main" name="Office Theme" id="{62F939B6-93AF-4DB8-9C6B-D6C7DFDC589F}" vid="{4A3C46E8-61CC-4603-A589-7422A47A8E4A}"/>
+      <thm15:themeFamily xmlns:thm15="http://schemas.microsoft.com/office/thememl/2012/main" name="Office Theme" id="{62F939B6-93AF-4DB8-9C6B-D6C7DFDC589F}" vid="{4A3C46E8-61CC-4603-A589-7422A47A8E4A}"/>
     </a:ext>
   </a:extLst>
 </a:theme>
@@ -41034,7 +40927,7 @@
   <a:extraClrSchemeLst/>
   <a:extLst>
     <a:ext uri="{05A4C25C-085E-4340-85A3-A5531E510DB2}">
-      <thm15:themeFamily xmlns="" xmlns:thm15="http://schemas.microsoft.com/office/thememl/2012/main" name="Office Theme" id="{62F939B6-93AF-4DB8-9C6B-D6C7DFDC589F}" vid="{4A3C46E8-61CC-4603-A589-7422A47A8E4A}"/>
+      <thm15:themeFamily xmlns:thm15="http://schemas.microsoft.com/office/thememl/2012/main" name="Office Theme" id="{62F939B6-93AF-4DB8-9C6B-D6C7DFDC589F}" vid="{4A3C46E8-61CC-4603-A589-7422A47A8E4A}"/>
     </a:ext>
   </a:extLst>
 </a:theme>
@@ -41329,7 +41222,7 @@
   <a:extraClrSchemeLst/>
   <a:extLst>
     <a:ext uri="{05A4C25C-085E-4340-85A3-A5531E510DB2}">
-      <thm15:themeFamily xmlns="" xmlns:thm15="http://schemas.microsoft.com/office/thememl/2012/main" name="Office Theme" id="{62F939B6-93AF-4DB8-9C6B-D6C7DFDC589F}" vid="{4A3C46E8-61CC-4603-A589-7422A47A8E4A}"/>
+      <thm15:themeFamily xmlns:thm15="http://schemas.microsoft.com/office/thememl/2012/main" name="Office Theme" id="{62F939B6-93AF-4DB8-9C6B-D6C7DFDC589F}" vid="{4A3C46E8-61CC-4603-A589-7422A47A8E4A}"/>
     </a:ext>
   </a:extLst>
 </a:theme>
